--- a/DsDotNet/src/UnitTest/UnitTest.Model/ImportOfficeExample/Sample/kit.pptx
+++ b/DsDotNet/src/UnitTest/UnitTest.Model/ImportOfficeExample/Sample/kit.pptx
@@ -219,7 +219,7 @@
           <a:p>
             <a:fld id="{DD503887-5801-43A0-AEF9-041E8DDC2558}" type="datetimeFigureOut">
               <a:rPr lang="ko-KR" altLang="en-US" smtClean="0"/>
-              <a:t>2023-11-03</a:t>
+              <a:t>2023-11-06</a:t>
             </a:fld>
             <a:endParaRPr lang="ko-KR" altLang="en-US" dirty="0"/>
           </a:p>
@@ -396,7 +396,7 @@
           <a:p>
             <a:fld id="{95336A0E-57B1-4D4C-BD9B-2F72B5943464}" type="datetimeFigureOut">
               <a:rPr lang="ko-KR" altLang="en-US" smtClean="0"/>
-              <a:t>2023-11-03</a:t>
+              <a:t>2023-11-06</a:t>
             </a:fld>
             <a:endParaRPr lang="ko-KR" altLang="en-US" dirty="0"/>
           </a:p>
@@ -978,7 +978,7 @@
           <a:p>
             <a:fld id="{229D12C7-0FF5-4972-A033-474EFFC79F40}" type="datetime1">
               <a:rPr lang="ko-KR" altLang="en-US" smtClean="0"/>
-              <a:t>2023-11-03</a:t>
+              <a:t>2023-11-06</a:t>
             </a:fld>
             <a:endParaRPr lang="ko-KR" altLang="en-US" dirty="0"/>
           </a:p>
@@ -1176,7 +1176,7 @@
           <a:p>
             <a:fld id="{5BA19FD4-B052-4F56-8FD8-EAFD078DEFB0}" type="datetime1">
               <a:rPr lang="ko-KR" altLang="en-US" smtClean="0"/>
-              <a:t>2023-11-03</a:t>
+              <a:t>2023-11-06</a:t>
             </a:fld>
             <a:endParaRPr lang="ko-KR" altLang="en-US" dirty="0"/>
           </a:p>
@@ -1384,7 +1384,7 @@
           <a:p>
             <a:fld id="{024994B9-23A6-4B0A-A038-AC140E83DAA3}" type="datetime1">
               <a:rPr lang="ko-KR" altLang="en-US" smtClean="0"/>
-              <a:t>2023-11-03</a:t>
+              <a:t>2023-11-06</a:t>
             </a:fld>
             <a:endParaRPr lang="ko-KR" altLang="en-US" dirty="0"/>
           </a:p>
@@ -1526,7 +1526,7 @@
           <a:p>
             <a:fld id="{B5B1BBC2-B738-4C35-AEE5-660EB2DEB482}" type="datetime1">
               <a:rPr lang="ko-KR" altLang="en-US" smtClean="0"/>
-              <a:t>2023-11-03</a:t>
+              <a:t>2023-11-06</a:t>
             </a:fld>
             <a:endParaRPr lang="ko-KR" altLang="en-US" dirty="0"/>
           </a:p>
@@ -6193,7 +6193,7 @@
           <a:p>
             <a:fld id="{C984B0C4-64BA-4E4C-B5E6-A51EE3F6ED95}" type="datetime1">
               <a:rPr lang="ko-KR" altLang="en-US" smtClean="0"/>
-              <a:t>2023-11-03</a:t>
+              <a:t>2023-11-06</a:t>
             </a:fld>
             <a:endParaRPr lang="ko-KR" altLang="en-US" dirty="0"/>
           </a:p>
@@ -6391,7 +6391,7 @@
           <a:p>
             <a:fld id="{70D0DAB2-87CB-4028-B965-3AA710ADF2CB}" type="datetime1">
               <a:rPr lang="ko-KR" altLang="en-US" smtClean="0"/>
-              <a:t>2023-11-03</a:t>
+              <a:t>2023-11-06</a:t>
             </a:fld>
             <a:endParaRPr lang="ko-KR" altLang="en-US" dirty="0"/>
           </a:p>
@@ -6666,7 +6666,7 @@
           <a:p>
             <a:fld id="{63FA3D71-FEA8-477F-9D1E-EA860F411BC7}" type="datetime1">
               <a:rPr lang="ko-KR" altLang="en-US" smtClean="0"/>
-              <a:t>2023-11-03</a:t>
+              <a:t>2023-11-06</a:t>
             </a:fld>
             <a:endParaRPr lang="ko-KR" altLang="en-US" dirty="0"/>
           </a:p>
@@ -6931,7 +6931,7 @@
           <a:p>
             <a:fld id="{F58E3EF4-7980-4C97-BA64-EC66995BB574}" type="datetime1">
               <a:rPr lang="ko-KR" altLang="en-US" smtClean="0"/>
-              <a:t>2023-11-03</a:t>
+              <a:t>2023-11-06</a:t>
             </a:fld>
             <a:endParaRPr lang="ko-KR" altLang="en-US" dirty="0"/>
           </a:p>
@@ -7343,7 +7343,7 @@
           <a:p>
             <a:fld id="{FC9BC1D0-7D6B-4634-9D19-644040D74EAE}" type="datetime1">
               <a:rPr lang="ko-KR" altLang="en-US" smtClean="0"/>
-              <a:t>2023-11-03</a:t>
+              <a:t>2023-11-06</a:t>
             </a:fld>
             <a:endParaRPr lang="ko-KR" altLang="en-US" dirty="0"/>
           </a:p>
@@ -7484,7 +7484,7 @@
           <a:p>
             <a:fld id="{B5B1BBC2-B738-4C35-AEE5-660EB2DEB482}" type="datetime1">
               <a:rPr lang="ko-KR" altLang="en-US" smtClean="0"/>
-              <a:t>2023-11-03</a:t>
+              <a:t>2023-11-06</a:t>
             </a:fld>
             <a:endParaRPr lang="ko-KR" altLang="en-US" dirty="0"/>
           </a:p>
@@ -12066,7 +12066,7 @@
           <a:p>
             <a:fld id="{C60E9F93-7E77-4F36-B88C-A425F00C8D91}" type="datetime1">
               <a:rPr lang="ko-KR" altLang="en-US" smtClean="0"/>
-              <a:t>2023-11-03</a:t>
+              <a:t>2023-11-06</a:t>
             </a:fld>
             <a:endParaRPr lang="ko-KR" altLang="en-US" dirty="0"/>
           </a:p>
@@ -12377,7 +12377,7 @@
           <a:p>
             <a:fld id="{36BCCD0E-2A54-4016-BFFC-FEAABCDA6915}" type="datetime1">
               <a:rPr lang="ko-KR" altLang="en-US" smtClean="0"/>
-              <a:t>2023-11-03</a:t>
+              <a:t>2023-11-06</a:t>
             </a:fld>
             <a:endParaRPr lang="ko-KR" altLang="en-US" dirty="0"/>
           </a:p>
@@ -12665,7 +12665,7 @@
           <a:p>
             <a:fld id="{C984B0C4-64BA-4E4C-B5E6-A51EE3F6ED95}" type="datetime1">
               <a:rPr lang="ko-KR" altLang="en-US" smtClean="0"/>
-              <a:t>2023-11-03</a:t>
+              <a:t>2023-11-06</a:t>
             </a:fld>
             <a:endParaRPr lang="ko-KR" altLang="en-US" dirty="0"/>
           </a:p>
@@ -12907,7 +12907,7 @@
           <a:p>
             <a:fld id="{C984B0C4-64BA-4E4C-B5E6-A51EE3F6ED95}" type="datetime1">
               <a:rPr lang="ko-KR" altLang="en-US" smtClean="0"/>
-              <a:t>2023-11-03</a:t>
+              <a:t>2023-11-06</a:t>
             </a:fld>
             <a:endParaRPr lang="ko-KR" altLang="en-US" dirty="0"/>
           </a:p>
@@ -13395,7 +13395,7 @@
 </file>
 
 <file path=ppt/slides/slide2.xml><?xml version="1.0" encoding="utf-8"?>
-<p:sld xmlns:a="http://schemas.openxmlformats.org/drawingml/2006/main" xmlns:r="http://schemas.openxmlformats.org/officeDocument/2006/relationships" xmlns:p="http://schemas.openxmlformats.org/presentationml/2006/main" show="0">
+<p:sld xmlns:a="http://schemas.openxmlformats.org/drawingml/2006/main" xmlns:r="http://schemas.openxmlformats.org/officeDocument/2006/relationships" xmlns:p="http://schemas.openxmlformats.org/presentationml/2006/main">
   <p:cSld>
     <p:spTree>
       <p:nvGrpSpPr>
@@ -13455,7 +13455,7 @@
           <p:nvPr>
             <p:extLst>
               <p:ext uri="{D42A27DB-BD31-4B8C-83A1-F6EECF244321}">
-                <p14:modId xmlns:p14="http://schemas.microsoft.com/office/powerpoint/2010/main" val="3902869697"/>
+                <p14:modId xmlns:p14="http://schemas.microsoft.com/office/powerpoint/2010/main" val="694167174"/>
               </p:ext>
             </p:extLst>
           </p:nvPr>
@@ -13529,12 +13529,12 @@
                     <a:p>
                       <a:pPr algn="ctr" rtl="0" fontAlgn="ctr"/>
                       <a:r>
-                        <a:rPr lang="en-US" sz="500" u="none" strike="noStrike">
+                        <a:rPr lang="en-US" sz="500" u="none" strike="noStrike" dirty="0">
                           <a:effectLst/>
                         </a:rPr>
                         <a:t>Case</a:t>
                       </a:r>
-                      <a:endParaRPr lang="en-US" sz="500" b="0" i="0" u="none" strike="noStrike">
+                      <a:endParaRPr lang="en-US" sz="500" b="0" i="0" u="none" strike="noStrike" dirty="0">
                         <a:solidFill>
                           <a:srgbClr val="000000"/>
                         </a:solidFill>
@@ -17279,10 +17279,28 @@
                     <a:p>
                       <a:pPr algn="l" rtl="0" fontAlgn="ctr"/>
                       <a:r>
+                        <a:rPr lang="en-US" altLang="ko-KR" sz="600" u="none" strike="noStrike" dirty="0">
+                          <a:effectLst/>
+                        </a:rPr>
+                        <a:t>$</a:t>
+                      </a:r>
+                      <a:r>
                         <a:rPr lang="en-US" sz="600" u="none" strike="noStrike" dirty="0">
                           <a:effectLst/>
                         </a:rPr>
-                        <a:t>$n ;$t 500</a:t>
+                        <a:t>n ;</a:t>
+                      </a:r>
+                      <a:r>
+                        <a:rPr lang="en-US" altLang="ko-KR" sz="600" u="none" strike="noStrike" dirty="0">
+                          <a:effectLst/>
+                        </a:rPr>
+                        <a:t> $</a:t>
+                      </a:r>
+                      <a:r>
+                        <a:rPr lang="en-US" sz="600" u="none" strike="noStrike" dirty="0">
+                          <a:effectLst/>
+                        </a:rPr>
+                        <a:t>t 500</a:t>
                       </a:r>
                       <a:endParaRPr lang="en-US" sz="600" b="0" i="0" u="none" strike="noStrike" dirty="0">
                         <a:solidFill>
@@ -19061,10 +19079,16 @@
                     <a:p>
                       <a:pPr algn="l" rtl="0" fontAlgn="ctr"/>
                       <a:r>
-                        <a:rPr lang="en-US" sz="600" u="none" strike="noStrike" dirty="0">
-                          <a:effectLst/>
-                        </a:rPr>
-                        <a:t>$n </a:t>
+                        <a:rPr lang="en-US" altLang="ko-KR" sz="600" u="none" strike="noStrike">
+                          <a:effectLst/>
+                        </a:rPr>
+                        <a:t>$</a:t>
+                      </a:r>
+                      <a:r>
+                        <a:rPr lang="en-US" sz="600" u="none" strike="noStrike">
+                          <a:effectLst/>
+                        </a:rPr>
+                        <a:t>n </a:t>
                       </a:r>
                       <a:endParaRPr lang="en-US" sz="600" b="0" i="0" u="none" strike="noStrike" dirty="0">
                         <a:solidFill>
@@ -19390,7 +19414,7 @@
                     <a:schemeClr val="bg1"/>
                   </a:solidFill>
                 </a:rPr>
-                <a:t>$MOVE</a:t>
+                <a:t>.MOVE</a:t>
               </a:r>
               <a:endParaRPr lang="ko-KR" altLang="en-US" sz="800" dirty="0">
                 <a:solidFill>
@@ -19460,7 +19484,7 @@
                     <a:schemeClr val="bg1"/>
                   </a:solidFill>
                 </a:rPr>
-                <a:t>$RET</a:t>
+                <a:t>.RET</a:t>
               </a:r>
               <a:endParaRPr lang="ko-KR" altLang="en-US" sz="800" dirty="0">
                 <a:solidFill>
@@ -19530,7 +19554,7 @@
                     <a:schemeClr val="bg1"/>
                   </a:solidFill>
                 </a:rPr>
-                <a:t>$ADV</a:t>
+                <a:t>.ADV</a:t>
               </a:r>
               <a:endParaRPr lang="ko-KR" altLang="en-US" sz="800" dirty="0">
                 <a:solidFill>
@@ -19674,20 +19698,12 @@
             <a:p>
               <a:pPr algn="ctr"/>
               <a:r>
-                <a:rPr lang="en-US" altLang="ko-KR" sz="800" dirty="0" err="1">
-                  <a:solidFill>
-                    <a:schemeClr val="bg1"/>
-                  </a:solidFill>
-                </a:rPr>
-                <a:t>Cv_RR</a:t>
-              </a:r>
-              <a:r>
                 <a:rPr lang="en-US" altLang="ko-KR" sz="800" dirty="0">
                   <a:solidFill>
                     <a:schemeClr val="bg1"/>
                   </a:solidFill>
                 </a:rPr>
-                <a:t> $REMOVE</a:t>
+                <a:t>Cv_RR .REMOVE</a:t>
               </a:r>
               <a:endParaRPr lang="ko-KR" altLang="en-US" sz="800" dirty="0">
                 <a:solidFill>
@@ -20681,7 +20697,7 @@
                       <a:schemeClr val="bg1"/>
                     </a:solidFill>
                   </a:rPr>
-                  <a:t>$MOVE</a:t>
+                  <a:t>.MOVE</a:t>
                 </a:r>
                 <a:endParaRPr lang="ko-KR" altLang="en-US" sz="800" dirty="0">
                   <a:solidFill>
@@ -20752,7 +20768,7 @@
                     <a:schemeClr val="bg1"/>
                   </a:solidFill>
                 </a:rPr>
-                <a:t>$ADV</a:t>
+                <a:t>.ADV</a:t>
               </a:r>
               <a:endParaRPr lang="ko-KR" altLang="en-US" sz="800" dirty="0">
                 <a:solidFill>
@@ -20822,7 +20838,7 @@
                     <a:schemeClr val="bg1"/>
                   </a:solidFill>
                 </a:rPr>
-                <a:t>$ADV</a:t>
+                <a:t>.ADV</a:t>
               </a:r>
               <a:endParaRPr lang="ko-KR" altLang="en-US" sz="800" dirty="0">
                 <a:solidFill>
@@ -20892,7 +20908,7 @@
                     <a:schemeClr val="bg1"/>
                   </a:solidFill>
                 </a:rPr>
-                <a:t>$ADV</a:t>
+                <a:t>.ADV</a:t>
               </a:r>
               <a:endParaRPr lang="ko-KR" altLang="en-US" sz="800" dirty="0">
                 <a:solidFill>
@@ -20962,7 +20978,7 @@
                     <a:schemeClr val="bg1"/>
                   </a:solidFill>
                 </a:rPr>
-                <a:t>$ADV</a:t>
+                <a:t>.ADV</a:t>
               </a:r>
               <a:endParaRPr lang="ko-KR" altLang="en-US" sz="800" dirty="0">
                 <a:solidFill>
@@ -21032,7 +21048,7 @@
                     <a:schemeClr val="bg1"/>
                   </a:solidFill>
                 </a:rPr>
-                <a:t>$RET</a:t>
+                <a:t>.RET</a:t>
               </a:r>
               <a:endParaRPr lang="ko-KR" altLang="en-US" sz="800" dirty="0">
                 <a:solidFill>
@@ -21102,7 +21118,7 @@
                     <a:schemeClr val="bg1"/>
                   </a:solidFill>
                 </a:rPr>
-                <a:t>$RET</a:t>
+                <a:t>.RET</a:t>
               </a:r>
               <a:endParaRPr lang="ko-KR" altLang="en-US" sz="800" dirty="0">
                 <a:solidFill>
@@ -21172,7 +21188,7 @@
                     <a:schemeClr val="bg1"/>
                   </a:solidFill>
                 </a:rPr>
-                <a:t>$RET</a:t>
+                <a:t>.RET</a:t>
               </a:r>
               <a:endParaRPr lang="ko-KR" altLang="en-US" sz="800" dirty="0">
                 <a:solidFill>
@@ -21242,7 +21258,7 @@
                     <a:schemeClr val="bg1"/>
                   </a:solidFill>
                 </a:rPr>
-                <a:t>$RET</a:t>
+                <a:t>.RET</a:t>
               </a:r>
               <a:endParaRPr lang="ko-KR" altLang="en-US" sz="800" dirty="0">
                 <a:solidFill>
@@ -21301,7 +21317,7 @@
                     <a:schemeClr val="bg1"/>
                   </a:solidFill>
                 </a:rPr>
-                <a:t>stp$RET</a:t>
+                <a:t>stp.RET</a:t>
               </a:r>
               <a:endParaRPr lang="ko-KR" altLang="en-US" sz="800" dirty="0">
                 <a:solidFill>
@@ -21376,7 +21392,7 @@
                     <a:schemeClr val="bg1"/>
                   </a:solidFill>
                 </a:rPr>
-                <a:t>$ADV</a:t>
+                <a:t>.ADV</a:t>
               </a:r>
               <a:endParaRPr lang="ko-KR" altLang="en-US" sz="800" dirty="0">
                 <a:solidFill>
@@ -21446,7 +21462,7 @@
                     <a:schemeClr val="bg1"/>
                   </a:solidFill>
                 </a:rPr>
-                <a:t>$REMOVE</a:t>
+                <a:t>.REMOVE</a:t>
               </a:r>
               <a:endParaRPr lang="ko-KR" altLang="en-US" sz="800" dirty="0">
                 <a:solidFill>
@@ -22156,7 +22172,7 @@
                   <a:schemeClr val="bg1"/>
                 </a:solidFill>
               </a:rPr>
-              <a:t>$MOVE</a:t>
+              <a:t>.MOVE</a:t>
             </a:r>
             <a:endParaRPr lang="ko-KR" altLang="en-US" sz="800" dirty="0">
               <a:solidFill>
@@ -22551,7 +22567,7 @@
                   <a:schemeClr val="bg1"/>
                 </a:solidFill>
               </a:rPr>
-              <a:t>$REMOVE</a:t>
+              <a:t>.REMOVE</a:t>
             </a:r>
             <a:endParaRPr lang="ko-KR" altLang="en-US" sz="800" dirty="0">
               <a:solidFill>
@@ -22759,7 +22775,7 @@
                   <a:schemeClr val="bg1"/>
                 </a:solidFill>
               </a:rPr>
-              <a:t>$REMOVE</a:t>
+              <a:t>.REMOVE</a:t>
             </a:r>
             <a:endParaRPr lang="ko-KR" altLang="en-US" sz="800" dirty="0">
               <a:solidFill>
@@ -22989,7 +23005,7 @@
                       <a:schemeClr val="bg1"/>
                     </a:solidFill>
                   </a:rPr>
-                  <a:t>$MOVE</a:t>
+                  <a:t>.MOVE</a:t>
                 </a:r>
                 <a:endParaRPr lang="ko-KR" altLang="en-US" sz="800" dirty="0">
                   <a:solidFill>
@@ -23043,12 +23059,12 @@
               <a:p>
                 <a:pPr algn="ctr"/>
                 <a:r>
-                  <a:rPr lang="en-US" altLang="ko-KR" sz="800" dirty="0">
+                  <a:rPr lang="en-US" altLang="ko-KR" sz="800" dirty="0" err="1">
                     <a:solidFill>
                       <a:schemeClr val="bg1"/>
                     </a:solidFill>
                   </a:rPr>
-                  <a:t>Out$RET</a:t>
+                  <a:t>Out.RET</a:t>
                 </a:r>
                 <a:endParaRPr lang="ko-KR" altLang="en-US" sz="800" dirty="0">
                   <a:solidFill>
@@ -23102,12 +23118,12 @@
               <a:p>
                 <a:pPr algn="ctr"/>
                 <a:r>
-                  <a:rPr lang="en-US" altLang="ko-KR" sz="800" dirty="0">
+                  <a:rPr lang="en-US" altLang="ko-KR" sz="800" dirty="0" err="1">
                     <a:solidFill>
                       <a:schemeClr val="bg1"/>
                     </a:solidFill>
                   </a:rPr>
-                  <a:t>Out$ADV</a:t>
+                  <a:t>Out.ADV</a:t>
                 </a:r>
                 <a:endParaRPr lang="ko-KR" altLang="en-US" sz="800" dirty="0">
                   <a:solidFill>
@@ -23285,7 +23301,7 @@
                     <a:schemeClr val="bg1"/>
                   </a:solidFill>
                 </a:rPr>
-                <a:t>$REMOVE</a:t>
+                <a:t>.REMOVE</a:t>
               </a:r>
               <a:endParaRPr lang="ko-KR" altLang="en-US" sz="800" dirty="0">
                 <a:solidFill>
@@ -23884,7 +23900,7 @@
 </file>
 
 <file path=ppt/slides/slide5.xml><?xml version="1.0" encoding="utf-8"?>
-<p:sld xmlns:a="http://schemas.openxmlformats.org/drawingml/2006/main" xmlns:r="http://schemas.openxmlformats.org/officeDocument/2006/relationships" xmlns:p="http://schemas.openxmlformats.org/presentationml/2006/main">
+<p:sld xmlns:a="http://schemas.openxmlformats.org/drawingml/2006/main" xmlns:r="http://schemas.openxmlformats.org/officeDocument/2006/relationships" xmlns:p="http://schemas.openxmlformats.org/presentationml/2006/main" show="0">
   <p:cSld>
     <p:bg>
       <p:bgPr>

--- a/DsDotNet/src/UnitTest/UnitTest.Model/ImportOfficeExample/Sample/kit.pptx
+++ b/DsDotNet/src/UnitTest/UnitTest.Model/ImportOfficeExample/Sample/kit.pptx
@@ -5,17 +5,15 @@
     <p:sldMasterId id="2147483687" r:id="rId1"/>
   </p:sldMasterIdLst>
   <p:notesMasterIdLst>
-    <p:notesMasterId r:id="rId7"/>
+    <p:notesMasterId r:id="rId5"/>
   </p:notesMasterIdLst>
   <p:handoutMasterIdLst>
-    <p:handoutMasterId r:id="rId8"/>
+    <p:handoutMasterId r:id="rId6"/>
   </p:handoutMasterIdLst>
   <p:sldIdLst>
     <p:sldId id="741" r:id="rId2"/>
     <p:sldId id="754" r:id="rId3"/>
     <p:sldId id="755" r:id="rId4"/>
-    <p:sldId id="746" r:id="rId5"/>
-    <p:sldId id="756" r:id="rId6"/>
   </p:sldIdLst>
   <p:sldSz cx="12192000" cy="6858000"/>
   <p:notesSz cx="6797675" cy="9926638"/>
@@ -219,7 +217,7 @@
           <a:p>
             <a:fld id="{DD503887-5801-43A0-AEF9-041E8DDC2558}" type="datetimeFigureOut">
               <a:rPr lang="ko-KR" altLang="en-US" smtClean="0"/>
-              <a:t>2023-11-06</a:t>
+              <a:t>2023-11-16</a:t>
             </a:fld>
             <a:endParaRPr lang="ko-KR" altLang="en-US" dirty="0"/>
           </a:p>
@@ -396,7 +394,7 @@
           <a:p>
             <a:fld id="{95336A0E-57B1-4D4C-BD9B-2F72B5943464}" type="datetimeFigureOut">
               <a:rPr lang="ko-KR" altLang="en-US" smtClean="0"/>
-              <a:t>2023-11-06</a:t>
+              <a:t>2023-11-16</a:t>
             </a:fld>
             <a:endParaRPr lang="ko-KR" altLang="en-US" dirty="0"/>
           </a:p>
@@ -747,90 +745,6 @@
 </p:notes>
 </file>
 
-<file path=ppt/notesSlides/notesSlide2.xml><?xml version="1.0" encoding="utf-8"?>
-<p:notes xmlns:a="http://schemas.openxmlformats.org/drawingml/2006/main" xmlns:r="http://schemas.openxmlformats.org/officeDocument/2006/relationships" xmlns:p="http://schemas.openxmlformats.org/presentationml/2006/main">
-  <p:cSld>
-    <p:spTree>
-      <p:nvGrpSpPr>
-        <p:cNvPr id="1" name=""/>
-        <p:cNvGrpSpPr/>
-        <p:nvPr/>
-      </p:nvGrpSpPr>
-      <p:grpSpPr>
-        <a:xfrm>
-          <a:off x="0" y="0"/>
-          <a:ext cx="0" cy="0"/>
-          <a:chOff x="0" y="0"/>
-          <a:chExt cx="0" cy="0"/>
-        </a:xfrm>
-      </p:grpSpPr>
-      <p:sp>
-        <p:nvSpPr>
-          <p:cNvPr id="2" name="슬라이드 이미지 개체 틀 1"/>
-          <p:cNvSpPr>
-            <a:spLocks noGrp="1" noRot="1" noChangeAspect="1"/>
-          </p:cNvSpPr>
-          <p:nvPr>
-            <p:ph type="sldImg"/>
-          </p:nvPr>
-        </p:nvSpPr>
-        <p:spPr/>
-      </p:sp>
-      <p:sp>
-        <p:nvSpPr>
-          <p:cNvPr id="3" name="슬라이드 노트 개체 틀 2"/>
-          <p:cNvSpPr>
-            <a:spLocks noGrp="1"/>
-          </p:cNvSpPr>
-          <p:nvPr>
-            <p:ph type="body" idx="1"/>
-          </p:nvPr>
-        </p:nvSpPr>
-        <p:spPr/>
-        <p:txBody>
-          <a:bodyPr/>
-          <a:lstStyle/>
-          <a:p>
-            <a:endParaRPr lang="ko-KR" altLang="en-US" dirty="0"/>
-          </a:p>
-        </p:txBody>
-      </p:sp>
-      <p:sp>
-        <p:nvSpPr>
-          <p:cNvPr id="4" name="슬라이드 번호 개체 틀 3"/>
-          <p:cNvSpPr>
-            <a:spLocks noGrp="1"/>
-          </p:cNvSpPr>
-          <p:nvPr>
-            <p:ph type="sldNum" sz="quarter" idx="5"/>
-          </p:nvPr>
-        </p:nvSpPr>
-        <p:spPr/>
-        <p:txBody>
-          <a:bodyPr/>
-          <a:lstStyle/>
-          <a:p>
-            <a:fld id="{2978587B-688C-4F1D-9D92-1BF3667CE9B1}" type="slidenum">
-              <a:rPr lang="ko-KR" altLang="en-US" smtClean="0"/>
-              <a:t>4</a:t>
-            </a:fld>
-            <a:endParaRPr lang="ko-KR" altLang="en-US" dirty="0"/>
-          </a:p>
-        </p:txBody>
-      </p:sp>
-    </p:spTree>
-    <p:extLst>
-      <p:ext uri="{BB962C8B-B14F-4D97-AF65-F5344CB8AC3E}">
-        <p14:creationId xmlns:p14="http://schemas.microsoft.com/office/powerpoint/2010/main" val="2295184716"/>
-      </p:ext>
-    </p:extLst>
-  </p:cSld>
-  <p:clrMapOvr>
-    <a:masterClrMapping/>
-  </p:clrMapOvr>
-</p:notes>
-</file>
-
 <file path=ppt/slideLayouts/slideLayout1.xml><?xml version="1.0" encoding="utf-8"?>
 <p:sldLayout xmlns:a="http://schemas.openxmlformats.org/drawingml/2006/main" xmlns:r="http://schemas.openxmlformats.org/officeDocument/2006/relationships" xmlns:p="http://schemas.openxmlformats.org/presentationml/2006/main" type="title" preserve="1">
   <p:cSld name="제목 슬라이드">
@@ -978,7 +892,7 @@
           <a:p>
             <a:fld id="{229D12C7-0FF5-4972-A033-474EFFC79F40}" type="datetime1">
               <a:rPr lang="ko-KR" altLang="en-US" smtClean="0"/>
-              <a:t>2023-11-06</a:t>
+              <a:t>2023-11-16</a:t>
             </a:fld>
             <a:endParaRPr lang="ko-KR" altLang="en-US" dirty="0"/>
           </a:p>
@@ -1176,7 +1090,7 @@
           <a:p>
             <a:fld id="{5BA19FD4-B052-4F56-8FD8-EAFD078DEFB0}" type="datetime1">
               <a:rPr lang="ko-KR" altLang="en-US" smtClean="0"/>
-              <a:t>2023-11-06</a:t>
+              <a:t>2023-11-16</a:t>
             </a:fld>
             <a:endParaRPr lang="ko-KR" altLang="en-US" dirty="0"/>
           </a:p>
@@ -1384,7 +1298,7 @@
           <a:p>
             <a:fld id="{024994B9-23A6-4B0A-A038-AC140E83DAA3}" type="datetime1">
               <a:rPr lang="ko-KR" altLang="en-US" smtClean="0"/>
-              <a:t>2023-11-06</a:t>
+              <a:t>2023-11-16</a:t>
             </a:fld>
             <a:endParaRPr lang="ko-KR" altLang="en-US" dirty="0"/>
           </a:p>
@@ -1526,7 +1440,7 @@
           <a:p>
             <a:fld id="{B5B1BBC2-B738-4C35-AEE5-660EB2DEB482}" type="datetime1">
               <a:rPr lang="ko-KR" altLang="en-US" smtClean="0"/>
-              <a:t>2023-11-06</a:t>
+              <a:t>2023-11-16</a:t>
             </a:fld>
             <a:endParaRPr lang="ko-KR" altLang="en-US" dirty="0"/>
           </a:p>
@@ -6193,7 +6107,7 @@
           <a:p>
             <a:fld id="{C984B0C4-64BA-4E4C-B5E6-A51EE3F6ED95}" type="datetime1">
               <a:rPr lang="ko-KR" altLang="en-US" smtClean="0"/>
-              <a:t>2023-11-06</a:t>
+              <a:t>2023-11-16</a:t>
             </a:fld>
             <a:endParaRPr lang="ko-KR" altLang="en-US" dirty="0"/>
           </a:p>
@@ -6391,7 +6305,7 @@
           <a:p>
             <a:fld id="{70D0DAB2-87CB-4028-B965-3AA710ADF2CB}" type="datetime1">
               <a:rPr lang="ko-KR" altLang="en-US" smtClean="0"/>
-              <a:t>2023-11-06</a:t>
+              <a:t>2023-11-16</a:t>
             </a:fld>
             <a:endParaRPr lang="ko-KR" altLang="en-US" dirty="0"/>
           </a:p>
@@ -6666,7 +6580,7 @@
           <a:p>
             <a:fld id="{63FA3D71-FEA8-477F-9D1E-EA860F411BC7}" type="datetime1">
               <a:rPr lang="ko-KR" altLang="en-US" smtClean="0"/>
-              <a:t>2023-11-06</a:t>
+              <a:t>2023-11-16</a:t>
             </a:fld>
             <a:endParaRPr lang="ko-KR" altLang="en-US" dirty="0"/>
           </a:p>
@@ -6931,7 +6845,7 @@
           <a:p>
             <a:fld id="{F58E3EF4-7980-4C97-BA64-EC66995BB574}" type="datetime1">
               <a:rPr lang="ko-KR" altLang="en-US" smtClean="0"/>
-              <a:t>2023-11-06</a:t>
+              <a:t>2023-11-16</a:t>
             </a:fld>
             <a:endParaRPr lang="ko-KR" altLang="en-US" dirty="0"/>
           </a:p>
@@ -7343,7 +7257,7 @@
           <a:p>
             <a:fld id="{FC9BC1D0-7D6B-4634-9D19-644040D74EAE}" type="datetime1">
               <a:rPr lang="ko-KR" altLang="en-US" smtClean="0"/>
-              <a:t>2023-11-06</a:t>
+              <a:t>2023-11-16</a:t>
             </a:fld>
             <a:endParaRPr lang="ko-KR" altLang="en-US" dirty="0"/>
           </a:p>
@@ -7484,7 +7398,7 @@
           <a:p>
             <a:fld id="{B5B1BBC2-B738-4C35-AEE5-660EB2DEB482}" type="datetime1">
               <a:rPr lang="ko-KR" altLang="en-US" smtClean="0"/>
-              <a:t>2023-11-06</a:t>
+              <a:t>2023-11-16</a:t>
             </a:fld>
             <a:endParaRPr lang="ko-KR" altLang="en-US" dirty="0"/>
           </a:p>
@@ -12066,7 +11980,7 @@
           <a:p>
             <a:fld id="{C60E9F93-7E77-4F36-B88C-A425F00C8D91}" type="datetime1">
               <a:rPr lang="ko-KR" altLang="en-US" smtClean="0"/>
-              <a:t>2023-11-06</a:t>
+              <a:t>2023-11-16</a:t>
             </a:fld>
             <a:endParaRPr lang="ko-KR" altLang="en-US" dirty="0"/>
           </a:p>
@@ -12377,7 +12291,7 @@
           <a:p>
             <a:fld id="{36BCCD0E-2A54-4016-BFFC-FEAABCDA6915}" type="datetime1">
               <a:rPr lang="ko-KR" altLang="en-US" smtClean="0"/>
-              <a:t>2023-11-06</a:t>
+              <a:t>2023-11-16</a:t>
             </a:fld>
             <a:endParaRPr lang="ko-KR" altLang="en-US" dirty="0"/>
           </a:p>
@@ -12665,7 +12579,7 @@
           <a:p>
             <a:fld id="{C984B0C4-64BA-4E4C-B5E6-A51EE3F6ED95}" type="datetime1">
               <a:rPr lang="ko-KR" altLang="en-US" smtClean="0"/>
-              <a:t>2023-11-06</a:t>
+              <a:t>2023-11-16</a:t>
             </a:fld>
             <a:endParaRPr lang="ko-KR" altLang="en-US" dirty="0"/>
           </a:p>
@@ -12907,7 +12821,7 @@
           <a:p>
             <a:fld id="{C984B0C4-64BA-4E4C-B5E6-A51EE3F6ED95}" type="datetime1">
               <a:rPr lang="ko-KR" altLang="en-US" smtClean="0"/>
-              <a:t>2023-11-06</a:t>
+              <a:t>2023-11-16</a:t>
             </a:fld>
             <a:endParaRPr lang="ko-KR" altLang="en-US" dirty="0"/>
           </a:p>
@@ -13455,7 +13369,7 @@
           <p:nvPr>
             <p:extLst>
               <p:ext uri="{D42A27DB-BD31-4B8C-83A1-F6EECF244321}">
-                <p14:modId xmlns:p14="http://schemas.microsoft.com/office/powerpoint/2010/main" val="694167174"/>
+                <p14:modId xmlns:p14="http://schemas.microsoft.com/office/powerpoint/2010/main" val="3174692080"/>
               </p:ext>
             </p:extLst>
           </p:nvPr>
@@ -16833,20 +16747,36 @@
                     <a:bodyPr/>
                     <a:lstStyle/>
                     <a:p>
-                      <a:pPr algn="l" rtl="0" fontAlgn="ctr"/>
+                      <a:pPr marL="0" marR="0" lvl="0" indent="0" algn="l" defTabSz="914400" rtl="0" eaLnBrk="1" fontAlgn="ctr" latinLnBrk="1" hangingPunct="1">
+                        <a:lnSpc>
+                          <a:spcPct val="100000"/>
+                        </a:lnSpc>
+                        <a:spcBef>
+                          <a:spcPts val="0"/>
+                        </a:spcBef>
+                        <a:spcAft>
+                          <a:spcPts val="0"/>
+                        </a:spcAft>
+                        <a:buClrTx/>
+                        <a:buSzTx/>
+                        <a:buFontTx/>
+                        <a:buNone/>
+                        <a:tabLst/>
+                        <a:defRPr/>
+                      </a:pPr>
                       <a:r>
-                        <a:rPr lang="ko-KR" altLang="en-US" sz="600" u="none" strike="noStrike" dirty="0">
+                        <a:rPr lang="en-US" altLang="ko-KR" sz="600" u="none" strike="noStrike" dirty="0">
                           <a:effectLst/>
                         </a:rPr>
-                        <a:t>　</a:t>
+                        <a:t>%IX0.0.52</a:t>
                       </a:r>
-                      <a:endParaRPr lang="ko-KR" altLang="en-US" sz="600" b="0" i="0" u="none" strike="noStrike" dirty="0">
+                      <a:endParaRPr lang="en-US" altLang="ko-KR" sz="600" b="0" i="0" u="none" strike="noStrike" dirty="0">
                         <a:solidFill>
                           <a:srgbClr val="000000"/>
                         </a:solidFill>
                         <a:effectLst/>
                         <a:latin typeface="Tahoma" panose="020B0604030504040204" pitchFamily="34" charset="0"/>
-                        <a:ea typeface="맑은 고딕" panose="020B0503020000020004" pitchFamily="50" charset="-127"/>
+                        <a:ea typeface="+mn-ea"/>
                       </a:endParaRPr>
                     </a:p>
                   </a:txBody>
@@ -17210,7 +17140,7 @@
                         <a:rPr lang="en-US" sz="600" u="none" strike="noStrike" dirty="0">
                           <a:effectLst/>
                         </a:rPr>
-                        <a:t>%IX0.0.32</a:t>
+                        <a:t>-</a:t>
                       </a:r>
                       <a:endParaRPr lang="en-US" sz="600" b="0" i="0" u="none" strike="noStrike" dirty="0">
                         <a:solidFill>
@@ -17893,12 +17823,12 @@
                     <a:p>
                       <a:pPr algn="l" rtl="0" fontAlgn="ctr"/>
                       <a:r>
-                        <a:rPr lang="en-US" sz="600" u="none" strike="noStrike">
+                        <a:rPr lang="en-US" sz="600" u="none" strike="noStrike" dirty="0" err="1">
                           <a:effectLst/>
                         </a:rPr>
                         <a:t>KIT_Frt_Part.REMOVE</a:t>
                       </a:r>
-                      <a:endParaRPr lang="en-US" sz="600" b="0" i="0" u="none" strike="noStrike">
+                      <a:endParaRPr lang="en-US" sz="600" b="0" i="0" u="none" strike="noStrike" dirty="0">
                         <a:solidFill>
                           <a:srgbClr val="000000"/>
                         </a:solidFill>
@@ -17944,7 +17874,7 @@
                         <a:rPr lang="en-US" sz="600" u="none" strike="noStrike" dirty="0">
                           <a:effectLst/>
                         </a:rPr>
-                        <a:t>%IX0.0.1</a:t>
+                        <a:t>-</a:t>
                       </a:r>
                       <a:endParaRPr lang="en-US" sz="600" b="0" i="0" u="none" strike="noStrike" dirty="0">
                         <a:solidFill>
@@ -19007,12 +18937,12 @@
                     <a:p>
                       <a:pPr algn="l" rtl="0" fontAlgn="ctr"/>
                       <a:r>
-                        <a:rPr lang="en-US" sz="600" u="none" strike="noStrike">
+                        <a:rPr lang="en-US" sz="600" u="none" strike="noStrike" dirty="0">
                           <a:effectLst/>
                         </a:rPr>
-                        <a:t>%IX0.0.53</a:t>
+                        <a:t>-</a:t>
                       </a:r>
-                      <a:endParaRPr lang="en-US" sz="600" b="0" i="0" u="none" strike="noStrike">
+                      <a:endParaRPr lang="en-US" sz="600" b="0" i="0" u="none" strike="noStrike" dirty="0">
                         <a:solidFill>
                           <a:srgbClr val="000000"/>
                         </a:solidFill>
@@ -19079,13 +19009,13 @@
                     <a:p>
                       <a:pPr algn="l" rtl="0" fontAlgn="ctr"/>
                       <a:r>
-                        <a:rPr lang="en-US" altLang="ko-KR" sz="600" u="none" strike="noStrike">
+                        <a:rPr lang="en-US" altLang="ko-KR" sz="600" u="none" strike="noStrike" dirty="0">
                           <a:effectLst/>
                         </a:rPr>
                         <a:t>$</a:t>
                       </a:r>
                       <a:r>
-                        <a:rPr lang="en-US" sz="600" u="none" strike="noStrike">
+                        <a:rPr lang="en-US" sz="600" u="none" strike="noStrike" dirty="0">
                           <a:effectLst/>
                         </a:rPr>
                         <a:t>n </a:t>
@@ -23524,5920 +23454,6 @@
     <p:extLst>
       <p:ext uri="{BB962C8B-B14F-4D97-AF65-F5344CB8AC3E}">
         <p14:creationId xmlns:p14="http://schemas.microsoft.com/office/powerpoint/2010/main" val="2895408519"/>
-      </p:ext>
-    </p:extLst>
-  </p:cSld>
-  <p:clrMapOvr>
-    <a:masterClrMapping/>
-  </p:clrMapOvr>
-</p:sld>
-</file>
-
-<file path=ppt/slides/slide4.xml><?xml version="1.0" encoding="utf-8"?>
-<p:sld xmlns:a="http://schemas.openxmlformats.org/drawingml/2006/main" xmlns:r="http://schemas.openxmlformats.org/officeDocument/2006/relationships" xmlns:p="http://schemas.openxmlformats.org/presentationml/2006/main">
-  <p:cSld>
-    <p:spTree>
-      <p:nvGrpSpPr>
-        <p:cNvPr id="1" name=""/>
-        <p:cNvGrpSpPr/>
-        <p:nvPr/>
-      </p:nvGrpSpPr>
-      <p:grpSpPr>
-        <a:xfrm>
-          <a:off x="0" y="0"/>
-          <a:ext cx="0" cy="0"/>
-          <a:chOff x="0" y="0"/>
-          <a:chExt cx="0" cy="0"/>
-        </a:xfrm>
-      </p:grpSpPr>
-      <p:sp>
-        <p:nvSpPr>
-          <p:cNvPr id="68" name="제목 67">
-            <a:extLst>
-              <a:ext uri="{FF2B5EF4-FFF2-40B4-BE49-F238E27FC236}">
-                <a16:creationId xmlns:a16="http://schemas.microsoft.com/office/drawing/2014/main" id="{47C41D58-92C9-3126-4B6F-146E9CA82656}"/>
-              </a:ext>
-            </a:extLst>
-          </p:cNvPr>
-          <p:cNvSpPr>
-            <a:spLocks noGrp="1"/>
-          </p:cNvSpPr>
-          <p:nvPr>
-            <p:ph type="title"/>
-          </p:nvPr>
-        </p:nvSpPr>
-        <p:spPr>
-          <a:xfrm>
-            <a:off x="243840" y="90805"/>
-            <a:ext cx="2413802" cy="473075"/>
-          </a:xfrm>
-        </p:spPr>
-        <p:txBody>
-          <a:bodyPr>
-            <a:normAutofit/>
-          </a:bodyPr>
-          <a:lstStyle/>
-          <a:p>
-            <a:r>
-              <a:rPr lang="en-US" altLang="ko-KR" sz="1800" dirty="0"/>
-              <a:t>Station 101</a:t>
-            </a:r>
-            <a:endParaRPr lang="ko-KR" altLang="en-US" sz="1800" dirty="0"/>
-          </a:p>
-        </p:txBody>
-      </p:sp>
-      <p:sp>
-        <p:nvSpPr>
-          <p:cNvPr id="5" name="직사각형 4">
-            <a:extLst>
-              <a:ext uri="{FF2B5EF4-FFF2-40B4-BE49-F238E27FC236}">
-                <a16:creationId xmlns:a16="http://schemas.microsoft.com/office/drawing/2014/main" id="{3AB34677-54B5-5CB7-EE7E-4949F2A5F654}"/>
-              </a:ext>
-            </a:extLst>
-          </p:cNvPr>
-          <p:cNvSpPr/>
-          <p:nvPr/>
-        </p:nvSpPr>
-        <p:spPr>
-          <a:xfrm>
-            <a:off x="1870242" y="1209745"/>
-            <a:ext cx="1574800" cy="1803400"/>
-          </a:xfrm>
-          <a:prstGeom prst="rect">
-            <a:avLst/>
-          </a:prstGeom>
-        </p:spPr>
-        <p:style>
-          <a:lnRef idx="2">
-            <a:schemeClr val="accent1">
-              <a:shade val="15000"/>
-            </a:schemeClr>
-          </a:lnRef>
-          <a:fillRef idx="1">
-            <a:schemeClr val="accent1"/>
-          </a:fillRef>
-          <a:effectRef idx="0">
-            <a:schemeClr val="accent1"/>
-          </a:effectRef>
-          <a:fontRef idx="minor">
-            <a:schemeClr val="lt1"/>
-          </a:fontRef>
-        </p:style>
-        <p:txBody>
-          <a:bodyPr rtlCol="0" anchor="ctr"/>
-          <a:lstStyle/>
-          <a:p>
-            <a:pPr algn="ctr"/>
-            <a:r>
-              <a:rPr lang="en-US" altLang="ko-KR" dirty="0"/>
-              <a:t>Work1</a:t>
-            </a:r>
-            <a:endParaRPr lang="ko-KR" altLang="en-US" dirty="0"/>
-          </a:p>
-        </p:txBody>
-      </p:sp>
-      <p:sp>
-        <p:nvSpPr>
-          <p:cNvPr id="2" name="직사각형 1">
-            <a:extLst>
-              <a:ext uri="{FF2B5EF4-FFF2-40B4-BE49-F238E27FC236}">
-                <a16:creationId xmlns:a16="http://schemas.microsoft.com/office/drawing/2014/main" id="{9B6E40E6-5178-4C0E-BCD1-C03B5D93FEC3}"/>
-              </a:ext>
-            </a:extLst>
-          </p:cNvPr>
-          <p:cNvSpPr/>
-          <p:nvPr/>
-        </p:nvSpPr>
-        <p:spPr>
-          <a:xfrm>
-            <a:off x="3899067" y="1209745"/>
-            <a:ext cx="1574800" cy="1803400"/>
-          </a:xfrm>
-          <a:prstGeom prst="rect">
-            <a:avLst/>
-          </a:prstGeom>
-        </p:spPr>
-        <p:style>
-          <a:lnRef idx="2">
-            <a:schemeClr val="accent1">
-              <a:shade val="15000"/>
-            </a:schemeClr>
-          </a:lnRef>
-          <a:fillRef idx="1">
-            <a:schemeClr val="accent1"/>
-          </a:fillRef>
-          <a:effectRef idx="0">
-            <a:schemeClr val="accent1"/>
-          </a:effectRef>
-          <a:fontRef idx="minor">
-            <a:schemeClr val="lt1"/>
-          </a:fontRef>
-        </p:style>
-        <p:txBody>
-          <a:bodyPr rtlCol="0" anchor="ctr"/>
-          <a:lstStyle/>
-          <a:p>
-            <a:pPr algn="ctr"/>
-            <a:r>
-              <a:rPr lang="en-US" altLang="ko-KR" dirty="0"/>
-              <a:t>Work2</a:t>
-            </a:r>
-            <a:endParaRPr lang="ko-KR" altLang="en-US" dirty="0"/>
-          </a:p>
-        </p:txBody>
-      </p:sp>
-      <p:sp>
-        <p:nvSpPr>
-          <p:cNvPr id="3" name="직사각형 2">
-            <a:extLst>
-              <a:ext uri="{FF2B5EF4-FFF2-40B4-BE49-F238E27FC236}">
-                <a16:creationId xmlns:a16="http://schemas.microsoft.com/office/drawing/2014/main" id="{5C2D17CE-BD6F-1F6F-87FF-1BBBD13DFDD3}"/>
-              </a:ext>
-            </a:extLst>
-          </p:cNvPr>
-          <p:cNvSpPr/>
-          <p:nvPr/>
-        </p:nvSpPr>
-        <p:spPr>
-          <a:xfrm>
-            <a:off x="5927892" y="1209745"/>
-            <a:ext cx="1574800" cy="1803400"/>
-          </a:xfrm>
-          <a:prstGeom prst="rect">
-            <a:avLst/>
-          </a:prstGeom>
-        </p:spPr>
-        <p:style>
-          <a:lnRef idx="2">
-            <a:schemeClr val="accent1">
-              <a:shade val="15000"/>
-            </a:schemeClr>
-          </a:lnRef>
-          <a:fillRef idx="1">
-            <a:schemeClr val="accent1"/>
-          </a:fillRef>
-          <a:effectRef idx="0">
-            <a:schemeClr val="accent1"/>
-          </a:effectRef>
-          <a:fontRef idx="minor">
-            <a:schemeClr val="lt1"/>
-          </a:fontRef>
-        </p:style>
-        <p:txBody>
-          <a:bodyPr rtlCol="0" anchor="ctr"/>
-          <a:lstStyle/>
-          <a:p>
-            <a:pPr algn="ctr"/>
-            <a:r>
-              <a:rPr lang="en-US" altLang="ko-KR" dirty="0"/>
-              <a:t>Work3</a:t>
-            </a:r>
-            <a:endParaRPr lang="ko-KR" altLang="en-US" dirty="0"/>
-          </a:p>
-        </p:txBody>
-      </p:sp>
-      <p:sp>
-        <p:nvSpPr>
-          <p:cNvPr id="6" name="직사각형 5">
-            <a:extLst>
-              <a:ext uri="{FF2B5EF4-FFF2-40B4-BE49-F238E27FC236}">
-                <a16:creationId xmlns:a16="http://schemas.microsoft.com/office/drawing/2014/main" id="{BD4618AD-68EE-C8B6-86C4-EE67E538DA2F}"/>
-              </a:ext>
-            </a:extLst>
-          </p:cNvPr>
-          <p:cNvSpPr/>
-          <p:nvPr/>
-        </p:nvSpPr>
-        <p:spPr>
-          <a:xfrm>
-            <a:off x="8099592" y="1209745"/>
-            <a:ext cx="1574800" cy="1803400"/>
-          </a:xfrm>
-          <a:prstGeom prst="rect">
-            <a:avLst/>
-          </a:prstGeom>
-        </p:spPr>
-        <p:style>
-          <a:lnRef idx="2">
-            <a:schemeClr val="accent1">
-              <a:shade val="15000"/>
-            </a:schemeClr>
-          </a:lnRef>
-          <a:fillRef idx="1">
-            <a:schemeClr val="accent1"/>
-          </a:fillRef>
-          <a:effectRef idx="0">
-            <a:schemeClr val="accent1"/>
-          </a:effectRef>
-          <a:fontRef idx="minor">
-            <a:schemeClr val="lt1"/>
-          </a:fontRef>
-        </p:style>
-        <p:txBody>
-          <a:bodyPr rtlCol="0" anchor="ctr"/>
-          <a:lstStyle/>
-          <a:p>
-            <a:pPr algn="ctr"/>
-            <a:r>
-              <a:rPr lang="en-US" altLang="ko-KR" dirty="0"/>
-              <a:t>Work4</a:t>
-            </a:r>
-            <a:endParaRPr lang="ko-KR" altLang="en-US" dirty="0"/>
-          </a:p>
-        </p:txBody>
-      </p:sp>
-      <p:sp>
-        <p:nvSpPr>
-          <p:cNvPr id="8" name="직사각형 7">
-            <a:extLst>
-              <a:ext uri="{FF2B5EF4-FFF2-40B4-BE49-F238E27FC236}">
-                <a16:creationId xmlns:a16="http://schemas.microsoft.com/office/drawing/2014/main" id="{E3C5E4A3-1667-345E-557A-1EFC1B603790}"/>
-              </a:ext>
-            </a:extLst>
-          </p:cNvPr>
-          <p:cNvSpPr/>
-          <p:nvPr/>
-        </p:nvSpPr>
-        <p:spPr>
-          <a:xfrm>
-            <a:off x="1870242" y="3495745"/>
-            <a:ext cx="1574800" cy="1803400"/>
-          </a:xfrm>
-          <a:prstGeom prst="rect">
-            <a:avLst/>
-          </a:prstGeom>
-        </p:spPr>
-        <p:style>
-          <a:lnRef idx="2">
-            <a:schemeClr val="accent1">
-              <a:shade val="15000"/>
-            </a:schemeClr>
-          </a:lnRef>
-          <a:fillRef idx="1">
-            <a:schemeClr val="accent1"/>
-          </a:fillRef>
-          <a:effectRef idx="0">
-            <a:schemeClr val="accent1"/>
-          </a:effectRef>
-          <a:fontRef idx="minor">
-            <a:schemeClr val="lt1"/>
-          </a:fontRef>
-        </p:style>
-        <p:txBody>
-          <a:bodyPr rtlCol="0" anchor="ctr"/>
-          <a:lstStyle/>
-          <a:p>
-            <a:pPr algn="ctr"/>
-            <a:r>
-              <a:rPr lang="en-US" altLang="ko-KR" dirty="0"/>
-              <a:t>Work5</a:t>
-            </a:r>
-            <a:endParaRPr lang="ko-KR" altLang="en-US" dirty="0"/>
-          </a:p>
-        </p:txBody>
-      </p:sp>
-      <p:sp>
-        <p:nvSpPr>
-          <p:cNvPr id="9" name="직사각형 8">
-            <a:extLst>
-              <a:ext uri="{FF2B5EF4-FFF2-40B4-BE49-F238E27FC236}">
-                <a16:creationId xmlns:a16="http://schemas.microsoft.com/office/drawing/2014/main" id="{8105BAEA-B9AB-4D1C-3DA7-95F49AA15F8E}"/>
-              </a:ext>
-            </a:extLst>
-          </p:cNvPr>
-          <p:cNvSpPr/>
-          <p:nvPr/>
-        </p:nvSpPr>
-        <p:spPr>
-          <a:xfrm>
-            <a:off x="3899067" y="3495745"/>
-            <a:ext cx="1574800" cy="1803400"/>
-          </a:xfrm>
-          <a:prstGeom prst="rect">
-            <a:avLst/>
-          </a:prstGeom>
-        </p:spPr>
-        <p:style>
-          <a:lnRef idx="2">
-            <a:schemeClr val="accent1">
-              <a:shade val="15000"/>
-            </a:schemeClr>
-          </a:lnRef>
-          <a:fillRef idx="1">
-            <a:schemeClr val="accent1"/>
-          </a:fillRef>
-          <a:effectRef idx="0">
-            <a:schemeClr val="accent1"/>
-          </a:effectRef>
-          <a:fontRef idx="minor">
-            <a:schemeClr val="lt1"/>
-          </a:fontRef>
-        </p:style>
-        <p:txBody>
-          <a:bodyPr rtlCol="0" anchor="ctr"/>
-          <a:lstStyle/>
-          <a:p>
-            <a:pPr algn="ctr"/>
-            <a:r>
-              <a:rPr lang="en-US" altLang="ko-KR" dirty="0"/>
-              <a:t>Work6</a:t>
-            </a:r>
-            <a:endParaRPr lang="ko-KR" altLang="en-US" dirty="0"/>
-          </a:p>
-        </p:txBody>
-      </p:sp>
-    </p:spTree>
-    <p:extLst>
-      <p:ext uri="{BB962C8B-B14F-4D97-AF65-F5344CB8AC3E}">
-        <p14:creationId xmlns:p14="http://schemas.microsoft.com/office/powerpoint/2010/main" val="4096669125"/>
-      </p:ext>
-    </p:extLst>
-  </p:cSld>
-  <p:clrMapOvr>
-    <a:masterClrMapping/>
-  </p:clrMapOvr>
-</p:sld>
-</file>
-
-<file path=ppt/slides/slide5.xml><?xml version="1.0" encoding="utf-8"?>
-<p:sld xmlns:a="http://schemas.openxmlformats.org/drawingml/2006/main" xmlns:r="http://schemas.openxmlformats.org/officeDocument/2006/relationships" xmlns:p="http://schemas.openxmlformats.org/presentationml/2006/main" show="0">
-  <p:cSld>
-    <p:bg>
-      <p:bgPr>
-        <a:solidFill>
-          <a:srgbClr val="FFFFFF"/>
-        </a:solidFill>
-        <a:effectLst/>
-      </p:bgPr>
-    </p:bg>
-    <p:spTree>
-      <p:nvGrpSpPr>
-        <p:cNvPr id="1" name=""/>
-        <p:cNvGrpSpPr/>
-        <p:nvPr/>
-      </p:nvGrpSpPr>
-      <p:grpSpPr>
-        <a:xfrm>
-          <a:off x="0" y="0"/>
-          <a:ext cx="0" cy="0"/>
-          <a:chOff x="0" y="0"/>
-          <a:chExt cx="0" cy="0"/>
-        </a:xfrm>
-      </p:grpSpPr>
-      <p:graphicFrame>
-        <p:nvGraphicFramePr>
-          <p:cNvPr id="4" name="표 3">
-            <a:extLst>
-              <a:ext uri="{FF2B5EF4-FFF2-40B4-BE49-F238E27FC236}">
-                <a16:creationId xmlns:a16="http://schemas.microsoft.com/office/drawing/2014/main" id="{2818CDD2-D070-1D49-B0F9-02247D0249A9}"/>
-              </a:ext>
-            </a:extLst>
-          </p:cNvPr>
-          <p:cNvGraphicFramePr>
-            <a:graphicFrameLocks noGrp="1"/>
-          </p:cNvGraphicFramePr>
-          <p:nvPr>
-            <p:extLst>
-              <p:ext uri="{D42A27DB-BD31-4B8C-83A1-F6EECF244321}">
-                <p14:modId xmlns:p14="http://schemas.microsoft.com/office/powerpoint/2010/main" val="1680356621"/>
-              </p:ext>
-            </p:extLst>
-          </p:nvPr>
-        </p:nvGraphicFramePr>
-        <p:xfrm>
-          <a:off x="887409" y="847725"/>
-          <a:ext cx="10418765" cy="5164159"/>
-        </p:xfrm>
-        <a:graphic>
-          <a:graphicData uri="http://schemas.openxmlformats.org/drawingml/2006/table">
-            <a:tbl>
-              <a:tblPr>
-                <a:tableStyleId>{5C22544A-7EE6-4342-B048-85BDC9FD1C3A}</a:tableStyleId>
-              </a:tblPr>
-              <a:tblGrid>
-                <a:gridCol w="1488395">
-                  <a:extLst>
-                    <a:ext uri="{9D8B030D-6E8A-4147-A177-3AD203B41FA5}">
-                      <a16:colId xmlns:a16="http://schemas.microsoft.com/office/drawing/2014/main" val="520169982"/>
-                    </a:ext>
-                  </a:extLst>
-                </a:gridCol>
-                <a:gridCol w="1488395">
-                  <a:extLst>
-                    <a:ext uri="{9D8B030D-6E8A-4147-A177-3AD203B41FA5}">
-                      <a16:colId xmlns:a16="http://schemas.microsoft.com/office/drawing/2014/main" val="2674413498"/>
-                    </a:ext>
-                  </a:extLst>
-                </a:gridCol>
-                <a:gridCol w="1488395">
-                  <a:extLst>
-                    <a:ext uri="{9D8B030D-6E8A-4147-A177-3AD203B41FA5}">
-                      <a16:colId xmlns:a16="http://schemas.microsoft.com/office/drawing/2014/main" val="1466977324"/>
-                    </a:ext>
-                  </a:extLst>
-                </a:gridCol>
-                <a:gridCol w="1488395">
-                  <a:extLst>
-                    <a:ext uri="{9D8B030D-6E8A-4147-A177-3AD203B41FA5}">
-                      <a16:colId xmlns:a16="http://schemas.microsoft.com/office/drawing/2014/main" val="976805718"/>
-                    </a:ext>
-                  </a:extLst>
-                </a:gridCol>
-                <a:gridCol w="1488395">
-                  <a:extLst>
-                    <a:ext uri="{9D8B030D-6E8A-4147-A177-3AD203B41FA5}">
-                      <a16:colId xmlns:a16="http://schemas.microsoft.com/office/drawing/2014/main" val="3506003956"/>
-                    </a:ext>
-                  </a:extLst>
-                </a:gridCol>
-                <a:gridCol w="1488395">
-                  <a:extLst>
-                    <a:ext uri="{9D8B030D-6E8A-4147-A177-3AD203B41FA5}">
-                      <a16:colId xmlns:a16="http://schemas.microsoft.com/office/drawing/2014/main" val="3238322108"/>
-                    </a:ext>
-                  </a:extLst>
-                </a:gridCol>
-                <a:gridCol w="1488395">
-                  <a:extLst>
-                    <a:ext uri="{9D8B030D-6E8A-4147-A177-3AD203B41FA5}">
-                      <a16:colId xmlns:a16="http://schemas.microsoft.com/office/drawing/2014/main" val="570808366"/>
-                    </a:ext>
-                  </a:extLst>
-                </a:gridCol>
-              </a:tblGrid>
-              <a:tr h="61129">
-                <a:tc>
-                  <a:txBody>
-                    <a:bodyPr/>
-                    <a:lstStyle/>
-                    <a:p>
-                      <a:pPr algn="l" rtl="0" fontAlgn="ctr"/>
-                      <a:r>
-                        <a:rPr lang="en-US" sz="200" u="none" strike="noStrike">
-                          <a:effectLst/>
-                        </a:rPr>
-                        <a:t>Case</a:t>
-                      </a:r>
-                      <a:endParaRPr lang="en-US" sz="200" b="1" i="0" u="none" strike="noStrike">
-                        <a:solidFill>
-                          <a:srgbClr val="FFFFFF"/>
-                        </a:solidFill>
-                        <a:effectLst/>
-                        <a:latin typeface="맑은 고딕" panose="020B0503020000020004" pitchFamily="50" charset="-127"/>
-                        <a:ea typeface="맑은 고딕" panose="020B0503020000020004" pitchFamily="50" charset="-127"/>
-                      </a:endParaRPr>
-                    </a:p>
-                  </a:txBody>
-                  <a:tcPr marL="2239" marR="2239" marT="2239" marB="0" anchor="ctr"/>
-                </a:tc>
-                <a:tc>
-                  <a:txBody>
-                    <a:bodyPr/>
-                    <a:lstStyle/>
-                    <a:p>
-                      <a:pPr algn="l" rtl="0" fontAlgn="ctr"/>
-                      <a:r>
-                        <a:rPr lang="en-US" sz="200" u="none" strike="noStrike">
-                          <a:effectLst/>
-                        </a:rPr>
-                        <a:t>Name</a:t>
-                      </a:r>
-                      <a:endParaRPr lang="en-US" sz="200" b="1" i="0" u="none" strike="noStrike">
-                        <a:solidFill>
-                          <a:srgbClr val="FFFFFF"/>
-                        </a:solidFill>
-                        <a:effectLst/>
-                        <a:latin typeface="맑은 고딕" panose="020B0503020000020004" pitchFamily="50" charset="-127"/>
-                        <a:ea typeface="맑은 고딕" panose="020B0503020000020004" pitchFamily="50" charset="-127"/>
-                      </a:endParaRPr>
-                    </a:p>
-                  </a:txBody>
-                  <a:tcPr marL="2239" marR="2239" marT="2239" marB="0" anchor="ctr"/>
-                </a:tc>
-                <a:tc>
-                  <a:txBody>
-                    <a:bodyPr/>
-                    <a:lstStyle/>
-                    <a:p>
-                      <a:pPr algn="l" rtl="0" fontAlgn="ctr"/>
-                      <a:r>
-                        <a:rPr lang="en-US" sz="200" u="none" strike="noStrike">
-                          <a:effectLst/>
-                        </a:rPr>
-                        <a:t>DataType</a:t>
-                      </a:r>
-                      <a:endParaRPr lang="en-US" sz="200" b="1" i="0" u="none" strike="noStrike">
-                        <a:solidFill>
-                          <a:srgbClr val="FFFFFF"/>
-                        </a:solidFill>
-                        <a:effectLst/>
-                        <a:latin typeface="맑은 고딕" panose="020B0503020000020004" pitchFamily="50" charset="-127"/>
-                        <a:ea typeface="맑은 고딕" panose="020B0503020000020004" pitchFamily="50" charset="-127"/>
-                      </a:endParaRPr>
-                    </a:p>
-                  </a:txBody>
-                  <a:tcPr marL="2239" marR="2239" marT="2239" marB="0" anchor="ctr"/>
-                </a:tc>
-                <a:tc>
-                  <a:txBody>
-                    <a:bodyPr/>
-                    <a:lstStyle/>
-                    <a:p>
-                      <a:pPr algn="l" rtl="0" fontAlgn="ctr"/>
-                      <a:r>
-                        <a:rPr lang="en-US" sz="200" u="none" strike="noStrike">
-                          <a:effectLst/>
-                        </a:rPr>
-                        <a:t>Input</a:t>
-                      </a:r>
-                      <a:endParaRPr lang="en-US" sz="200" b="1" i="0" u="none" strike="noStrike">
-                        <a:solidFill>
-                          <a:srgbClr val="FFFFFF"/>
-                        </a:solidFill>
-                        <a:effectLst/>
-                        <a:latin typeface="맑은 고딕" panose="020B0503020000020004" pitchFamily="50" charset="-127"/>
-                        <a:ea typeface="맑은 고딕" panose="020B0503020000020004" pitchFamily="50" charset="-127"/>
-                      </a:endParaRPr>
-                    </a:p>
-                  </a:txBody>
-                  <a:tcPr marL="2239" marR="2239" marT="2239" marB="0" anchor="ctr"/>
-                </a:tc>
-                <a:tc>
-                  <a:txBody>
-                    <a:bodyPr/>
-                    <a:lstStyle/>
-                    <a:p>
-                      <a:pPr algn="l" rtl="0" fontAlgn="ctr"/>
-                      <a:r>
-                        <a:rPr lang="en-US" sz="200" u="none" strike="noStrike">
-                          <a:effectLst/>
-                        </a:rPr>
-                        <a:t>Output</a:t>
-                      </a:r>
-                      <a:endParaRPr lang="en-US" sz="200" b="1" i="0" u="none" strike="noStrike">
-                        <a:solidFill>
-                          <a:srgbClr val="FFFFFF"/>
-                        </a:solidFill>
-                        <a:effectLst/>
-                        <a:latin typeface="맑은 고딕" panose="020B0503020000020004" pitchFamily="50" charset="-127"/>
-                        <a:ea typeface="맑은 고딕" panose="020B0503020000020004" pitchFamily="50" charset="-127"/>
-                      </a:endParaRPr>
-                    </a:p>
-                  </a:txBody>
-                  <a:tcPr marL="2239" marR="2239" marT="2239" marB="0" anchor="ctr"/>
-                </a:tc>
-                <a:tc>
-                  <a:txBody>
-                    <a:bodyPr/>
-                    <a:lstStyle/>
-                    <a:p>
-                      <a:pPr algn="l" rtl="0" fontAlgn="ctr"/>
-                      <a:r>
-                        <a:rPr lang="en-US" sz="200" u="none" strike="noStrike">
-                          <a:effectLst/>
-                        </a:rPr>
-                        <a:t>Job</a:t>
-                      </a:r>
-                      <a:endParaRPr lang="en-US" sz="200" b="1" i="0" u="none" strike="noStrike">
-                        <a:solidFill>
-                          <a:srgbClr val="FFFFFF"/>
-                        </a:solidFill>
-                        <a:effectLst/>
-                        <a:latin typeface="맑은 고딕" panose="020B0503020000020004" pitchFamily="50" charset="-127"/>
-                        <a:ea typeface="맑은 고딕" panose="020B0503020000020004" pitchFamily="50" charset="-127"/>
-                      </a:endParaRPr>
-                    </a:p>
-                  </a:txBody>
-                  <a:tcPr marL="2239" marR="2239" marT="2239" marB="0" anchor="ctr"/>
-                </a:tc>
-                <a:tc>
-                  <a:txBody>
-                    <a:bodyPr/>
-                    <a:lstStyle/>
-                    <a:p>
-                      <a:pPr algn="l" rtl="0" fontAlgn="ctr"/>
-                      <a:r>
-                        <a:rPr lang="en-US" sz="200" u="none" strike="noStrike">
-                          <a:effectLst/>
-                        </a:rPr>
-                        <a:t>Func</a:t>
-                      </a:r>
-                      <a:endParaRPr lang="en-US" sz="200" b="1" i="0" u="none" strike="noStrike">
-                        <a:solidFill>
-                          <a:srgbClr val="FFFFFF"/>
-                        </a:solidFill>
-                        <a:effectLst/>
-                        <a:latin typeface="맑은 고딕" panose="020B0503020000020004" pitchFamily="50" charset="-127"/>
-                        <a:ea typeface="맑은 고딕" panose="020B0503020000020004" pitchFamily="50" charset="-127"/>
-                      </a:endParaRPr>
-                    </a:p>
-                  </a:txBody>
-                  <a:tcPr marL="2239" marR="2239" marT="2239" marB="0" anchor="ctr"/>
-                </a:tc>
-                <a:extLst>
-                  <a:ext uri="{0D108BD9-81ED-4DB2-BD59-A6C34878D82A}">
-                    <a16:rowId xmlns:a16="http://schemas.microsoft.com/office/drawing/2014/main" val="4202279864"/>
-                  </a:ext>
-                </a:extLst>
-              </a:tr>
-              <a:tr h="170101">
-                <a:tc>
-                  <a:txBody>
-                    <a:bodyPr/>
-                    <a:lstStyle/>
-                    <a:p>
-                      <a:pPr algn="l" rtl="0" fontAlgn="ctr"/>
-                      <a:r>
-                        <a:rPr lang="ko-KR" altLang="en-US" sz="200" u="none" strike="noStrike">
-                          <a:effectLst/>
-                        </a:rPr>
-                        <a:t>외부주소</a:t>
-                      </a:r>
-                      <a:endParaRPr lang="ko-KR" altLang="en-US" sz="200" b="0" i="0" u="none" strike="noStrike">
-                        <a:solidFill>
-                          <a:srgbClr val="000000"/>
-                        </a:solidFill>
-                        <a:effectLst/>
-                        <a:latin typeface="Arial" panose="020B0604020202020204" pitchFamily="34" charset="0"/>
-                        <a:ea typeface="맑은 고딕" panose="020B0503020000020004" pitchFamily="50" charset="-127"/>
-                      </a:endParaRPr>
-                    </a:p>
-                  </a:txBody>
-                  <a:tcPr marL="2239" marR="2239" marT="2239" marB="0" anchor="ctr"/>
-                </a:tc>
-                <a:tc>
-                  <a:txBody>
-                    <a:bodyPr/>
-                    <a:lstStyle/>
-                    <a:p>
-                      <a:pPr algn="l" rtl="0" fontAlgn="ctr"/>
-                      <a:r>
-                        <a:rPr lang="en-US" sz="200" u="none" strike="noStrike">
-                          <a:effectLst/>
-                        </a:rPr>
-                        <a:t>KIT_1st_usb.ADV</a:t>
-                      </a:r>
-                      <a:endParaRPr lang="en-US" sz="200" b="0" i="0" u="none" strike="noStrike">
-                        <a:solidFill>
-                          <a:srgbClr val="000000"/>
-                        </a:solidFill>
-                        <a:effectLst/>
-                        <a:latin typeface="맑은 고딕" panose="020B0503020000020004" pitchFamily="50" charset="-127"/>
-                        <a:ea typeface="맑은 고딕" panose="020B0503020000020004" pitchFamily="50" charset="-127"/>
-                      </a:endParaRPr>
-                    </a:p>
-                  </a:txBody>
-                  <a:tcPr marL="2239" marR="2239" marT="2239" marB="0" anchor="ctr"/>
-                </a:tc>
-                <a:tc>
-                  <a:txBody>
-                    <a:bodyPr/>
-                    <a:lstStyle/>
-                    <a:p>
-                      <a:pPr algn="l" rtl="0" fontAlgn="ctr"/>
-                      <a:r>
-                        <a:rPr lang="en-US" sz="200" u="none" strike="noStrike">
-                          <a:effectLst/>
-                        </a:rPr>
-                        <a:t>bool</a:t>
-                      </a:r>
-                      <a:endParaRPr lang="en-US" sz="200" b="0" i="0" u="none" strike="noStrike">
-                        <a:solidFill>
-                          <a:srgbClr val="000000"/>
-                        </a:solidFill>
-                        <a:effectLst/>
-                        <a:latin typeface="맑은 고딕" panose="020B0503020000020004" pitchFamily="50" charset="-127"/>
-                        <a:ea typeface="맑은 고딕" panose="020B0503020000020004" pitchFamily="50" charset="-127"/>
-                      </a:endParaRPr>
-                    </a:p>
-                  </a:txBody>
-                  <a:tcPr marL="2239" marR="2239" marT="2239" marB="0" anchor="ctr"/>
-                </a:tc>
-                <a:tc>
-                  <a:txBody>
-                    <a:bodyPr/>
-                    <a:lstStyle/>
-                    <a:p>
-                      <a:pPr algn="l" fontAlgn="t"/>
-                      <a:r>
-                        <a:rPr lang="en-US" sz="400" u="none" strike="noStrike">
-                          <a:effectLst/>
-                        </a:rPr>
-                        <a:t>%ix0.0.0</a:t>
-                      </a:r>
-                      <a:endParaRPr lang="en-US" sz="400" b="0" i="0" u="none" strike="noStrike">
-                        <a:solidFill>
-                          <a:srgbClr val="000000"/>
-                        </a:solidFill>
-                        <a:effectLst/>
-                        <a:latin typeface="Arial" panose="020B0604020202020204" pitchFamily="34" charset="0"/>
-                        <a:ea typeface="맑은 고딕" panose="020B0503020000020004" pitchFamily="50" charset="-127"/>
-                      </a:endParaRPr>
-                    </a:p>
-                  </a:txBody>
-                  <a:tcPr marL="2239" marR="2239" marT="2239" marB="0"/>
-                </a:tc>
-                <a:tc>
-                  <a:txBody>
-                    <a:bodyPr/>
-                    <a:lstStyle/>
-                    <a:p>
-                      <a:pPr algn="l" fontAlgn="t"/>
-                      <a:r>
-                        <a:rPr lang="en-US" sz="400" u="none" strike="noStrike">
-                          <a:effectLst/>
-                        </a:rPr>
-                        <a:t>%qx0.1.0</a:t>
-                      </a:r>
-                      <a:endParaRPr lang="en-US" sz="400" b="0" i="0" u="none" strike="noStrike">
-                        <a:solidFill>
-                          <a:srgbClr val="000000"/>
-                        </a:solidFill>
-                        <a:effectLst/>
-                        <a:latin typeface="Arial" panose="020B0604020202020204" pitchFamily="34" charset="0"/>
-                        <a:ea typeface="맑은 고딕" panose="020B0503020000020004" pitchFamily="50" charset="-127"/>
-                      </a:endParaRPr>
-                    </a:p>
-                  </a:txBody>
-                  <a:tcPr marL="2239" marR="2239" marT="2239" marB="0"/>
-                </a:tc>
-                <a:tc>
-                  <a:txBody>
-                    <a:bodyPr/>
-                    <a:lstStyle/>
-                    <a:p>
-                      <a:pPr algn="l" rtl="0" fontAlgn="ctr"/>
-                      <a:r>
-                        <a:rPr lang="en-US" sz="200" u="none" strike="noStrike">
-                          <a:effectLst/>
-                        </a:rPr>
-                        <a:t>KIT_1st_usb_ADV</a:t>
-                      </a:r>
-                      <a:endParaRPr lang="en-US" sz="200" b="0" i="0" u="none" strike="noStrike">
-                        <a:solidFill>
-                          <a:srgbClr val="000000"/>
-                        </a:solidFill>
-                        <a:effectLst/>
-                        <a:latin typeface="맑은 고딕" panose="020B0503020000020004" pitchFamily="50" charset="-127"/>
-                        <a:ea typeface="맑은 고딕" panose="020B0503020000020004" pitchFamily="50" charset="-127"/>
-                      </a:endParaRPr>
-                    </a:p>
-                  </a:txBody>
-                  <a:tcPr marL="2239" marR="2239" marT="2239" marB="0" anchor="ctr"/>
-                </a:tc>
-                <a:tc>
-                  <a:txBody>
-                    <a:bodyPr/>
-                    <a:lstStyle/>
-                    <a:p>
-                      <a:pPr algn="l" fontAlgn="t"/>
-                      <a:r>
-                        <a:rPr lang="ko-KR" altLang="en-US" sz="400" u="none" strike="noStrike">
-                          <a:effectLst/>
-                        </a:rPr>
-                        <a:t>　</a:t>
-                      </a:r>
-                      <a:endParaRPr lang="ko-KR" altLang="en-US" sz="400" b="0" i="0" u="none" strike="noStrike">
-                        <a:solidFill>
-                          <a:srgbClr val="000000"/>
-                        </a:solidFill>
-                        <a:effectLst/>
-                        <a:latin typeface="Arial" panose="020B0604020202020204" pitchFamily="34" charset="0"/>
-                        <a:ea typeface="맑은 고딕" panose="020B0503020000020004" pitchFamily="50" charset="-127"/>
-                      </a:endParaRPr>
-                    </a:p>
-                  </a:txBody>
-                  <a:tcPr marL="2239" marR="2239" marT="2239" marB="0"/>
-                </a:tc>
-                <a:extLst>
-                  <a:ext uri="{0D108BD9-81ED-4DB2-BD59-A6C34878D82A}">
-                    <a16:rowId xmlns:a16="http://schemas.microsoft.com/office/drawing/2014/main" val="2449239152"/>
-                  </a:ext>
-                </a:extLst>
-              </a:tr>
-              <a:tr h="170101">
-                <a:tc>
-                  <a:txBody>
-                    <a:bodyPr/>
-                    <a:lstStyle/>
-                    <a:p>
-                      <a:pPr algn="l" rtl="0" fontAlgn="ctr"/>
-                      <a:r>
-                        <a:rPr lang="ko-KR" altLang="en-US" sz="200" u="none" strike="noStrike">
-                          <a:effectLst/>
-                        </a:rPr>
-                        <a:t>외부주소</a:t>
-                      </a:r>
-                      <a:endParaRPr lang="ko-KR" altLang="en-US" sz="200" b="0" i="0" u="none" strike="noStrike">
-                        <a:solidFill>
-                          <a:srgbClr val="000000"/>
-                        </a:solidFill>
-                        <a:effectLst/>
-                        <a:latin typeface="Arial" panose="020B0604020202020204" pitchFamily="34" charset="0"/>
-                        <a:ea typeface="맑은 고딕" panose="020B0503020000020004" pitchFamily="50" charset="-127"/>
-                      </a:endParaRPr>
-                    </a:p>
-                  </a:txBody>
-                  <a:tcPr marL="2239" marR="2239" marT="2239" marB="0" anchor="ctr"/>
-                </a:tc>
-                <a:tc>
-                  <a:txBody>
-                    <a:bodyPr/>
-                    <a:lstStyle/>
-                    <a:p>
-                      <a:pPr algn="l" rtl="0" fontAlgn="ctr"/>
-                      <a:r>
-                        <a:rPr lang="en-US" sz="200" u="none" strike="noStrike">
-                          <a:effectLst/>
-                        </a:rPr>
-                        <a:t>KIT_1st_usb.RET</a:t>
-                      </a:r>
-                      <a:endParaRPr lang="en-US" sz="200" b="0" i="0" u="none" strike="noStrike">
-                        <a:solidFill>
-                          <a:srgbClr val="000000"/>
-                        </a:solidFill>
-                        <a:effectLst/>
-                        <a:latin typeface="맑은 고딕" panose="020B0503020000020004" pitchFamily="50" charset="-127"/>
-                        <a:ea typeface="맑은 고딕" panose="020B0503020000020004" pitchFamily="50" charset="-127"/>
-                      </a:endParaRPr>
-                    </a:p>
-                  </a:txBody>
-                  <a:tcPr marL="2239" marR="2239" marT="2239" marB="0" anchor="ctr"/>
-                </a:tc>
-                <a:tc>
-                  <a:txBody>
-                    <a:bodyPr/>
-                    <a:lstStyle/>
-                    <a:p>
-                      <a:pPr algn="l" rtl="0" fontAlgn="ctr"/>
-                      <a:r>
-                        <a:rPr lang="en-US" sz="200" u="none" strike="noStrike">
-                          <a:effectLst/>
-                        </a:rPr>
-                        <a:t>bool</a:t>
-                      </a:r>
-                      <a:endParaRPr lang="en-US" sz="200" b="0" i="0" u="none" strike="noStrike">
-                        <a:solidFill>
-                          <a:srgbClr val="000000"/>
-                        </a:solidFill>
-                        <a:effectLst/>
-                        <a:latin typeface="맑은 고딕" panose="020B0503020000020004" pitchFamily="50" charset="-127"/>
-                        <a:ea typeface="맑은 고딕" panose="020B0503020000020004" pitchFamily="50" charset="-127"/>
-                      </a:endParaRPr>
-                    </a:p>
-                  </a:txBody>
-                  <a:tcPr marL="2239" marR="2239" marT="2239" marB="0" anchor="ctr"/>
-                </a:tc>
-                <a:tc>
-                  <a:txBody>
-                    <a:bodyPr/>
-                    <a:lstStyle/>
-                    <a:p>
-                      <a:pPr algn="l" fontAlgn="t"/>
-                      <a:r>
-                        <a:rPr lang="en-US" sz="400" u="none" strike="noStrike">
-                          <a:effectLst/>
-                        </a:rPr>
-                        <a:t>%ix0.0.1</a:t>
-                      </a:r>
-                      <a:endParaRPr lang="en-US" sz="400" b="0" i="0" u="none" strike="noStrike">
-                        <a:solidFill>
-                          <a:srgbClr val="000000"/>
-                        </a:solidFill>
-                        <a:effectLst/>
-                        <a:latin typeface="Arial" panose="020B0604020202020204" pitchFamily="34" charset="0"/>
-                        <a:ea typeface="맑은 고딕" panose="020B0503020000020004" pitchFamily="50" charset="-127"/>
-                      </a:endParaRPr>
-                    </a:p>
-                  </a:txBody>
-                  <a:tcPr marL="2239" marR="2239" marT="2239" marB="0"/>
-                </a:tc>
-                <a:tc>
-                  <a:txBody>
-                    <a:bodyPr/>
-                    <a:lstStyle/>
-                    <a:p>
-                      <a:pPr algn="l" fontAlgn="t"/>
-                      <a:r>
-                        <a:rPr lang="en-US" sz="400" u="none" strike="noStrike">
-                          <a:effectLst/>
-                        </a:rPr>
-                        <a:t>%qx0.1.1</a:t>
-                      </a:r>
-                      <a:endParaRPr lang="en-US" sz="400" b="0" i="0" u="none" strike="noStrike">
-                        <a:solidFill>
-                          <a:srgbClr val="000000"/>
-                        </a:solidFill>
-                        <a:effectLst/>
-                        <a:latin typeface="Arial" panose="020B0604020202020204" pitchFamily="34" charset="0"/>
-                        <a:ea typeface="맑은 고딕" panose="020B0503020000020004" pitchFamily="50" charset="-127"/>
-                      </a:endParaRPr>
-                    </a:p>
-                  </a:txBody>
-                  <a:tcPr marL="2239" marR="2239" marT="2239" marB="0"/>
-                </a:tc>
-                <a:tc>
-                  <a:txBody>
-                    <a:bodyPr/>
-                    <a:lstStyle/>
-                    <a:p>
-                      <a:pPr algn="l" rtl="0" fontAlgn="ctr"/>
-                      <a:r>
-                        <a:rPr lang="en-US" sz="200" u="none" strike="noStrike">
-                          <a:effectLst/>
-                        </a:rPr>
-                        <a:t>KIT_1st_usb_RET</a:t>
-                      </a:r>
-                      <a:endParaRPr lang="en-US" sz="200" b="0" i="0" u="none" strike="noStrike">
-                        <a:solidFill>
-                          <a:srgbClr val="000000"/>
-                        </a:solidFill>
-                        <a:effectLst/>
-                        <a:latin typeface="맑은 고딕" panose="020B0503020000020004" pitchFamily="50" charset="-127"/>
-                        <a:ea typeface="맑은 고딕" panose="020B0503020000020004" pitchFamily="50" charset="-127"/>
-                      </a:endParaRPr>
-                    </a:p>
-                  </a:txBody>
-                  <a:tcPr marL="2239" marR="2239" marT="2239" marB="0" anchor="ctr"/>
-                </a:tc>
-                <a:tc>
-                  <a:txBody>
-                    <a:bodyPr/>
-                    <a:lstStyle/>
-                    <a:p>
-                      <a:pPr algn="l" fontAlgn="t"/>
-                      <a:r>
-                        <a:rPr lang="ko-KR" altLang="en-US" sz="400" u="none" strike="noStrike">
-                          <a:effectLst/>
-                        </a:rPr>
-                        <a:t>　</a:t>
-                      </a:r>
-                      <a:endParaRPr lang="ko-KR" altLang="en-US" sz="400" b="0" i="0" u="none" strike="noStrike">
-                        <a:solidFill>
-                          <a:srgbClr val="000000"/>
-                        </a:solidFill>
-                        <a:effectLst/>
-                        <a:latin typeface="Arial" panose="020B0604020202020204" pitchFamily="34" charset="0"/>
-                        <a:ea typeface="맑은 고딕" panose="020B0503020000020004" pitchFamily="50" charset="-127"/>
-                      </a:endParaRPr>
-                    </a:p>
-                  </a:txBody>
-                  <a:tcPr marL="2239" marR="2239" marT="2239" marB="0"/>
-                </a:tc>
-                <a:extLst>
-                  <a:ext uri="{0D108BD9-81ED-4DB2-BD59-A6C34878D82A}">
-                    <a16:rowId xmlns:a16="http://schemas.microsoft.com/office/drawing/2014/main" val="154033651"/>
-                  </a:ext>
-                </a:extLst>
-              </a:tr>
-              <a:tr h="170101">
-                <a:tc>
-                  <a:txBody>
-                    <a:bodyPr/>
-                    <a:lstStyle/>
-                    <a:p>
-                      <a:pPr algn="l" rtl="0" fontAlgn="ctr"/>
-                      <a:r>
-                        <a:rPr lang="ko-KR" altLang="en-US" sz="200" u="none" strike="noStrike">
-                          <a:effectLst/>
-                        </a:rPr>
-                        <a:t>외부주소</a:t>
-                      </a:r>
-                      <a:endParaRPr lang="ko-KR" altLang="en-US" sz="200" b="0" i="0" u="none" strike="noStrike">
-                        <a:solidFill>
-                          <a:srgbClr val="000000"/>
-                        </a:solidFill>
-                        <a:effectLst/>
-                        <a:latin typeface="Arial" panose="020B0604020202020204" pitchFamily="34" charset="0"/>
-                        <a:ea typeface="맑은 고딕" panose="020B0503020000020004" pitchFamily="50" charset="-127"/>
-                      </a:endParaRPr>
-                    </a:p>
-                  </a:txBody>
-                  <a:tcPr marL="2239" marR="2239" marT="2239" marB="0" anchor="ctr"/>
-                </a:tc>
-                <a:tc>
-                  <a:txBody>
-                    <a:bodyPr/>
-                    <a:lstStyle/>
-                    <a:p>
-                      <a:pPr algn="l" rtl="0" fontAlgn="ctr"/>
-                      <a:r>
-                        <a:rPr lang="en-US" sz="200" u="none" strike="noStrike">
-                          <a:effectLst/>
-                        </a:rPr>
-                        <a:t>KIT_2nd_usb.ADV</a:t>
-                      </a:r>
-                      <a:endParaRPr lang="en-US" sz="200" b="0" i="0" u="none" strike="noStrike">
-                        <a:solidFill>
-                          <a:srgbClr val="000000"/>
-                        </a:solidFill>
-                        <a:effectLst/>
-                        <a:latin typeface="맑은 고딕" panose="020B0503020000020004" pitchFamily="50" charset="-127"/>
-                        <a:ea typeface="맑은 고딕" panose="020B0503020000020004" pitchFamily="50" charset="-127"/>
-                      </a:endParaRPr>
-                    </a:p>
-                  </a:txBody>
-                  <a:tcPr marL="2239" marR="2239" marT="2239" marB="0" anchor="ctr"/>
-                </a:tc>
-                <a:tc>
-                  <a:txBody>
-                    <a:bodyPr/>
-                    <a:lstStyle/>
-                    <a:p>
-                      <a:pPr algn="l" rtl="0" fontAlgn="ctr"/>
-                      <a:r>
-                        <a:rPr lang="en-US" sz="200" u="none" strike="noStrike">
-                          <a:effectLst/>
-                        </a:rPr>
-                        <a:t>bool</a:t>
-                      </a:r>
-                      <a:endParaRPr lang="en-US" sz="200" b="0" i="0" u="none" strike="noStrike">
-                        <a:solidFill>
-                          <a:srgbClr val="000000"/>
-                        </a:solidFill>
-                        <a:effectLst/>
-                        <a:latin typeface="맑은 고딕" panose="020B0503020000020004" pitchFamily="50" charset="-127"/>
-                        <a:ea typeface="맑은 고딕" panose="020B0503020000020004" pitchFamily="50" charset="-127"/>
-                      </a:endParaRPr>
-                    </a:p>
-                  </a:txBody>
-                  <a:tcPr marL="2239" marR="2239" marT="2239" marB="0" anchor="ctr"/>
-                </a:tc>
-                <a:tc>
-                  <a:txBody>
-                    <a:bodyPr/>
-                    <a:lstStyle/>
-                    <a:p>
-                      <a:pPr algn="l" fontAlgn="t"/>
-                      <a:r>
-                        <a:rPr lang="en-US" sz="400" u="none" strike="noStrike">
-                          <a:effectLst/>
-                        </a:rPr>
-                        <a:t>%ix0.0.2</a:t>
-                      </a:r>
-                      <a:endParaRPr lang="en-US" sz="400" b="0" i="0" u="none" strike="noStrike">
-                        <a:solidFill>
-                          <a:srgbClr val="000000"/>
-                        </a:solidFill>
-                        <a:effectLst/>
-                        <a:latin typeface="Arial" panose="020B0604020202020204" pitchFamily="34" charset="0"/>
-                        <a:ea typeface="맑은 고딕" panose="020B0503020000020004" pitchFamily="50" charset="-127"/>
-                      </a:endParaRPr>
-                    </a:p>
-                  </a:txBody>
-                  <a:tcPr marL="2239" marR="2239" marT="2239" marB="0"/>
-                </a:tc>
-                <a:tc>
-                  <a:txBody>
-                    <a:bodyPr/>
-                    <a:lstStyle/>
-                    <a:p>
-                      <a:pPr algn="l" fontAlgn="t"/>
-                      <a:r>
-                        <a:rPr lang="en-US" sz="400" u="none" strike="noStrike">
-                          <a:effectLst/>
-                        </a:rPr>
-                        <a:t>%qx0.1.2</a:t>
-                      </a:r>
-                      <a:endParaRPr lang="en-US" sz="400" b="0" i="0" u="none" strike="noStrike">
-                        <a:solidFill>
-                          <a:srgbClr val="000000"/>
-                        </a:solidFill>
-                        <a:effectLst/>
-                        <a:latin typeface="Arial" panose="020B0604020202020204" pitchFamily="34" charset="0"/>
-                        <a:ea typeface="맑은 고딕" panose="020B0503020000020004" pitchFamily="50" charset="-127"/>
-                      </a:endParaRPr>
-                    </a:p>
-                  </a:txBody>
-                  <a:tcPr marL="2239" marR="2239" marT="2239" marB="0"/>
-                </a:tc>
-                <a:tc>
-                  <a:txBody>
-                    <a:bodyPr/>
-                    <a:lstStyle/>
-                    <a:p>
-                      <a:pPr algn="l" rtl="0" fontAlgn="ctr"/>
-                      <a:r>
-                        <a:rPr lang="en-US" sz="200" u="none" strike="noStrike">
-                          <a:effectLst/>
-                        </a:rPr>
-                        <a:t>KIT_2nd_usb_ADV</a:t>
-                      </a:r>
-                      <a:endParaRPr lang="en-US" sz="200" b="0" i="0" u="none" strike="noStrike">
-                        <a:solidFill>
-                          <a:srgbClr val="000000"/>
-                        </a:solidFill>
-                        <a:effectLst/>
-                        <a:latin typeface="맑은 고딕" panose="020B0503020000020004" pitchFamily="50" charset="-127"/>
-                        <a:ea typeface="맑은 고딕" panose="020B0503020000020004" pitchFamily="50" charset="-127"/>
-                      </a:endParaRPr>
-                    </a:p>
-                  </a:txBody>
-                  <a:tcPr marL="2239" marR="2239" marT="2239" marB="0" anchor="ctr"/>
-                </a:tc>
-                <a:tc>
-                  <a:txBody>
-                    <a:bodyPr/>
-                    <a:lstStyle/>
-                    <a:p>
-                      <a:pPr algn="l" fontAlgn="t"/>
-                      <a:r>
-                        <a:rPr lang="ko-KR" altLang="en-US" sz="400" u="none" strike="noStrike">
-                          <a:effectLst/>
-                        </a:rPr>
-                        <a:t>　</a:t>
-                      </a:r>
-                      <a:endParaRPr lang="ko-KR" altLang="en-US" sz="400" b="0" i="0" u="none" strike="noStrike">
-                        <a:solidFill>
-                          <a:srgbClr val="000000"/>
-                        </a:solidFill>
-                        <a:effectLst/>
-                        <a:latin typeface="Arial" panose="020B0604020202020204" pitchFamily="34" charset="0"/>
-                        <a:ea typeface="맑은 고딕" panose="020B0503020000020004" pitchFamily="50" charset="-127"/>
-                      </a:endParaRPr>
-                    </a:p>
-                  </a:txBody>
-                  <a:tcPr marL="2239" marR="2239" marT="2239" marB="0"/>
-                </a:tc>
-                <a:extLst>
-                  <a:ext uri="{0D108BD9-81ED-4DB2-BD59-A6C34878D82A}">
-                    <a16:rowId xmlns:a16="http://schemas.microsoft.com/office/drawing/2014/main" val="868826796"/>
-                  </a:ext>
-                </a:extLst>
-              </a:tr>
-              <a:tr h="170101">
-                <a:tc>
-                  <a:txBody>
-                    <a:bodyPr/>
-                    <a:lstStyle/>
-                    <a:p>
-                      <a:pPr algn="l" rtl="0" fontAlgn="ctr"/>
-                      <a:r>
-                        <a:rPr lang="ko-KR" altLang="en-US" sz="200" u="none" strike="noStrike">
-                          <a:effectLst/>
-                        </a:rPr>
-                        <a:t>외부주소</a:t>
-                      </a:r>
-                      <a:endParaRPr lang="ko-KR" altLang="en-US" sz="200" b="0" i="0" u="none" strike="noStrike">
-                        <a:solidFill>
-                          <a:srgbClr val="000000"/>
-                        </a:solidFill>
-                        <a:effectLst/>
-                        <a:latin typeface="Arial" panose="020B0604020202020204" pitchFamily="34" charset="0"/>
-                        <a:ea typeface="맑은 고딕" panose="020B0503020000020004" pitchFamily="50" charset="-127"/>
-                      </a:endParaRPr>
-                    </a:p>
-                  </a:txBody>
-                  <a:tcPr marL="2239" marR="2239" marT="2239" marB="0" anchor="ctr"/>
-                </a:tc>
-                <a:tc>
-                  <a:txBody>
-                    <a:bodyPr/>
-                    <a:lstStyle/>
-                    <a:p>
-                      <a:pPr algn="l" rtl="0" fontAlgn="ctr"/>
-                      <a:r>
-                        <a:rPr lang="en-US" sz="200" u="none" strike="noStrike">
-                          <a:effectLst/>
-                        </a:rPr>
-                        <a:t>KIT_2nd_usb.RET</a:t>
-                      </a:r>
-                      <a:endParaRPr lang="en-US" sz="200" b="0" i="0" u="none" strike="noStrike">
-                        <a:solidFill>
-                          <a:srgbClr val="000000"/>
-                        </a:solidFill>
-                        <a:effectLst/>
-                        <a:latin typeface="맑은 고딕" panose="020B0503020000020004" pitchFamily="50" charset="-127"/>
-                        <a:ea typeface="맑은 고딕" panose="020B0503020000020004" pitchFamily="50" charset="-127"/>
-                      </a:endParaRPr>
-                    </a:p>
-                  </a:txBody>
-                  <a:tcPr marL="2239" marR="2239" marT="2239" marB="0" anchor="ctr"/>
-                </a:tc>
-                <a:tc>
-                  <a:txBody>
-                    <a:bodyPr/>
-                    <a:lstStyle/>
-                    <a:p>
-                      <a:pPr algn="l" rtl="0" fontAlgn="ctr"/>
-                      <a:r>
-                        <a:rPr lang="en-US" sz="200" u="none" strike="noStrike">
-                          <a:effectLst/>
-                        </a:rPr>
-                        <a:t>bool</a:t>
-                      </a:r>
-                      <a:endParaRPr lang="en-US" sz="200" b="0" i="0" u="none" strike="noStrike">
-                        <a:solidFill>
-                          <a:srgbClr val="000000"/>
-                        </a:solidFill>
-                        <a:effectLst/>
-                        <a:latin typeface="맑은 고딕" panose="020B0503020000020004" pitchFamily="50" charset="-127"/>
-                        <a:ea typeface="맑은 고딕" panose="020B0503020000020004" pitchFamily="50" charset="-127"/>
-                      </a:endParaRPr>
-                    </a:p>
-                  </a:txBody>
-                  <a:tcPr marL="2239" marR="2239" marT="2239" marB="0" anchor="ctr"/>
-                </a:tc>
-                <a:tc>
-                  <a:txBody>
-                    <a:bodyPr/>
-                    <a:lstStyle/>
-                    <a:p>
-                      <a:pPr algn="l" fontAlgn="t"/>
-                      <a:r>
-                        <a:rPr lang="en-US" sz="400" u="none" strike="noStrike">
-                          <a:effectLst/>
-                        </a:rPr>
-                        <a:t>%ix0.0.3</a:t>
-                      </a:r>
-                      <a:endParaRPr lang="en-US" sz="400" b="0" i="0" u="none" strike="noStrike">
-                        <a:solidFill>
-                          <a:srgbClr val="000000"/>
-                        </a:solidFill>
-                        <a:effectLst/>
-                        <a:latin typeface="Arial" panose="020B0604020202020204" pitchFamily="34" charset="0"/>
-                        <a:ea typeface="맑은 고딕" panose="020B0503020000020004" pitchFamily="50" charset="-127"/>
-                      </a:endParaRPr>
-                    </a:p>
-                  </a:txBody>
-                  <a:tcPr marL="2239" marR="2239" marT="2239" marB="0"/>
-                </a:tc>
-                <a:tc>
-                  <a:txBody>
-                    <a:bodyPr/>
-                    <a:lstStyle/>
-                    <a:p>
-                      <a:pPr algn="l" fontAlgn="t"/>
-                      <a:r>
-                        <a:rPr lang="en-US" sz="400" u="none" strike="noStrike">
-                          <a:effectLst/>
-                        </a:rPr>
-                        <a:t>%qx0.1.3</a:t>
-                      </a:r>
-                      <a:endParaRPr lang="en-US" sz="400" b="0" i="0" u="none" strike="noStrike">
-                        <a:solidFill>
-                          <a:srgbClr val="000000"/>
-                        </a:solidFill>
-                        <a:effectLst/>
-                        <a:latin typeface="Arial" panose="020B0604020202020204" pitchFamily="34" charset="0"/>
-                        <a:ea typeface="맑은 고딕" panose="020B0503020000020004" pitchFamily="50" charset="-127"/>
-                      </a:endParaRPr>
-                    </a:p>
-                  </a:txBody>
-                  <a:tcPr marL="2239" marR="2239" marT="2239" marB="0"/>
-                </a:tc>
-                <a:tc>
-                  <a:txBody>
-                    <a:bodyPr/>
-                    <a:lstStyle/>
-                    <a:p>
-                      <a:pPr algn="l" rtl="0" fontAlgn="ctr"/>
-                      <a:r>
-                        <a:rPr lang="en-US" sz="200" u="none" strike="noStrike">
-                          <a:effectLst/>
-                        </a:rPr>
-                        <a:t>KIT_2nd_usb_RET</a:t>
-                      </a:r>
-                      <a:endParaRPr lang="en-US" sz="200" b="0" i="0" u="none" strike="noStrike">
-                        <a:solidFill>
-                          <a:srgbClr val="000000"/>
-                        </a:solidFill>
-                        <a:effectLst/>
-                        <a:latin typeface="맑은 고딕" panose="020B0503020000020004" pitchFamily="50" charset="-127"/>
-                        <a:ea typeface="맑은 고딕" panose="020B0503020000020004" pitchFamily="50" charset="-127"/>
-                      </a:endParaRPr>
-                    </a:p>
-                  </a:txBody>
-                  <a:tcPr marL="2239" marR="2239" marT="2239" marB="0" anchor="ctr"/>
-                </a:tc>
-                <a:tc>
-                  <a:txBody>
-                    <a:bodyPr/>
-                    <a:lstStyle/>
-                    <a:p>
-                      <a:pPr algn="l" fontAlgn="t"/>
-                      <a:r>
-                        <a:rPr lang="ko-KR" altLang="en-US" sz="400" u="none" strike="noStrike">
-                          <a:effectLst/>
-                        </a:rPr>
-                        <a:t>　</a:t>
-                      </a:r>
-                      <a:endParaRPr lang="ko-KR" altLang="en-US" sz="400" b="0" i="0" u="none" strike="noStrike">
-                        <a:solidFill>
-                          <a:srgbClr val="000000"/>
-                        </a:solidFill>
-                        <a:effectLst/>
-                        <a:latin typeface="Arial" panose="020B0604020202020204" pitchFamily="34" charset="0"/>
-                        <a:ea typeface="맑은 고딕" panose="020B0503020000020004" pitchFamily="50" charset="-127"/>
-                      </a:endParaRPr>
-                    </a:p>
-                  </a:txBody>
-                  <a:tcPr marL="2239" marR="2239" marT="2239" marB="0"/>
-                </a:tc>
-                <a:extLst>
-                  <a:ext uri="{0D108BD9-81ED-4DB2-BD59-A6C34878D82A}">
-                    <a16:rowId xmlns:a16="http://schemas.microsoft.com/office/drawing/2014/main" val="620257283"/>
-                  </a:ext>
-                </a:extLst>
-              </a:tr>
-              <a:tr h="170101">
-                <a:tc>
-                  <a:txBody>
-                    <a:bodyPr/>
-                    <a:lstStyle/>
-                    <a:p>
-                      <a:pPr algn="l" rtl="0" fontAlgn="ctr"/>
-                      <a:r>
-                        <a:rPr lang="ko-KR" altLang="en-US" sz="200" u="none" strike="noStrike">
-                          <a:effectLst/>
-                        </a:rPr>
-                        <a:t>외부주소</a:t>
-                      </a:r>
-                      <a:endParaRPr lang="ko-KR" altLang="en-US" sz="200" b="0" i="0" u="none" strike="noStrike">
-                        <a:solidFill>
-                          <a:srgbClr val="000000"/>
-                        </a:solidFill>
-                        <a:effectLst/>
-                        <a:latin typeface="Arial" panose="020B0604020202020204" pitchFamily="34" charset="0"/>
-                        <a:ea typeface="맑은 고딕" panose="020B0503020000020004" pitchFamily="50" charset="-127"/>
-                      </a:endParaRPr>
-                    </a:p>
-                  </a:txBody>
-                  <a:tcPr marL="2239" marR="2239" marT="2239" marB="0" anchor="ctr"/>
-                </a:tc>
-                <a:tc>
-                  <a:txBody>
-                    <a:bodyPr/>
-                    <a:lstStyle/>
-                    <a:p>
-                      <a:pPr algn="l" rtl="0" fontAlgn="ctr"/>
-                      <a:r>
-                        <a:rPr lang="en-US" sz="200" u="none" strike="noStrike">
-                          <a:effectLst/>
-                        </a:rPr>
-                        <a:t>KIT_3rd_usb.ADV</a:t>
-                      </a:r>
-                      <a:endParaRPr lang="en-US" sz="200" b="0" i="0" u="none" strike="noStrike">
-                        <a:solidFill>
-                          <a:srgbClr val="000000"/>
-                        </a:solidFill>
-                        <a:effectLst/>
-                        <a:latin typeface="맑은 고딕" panose="020B0503020000020004" pitchFamily="50" charset="-127"/>
-                        <a:ea typeface="맑은 고딕" panose="020B0503020000020004" pitchFamily="50" charset="-127"/>
-                      </a:endParaRPr>
-                    </a:p>
-                  </a:txBody>
-                  <a:tcPr marL="2239" marR="2239" marT="2239" marB="0" anchor="ctr"/>
-                </a:tc>
-                <a:tc>
-                  <a:txBody>
-                    <a:bodyPr/>
-                    <a:lstStyle/>
-                    <a:p>
-                      <a:pPr algn="l" rtl="0" fontAlgn="ctr"/>
-                      <a:r>
-                        <a:rPr lang="en-US" sz="200" u="none" strike="noStrike">
-                          <a:effectLst/>
-                        </a:rPr>
-                        <a:t>bool</a:t>
-                      </a:r>
-                      <a:endParaRPr lang="en-US" sz="200" b="0" i="0" u="none" strike="noStrike">
-                        <a:solidFill>
-                          <a:srgbClr val="000000"/>
-                        </a:solidFill>
-                        <a:effectLst/>
-                        <a:latin typeface="맑은 고딕" panose="020B0503020000020004" pitchFamily="50" charset="-127"/>
-                        <a:ea typeface="맑은 고딕" panose="020B0503020000020004" pitchFamily="50" charset="-127"/>
-                      </a:endParaRPr>
-                    </a:p>
-                  </a:txBody>
-                  <a:tcPr marL="2239" marR="2239" marT="2239" marB="0" anchor="ctr"/>
-                </a:tc>
-                <a:tc>
-                  <a:txBody>
-                    <a:bodyPr/>
-                    <a:lstStyle/>
-                    <a:p>
-                      <a:pPr algn="l" fontAlgn="t"/>
-                      <a:r>
-                        <a:rPr lang="en-US" sz="400" u="none" strike="noStrike">
-                          <a:effectLst/>
-                        </a:rPr>
-                        <a:t>%ix0.0.4</a:t>
-                      </a:r>
-                      <a:endParaRPr lang="en-US" sz="400" b="0" i="0" u="none" strike="noStrike">
-                        <a:solidFill>
-                          <a:srgbClr val="000000"/>
-                        </a:solidFill>
-                        <a:effectLst/>
-                        <a:latin typeface="Arial" panose="020B0604020202020204" pitchFamily="34" charset="0"/>
-                        <a:ea typeface="맑은 고딕" panose="020B0503020000020004" pitchFamily="50" charset="-127"/>
-                      </a:endParaRPr>
-                    </a:p>
-                  </a:txBody>
-                  <a:tcPr marL="2239" marR="2239" marT="2239" marB="0"/>
-                </a:tc>
-                <a:tc>
-                  <a:txBody>
-                    <a:bodyPr/>
-                    <a:lstStyle/>
-                    <a:p>
-                      <a:pPr algn="l" fontAlgn="t"/>
-                      <a:r>
-                        <a:rPr lang="en-US" sz="400" u="none" strike="noStrike">
-                          <a:effectLst/>
-                        </a:rPr>
-                        <a:t>%qx0.1.4</a:t>
-                      </a:r>
-                      <a:endParaRPr lang="en-US" sz="400" b="0" i="0" u="none" strike="noStrike">
-                        <a:solidFill>
-                          <a:srgbClr val="000000"/>
-                        </a:solidFill>
-                        <a:effectLst/>
-                        <a:latin typeface="Arial" panose="020B0604020202020204" pitchFamily="34" charset="0"/>
-                        <a:ea typeface="맑은 고딕" panose="020B0503020000020004" pitchFamily="50" charset="-127"/>
-                      </a:endParaRPr>
-                    </a:p>
-                  </a:txBody>
-                  <a:tcPr marL="2239" marR="2239" marT="2239" marB="0"/>
-                </a:tc>
-                <a:tc>
-                  <a:txBody>
-                    <a:bodyPr/>
-                    <a:lstStyle/>
-                    <a:p>
-                      <a:pPr algn="l" rtl="0" fontAlgn="ctr"/>
-                      <a:r>
-                        <a:rPr lang="en-US" sz="200" u="none" strike="noStrike">
-                          <a:effectLst/>
-                        </a:rPr>
-                        <a:t>KIT_3rd_usb_ADV</a:t>
-                      </a:r>
-                      <a:endParaRPr lang="en-US" sz="200" b="0" i="0" u="none" strike="noStrike">
-                        <a:solidFill>
-                          <a:srgbClr val="000000"/>
-                        </a:solidFill>
-                        <a:effectLst/>
-                        <a:latin typeface="맑은 고딕" panose="020B0503020000020004" pitchFamily="50" charset="-127"/>
-                        <a:ea typeface="맑은 고딕" panose="020B0503020000020004" pitchFamily="50" charset="-127"/>
-                      </a:endParaRPr>
-                    </a:p>
-                  </a:txBody>
-                  <a:tcPr marL="2239" marR="2239" marT="2239" marB="0" anchor="ctr"/>
-                </a:tc>
-                <a:tc>
-                  <a:txBody>
-                    <a:bodyPr/>
-                    <a:lstStyle/>
-                    <a:p>
-                      <a:pPr algn="l" fontAlgn="t"/>
-                      <a:r>
-                        <a:rPr lang="ko-KR" altLang="en-US" sz="400" u="none" strike="noStrike">
-                          <a:effectLst/>
-                        </a:rPr>
-                        <a:t>　</a:t>
-                      </a:r>
-                      <a:endParaRPr lang="ko-KR" altLang="en-US" sz="400" b="0" i="0" u="none" strike="noStrike">
-                        <a:solidFill>
-                          <a:srgbClr val="000000"/>
-                        </a:solidFill>
-                        <a:effectLst/>
-                        <a:latin typeface="Arial" panose="020B0604020202020204" pitchFamily="34" charset="0"/>
-                        <a:ea typeface="맑은 고딕" panose="020B0503020000020004" pitchFamily="50" charset="-127"/>
-                      </a:endParaRPr>
-                    </a:p>
-                  </a:txBody>
-                  <a:tcPr marL="2239" marR="2239" marT="2239" marB="0"/>
-                </a:tc>
-                <a:extLst>
-                  <a:ext uri="{0D108BD9-81ED-4DB2-BD59-A6C34878D82A}">
-                    <a16:rowId xmlns:a16="http://schemas.microsoft.com/office/drawing/2014/main" val="2396934312"/>
-                  </a:ext>
-                </a:extLst>
-              </a:tr>
-              <a:tr h="170101">
-                <a:tc>
-                  <a:txBody>
-                    <a:bodyPr/>
-                    <a:lstStyle/>
-                    <a:p>
-                      <a:pPr algn="l" rtl="0" fontAlgn="ctr"/>
-                      <a:r>
-                        <a:rPr lang="ko-KR" altLang="en-US" sz="200" u="none" strike="noStrike">
-                          <a:effectLst/>
-                        </a:rPr>
-                        <a:t>외부주소</a:t>
-                      </a:r>
-                      <a:endParaRPr lang="ko-KR" altLang="en-US" sz="200" b="0" i="0" u="none" strike="noStrike">
-                        <a:solidFill>
-                          <a:srgbClr val="000000"/>
-                        </a:solidFill>
-                        <a:effectLst/>
-                        <a:latin typeface="Arial" panose="020B0604020202020204" pitchFamily="34" charset="0"/>
-                        <a:ea typeface="맑은 고딕" panose="020B0503020000020004" pitchFamily="50" charset="-127"/>
-                      </a:endParaRPr>
-                    </a:p>
-                  </a:txBody>
-                  <a:tcPr marL="2239" marR="2239" marT="2239" marB="0" anchor="ctr"/>
-                </a:tc>
-                <a:tc>
-                  <a:txBody>
-                    <a:bodyPr/>
-                    <a:lstStyle/>
-                    <a:p>
-                      <a:pPr algn="l" rtl="0" fontAlgn="ctr"/>
-                      <a:r>
-                        <a:rPr lang="en-US" sz="200" u="none" strike="noStrike">
-                          <a:effectLst/>
-                        </a:rPr>
-                        <a:t>KIT_3rd_usb.RET</a:t>
-                      </a:r>
-                      <a:endParaRPr lang="en-US" sz="200" b="0" i="0" u="none" strike="noStrike">
-                        <a:solidFill>
-                          <a:srgbClr val="000000"/>
-                        </a:solidFill>
-                        <a:effectLst/>
-                        <a:latin typeface="맑은 고딕" panose="020B0503020000020004" pitchFamily="50" charset="-127"/>
-                        <a:ea typeface="맑은 고딕" panose="020B0503020000020004" pitchFamily="50" charset="-127"/>
-                      </a:endParaRPr>
-                    </a:p>
-                  </a:txBody>
-                  <a:tcPr marL="2239" marR="2239" marT="2239" marB="0" anchor="ctr"/>
-                </a:tc>
-                <a:tc>
-                  <a:txBody>
-                    <a:bodyPr/>
-                    <a:lstStyle/>
-                    <a:p>
-                      <a:pPr algn="l" rtl="0" fontAlgn="ctr"/>
-                      <a:r>
-                        <a:rPr lang="en-US" sz="200" u="none" strike="noStrike">
-                          <a:effectLst/>
-                        </a:rPr>
-                        <a:t>bool</a:t>
-                      </a:r>
-                      <a:endParaRPr lang="en-US" sz="200" b="0" i="0" u="none" strike="noStrike">
-                        <a:solidFill>
-                          <a:srgbClr val="000000"/>
-                        </a:solidFill>
-                        <a:effectLst/>
-                        <a:latin typeface="맑은 고딕" panose="020B0503020000020004" pitchFamily="50" charset="-127"/>
-                        <a:ea typeface="맑은 고딕" panose="020B0503020000020004" pitchFamily="50" charset="-127"/>
-                      </a:endParaRPr>
-                    </a:p>
-                  </a:txBody>
-                  <a:tcPr marL="2239" marR="2239" marT="2239" marB="0" anchor="ctr"/>
-                </a:tc>
-                <a:tc>
-                  <a:txBody>
-                    <a:bodyPr/>
-                    <a:lstStyle/>
-                    <a:p>
-                      <a:pPr algn="l" fontAlgn="t"/>
-                      <a:r>
-                        <a:rPr lang="en-US" sz="400" u="none" strike="noStrike">
-                          <a:effectLst/>
-                        </a:rPr>
-                        <a:t>%ix0.0.5</a:t>
-                      </a:r>
-                      <a:endParaRPr lang="en-US" sz="400" b="0" i="0" u="none" strike="noStrike">
-                        <a:solidFill>
-                          <a:srgbClr val="000000"/>
-                        </a:solidFill>
-                        <a:effectLst/>
-                        <a:latin typeface="Arial" panose="020B0604020202020204" pitchFamily="34" charset="0"/>
-                        <a:ea typeface="맑은 고딕" panose="020B0503020000020004" pitchFamily="50" charset="-127"/>
-                      </a:endParaRPr>
-                    </a:p>
-                  </a:txBody>
-                  <a:tcPr marL="2239" marR="2239" marT="2239" marB="0"/>
-                </a:tc>
-                <a:tc>
-                  <a:txBody>
-                    <a:bodyPr/>
-                    <a:lstStyle/>
-                    <a:p>
-                      <a:pPr algn="l" fontAlgn="t"/>
-                      <a:r>
-                        <a:rPr lang="en-US" sz="400" u="none" strike="noStrike">
-                          <a:effectLst/>
-                        </a:rPr>
-                        <a:t>%qx0.1.5</a:t>
-                      </a:r>
-                      <a:endParaRPr lang="en-US" sz="400" b="0" i="0" u="none" strike="noStrike">
-                        <a:solidFill>
-                          <a:srgbClr val="000000"/>
-                        </a:solidFill>
-                        <a:effectLst/>
-                        <a:latin typeface="Arial" panose="020B0604020202020204" pitchFamily="34" charset="0"/>
-                        <a:ea typeface="맑은 고딕" panose="020B0503020000020004" pitchFamily="50" charset="-127"/>
-                      </a:endParaRPr>
-                    </a:p>
-                  </a:txBody>
-                  <a:tcPr marL="2239" marR="2239" marT="2239" marB="0"/>
-                </a:tc>
-                <a:tc>
-                  <a:txBody>
-                    <a:bodyPr/>
-                    <a:lstStyle/>
-                    <a:p>
-                      <a:pPr algn="l" rtl="0" fontAlgn="ctr"/>
-                      <a:r>
-                        <a:rPr lang="en-US" sz="200" u="none" strike="noStrike">
-                          <a:effectLst/>
-                        </a:rPr>
-                        <a:t>KIT_3rd_usb_RET</a:t>
-                      </a:r>
-                      <a:endParaRPr lang="en-US" sz="200" b="0" i="0" u="none" strike="noStrike">
-                        <a:solidFill>
-                          <a:srgbClr val="000000"/>
-                        </a:solidFill>
-                        <a:effectLst/>
-                        <a:latin typeface="맑은 고딕" panose="020B0503020000020004" pitchFamily="50" charset="-127"/>
-                        <a:ea typeface="맑은 고딕" panose="020B0503020000020004" pitchFamily="50" charset="-127"/>
-                      </a:endParaRPr>
-                    </a:p>
-                  </a:txBody>
-                  <a:tcPr marL="2239" marR="2239" marT="2239" marB="0" anchor="ctr"/>
-                </a:tc>
-                <a:tc>
-                  <a:txBody>
-                    <a:bodyPr/>
-                    <a:lstStyle/>
-                    <a:p>
-                      <a:pPr algn="l" fontAlgn="t"/>
-                      <a:r>
-                        <a:rPr lang="ko-KR" altLang="en-US" sz="400" u="none" strike="noStrike">
-                          <a:effectLst/>
-                        </a:rPr>
-                        <a:t>　</a:t>
-                      </a:r>
-                      <a:endParaRPr lang="ko-KR" altLang="en-US" sz="400" b="0" i="0" u="none" strike="noStrike">
-                        <a:solidFill>
-                          <a:srgbClr val="000000"/>
-                        </a:solidFill>
-                        <a:effectLst/>
-                        <a:latin typeface="Arial" panose="020B0604020202020204" pitchFamily="34" charset="0"/>
-                        <a:ea typeface="맑은 고딕" panose="020B0503020000020004" pitchFamily="50" charset="-127"/>
-                      </a:endParaRPr>
-                    </a:p>
-                  </a:txBody>
-                  <a:tcPr marL="2239" marR="2239" marT="2239" marB="0"/>
-                </a:tc>
-                <a:extLst>
-                  <a:ext uri="{0D108BD9-81ED-4DB2-BD59-A6C34878D82A}">
-                    <a16:rowId xmlns:a16="http://schemas.microsoft.com/office/drawing/2014/main" val="3219495423"/>
-                  </a:ext>
-                </a:extLst>
-              </a:tr>
-              <a:tr h="170101">
-                <a:tc>
-                  <a:txBody>
-                    <a:bodyPr/>
-                    <a:lstStyle/>
-                    <a:p>
-                      <a:pPr algn="l" rtl="0" fontAlgn="ctr"/>
-                      <a:r>
-                        <a:rPr lang="ko-KR" altLang="en-US" sz="200" u="none" strike="noStrike">
-                          <a:effectLst/>
-                        </a:rPr>
-                        <a:t>외부주소</a:t>
-                      </a:r>
-                      <a:endParaRPr lang="ko-KR" altLang="en-US" sz="200" b="0" i="0" u="none" strike="noStrike">
-                        <a:solidFill>
-                          <a:srgbClr val="000000"/>
-                        </a:solidFill>
-                        <a:effectLst/>
-                        <a:latin typeface="Arial" panose="020B0604020202020204" pitchFamily="34" charset="0"/>
-                        <a:ea typeface="맑은 고딕" panose="020B0503020000020004" pitchFamily="50" charset="-127"/>
-                      </a:endParaRPr>
-                    </a:p>
-                  </a:txBody>
-                  <a:tcPr marL="2239" marR="2239" marT="2239" marB="0" anchor="ctr"/>
-                </a:tc>
-                <a:tc>
-                  <a:txBody>
-                    <a:bodyPr/>
-                    <a:lstStyle/>
-                    <a:p>
-                      <a:pPr algn="l" rtl="0" fontAlgn="ctr"/>
-                      <a:r>
-                        <a:rPr lang="en-US" sz="200" u="none" strike="noStrike">
-                          <a:effectLst/>
-                        </a:rPr>
-                        <a:t>KIT_4th_usb.ADV</a:t>
-                      </a:r>
-                      <a:endParaRPr lang="en-US" sz="200" b="0" i="0" u="none" strike="noStrike">
-                        <a:solidFill>
-                          <a:srgbClr val="000000"/>
-                        </a:solidFill>
-                        <a:effectLst/>
-                        <a:latin typeface="맑은 고딕" panose="020B0503020000020004" pitchFamily="50" charset="-127"/>
-                        <a:ea typeface="맑은 고딕" panose="020B0503020000020004" pitchFamily="50" charset="-127"/>
-                      </a:endParaRPr>
-                    </a:p>
-                  </a:txBody>
-                  <a:tcPr marL="2239" marR="2239" marT="2239" marB="0" anchor="ctr"/>
-                </a:tc>
-                <a:tc>
-                  <a:txBody>
-                    <a:bodyPr/>
-                    <a:lstStyle/>
-                    <a:p>
-                      <a:pPr algn="l" rtl="0" fontAlgn="ctr"/>
-                      <a:r>
-                        <a:rPr lang="en-US" sz="200" u="none" strike="noStrike">
-                          <a:effectLst/>
-                        </a:rPr>
-                        <a:t>bool</a:t>
-                      </a:r>
-                      <a:endParaRPr lang="en-US" sz="200" b="0" i="0" u="none" strike="noStrike">
-                        <a:solidFill>
-                          <a:srgbClr val="000000"/>
-                        </a:solidFill>
-                        <a:effectLst/>
-                        <a:latin typeface="맑은 고딕" panose="020B0503020000020004" pitchFamily="50" charset="-127"/>
-                        <a:ea typeface="맑은 고딕" panose="020B0503020000020004" pitchFamily="50" charset="-127"/>
-                      </a:endParaRPr>
-                    </a:p>
-                  </a:txBody>
-                  <a:tcPr marL="2239" marR="2239" marT="2239" marB="0" anchor="ctr"/>
-                </a:tc>
-                <a:tc>
-                  <a:txBody>
-                    <a:bodyPr/>
-                    <a:lstStyle/>
-                    <a:p>
-                      <a:pPr algn="l" fontAlgn="t"/>
-                      <a:r>
-                        <a:rPr lang="en-US" sz="400" u="none" strike="noStrike">
-                          <a:effectLst/>
-                        </a:rPr>
-                        <a:t>%ix0.0.6</a:t>
-                      </a:r>
-                      <a:endParaRPr lang="en-US" sz="400" b="0" i="0" u="none" strike="noStrike">
-                        <a:solidFill>
-                          <a:srgbClr val="000000"/>
-                        </a:solidFill>
-                        <a:effectLst/>
-                        <a:latin typeface="Arial" panose="020B0604020202020204" pitchFamily="34" charset="0"/>
-                        <a:ea typeface="맑은 고딕" panose="020B0503020000020004" pitchFamily="50" charset="-127"/>
-                      </a:endParaRPr>
-                    </a:p>
-                  </a:txBody>
-                  <a:tcPr marL="2239" marR="2239" marT="2239" marB="0"/>
-                </a:tc>
-                <a:tc>
-                  <a:txBody>
-                    <a:bodyPr/>
-                    <a:lstStyle/>
-                    <a:p>
-                      <a:pPr algn="l" fontAlgn="t"/>
-                      <a:r>
-                        <a:rPr lang="en-US" sz="400" u="none" strike="noStrike">
-                          <a:effectLst/>
-                        </a:rPr>
-                        <a:t>%qx0.1.6</a:t>
-                      </a:r>
-                      <a:endParaRPr lang="en-US" sz="400" b="0" i="0" u="none" strike="noStrike">
-                        <a:solidFill>
-                          <a:srgbClr val="000000"/>
-                        </a:solidFill>
-                        <a:effectLst/>
-                        <a:latin typeface="Arial" panose="020B0604020202020204" pitchFamily="34" charset="0"/>
-                        <a:ea typeface="맑은 고딕" panose="020B0503020000020004" pitchFamily="50" charset="-127"/>
-                      </a:endParaRPr>
-                    </a:p>
-                  </a:txBody>
-                  <a:tcPr marL="2239" marR="2239" marT="2239" marB="0"/>
-                </a:tc>
-                <a:tc>
-                  <a:txBody>
-                    <a:bodyPr/>
-                    <a:lstStyle/>
-                    <a:p>
-                      <a:pPr algn="l" rtl="0" fontAlgn="ctr"/>
-                      <a:r>
-                        <a:rPr lang="en-US" sz="200" u="none" strike="noStrike">
-                          <a:effectLst/>
-                        </a:rPr>
-                        <a:t>KIT_4th_usb_ADV</a:t>
-                      </a:r>
-                      <a:endParaRPr lang="en-US" sz="200" b="0" i="0" u="none" strike="noStrike">
-                        <a:solidFill>
-                          <a:srgbClr val="000000"/>
-                        </a:solidFill>
-                        <a:effectLst/>
-                        <a:latin typeface="맑은 고딕" panose="020B0503020000020004" pitchFamily="50" charset="-127"/>
-                        <a:ea typeface="맑은 고딕" panose="020B0503020000020004" pitchFamily="50" charset="-127"/>
-                      </a:endParaRPr>
-                    </a:p>
-                  </a:txBody>
-                  <a:tcPr marL="2239" marR="2239" marT="2239" marB="0" anchor="ctr"/>
-                </a:tc>
-                <a:tc>
-                  <a:txBody>
-                    <a:bodyPr/>
-                    <a:lstStyle/>
-                    <a:p>
-                      <a:pPr algn="l" fontAlgn="t"/>
-                      <a:r>
-                        <a:rPr lang="ko-KR" altLang="en-US" sz="400" u="none" strike="noStrike">
-                          <a:effectLst/>
-                        </a:rPr>
-                        <a:t>　</a:t>
-                      </a:r>
-                      <a:endParaRPr lang="ko-KR" altLang="en-US" sz="400" b="0" i="0" u="none" strike="noStrike">
-                        <a:solidFill>
-                          <a:srgbClr val="000000"/>
-                        </a:solidFill>
-                        <a:effectLst/>
-                        <a:latin typeface="Arial" panose="020B0604020202020204" pitchFamily="34" charset="0"/>
-                        <a:ea typeface="맑은 고딕" panose="020B0503020000020004" pitchFamily="50" charset="-127"/>
-                      </a:endParaRPr>
-                    </a:p>
-                  </a:txBody>
-                  <a:tcPr marL="2239" marR="2239" marT="2239" marB="0"/>
-                </a:tc>
-                <a:extLst>
-                  <a:ext uri="{0D108BD9-81ED-4DB2-BD59-A6C34878D82A}">
-                    <a16:rowId xmlns:a16="http://schemas.microsoft.com/office/drawing/2014/main" val="3326615606"/>
-                  </a:ext>
-                </a:extLst>
-              </a:tr>
-              <a:tr h="170101">
-                <a:tc>
-                  <a:txBody>
-                    <a:bodyPr/>
-                    <a:lstStyle/>
-                    <a:p>
-                      <a:pPr algn="l" rtl="0" fontAlgn="ctr"/>
-                      <a:r>
-                        <a:rPr lang="ko-KR" altLang="en-US" sz="200" u="none" strike="noStrike">
-                          <a:effectLst/>
-                        </a:rPr>
-                        <a:t>외부주소</a:t>
-                      </a:r>
-                      <a:endParaRPr lang="ko-KR" altLang="en-US" sz="200" b="0" i="0" u="none" strike="noStrike">
-                        <a:solidFill>
-                          <a:srgbClr val="000000"/>
-                        </a:solidFill>
-                        <a:effectLst/>
-                        <a:latin typeface="Arial" panose="020B0604020202020204" pitchFamily="34" charset="0"/>
-                        <a:ea typeface="맑은 고딕" panose="020B0503020000020004" pitchFamily="50" charset="-127"/>
-                      </a:endParaRPr>
-                    </a:p>
-                  </a:txBody>
-                  <a:tcPr marL="2239" marR="2239" marT="2239" marB="0" anchor="ctr"/>
-                </a:tc>
-                <a:tc>
-                  <a:txBody>
-                    <a:bodyPr/>
-                    <a:lstStyle/>
-                    <a:p>
-                      <a:pPr algn="l" rtl="0" fontAlgn="ctr"/>
-                      <a:r>
-                        <a:rPr lang="en-US" sz="200" u="none" strike="noStrike">
-                          <a:effectLst/>
-                        </a:rPr>
-                        <a:t>KIT_4th_usb.RET</a:t>
-                      </a:r>
-                      <a:endParaRPr lang="en-US" sz="200" b="0" i="0" u="none" strike="noStrike">
-                        <a:solidFill>
-                          <a:srgbClr val="000000"/>
-                        </a:solidFill>
-                        <a:effectLst/>
-                        <a:latin typeface="맑은 고딕" panose="020B0503020000020004" pitchFamily="50" charset="-127"/>
-                        <a:ea typeface="맑은 고딕" panose="020B0503020000020004" pitchFamily="50" charset="-127"/>
-                      </a:endParaRPr>
-                    </a:p>
-                  </a:txBody>
-                  <a:tcPr marL="2239" marR="2239" marT="2239" marB="0" anchor="ctr"/>
-                </a:tc>
-                <a:tc>
-                  <a:txBody>
-                    <a:bodyPr/>
-                    <a:lstStyle/>
-                    <a:p>
-                      <a:pPr algn="l" rtl="0" fontAlgn="ctr"/>
-                      <a:r>
-                        <a:rPr lang="en-US" sz="200" u="none" strike="noStrike">
-                          <a:effectLst/>
-                        </a:rPr>
-                        <a:t>bool</a:t>
-                      </a:r>
-                      <a:endParaRPr lang="en-US" sz="200" b="0" i="0" u="none" strike="noStrike">
-                        <a:solidFill>
-                          <a:srgbClr val="000000"/>
-                        </a:solidFill>
-                        <a:effectLst/>
-                        <a:latin typeface="맑은 고딕" panose="020B0503020000020004" pitchFamily="50" charset="-127"/>
-                        <a:ea typeface="맑은 고딕" panose="020B0503020000020004" pitchFamily="50" charset="-127"/>
-                      </a:endParaRPr>
-                    </a:p>
-                  </a:txBody>
-                  <a:tcPr marL="2239" marR="2239" marT="2239" marB="0" anchor="ctr"/>
-                </a:tc>
-                <a:tc>
-                  <a:txBody>
-                    <a:bodyPr/>
-                    <a:lstStyle/>
-                    <a:p>
-                      <a:pPr algn="l" fontAlgn="t"/>
-                      <a:r>
-                        <a:rPr lang="en-US" sz="400" u="none" strike="noStrike">
-                          <a:effectLst/>
-                        </a:rPr>
-                        <a:t>%ix0.0.7</a:t>
-                      </a:r>
-                      <a:endParaRPr lang="en-US" sz="400" b="0" i="0" u="none" strike="noStrike">
-                        <a:solidFill>
-                          <a:srgbClr val="000000"/>
-                        </a:solidFill>
-                        <a:effectLst/>
-                        <a:latin typeface="Arial" panose="020B0604020202020204" pitchFamily="34" charset="0"/>
-                        <a:ea typeface="맑은 고딕" panose="020B0503020000020004" pitchFamily="50" charset="-127"/>
-                      </a:endParaRPr>
-                    </a:p>
-                  </a:txBody>
-                  <a:tcPr marL="2239" marR="2239" marT="2239" marB="0"/>
-                </a:tc>
-                <a:tc>
-                  <a:txBody>
-                    <a:bodyPr/>
-                    <a:lstStyle/>
-                    <a:p>
-                      <a:pPr algn="l" fontAlgn="t"/>
-                      <a:r>
-                        <a:rPr lang="en-US" sz="400" u="none" strike="noStrike">
-                          <a:effectLst/>
-                        </a:rPr>
-                        <a:t>%qx0.1.7</a:t>
-                      </a:r>
-                      <a:endParaRPr lang="en-US" sz="400" b="0" i="0" u="none" strike="noStrike">
-                        <a:solidFill>
-                          <a:srgbClr val="000000"/>
-                        </a:solidFill>
-                        <a:effectLst/>
-                        <a:latin typeface="Arial" panose="020B0604020202020204" pitchFamily="34" charset="0"/>
-                        <a:ea typeface="맑은 고딕" panose="020B0503020000020004" pitchFamily="50" charset="-127"/>
-                      </a:endParaRPr>
-                    </a:p>
-                  </a:txBody>
-                  <a:tcPr marL="2239" marR="2239" marT="2239" marB="0"/>
-                </a:tc>
-                <a:tc>
-                  <a:txBody>
-                    <a:bodyPr/>
-                    <a:lstStyle/>
-                    <a:p>
-                      <a:pPr algn="l" rtl="0" fontAlgn="ctr"/>
-                      <a:r>
-                        <a:rPr lang="en-US" sz="200" u="none" strike="noStrike">
-                          <a:effectLst/>
-                        </a:rPr>
-                        <a:t>KIT_4th_usb_RET</a:t>
-                      </a:r>
-                      <a:endParaRPr lang="en-US" sz="200" b="0" i="0" u="none" strike="noStrike">
-                        <a:solidFill>
-                          <a:srgbClr val="000000"/>
-                        </a:solidFill>
-                        <a:effectLst/>
-                        <a:latin typeface="맑은 고딕" panose="020B0503020000020004" pitchFamily="50" charset="-127"/>
-                        <a:ea typeface="맑은 고딕" panose="020B0503020000020004" pitchFamily="50" charset="-127"/>
-                      </a:endParaRPr>
-                    </a:p>
-                  </a:txBody>
-                  <a:tcPr marL="2239" marR="2239" marT="2239" marB="0" anchor="ctr"/>
-                </a:tc>
-                <a:tc>
-                  <a:txBody>
-                    <a:bodyPr/>
-                    <a:lstStyle/>
-                    <a:p>
-                      <a:pPr algn="l" fontAlgn="t"/>
-                      <a:r>
-                        <a:rPr lang="ko-KR" altLang="en-US" sz="400" u="none" strike="noStrike">
-                          <a:effectLst/>
-                        </a:rPr>
-                        <a:t>　</a:t>
-                      </a:r>
-                      <a:endParaRPr lang="ko-KR" altLang="en-US" sz="400" b="0" i="0" u="none" strike="noStrike">
-                        <a:solidFill>
-                          <a:srgbClr val="000000"/>
-                        </a:solidFill>
-                        <a:effectLst/>
-                        <a:latin typeface="Arial" panose="020B0604020202020204" pitchFamily="34" charset="0"/>
-                        <a:ea typeface="맑은 고딕" panose="020B0503020000020004" pitchFamily="50" charset="-127"/>
-                      </a:endParaRPr>
-                    </a:p>
-                  </a:txBody>
-                  <a:tcPr marL="2239" marR="2239" marT="2239" marB="0"/>
-                </a:tc>
-                <a:extLst>
-                  <a:ext uri="{0D108BD9-81ED-4DB2-BD59-A6C34878D82A}">
-                    <a16:rowId xmlns:a16="http://schemas.microsoft.com/office/drawing/2014/main" val="387659973"/>
-                  </a:ext>
-                </a:extLst>
-              </a:tr>
-              <a:tr h="170101">
-                <a:tc>
-                  <a:txBody>
-                    <a:bodyPr/>
-                    <a:lstStyle/>
-                    <a:p>
-                      <a:pPr algn="l" rtl="0" fontAlgn="ctr"/>
-                      <a:r>
-                        <a:rPr lang="ko-KR" altLang="en-US" sz="200" u="none" strike="noStrike">
-                          <a:effectLst/>
-                        </a:rPr>
-                        <a:t>외부주소</a:t>
-                      </a:r>
-                      <a:endParaRPr lang="ko-KR" altLang="en-US" sz="200" b="0" i="0" u="none" strike="noStrike">
-                        <a:solidFill>
-                          <a:srgbClr val="000000"/>
-                        </a:solidFill>
-                        <a:effectLst/>
-                        <a:latin typeface="Arial" panose="020B0604020202020204" pitchFamily="34" charset="0"/>
-                        <a:ea typeface="맑은 고딕" panose="020B0503020000020004" pitchFamily="50" charset="-127"/>
-                      </a:endParaRPr>
-                    </a:p>
-                  </a:txBody>
-                  <a:tcPr marL="2239" marR="2239" marT="2239" marB="0" anchor="ctr"/>
-                </a:tc>
-                <a:tc>
-                  <a:txBody>
-                    <a:bodyPr/>
-                    <a:lstStyle/>
-                    <a:p>
-                      <a:pPr algn="l" rtl="0" fontAlgn="ctr"/>
-                      <a:r>
-                        <a:rPr lang="en-US" sz="200" u="none" strike="noStrike">
-                          <a:effectLst/>
-                        </a:rPr>
-                        <a:t>KIT_Cv_FrtOUT.MOVE</a:t>
-                      </a:r>
-                      <a:endParaRPr lang="en-US" sz="200" b="0" i="0" u="none" strike="noStrike">
-                        <a:solidFill>
-                          <a:srgbClr val="000000"/>
-                        </a:solidFill>
-                        <a:effectLst/>
-                        <a:latin typeface="맑은 고딕" panose="020B0503020000020004" pitchFamily="50" charset="-127"/>
-                        <a:ea typeface="맑은 고딕" panose="020B0503020000020004" pitchFamily="50" charset="-127"/>
-                      </a:endParaRPr>
-                    </a:p>
-                  </a:txBody>
-                  <a:tcPr marL="2239" marR="2239" marT="2239" marB="0" anchor="ctr"/>
-                </a:tc>
-                <a:tc>
-                  <a:txBody>
-                    <a:bodyPr/>
-                    <a:lstStyle/>
-                    <a:p>
-                      <a:pPr algn="l" rtl="0" fontAlgn="ctr"/>
-                      <a:r>
-                        <a:rPr lang="en-US" sz="200" u="none" strike="noStrike">
-                          <a:effectLst/>
-                        </a:rPr>
-                        <a:t>bool</a:t>
-                      </a:r>
-                      <a:endParaRPr lang="en-US" sz="200" b="0" i="0" u="none" strike="noStrike">
-                        <a:solidFill>
-                          <a:srgbClr val="000000"/>
-                        </a:solidFill>
-                        <a:effectLst/>
-                        <a:latin typeface="맑은 고딕" panose="020B0503020000020004" pitchFamily="50" charset="-127"/>
-                        <a:ea typeface="맑은 고딕" panose="020B0503020000020004" pitchFamily="50" charset="-127"/>
-                      </a:endParaRPr>
-                    </a:p>
-                  </a:txBody>
-                  <a:tcPr marL="2239" marR="2239" marT="2239" marB="0" anchor="ctr"/>
-                </a:tc>
-                <a:tc>
-                  <a:txBody>
-                    <a:bodyPr/>
-                    <a:lstStyle/>
-                    <a:p>
-                      <a:pPr algn="l" fontAlgn="t"/>
-                      <a:r>
-                        <a:rPr lang="en-US" sz="400" u="none" strike="noStrike">
-                          <a:effectLst/>
-                        </a:rPr>
-                        <a:t>%ix0.0.8</a:t>
-                      </a:r>
-                      <a:endParaRPr lang="en-US" sz="400" b="0" i="0" u="none" strike="noStrike">
-                        <a:solidFill>
-                          <a:srgbClr val="000000"/>
-                        </a:solidFill>
-                        <a:effectLst/>
-                        <a:latin typeface="Arial" panose="020B0604020202020204" pitchFamily="34" charset="0"/>
-                        <a:ea typeface="맑은 고딕" panose="020B0503020000020004" pitchFamily="50" charset="-127"/>
-                      </a:endParaRPr>
-                    </a:p>
-                  </a:txBody>
-                  <a:tcPr marL="2239" marR="2239" marT="2239" marB="0"/>
-                </a:tc>
-                <a:tc>
-                  <a:txBody>
-                    <a:bodyPr/>
-                    <a:lstStyle/>
-                    <a:p>
-                      <a:pPr algn="l" fontAlgn="t"/>
-                      <a:r>
-                        <a:rPr lang="en-US" sz="400" u="none" strike="noStrike">
-                          <a:effectLst/>
-                        </a:rPr>
-                        <a:t>%qx0.1.8</a:t>
-                      </a:r>
-                      <a:endParaRPr lang="en-US" sz="400" b="0" i="0" u="none" strike="noStrike">
-                        <a:solidFill>
-                          <a:srgbClr val="000000"/>
-                        </a:solidFill>
-                        <a:effectLst/>
-                        <a:latin typeface="Arial" panose="020B0604020202020204" pitchFamily="34" charset="0"/>
-                        <a:ea typeface="맑은 고딕" panose="020B0503020000020004" pitchFamily="50" charset="-127"/>
-                      </a:endParaRPr>
-                    </a:p>
-                  </a:txBody>
-                  <a:tcPr marL="2239" marR="2239" marT="2239" marB="0"/>
-                </a:tc>
-                <a:tc>
-                  <a:txBody>
-                    <a:bodyPr/>
-                    <a:lstStyle/>
-                    <a:p>
-                      <a:pPr algn="l" rtl="0" fontAlgn="ctr"/>
-                      <a:r>
-                        <a:rPr lang="en-US" sz="200" u="none" strike="noStrike">
-                          <a:effectLst/>
-                        </a:rPr>
-                        <a:t>KIT_Cv_FrtOUT_MOVE</a:t>
-                      </a:r>
-                      <a:endParaRPr lang="en-US" sz="200" b="0" i="0" u="none" strike="noStrike">
-                        <a:solidFill>
-                          <a:srgbClr val="000000"/>
-                        </a:solidFill>
-                        <a:effectLst/>
-                        <a:latin typeface="맑은 고딕" panose="020B0503020000020004" pitchFamily="50" charset="-127"/>
-                        <a:ea typeface="맑은 고딕" panose="020B0503020000020004" pitchFamily="50" charset="-127"/>
-                      </a:endParaRPr>
-                    </a:p>
-                  </a:txBody>
-                  <a:tcPr marL="2239" marR="2239" marT="2239" marB="0" anchor="ctr"/>
-                </a:tc>
-                <a:tc>
-                  <a:txBody>
-                    <a:bodyPr/>
-                    <a:lstStyle/>
-                    <a:p>
-                      <a:pPr algn="l" fontAlgn="t"/>
-                      <a:r>
-                        <a:rPr lang="ko-KR" altLang="en-US" sz="400" u="none" strike="noStrike">
-                          <a:effectLst/>
-                        </a:rPr>
-                        <a:t>　</a:t>
-                      </a:r>
-                      <a:endParaRPr lang="ko-KR" altLang="en-US" sz="400" b="0" i="0" u="none" strike="noStrike">
-                        <a:solidFill>
-                          <a:srgbClr val="000000"/>
-                        </a:solidFill>
-                        <a:effectLst/>
-                        <a:latin typeface="Arial" panose="020B0604020202020204" pitchFamily="34" charset="0"/>
-                        <a:ea typeface="맑은 고딕" panose="020B0503020000020004" pitchFamily="50" charset="-127"/>
-                      </a:endParaRPr>
-                    </a:p>
-                  </a:txBody>
-                  <a:tcPr marL="2239" marR="2239" marT="2239" marB="0"/>
-                </a:tc>
-                <a:extLst>
-                  <a:ext uri="{0D108BD9-81ED-4DB2-BD59-A6C34878D82A}">
-                    <a16:rowId xmlns:a16="http://schemas.microsoft.com/office/drawing/2014/main" val="3688635831"/>
-                  </a:ext>
-                </a:extLst>
-              </a:tr>
-              <a:tr h="170101">
-                <a:tc>
-                  <a:txBody>
-                    <a:bodyPr/>
-                    <a:lstStyle/>
-                    <a:p>
-                      <a:pPr algn="l" rtl="0" fontAlgn="ctr"/>
-                      <a:r>
-                        <a:rPr lang="ko-KR" altLang="en-US" sz="200" u="none" strike="noStrike">
-                          <a:effectLst/>
-                        </a:rPr>
-                        <a:t>외부주소</a:t>
-                      </a:r>
-                      <a:endParaRPr lang="ko-KR" altLang="en-US" sz="200" b="0" i="0" u="none" strike="noStrike">
-                        <a:solidFill>
-                          <a:srgbClr val="000000"/>
-                        </a:solidFill>
-                        <a:effectLst/>
-                        <a:latin typeface="Arial" panose="020B0604020202020204" pitchFamily="34" charset="0"/>
-                        <a:ea typeface="맑은 고딕" panose="020B0503020000020004" pitchFamily="50" charset="-127"/>
-                      </a:endParaRPr>
-                    </a:p>
-                  </a:txBody>
-                  <a:tcPr marL="2239" marR="2239" marT="2239" marB="0" anchor="ctr"/>
-                </a:tc>
-                <a:tc>
-                  <a:txBody>
-                    <a:bodyPr/>
-                    <a:lstStyle/>
-                    <a:p>
-                      <a:pPr algn="l" rtl="0" fontAlgn="ctr"/>
-                      <a:r>
-                        <a:rPr lang="en-US" sz="200" u="none" strike="noStrike">
-                          <a:effectLst/>
-                        </a:rPr>
-                        <a:t>KIT_Cv_FrtOUT.REMOVE</a:t>
-                      </a:r>
-                      <a:endParaRPr lang="en-US" sz="200" b="0" i="0" u="none" strike="noStrike">
-                        <a:solidFill>
-                          <a:srgbClr val="000000"/>
-                        </a:solidFill>
-                        <a:effectLst/>
-                        <a:latin typeface="맑은 고딕" panose="020B0503020000020004" pitchFamily="50" charset="-127"/>
-                        <a:ea typeface="맑은 고딕" panose="020B0503020000020004" pitchFamily="50" charset="-127"/>
-                      </a:endParaRPr>
-                    </a:p>
-                  </a:txBody>
-                  <a:tcPr marL="2239" marR="2239" marT="2239" marB="0" anchor="ctr"/>
-                </a:tc>
-                <a:tc>
-                  <a:txBody>
-                    <a:bodyPr/>
-                    <a:lstStyle/>
-                    <a:p>
-                      <a:pPr algn="l" rtl="0" fontAlgn="ctr"/>
-                      <a:r>
-                        <a:rPr lang="en-US" sz="200" u="none" strike="noStrike">
-                          <a:effectLst/>
-                        </a:rPr>
-                        <a:t>bool</a:t>
-                      </a:r>
-                      <a:endParaRPr lang="en-US" sz="200" b="0" i="0" u="none" strike="noStrike">
-                        <a:solidFill>
-                          <a:srgbClr val="000000"/>
-                        </a:solidFill>
-                        <a:effectLst/>
-                        <a:latin typeface="맑은 고딕" panose="020B0503020000020004" pitchFamily="50" charset="-127"/>
-                        <a:ea typeface="맑은 고딕" panose="020B0503020000020004" pitchFamily="50" charset="-127"/>
-                      </a:endParaRPr>
-                    </a:p>
-                  </a:txBody>
-                  <a:tcPr marL="2239" marR="2239" marT="2239" marB="0" anchor="ctr"/>
-                </a:tc>
-                <a:tc>
-                  <a:txBody>
-                    <a:bodyPr/>
-                    <a:lstStyle/>
-                    <a:p>
-                      <a:pPr algn="l" fontAlgn="t"/>
-                      <a:r>
-                        <a:rPr lang="en-US" sz="400" u="none" strike="noStrike">
-                          <a:effectLst/>
-                        </a:rPr>
-                        <a:t>%ix0.0.9</a:t>
-                      </a:r>
-                      <a:endParaRPr lang="en-US" sz="400" b="0" i="0" u="none" strike="noStrike">
-                        <a:solidFill>
-                          <a:srgbClr val="000000"/>
-                        </a:solidFill>
-                        <a:effectLst/>
-                        <a:latin typeface="Arial" panose="020B0604020202020204" pitchFamily="34" charset="0"/>
-                        <a:ea typeface="맑은 고딕" panose="020B0503020000020004" pitchFamily="50" charset="-127"/>
-                      </a:endParaRPr>
-                    </a:p>
-                  </a:txBody>
-                  <a:tcPr marL="2239" marR="2239" marT="2239" marB="0"/>
-                </a:tc>
-                <a:tc>
-                  <a:txBody>
-                    <a:bodyPr/>
-                    <a:lstStyle/>
-                    <a:p>
-                      <a:pPr algn="l" fontAlgn="t"/>
-                      <a:r>
-                        <a:rPr lang="en-US" sz="400" u="none" strike="noStrike">
-                          <a:effectLst/>
-                        </a:rPr>
-                        <a:t>%qx0.1.9</a:t>
-                      </a:r>
-                      <a:endParaRPr lang="en-US" sz="400" b="0" i="0" u="none" strike="noStrike">
-                        <a:solidFill>
-                          <a:srgbClr val="000000"/>
-                        </a:solidFill>
-                        <a:effectLst/>
-                        <a:latin typeface="Arial" panose="020B0604020202020204" pitchFamily="34" charset="0"/>
-                        <a:ea typeface="맑은 고딕" panose="020B0503020000020004" pitchFamily="50" charset="-127"/>
-                      </a:endParaRPr>
-                    </a:p>
-                  </a:txBody>
-                  <a:tcPr marL="2239" marR="2239" marT="2239" marB="0"/>
-                </a:tc>
-                <a:tc>
-                  <a:txBody>
-                    <a:bodyPr/>
-                    <a:lstStyle/>
-                    <a:p>
-                      <a:pPr algn="l" rtl="0" fontAlgn="ctr"/>
-                      <a:r>
-                        <a:rPr lang="en-US" sz="200" u="none" strike="noStrike">
-                          <a:effectLst/>
-                        </a:rPr>
-                        <a:t>KIT_Cv_FrtOUT_REMOVE</a:t>
-                      </a:r>
-                      <a:endParaRPr lang="en-US" sz="200" b="0" i="0" u="none" strike="noStrike">
-                        <a:solidFill>
-                          <a:srgbClr val="000000"/>
-                        </a:solidFill>
-                        <a:effectLst/>
-                        <a:latin typeface="맑은 고딕" panose="020B0503020000020004" pitchFamily="50" charset="-127"/>
-                        <a:ea typeface="맑은 고딕" panose="020B0503020000020004" pitchFamily="50" charset="-127"/>
-                      </a:endParaRPr>
-                    </a:p>
-                  </a:txBody>
-                  <a:tcPr marL="2239" marR="2239" marT="2239" marB="0" anchor="ctr"/>
-                </a:tc>
-                <a:tc>
-                  <a:txBody>
-                    <a:bodyPr/>
-                    <a:lstStyle/>
-                    <a:p>
-                      <a:pPr algn="l" fontAlgn="t"/>
-                      <a:r>
-                        <a:rPr lang="ko-KR" altLang="en-US" sz="400" u="none" strike="noStrike">
-                          <a:effectLst/>
-                        </a:rPr>
-                        <a:t>　</a:t>
-                      </a:r>
-                      <a:endParaRPr lang="ko-KR" altLang="en-US" sz="400" b="0" i="0" u="none" strike="noStrike">
-                        <a:solidFill>
-                          <a:srgbClr val="000000"/>
-                        </a:solidFill>
-                        <a:effectLst/>
-                        <a:latin typeface="Arial" panose="020B0604020202020204" pitchFamily="34" charset="0"/>
-                        <a:ea typeface="맑은 고딕" panose="020B0503020000020004" pitchFamily="50" charset="-127"/>
-                      </a:endParaRPr>
-                    </a:p>
-                  </a:txBody>
-                  <a:tcPr marL="2239" marR="2239" marT="2239" marB="0"/>
-                </a:tc>
-                <a:extLst>
-                  <a:ext uri="{0D108BD9-81ED-4DB2-BD59-A6C34878D82A}">
-                    <a16:rowId xmlns:a16="http://schemas.microsoft.com/office/drawing/2014/main" val="2078017699"/>
-                  </a:ext>
-                </a:extLst>
-              </a:tr>
-              <a:tr h="170101">
-                <a:tc>
-                  <a:txBody>
-                    <a:bodyPr/>
-                    <a:lstStyle/>
-                    <a:p>
-                      <a:pPr algn="l" rtl="0" fontAlgn="ctr"/>
-                      <a:r>
-                        <a:rPr lang="ko-KR" altLang="en-US" sz="200" u="none" strike="noStrike">
-                          <a:effectLst/>
-                        </a:rPr>
-                        <a:t>외부주소</a:t>
-                      </a:r>
-                      <a:endParaRPr lang="ko-KR" altLang="en-US" sz="200" b="0" i="0" u="none" strike="noStrike">
-                        <a:solidFill>
-                          <a:srgbClr val="000000"/>
-                        </a:solidFill>
-                        <a:effectLst/>
-                        <a:latin typeface="Arial" panose="020B0604020202020204" pitchFamily="34" charset="0"/>
-                        <a:ea typeface="맑은 고딕" panose="020B0503020000020004" pitchFamily="50" charset="-127"/>
-                      </a:endParaRPr>
-                    </a:p>
-                  </a:txBody>
-                  <a:tcPr marL="2239" marR="2239" marT="2239" marB="0" anchor="ctr"/>
-                </a:tc>
-                <a:tc>
-                  <a:txBody>
-                    <a:bodyPr/>
-                    <a:lstStyle/>
-                    <a:p>
-                      <a:pPr algn="l" rtl="0" fontAlgn="ctr"/>
-                      <a:r>
-                        <a:rPr lang="en-US" sz="200" u="none" strike="noStrike">
-                          <a:effectLst/>
-                        </a:rPr>
-                        <a:t>KIT_Cv_Frt.MOVE</a:t>
-                      </a:r>
-                      <a:endParaRPr lang="en-US" sz="200" b="0" i="0" u="none" strike="noStrike">
-                        <a:solidFill>
-                          <a:srgbClr val="000000"/>
-                        </a:solidFill>
-                        <a:effectLst/>
-                        <a:latin typeface="맑은 고딕" panose="020B0503020000020004" pitchFamily="50" charset="-127"/>
-                        <a:ea typeface="맑은 고딕" panose="020B0503020000020004" pitchFamily="50" charset="-127"/>
-                      </a:endParaRPr>
-                    </a:p>
-                  </a:txBody>
-                  <a:tcPr marL="2239" marR="2239" marT="2239" marB="0" anchor="ctr"/>
-                </a:tc>
-                <a:tc>
-                  <a:txBody>
-                    <a:bodyPr/>
-                    <a:lstStyle/>
-                    <a:p>
-                      <a:pPr algn="l" rtl="0" fontAlgn="ctr"/>
-                      <a:r>
-                        <a:rPr lang="en-US" sz="200" u="none" strike="noStrike">
-                          <a:effectLst/>
-                        </a:rPr>
-                        <a:t>bool</a:t>
-                      </a:r>
-                      <a:endParaRPr lang="en-US" sz="200" b="0" i="0" u="none" strike="noStrike">
-                        <a:solidFill>
-                          <a:srgbClr val="000000"/>
-                        </a:solidFill>
-                        <a:effectLst/>
-                        <a:latin typeface="맑은 고딕" panose="020B0503020000020004" pitchFamily="50" charset="-127"/>
-                        <a:ea typeface="맑은 고딕" panose="020B0503020000020004" pitchFamily="50" charset="-127"/>
-                      </a:endParaRPr>
-                    </a:p>
-                  </a:txBody>
-                  <a:tcPr marL="2239" marR="2239" marT="2239" marB="0" anchor="ctr"/>
-                </a:tc>
-                <a:tc>
-                  <a:txBody>
-                    <a:bodyPr/>
-                    <a:lstStyle/>
-                    <a:p>
-                      <a:pPr algn="l" fontAlgn="t"/>
-                      <a:r>
-                        <a:rPr lang="en-US" sz="400" u="none" strike="noStrike">
-                          <a:effectLst/>
-                        </a:rPr>
-                        <a:t>%ix0.0.10</a:t>
-                      </a:r>
-                      <a:endParaRPr lang="en-US" sz="400" b="0" i="0" u="none" strike="noStrike">
-                        <a:solidFill>
-                          <a:srgbClr val="000000"/>
-                        </a:solidFill>
-                        <a:effectLst/>
-                        <a:latin typeface="Arial" panose="020B0604020202020204" pitchFamily="34" charset="0"/>
-                        <a:ea typeface="맑은 고딕" panose="020B0503020000020004" pitchFamily="50" charset="-127"/>
-                      </a:endParaRPr>
-                    </a:p>
-                  </a:txBody>
-                  <a:tcPr marL="2239" marR="2239" marT="2239" marB="0"/>
-                </a:tc>
-                <a:tc>
-                  <a:txBody>
-                    <a:bodyPr/>
-                    <a:lstStyle/>
-                    <a:p>
-                      <a:pPr algn="l" fontAlgn="t"/>
-                      <a:r>
-                        <a:rPr lang="en-US" sz="400" u="none" strike="noStrike">
-                          <a:effectLst/>
-                        </a:rPr>
-                        <a:t>%qx0.1.10</a:t>
-                      </a:r>
-                      <a:endParaRPr lang="en-US" sz="400" b="0" i="0" u="none" strike="noStrike">
-                        <a:solidFill>
-                          <a:srgbClr val="000000"/>
-                        </a:solidFill>
-                        <a:effectLst/>
-                        <a:latin typeface="Arial" panose="020B0604020202020204" pitchFamily="34" charset="0"/>
-                        <a:ea typeface="맑은 고딕" panose="020B0503020000020004" pitchFamily="50" charset="-127"/>
-                      </a:endParaRPr>
-                    </a:p>
-                  </a:txBody>
-                  <a:tcPr marL="2239" marR="2239" marT="2239" marB="0"/>
-                </a:tc>
-                <a:tc>
-                  <a:txBody>
-                    <a:bodyPr/>
-                    <a:lstStyle/>
-                    <a:p>
-                      <a:pPr algn="l" rtl="0" fontAlgn="ctr"/>
-                      <a:r>
-                        <a:rPr lang="en-US" sz="200" u="none" strike="noStrike">
-                          <a:effectLst/>
-                        </a:rPr>
-                        <a:t>KIT_Cv_Frt_MOVE</a:t>
-                      </a:r>
-                      <a:endParaRPr lang="en-US" sz="200" b="0" i="0" u="none" strike="noStrike">
-                        <a:solidFill>
-                          <a:srgbClr val="000000"/>
-                        </a:solidFill>
-                        <a:effectLst/>
-                        <a:latin typeface="맑은 고딕" panose="020B0503020000020004" pitchFamily="50" charset="-127"/>
-                        <a:ea typeface="맑은 고딕" panose="020B0503020000020004" pitchFamily="50" charset="-127"/>
-                      </a:endParaRPr>
-                    </a:p>
-                  </a:txBody>
-                  <a:tcPr marL="2239" marR="2239" marT="2239" marB="0" anchor="ctr"/>
-                </a:tc>
-                <a:tc>
-                  <a:txBody>
-                    <a:bodyPr/>
-                    <a:lstStyle/>
-                    <a:p>
-                      <a:pPr algn="l" fontAlgn="t"/>
-                      <a:r>
-                        <a:rPr lang="ko-KR" altLang="en-US" sz="400" u="none" strike="noStrike">
-                          <a:effectLst/>
-                        </a:rPr>
-                        <a:t>　</a:t>
-                      </a:r>
-                      <a:endParaRPr lang="ko-KR" altLang="en-US" sz="400" b="0" i="0" u="none" strike="noStrike">
-                        <a:solidFill>
-                          <a:srgbClr val="000000"/>
-                        </a:solidFill>
-                        <a:effectLst/>
-                        <a:latin typeface="Arial" panose="020B0604020202020204" pitchFamily="34" charset="0"/>
-                        <a:ea typeface="맑은 고딕" panose="020B0503020000020004" pitchFamily="50" charset="-127"/>
-                      </a:endParaRPr>
-                    </a:p>
-                  </a:txBody>
-                  <a:tcPr marL="2239" marR="2239" marT="2239" marB="0"/>
-                </a:tc>
-                <a:extLst>
-                  <a:ext uri="{0D108BD9-81ED-4DB2-BD59-A6C34878D82A}">
-                    <a16:rowId xmlns:a16="http://schemas.microsoft.com/office/drawing/2014/main" val="3507738503"/>
-                  </a:ext>
-                </a:extLst>
-              </a:tr>
-              <a:tr h="170101">
-                <a:tc>
-                  <a:txBody>
-                    <a:bodyPr/>
-                    <a:lstStyle/>
-                    <a:p>
-                      <a:pPr algn="l" rtl="0" fontAlgn="ctr"/>
-                      <a:r>
-                        <a:rPr lang="ko-KR" altLang="en-US" sz="200" u="none" strike="noStrike">
-                          <a:effectLst/>
-                        </a:rPr>
-                        <a:t>외부주소</a:t>
-                      </a:r>
-                      <a:endParaRPr lang="ko-KR" altLang="en-US" sz="200" b="0" i="0" u="none" strike="noStrike">
-                        <a:solidFill>
-                          <a:srgbClr val="000000"/>
-                        </a:solidFill>
-                        <a:effectLst/>
-                        <a:latin typeface="Arial" panose="020B0604020202020204" pitchFamily="34" charset="0"/>
-                        <a:ea typeface="맑은 고딕" panose="020B0503020000020004" pitchFamily="50" charset="-127"/>
-                      </a:endParaRPr>
-                    </a:p>
-                  </a:txBody>
-                  <a:tcPr marL="2239" marR="2239" marT="2239" marB="0" anchor="ctr"/>
-                </a:tc>
-                <a:tc>
-                  <a:txBody>
-                    <a:bodyPr/>
-                    <a:lstStyle/>
-                    <a:p>
-                      <a:pPr algn="l" rtl="0" fontAlgn="ctr"/>
-                      <a:r>
-                        <a:rPr lang="en-US" sz="200" u="none" strike="noStrike">
-                          <a:effectLst/>
-                        </a:rPr>
-                        <a:t>KIT_Cv_Frt.REMOVE</a:t>
-                      </a:r>
-                      <a:endParaRPr lang="en-US" sz="200" b="0" i="0" u="none" strike="noStrike">
-                        <a:solidFill>
-                          <a:srgbClr val="000000"/>
-                        </a:solidFill>
-                        <a:effectLst/>
-                        <a:latin typeface="맑은 고딕" panose="020B0503020000020004" pitchFamily="50" charset="-127"/>
-                        <a:ea typeface="맑은 고딕" panose="020B0503020000020004" pitchFamily="50" charset="-127"/>
-                      </a:endParaRPr>
-                    </a:p>
-                  </a:txBody>
-                  <a:tcPr marL="2239" marR="2239" marT="2239" marB="0" anchor="ctr"/>
-                </a:tc>
-                <a:tc>
-                  <a:txBody>
-                    <a:bodyPr/>
-                    <a:lstStyle/>
-                    <a:p>
-                      <a:pPr algn="l" rtl="0" fontAlgn="ctr"/>
-                      <a:r>
-                        <a:rPr lang="en-US" sz="200" u="none" strike="noStrike">
-                          <a:effectLst/>
-                        </a:rPr>
-                        <a:t>bool</a:t>
-                      </a:r>
-                      <a:endParaRPr lang="en-US" sz="200" b="0" i="0" u="none" strike="noStrike">
-                        <a:solidFill>
-                          <a:srgbClr val="000000"/>
-                        </a:solidFill>
-                        <a:effectLst/>
-                        <a:latin typeface="맑은 고딕" panose="020B0503020000020004" pitchFamily="50" charset="-127"/>
-                        <a:ea typeface="맑은 고딕" panose="020B0503020000020004" pitchFamily="50" charset="-127"/>
-                      </a:endParaRPr>
-                    </a:p>
-                  </a:txBody>
-                  <a:tcPr marL="2239" marR="2239" marT="2239" marB="0" anchor="ctr"/>
-                </a:tc>
-                <a:tc>
-                  <a:txBody>
-                    <a:bodyPr/>
-                    <a:lstStyle/>
-                    <a:p>
-                      <a:pPr algn="l" fontAlgn="t"/>
-                      <a:r>
-                        <a:rPr lang="en-US" sz="400" u="none" strike="noStrike">
-                          <a:effectLst/>
-                        </a:rPr>
-                        <a:t>%ix0.0.11</a:t>
-                      </a:r>
-                      <a:endParaRPr lang="en-US" sz="400" b="0" i="0" u="none" strike="noStrike">
-                        <a:solidFill>
-                          <a:srgbClr val="000000"/>
-                        </a:solidFill>
-                        <a:effectLst/>
-                        <a:latin typeface="Arial" panose="020B0604020202020204" pitchFamily="34" charset="0"/>
-                        <a:ea typeface="맑은 고딕" panose="020B0503020000020004" pitchFamily="50" charset="-127"/>
-                      </a:endParaRPr>
-                    </a:p>
-                  </a:txBody>
-                  <a:tcPr marL="2239" marR="2239" marT="2239" marB="0"/>
-                </a:tc>
-                <a:tc>
-                  <a:txBody>
-                    <a:bodyPr/>
-                    <a:lstStyle/>
-                    <a:p>
-                      <a:pPr algn="l" fontAlgn="t"/>
-                      <a:r>
-                        <a:rPr lang="en-US" sz="400" u="none" strike="noStrike">
-                          <a:effectLst/>
-                        </a:rPr>
-                        <a:t>%qx0.1.11</a:t>
-                      </a:r>
-                      <a:endParaRPr lang="en-US" sz="400" b="0" i="0" u="none" strike="noStrike">
-                        <a:solidFill>
-                          <a:srgbClr val="000000"/>
-                        </a:solidFill>
-                        <a:effectLst/>
-                        <a:latin typeface="Arial" panose="020B0604020202020204" pitchFamily="34" charset="0"/>
-                        <a:ea typeface="맑은 고딕" panose="020B0503020000020004" pitchFamily="50" charset="-127"/>
-                      </a:endParaRPr>
-                    </a:p>
-                  </a:txBody>
-                  <a:tcPr marL="2239" marR="2239" marT="2239" marB="0"/>
-                </a:tc>
-                <a:tc>
-                  <a:txBody>
-                    <a:bodyPr/>
-                    <a:lstStyle/>
-                    <a:p>
-                      <a:pPr algn="l" rtl="0" fontAlgn="ctr"/>
-                      <a:r>
-                        <a:rPr lang="en-US" sz="200" u="none" strike="noStrike">
-                          <a:effectLst/>
-                        </a:rPr>
-                        <a:t>KIT_Cv_Frt_REMOVE</a:t>
-                      </a:r>
-                      <a:endParaRPr lang="en-US" sz="200" b="0" i="0" u="none" strike="noStrike">
-                        <a:solidFill>
-                          <a:srgbClr val="000000"/>
-                        </a:solidFill>
-                        <a:effectLst/>
-                        <a:latin typeface="맑은 고딕" panose="020B0503020000020004" pitchFamily="50" charset="-127"/>
-                        <a:ea typeface="맑은 고딕" panose="020B0503020000020004" pitchFamily="50" charset="-127"/>
-                      </a:endParaRPr>
-                    </a:p>
-                  </a:txBody>
-                  <a:tcPr marL="2239" marR="2239" marT="2239" marB="0" anchor="ctr"/>
-                </a:tc>
-                <a:tc>
-                  <a:txBody>
-                    <a:bodyPr/>
-                    <a:lstStyle/>
-                    <a:p>
-                      <a:pPr algn="l" fontAlgn="t"/>
-                      <a:r>
-                        <a:rPr lang="ko-KR" altLang="en-US" sz="400" u="none" strike="noStrike">
-                          <a:effectLst/>
-                        </a:rPr>
-                        <a:t>　</a:t>
-                      </a:r>
-                      <a:endParaRPr lang="ko-KR" altLang="en-US" sz="400" b="0" i="0" u="none" strike="noStrike">
-                        <a:solidFill>
-                          <a:srgbClr val="000000"/>
-                        </a:solidFill>
-                        <a:effectLst/>
-                        <a:latin typeface="Arial" panose="020B0604020202020204" pitchFamily="34" charset="0"/>
-                        <a:ea typeface="맑은 고딕" panose="020B0503020000020004" pitchFamily="50" charset="-127"/>
-                      </a:endParaRPr>
-                    </a:p>
-                  </a:txBody>
-                  <a:tcPr marL="2239" marR="2239" marT="2239" marB="0"/>
-                </a:tc>
-                <a:extLst>
-                  <a:ext uri="{0D108BD9-81ED-4DB2-BD59-A6C34878D82A}">
-                    <a16:rowId xmlns:a16="http://schemas.microsoft.com/office/drawing/2014/main" val="2445509943"/>
-                  </a:ext>
-                </a:extLst>
-              </a:tr>
-              <a:tr h="170101">
-                <a:tc>
-                  <a:txBody>
-                    <a:bodyPr/>
-                    <a:lstStyle/>
-                    <a:p>
-                      <a:pPr algn="l" rtl="0" fontAlgn="ctr"/>
-                      <a:r>
-                        <a:rPr lang="ko-KR" altLang="en-US" sz="200" u="none" strike="noStrike">
-                          <a:effectLst/>
-                        </a:rPr>
-                        <a:t>외부주소</a:t>
-                      </a:r>
-                      <a:endParaRPr lang="ko-KR" altLang="en-US" sz="200" b="0" i="0" u="none" strike="noStrike">
-                        <a:solidFill>
-                          <a:srgbClr val="000000"/>
-                        </a:solidFill>
-                        <a:effectLst/>
-                        <a:latin typeface="Arial" panose="020B0604020202020204" pitchFamily="34" charset="0"/>
-                        <a:ea typeface="맑은 고딕" panose="020B0503020000020004" pitchFamily="50" charset="-127"/>
-                      </a:endParaRPr>
-                    </a:p>
-                  </a:txBody>
-                  <a:tcPr marL="2239" marR="2239" marT="2239" marB="0" anchor="ctr"/>
-                </a:tc>
-                <a:tc>
-                  <a:txBody>
-                    <a:bodyPr/>
-                    <a:lstStyle/>
-                    <a:p>
-                      <a:pPr algn="l" rtl="0" fontAlgn="ctr"/>
-                      <a:r>
-                        <a:rPr lang="en-US" sz="200" u="none" strike="noStrike">
-                          <a:effectLst/>
-                        </a:rPr>
-                        <a:t>KIT_Cv_RR.MOVE</a:t>
-                      </a:r>
-                      <a:endParaRPr lang="en-US" sz="200" b="0" i="0" u="none" strike="noStrike">
-                        <a:solidFill>
-                          <a:srgbClr val="000000"/>
-                        </a:solidFill>
-                        <a:effectLst/>
-                        <a:latin typeface="맑은 고딕" panose="020B0503020000020004" pitchFamily="50" charset="-127"/>
-                        <a:ea typeface="맑은 고딕" panose="020B0503020000020004" pitchFamily="50" charset="-127"/>
-                      </a:endParaRPr>
-                    </a:p>
-                  </a:txBody>
-                  <a:tcPr marL="2239" marR="2239" marT="2239" marB="0" anchor="ctr"/>
-                </a:tc>
-                <a:tc>
-                  <a:txBody>
-                    <a:bodyPr/>
-                    <a:lstStyle/>
-                    <a:p>
-                      <a:pPr algn="l" rtl="0" fontAlgn="ctr"/>
-                      <a:r>
-                        <a:rPr lang="en-US" sz="200" u="none" strike="noStrike">
-                          <a:effectLst/>
-                        </a:rPr>
-                        <a:t>bool</a:t>
-                      </a:r>
-                      <a:endParaRPr lang="en-US" sz="200" b="0" i="0" u="none" strike="noStrike">
-                        <a:solidFill>
-                          <a:srgbClr val="000000"/>
-                        </a:solidFill>
-                        <a:effectLst/>
-                        <a:latin typeface="맑은 고딕" panose="020B0503020000020004" pitchFamily="50" charset="-127"/>
-                        <a:ea typeface="맑은 고딕" panose="020B0503020000020004" pitchFamily="50" charset="-127"/>
-                      </a:endParaRPr>
-                    </a:p>
-                  </a:txBody>
-                  <a:tcPr marL="2239" marR="2239" marT="2239" marB="0" anchor="ctr"/>
-                </a:tc>
-                <a:tc>
-                  <a:txBody>
-                    <a:bodyPr/>
-                    <a:lstStyle/>
-                    <a:p>
-                      <a:pPr algn="l" fontAlgn="t"/>
-                      <a:r>
-                        <a:rPr lang="en-US" sz="400" u="none" strike="noStrike">
-                          <a:effectLst/>
-                        </a:rPr>
-                        <a:t>%ix0.0.12</a:t>
-                      </a:r>
-                      <a:endParaRPr lang="en-US" sz="400" b="0" i="0" u="none" strike="noStrike">
-                        <a:solidFill>
-                          <a:srgbClr val="000000"/>
-                        </a:solidFill>
-                        <a:effectLst/>
-                        <a:latin typeface="Arial" panose="020B0604020202020204" pitchFamily="34" charset="0"/>
-                        <a:ea typeface="맑은 고딕" panose="020B0503020000020004" pitchFamily="50" charset="-127"/>
-                      </a:endParaRPr>
-                    </a:p>
-                  </a:txBody>
-                  <a:tcPr marL="2239" marR="2239" marT="2239" marB="0"/>
-                </a:tc>
-                <a:tc>
-                  <a:txBody>
-                    <a:bodyPr/>
-                    <a:lstStyle/>
-                    <a:p>
-                      <a:pPr algn="l" fontAlgn="t"/>
-                      <a:r>
-                        <a:rPr lang="en-US" sz="400" u="none" strike="noStrike">
-                          <a:effectLst/>
-                        </a:rPr>
-                        <a:t>%qx0.1.12</a:t>
-                      </a:r>
-                      <a:endParaRPr lang="en-US" sz="400" b="0" i="0" u="none" strike="noStrike">
-                        <a:solidFill>
-                          <a:srgbClr val="000000"/>
-                        </a:solidFill>
-                        <a:effectLst/>
-                        <a:latin typeface="Arial" panose="020B0604020202020204" pitchFamily="34" charset="0"/>
-                        <a:ea typeface="맑은 고딕" panose="020B0503020000020004" pitchFamily="50" charset="-127"/>
-                      </a:endParaRPr>
-                    </a:p>
-                  </a:txBody>
-                  <a:tcPr marL="2239" marR="2239" marT="2239" marB="0"/>
-                </a:tc>
-                <a:tc>
-                  <a:txBody>
-                    <a:bodyPr/>
-                    <a:lstStyle/>
-                    <a:p>
-                      <a:pPr algn="l" rtl="0" fontAlgn="ctr"/>
-                      <a:r>
-                        <a:rPr lang="en-US" sz="200" u="none" strike="noStrike">
-                          <a:effectLst/>
-                        </a:rPr>
-                        <a:t>KIT_Cv_RR_MOVE</a:t>
-                      </a:r>
-                      <a:endParaRPr lang="en-US" sz="200" b="0" i="0" u="none" strike="noStrike">
-                        <a:solidFill>
-                          <a:srgbClr val="000000"/>
-                        </a:solidFill>
-                        <a:effectLst/>
-                        <a:latin typeface="맑은 고딕" panose="020B0503020000020004" pitchFamily="50" charset="-127"/>
-                        <a:ea typeface="맑은 고딕" panose="020B0503020000020004" pitchFamily="50" charset="-127"/>
-                      </a:endParaRPr>
-                    </a:p>
-                  </a:txBody>
-                  <a:tcPr marL="2239" marR="2239" marT="2239" marB="0" anchor="ctr"/>
-                </a:tc>
-                <a:tc>
-                  <a:txBody>
-                    <a:bodyPr/>
-                    <a:lstStyle/>
-                    <a:p>
-                      <a:pPr algn="l" fontAlgn="t"/>
-                      <a:r>
-                        <a:rPr lang="ko-KR" altLang="en-US" sz="400" u="none" strike="noStrike">
-                          <a:effectLst/>
-                        </a:rPr>
-                        <a:t>　</a:t>
-                      </a:r>
-                      <a:endParaRPr lang="ko-KR" altLang="en-US" sz="400" b="0" i="0" u="none" strike="noStrike">
-                        <a:solidFill>
-                          <a:srgbClr val="000000"/>
-                        </a:solidFill>
-                        <a:effectLst/>
-                        <a:latin typeface="Arial" panose="020B0604020202020204" pitchFamily="34" charset="0"/>
-                        <a:ea typeface="맑은 고딕" panose="020B0503020000020004" pitchFamily="50" charset="-127"/>
-                      </a:endParaRPr>
-                    </a:p>
-                  </a:txBody>
-                  <a:tcPr marL="2239" marR="2239" marT="2239" marB="0"/>
-                </a:tc>
-                <a:extLst>
-                  <a:ext uri="{0D108BD9-81ED-4DB2-BD59-A6C34878D82A}">
-                    <a16:rowId xmlns:a16="http://schemas.microsoft.com/office/drawing/2014/main" val="830331765"/>
-                  </a:ext>
-                </a:extLst>
-              </a:tr>
-              <a:tr h="170101">
-                <a:tc>
-                  <a:txBody>
-                    <a:bodyPr/>
-                    <a:lstStyle/>
-                    <a:p>
-                      <a:pPr algn="l" rtl="0" fontAlgn="ctr"/>
-                      <a:r>
-                        <a:rPr lang="ko-KR" altLang="en-US" sz="200" u="none" strike="noStrike">
-                          <a:effectLst/>
-                        </a:rPr>
-                        <a:t>외부주소</a:t>
-                      </a:r>
-                      <a:endParaRPr lang="ko-KR" altLang="en-US" sz="200" b="0" i="0" u="none" strike="noStrike">
-                        <a:solidFill>
-                          <a:srgbClr val="000000"/>
-                        </a:solidFill>
-                        <a:effectLst/>
-                        <a:latin typeface="Arial" panose="020B0604020202020204" pitchFamily="34" charset="0"/>
-                        <a:ea typeface="맑은 고딕" panose="020B0503020000020004" pitchFamily="50" charset="-127"/>
-                      </a:endParaRPr>
-                    </a:p>
-                  </a:txBody>
-                  <a:tcPr marL="2239" marR="2239" marT="2239" marB="0" anchor="ctr"/>
-                </a:tc>
-                <a:tc>
-                  <a:txBody>
-                    <a:bodyPr/>
-                    <a:lstStyle/>
-                    <a:p>
-                      <a:pPr algn="l" rtl="0" fontAlgn="ctr"/>
-                      <a:r>
-                        <a:rPr lang="en-US" sz="200" u="none" strike="noStrike">
-                          <a:effectLst/>
-                        </a:rPr>
-                        <a:t>KIT_Cv_RR.REMOVE</a:t>
-                      </a:r>
-                      <a:endParaRPr lang="en-US" sz="200" b="0" i="0" u="none" strike="noStrike">
-                        <a:solidFill>
-                          <a:srgbClr val="000000"/>
-                        </a:solidFill>
-                        <a:effectLst/>
-                        <a:latin typeface="맑은 고딕" panose="020B0503020000020004" pitchFamily="50" charset="-127"/>
-                        <a:ea typeface="맑은 고딕" panose="020B0503020000020004" pitchFamily="50" charset="-127"/>
-                      </a:endParaRPr>
-                    </a:p>
-                  </a:txBody>
-                  <a:tcPr marL="2239" marR="2239" marT="2239" marB="0" anchor="ctr"/>
-                </a:tc>
-                <a:tc>
-                  <a:txBody>
-                    <a:bodyPr/>
-                    <a:lstStyle/>
-                    <a:p>
-                      <a:pPr algn="l" rtl="0" fontAlgn="ctr"/>
-                      <a:r>
-                        <a:rPr lang="en-US" sz="200" u="none" strike="noStrike">
-                          <a:effectLst/>
-                        </a:rPr>
-                        <a:t>bool</a:t>
-                      </a:r>
-                      <a:endParaRPr lang="en-US" sz="200" b="0" i="0" u="none" strike="noStrike">
-                        <a:solidFill>
-                          <a:srgbClr val="000000"/>
-                        </a:solidFill>
-                        <a:effectLst/>
-                        <a:latin typeface="맑은 고딕" panose="020B0503020000020004" pitchFamily="50" charset="-127"/>
-                        <a:ea typeface="맑은 고딕" panose="020B0503020000020004" pitchFamily="50" charset="-127"/>
-                      </a:endParaRPr>
-                    </a:p>
-                  </a:txBody>
-                  <a:tcPr marL="2239" marR="2239" marT="2239" marB="0" anchor="ctr"/>
-                </a:tc>
-                <a:tc>
-                  <a:txBody>
-                    <a:bodyPr/>
-                    <a:lstStyle/>
-                    <a:p>
-                      <a:pPr algn="l" fontAlgn="t"/>
-                      <a:r>
-                        <a:rPr lang="en-US" sz="400" u="none" strike="noStrike">
-                          <a:effectLst/>
-                        </a:rPr>
-                        <a:t>%ix0.0.13</a:t>
-                      </a:r>
-                      <a:endParaRPr lang="en-US" sz="400" b="0" i="0" u="none" strike="noStrike">
-                        <a:solidFill>
-                          <a:srgbClr val="000000"/>
-                        </a:solidFill>
-                        <a:effectLst/>
-                        <a:latin typeface="Arial" panose="020B0604020202020204" pitchFamily="34" charset="0"/>
-                        <a:ea typeface="맑은 고딕" panose="020B0503020000020004" pitchFamily="50" charset="-127"/>
-                      </a:endParaRPr>
-                    </a:p>
-                  </a:txBody>
-                  <a:tcPr marL="2239" marR="2239" marT="2239" marB="0"/>
-                </a:tc>
-                <a:tc>
-                  <a:txBody>
-                    <a:bodyPr/>
-                    <a:lstStyle/>
-                    <a:p>
-                      <a:pPr algn="l" fontAlgn="t"/>
-                      <a:r>
-                        <a:rPr lang="en-US" sz="400" u="none" strike="noStrike">
-                          <a:effectLst/>
-                        </a:rPr>
-                        <a:t>%qx0.1.13</a:t>
-                      </a:r>
-                      <a:endParaRPr lang="en-US" sz="400" b="0" i="0" u="none" strike="noStrike">
-                        <a:solidFill>
-                          <a:srgbClr val="000000"/>
-                        </a:solidFill>
-                        <a:effectLst/>
-                        <a:latin typeface="Arial" panose="020B0604020202020204" pitchFamily="34" charset="0"/>
-                        <a:ea typeface="맑은 고딕" panose="020B0503020000020004" pitchFamily="50" charset="-127"/>
-                      </a:endParaRPr>
-                    </a:p>
-                  </a:txBody>
-                  <a:tcPr marL="2239" marR="2239" marT="2239" marB="0"/>
-                </a:tc>
-                <a:tc>
-                  <a:txBody>
-                    <a:bodyPr/>
-                    <a:lstStyle/>
-                    <a:p>
-                      <a:pPr algn="l" rtl="0" fontAlgn="ctr"/>
-                      <a:r>
-                        <a:rPr lang="en-US" sz="200" u="none" strike="noStrike">
-                          <a:effectLst/>
-                        </a:rPr>
-                        <a:t>KIT_Cv_RR_REMOVE</a:t>
-                      </a:r>
-                      <a:endParaRPr lang="en-US" sz="200" b="0" i="0" u="none" strike="noStrike">
-                        <a:solidFill>
-                          <a:srgbClr val="000000"/>
-                        </a:solidFill>
-                        <a:effectLst/>
-                        <a:latin typeface="맑은 고딕" panose="020B0503020000020004" pitchFamily="50" charset="-127"/>
-                        <a:ea typeface="맑은 고딕" panose="020B0503020000020004" pitchFamily="50" charset="-127"/>
-                      </a:endParaRPr>
-                    </a:p>
-                  </a:txBody>
-                  <a:tcPr marL="2239" marR="2239" marT="2239" marB="0" anchor="ctr"/>
-                </a:tc>
-                <a:tc>
-                  <a:txBody>
-                    <a:bodyPr/>
-                    <a:lstStyle/>
-                    <a:p>
-                      <a:pPr algn="l" fontAlgn="t"/>
-                      <a:r>
-                        <a:rPr lang="ko-KR" altLang="en-US" sz="400" u="none" strike="noStrike">
-                          <a:effectLst/>
-                        </a:rPr>
-                        <a:t>　</a:t>
-                      </a:r>
-                      <a:endParaRPr lang="ko-KR" altLang="en-US" sz="400" b="0" i="0" u="none" strike="noStrike">
-                        <a:solidFill>
-                          <a:srgbClr val="000000"/>
-                        </a:solidFill>
-                        <a:effectLst/>
-                        <a:latin typeface="Arial" panose="020B0604020202020204" pitchFamily="34" charset="0"/>
-                        <a:ea typeface="맑은 고딕" panose="020B0503020000020004" pitchFamily="50" charset="-127"/>
-                      </a:endParaRPr>
-                    </a:p>
-                  </a:txBody>
-                  <a:tcPr marL="2239" marR="2239" marT="2239" marB="0"/>
-                </a:tc>
-                <a:extLst>
-                  <a:ext uri="{0D108BD9-81ED-4DB2-BD59-A6C34878D82A}">
-                    <a16:rowId xmlns:a16="http://schemas.microsoft.com/office/drawing/2014/main" val="4082556967"/>
-                  </a:ext>
-                </a:extLst>
-              </a:tr>
-              <a:tr h="170101">
-                <a:tc>
-                  <a:txBody>
-                    <a:bodyPr/>
-                    <a:lstStyle/>
-                    <a:p>
-                      <a:pPr algn="l" rtl="0" fontAlgn="ctr"/>
-                      <a:r>
-                        <a:rPr lang="ko-KR" altLang="en-US" sz="200" u="none" strike="noStrike">
-                          <a:effectLst/>
-                        </a:rPr>
-                        <a:t>외부주소</a:t>
-                      </a:r>
-                      <a:endParaRPr lang="ko-KR" altLang="en-US" sz="200" b="0" i="0" u="none" strike="noStrike">
-                        <a:solidFill>
-                          <a:srgbClr val="000000"/>
-                        </a:solidFill>
-                        <a:effectLst/>
-                        <a:latin typeface="Arial" panose="020B0604020202020204" pitchFamily="34" charset="0"/>
-                        <a:ea typeface="맑은 고딕" panose="020B0503020000020004" pitchFamily="50" charset="-127"/>
-                      </a:endParaRPr>
-                    </a:p>
-                  </a:txBody>
-                  <a:tcPr marL="2239" marR="2239" marT="2239" marB="0" anchor="ctr"/>
-                </a:tc>
-                <a:tc>
-                  <a:txBody>
-                    <a:bodyPr/>
-                    <a:lstStyle/>
-                    <a:p>
-                      <a:pPr algn="l" rtl="0" fontAlgn="ctr"/>
-                      <a:r>
-                        <a:rPr lang="en-US" sz="200" u="none" strike="noStrike">
-                          <a:effectLst/>
-                        </a:rPr>
-                        <a:t>KIT_Frt_Part.MOVE</a:t>
-                      </a:r>
-                      <a:endParaRPr lang="en-US" sz="200" b="0" i="0" u="none" strike="noStrike">
-                        <a:solidFill>
-                          <a:srgbClr val="000000"/>
-                        </a:solidFill>
-                        <a:effectLst/>
-                        <a:latin typeface="맑은 고딕" panose="020B0503020000020004" pitchFamily="50" charset="-127"/>
-                        <a:ea typeface="맑은 고딕" panose="020B0503020000020004" pitchFamily="50" charset="-127"/>
-                      </a:endParaRPr>
-                    </a:p>
-                  </a:txBody>
-                  <a:tcPr marL="2239" marR="2239" marT="2239" marB="0" anchor="ctr"/>
-                </a:tc>
-                <a:tc>
-                  <a:txBody>
-                    <a:bodyPr/>
-                    <a:lstStyle/>
-                    <a:p>
-                      <a:pPr algn="l" rtl="0" fontAlgn="ctr"/>
-                      <a:r>
-                        <a:rPr lang="en-US" sz="200" u="none" strike="noStrike">
-                          <a:effectLst/>
-                        </a:rPr>
-                        <a:t>bool</a:t>
-                      </a:r>
-                      <a:endParaRPr lang="en-US" sz="200" b="0" i="0" u="none" strike="noStrike">
-                        <a:solidFill>
-                          <a:srgbClr val="000000"/>
-                        </a:solidFill>
-                        <a:effectLst/>
-                        <a:latin typeface="맑은 고딕" panose="020B0503020000020004" pitchFamily="50" charset="-127"/>
-                        <a:ea typeface="맑은 고딕" panose="020B0503020000020004" pitchFamily="50" charset="-127"/>
-                      </a:endParaRPr>
-                    </a:p>
-                  </a:txBody>
-                  <a:tcPr marL="2239" marR="2239" marT="2239" marB="0" anchor="ctr"/>
-                </a:tc>
-                <a:tc>
-                  <a:txBody>
-                    <a:bodyPr/>
-                    <a:lstStyle/>
-                    <a:p>
-                      <a:pPr algn="l" fontAlgn="t"/>
-                      <a:r>
-                        <a:rPr lang="en-US" sz="400" u="none" strike="noStrike">
-                          <a:effectLst/>
-                        </a:rPr>
-                        <a:t>%ix0.0.14</a:t>
-                      </a:r>
-                      <a:endParaRPr lang="en-US" sz="400" b="0" i="0" u="none" strike="noStrike">
-                        <a:solidFill>
-                          <a:srgbClr val="000000"/>
-                        </a:solidFill>
-                        <a:effectLst/>
-                        <a:latin typeface="Arial" panose="020B0604020202020204" pitchFamily="34" charset="0"/>
-                        <a:ea typeface="맑은 고딕" panose="020B0503020000020004" pitchFamily="50" charset="-127"/>
-                      </a:endParaRPr>
-                    </a:p>
-                  </a:txBody>
-                  <a:tcPr marL="2239" marR="2239" marT="2239" marB="0"/>
-                </a:tc>
-                <a:tc>
-                  <a:txBody>
-                    <a:bodyPr/>
-                    <a:lstStyle/>
-                    <a:p>
-                      <a:pPr algn="l" fontAlgn="t"/>
-                      <a:r>
-                        <a:rPr lang="en-US" sz="400" u="none" strike="noStrike">
-                          <a:effectLst/>
-                        </a:rPr>
-                        <a:t>%qx0.1.14</a:t>
-                      </a:r>
-                      <a:endParaRPr lang="en-US" sz="400" b="0" i="0" u="none" strike="noStrike">
-                        <a:solidFill>
-                          <a:srgbClr val="000000"/>
-                        </a:solidFill>
-                        <a:effectLst/>
-                        <a:latin typeface="Arial" panose="020B0604020202020204" pitchFamily="34" charset="0"/>
-                        <a:ea typeface="맑은 고딕" panose="020B0503020000020004" pitchFamily="50" charset="-127"/>
-                      </a:endParaRPr>
-                    </a:p>
-                  </a:txBody>
-                  <a:tcPr marL="2239" marR="2239" marT="2239" marB="0"/>
-                </a:tc>
-                <a:tc>
-                  <a:txBody>
-                    <a:bodyPr/>
-                    <a:lstStyle/>
-                    <a:p>
-                      <a:pPr algn="l" rtl="0" fontAlgn="ctr"/>
-                      <a:r>
-                        <a:rPr lang="en-US" sz="200" u="none" strike="noStrike">
-                          <a:effectLst/>
-                        </a:rPr>
-                        <a:t>KIT_Frt_Part_MOVE</a:t>
-                      </a:r>
-                      <a:endParaRPr lang="en-US" sz="200" b="0" i="0" u="none" strike="noStrike">
-                        <a:solidFill>
-                          <a:srgbClr val="000000"/>
-                        </a:solidFill>
-                        <a:effectLst/>
-                        <a:latin typeface="맑은 고딕" panose="020B0503020000020004" pitchFamily="50" charset="-127"/>
-                        <a:ea typeface="맑은 고딕" panose="020B0503020000020004" pitchFamily="50" charset="-127"/>
-                      </a:endParaRPr>
-                    </a:p>
-                  </a:txBody>
-                  <a:tcPr marL="2239" marR="2239" marT="2239" marB="0" anchor="ctr"/>
-                </a:tc>
-                <a:tc>
-                  <a:txBody>
-                    <a:bodyPr/>
-                    <a:lstStyle/>
-                    <a:p>
-                      <a:pPr algn="l" fontAlgn="t"/>
-                      <a:r>
-                        <a:rPr lang="ko-KR" altLang="en-US" sz="400" u="none" strike="noStrike">
-                          <a:effectLst/>
-                        </a:rPr>
-                        <a:t>　</a:t>
-                      </a:r>
-                      <a:endParaRPr lang="ko-KR" altLang="en-US" sz="400" b="0" i="0" u="none" strike="noStrike">
-                        <a:solidFill>
-                          <a:srgbClr val="000000"/>
-                        </a:solidFill>
-                        <a:effectLst/>
-                        <a:latin typeface="Arial" panose="020B0604020202020204" pitchFamily="34" charset="0"/>
-                        <a:ea typeface="맑은 고딕" panose="020B0503020000020004" pitchFamily="50" charset="-127"/>
-                      </a:endParaRPr>
-                    </a:p>
-                  </a:txBody>
-                  <a:tcPr marL="2239" marR="2239" marT="2239" marB="0"/>
-                </a:tc>
-                <a:extLst>
-                  <a:ext uri="{0D108BD9-81ED-4DB2-BD59-A6C34878D82A}">
-                    <a16:rowId xmlns:a16="http://schemas.microsoft.com/office/drawing/2014/main" val="33340192"/>
-                  </a:ext>
-                </a:extLst>
-              </a:tr>
-              <a:tr h="170101">
-                <a:tc>
-                  <a:txBody>
-                    <a:bodyPr/>
-                    <a:lstStyle/>
-                    <a:p>
-                      <a:pPr algn="l" rtl="0" fontAlgn="ctr"/>
-                      <a:r>
-                        <a:rPr lang="ko-KR" altLang="en-US" sz="200" u="none" strike="noStrike">
-                          <a:effectLst/>
-                        </a:rPr>
-                        <a:t>외부주소</a:t>
-                      </a:r>
-                      <a:endParaRPr lang="ko-KR" altLang="en-US" sz="200" b="0" i="0" u="none" strike="noStrike">
-                        <a:solidFill>
-                          <a:srgbClr val="000000"/>
-                        </a:solidFill>
-                        <a:effectLst/>
-                        <a:latin typeface="Arial" panose="020B0604020202020204" pitchFamily="34" charset="0"/>
-                        <a:ea typeface="맑은 고딕" panose="020B0503020000020004" pitchFamily="50" charset="-127"/>
-                      </a:endParaRPr>
-                    </a:p>
-                  </a:txBody>
-                  <a:tcPr marL="2239" marR="2239" marT="2239" marB="0" anchor="ctr"/>
-                </a:tc>
-                <a:tc>
-                  <a:txBody>
-                    <a:bodyPr/>
-                    <a:lstStyle/>
-                    <a:p>
-                      <a:pPr algn="l" rtl="0" fontAlgn="ctr"/>
-                      <a:r>
-                        <a:rPr lang="en-US" sz="200" u="none" strike="noStrike">
-                          <a:effectLst/>
-                        </a:rPr>
-                        <a:t>KIT_Frt_Part.REMOVE</a:t>
-                      </a:r>
-                      <a:endParaRPr lang="en-US" sz="200" b="0" i="0" u="none" strike="noStrike">
-                        <a:solidFill>
-                          <a:srgbClr val="000000"/>
-                        </a:solidFill>
-                        <a:effectLst/>
-                        <a:latin typeface="맑은 고딕" panose="020B0503020000020004" pitchFamily="50" charset="-127"/>
-                        <a:ea typeface="맑은 고딕" panose="020B0503020000020004" pitchFamily="50" charset="-127"/>
-                      </a:endParaRPr>
-                    </a:p>
-                  </a:txBody>
-                  <a:tcPr marL="2239" marR="2239" marT="2239" marB="0" anchor="ctr"/>
-                </a:tc>
-                <a:tc>
-                  <a:txBody>
-                    <a:bodyPr/>
-                    <a:lstStyle/>
-                    <a:p>
-                      <a:pPr algn="l" rtl="0" fontAlgn="ctr"/>
-                      <a:r>
-                        <a:rPr lang="en-US" sz="200" u="none" strike="noStrike">
-                          <a:effectLst/>
-                        </a:rPr>
-                        <a:t>bool</a:t>
-                      </a:r>
-                      <a:endParaRPr lang="en-US" sz="200" b="0" i="0" u="none" strike="noStrike">
-                        <a:solidFill>
-                          <a:srgbClr val="000000"/>
-                        </a:solidFill>
-                        <a:effectLst/>
-                        <a:latin typeface="맑은 고딕" panose="020B0503020000020004" pitchFamily="50" charset="-127"/>
-                        <a:ea typeface="맑은 고딕" panose="020B0503020000020004" pitchFamily="50" charset="-127"/>
-                      </a:endParaRPr>
-                    </a:p>
-                  </a:txBody>
-                  <a:tcPr marL="2239" marR="2239" marT="2239" marB="0" anchor="ctr"/>
-                </a:tc>
-                <a:tc>
-                  <a:txBody>
-                    <a:bodyPr/>
-                    <a:lstStyle/>
-                    <a:p>
-                      <a:pPr algn="l" fontAlgn="t"/>
-                      <a:r>
-                        <a:rPr lang="en-US" sz="400" u="none" strike="noStrike">
-                          <a:effectLst/>
-                        </a:rPr>
-                        <a:t>%ix0.0.15</a:t>
-                      </a:r>
-                      <a:endParaRPr lang="en-US" sz="400" b="0" i="0" u="none" strike="noStrike">
-                        <a:solidFill>
-                          <a:srgbClr val="000000"/>
-                        </a:solidFill>
-                        <a:effectLst/>
-                        <a:latin typeface="Arial" panose="020B0604020202020204" pitchFamily="34" charset="0"/>
-                        <a:ea typeface="맑은 고딕" panose="020B0503020000020004" pitchFamily="50" charset="-127"/>
-                      </a:endParaRPr>
-                    </a:p>
-                  </a:txBody>
-                  <a:tcPr marL="2239" marR="2239" marT="2239" marB="0"/>
-                </a:tc>
-                <a:tc>
-                  <a:txBody>
-                    <a:bodyPr/>
-                    <a:lstStyle/>
-                    <a:p>
-                      <a:pPr algn="l" fontAlgn="t"/>
-                      <a:r>
-                        <a:rPr lang="en-US" sz="400" u="none" strike="noStrike">
-                          <a:effectLst/>
-                        </a:rPr>
-                        <a:t>%qx0.1.15</a:t>
-                      </a:r>
-                      <a:endParaRPr lang="en-US" sz="400" b="0" i="0" u="none" strike="noStrike">
-                        <a:solidFill>
-                          <a:srgbClr val="000000"/>
-                        </a:solidFill>
-                        <a:effectLst/>
-                        <a:latin typeface="Arial" panose="020B0604020202020204" pitchFamily="34" charset="0"/>
-                        <a:ea typeface="맑은 고딕" panose="020B0503020000020004" pitchFamily="50" charset="-127"/>
-                      </a:endParaRPr>
-                    </a:p>
-                  </a:txBody>
-                  <a:tcPr marL="2239" marR="2239" marT="2239" marB="0"/>
-                </a:tc>
-                <a:tc>
-                  <a:txBody>
-                    <a:bodyPr/>
-                    <a:lstStyle/>
-                    <a:p>
-                      <a:pPr algn="l" rtl="0" fontAlgn="ctr"/>
-                      <a:r>
-                        <a:rPr lang="en-US" sz="200" u="none" strike="noStrike">
-                          <a:effectLst/>
-                        </a:rPr>
-                        <a:t>KIT_Frt_Part_REMOVE</a:t>
-                      </a:r>
-                      <a:endParaRPr lang="en-US" sz="200" b="0" i="0" u="none" strike="noStrike">
-                        <a:solidFill>
-                          <a:srgbClr val="000000"/>
-                        </a:solidFill>
-                        <a:effectLst/>
-                        <a:latin typeface="맑은 고딕" panose="020B0503020000020004" pitchFamily="50" charset="-127"/>
-                        <a:ea typeface="맑은 고딕" panose="020B0503020000020004" pitchFamily="50" charset="-127"/>
-                      </a:endParaRPr>
-                    </a:p>
-                  </a:txBody>
-                  <a:tcPr marL="2239" marR="2239" marT="2239" marB="0" anchor="ctr"/>
-                </a:tc>
-                <a:tc>
-                  <a:txBody>
-                    <a:bodyPr/>
-                    <a:lstStyle/>
-                    <a:p>
-                      <a:pPr algn="l" fontAlgn="t"/>
-                      <a:r>
-                        <a:rPr lang="ko-KR" altLang="en-US" sz="400" u="none" strike="noStrike">
-                          <a:effectLst/>
-                        </a:rPr>
-                        <a:t>　</a:t>
-                      </a:r>
-                      <a:endParaRPr lang="ko-KR" altLang="en-US" sz="400" b="0" i="0" u="none" strike="noStrike">
-                        <a:solidFill>
-                          <a:srgbClr val="000000"/>
-                        </a:solidFill>
-                        <a:effectLst/>
-                        <a:latin typeface="Arial" panose="020B0604020202020204" pitchFamily="34" charset="0"/>
-                        <a:ea typeface="맑은 고딕" panose="020B0503020000020004" pitchFamily="50" charset="-127"/>
-                      </a:endParaRPr>
-                    </a:p>
-                  </a:txBody>
-                  <a:tcPr marL="2239" marR="2239" marT="2239" marB="0"/>
-                </a:tc>
-                <a:extLst>
-                  <a:ext uri="{0D108BD9-81ED-4DB2-BD59-A6C34878D82A}">
-                    <a16:rowId xmlns:a16="http://schemas.microsoft.com/office/drawing/2014/main" val="3335989661"/>
-                  </a:ext>
-                </a:extLst>
-              </a:tr>
-              <a:tr h="170101">
-                <a:tc>
-                  <a:txBody>
-                    <a:bodyPr/>
-                    <a:lstStyle/>
-                    <a:p>
-                      <a:pPr algn="l" rtl="0" fontAlgn="ctr"/>
-                      <a:r>
-                        <a:rPr lang="ko-KR" altLang="en-US" sz="200" u="none" strike="noStrike">
-                          <a:effectLst/>
-                        </a:rPr>
-                        <a:t>외부주소</a:t>
-                      </a:r>
-                      <a:endParaRPr lang="ko-KR" altLang="en-US" sz="200" b="0" i="0" u="none" strike="noStrike">
-                        <a:solidFill>
-                          <a:srgbClr val="000000"/>
-                        </a:solidFill>
-                        <a:effectLst/>
-                        <a:latin typeface="Arial" panose="020B0604020202020204" pitchFamily="34" charset="0"/>
-                        <a:ea typeface="맑은 고딕" panose="020B0503020000020004" pitchFamily="50" charset="-127"/>
-                      </a:endParaRPr>
-                    </a:p>
-                  </a:txBody>
-                  <a:tcPr marL="2239" marR="2239" marT="2239" marB="0" anchor="ctr"/>
-                </a:tc>
-                <a:tc>
-                  <a:txBody>
-                    <a:bodyPr/>
-                    <a:lstStyle/>
-                    <a:p>
-                      <a:pPr algn="l" rtl="0" fontAlgn="ctr"/>
-                      <a:r>
-                        <a:rPr lang="en-US" sz="200" u="none" strike="noStrike">
-                          <a:effectLst/>
-                        </a:rPr>
-                        <a:t>KIT_In.ADV</a:t>
-                      </a:r>
-                      <a:endParaRPr lang="en-US" sz="200" b="0" i="0" u="none" strike="noStrike">
-                        <a:solidFill>
-                          <a:srgbClr val="000000"/>
-                        </a:solidFill>
-                        <a:effectLst/>
-                        <a:latin typeface="맑은 고딕" panose="020B0503020000020004" pitchFamily="50" charset="-127"/>
-                        <a:ea typeface="맑은 고딕" panose="020B0503020000020004" pitchFamily="50" charset="-127"/>
-                      </a:endParaRPr>
-                    </a:p>
-                  </a:txBody>
-                  <a:tcPr marL="2239" marR="2239" marT="2239" marB="0" anchor="ctr"/>
-                </a:tc>
-                <a:tc>
-                  <a:txBody>
-                    <a:bodyPr/>
-                    <a:lstStyle/>
-                    <a:p>
-                      <a:pPr algn="l" rtl="0" fontAlgn="ctr"/>
-                      <a:r>
-                        <a:rPr lang="en-US" sz="200" u="none" strike="noStrike">
-                          <a:effectLst/>
-                        </a:rPr>
-                        <a:t>bool</a:t>
-                      </a:r>
-                      <a:endParaRPr lang="en-US" sz="200" b="0" i="0" u="none" strike="noStrike">
-                        <a:solidFill>
-                          <a:srgbClr val="000000"/>
-                        </a:solidFill>
-                        <a:effectLst/>
-                        <a:latin typeface="맑은 고딕" panose="020B0503020000020004" pitchFamily="50" charset="-127"/>
-                        <a:ea typeface="맑은 고딕" panose="020B0503020000020004" pitchFamily="50" charset="-127"/>
-                      </a:endParaRPr>
-                    </a:p>
-                  </a:txBody>
-                  <a:tcPr marL="2239" marR="2239" marT="2239" marB="0" anchor="ctr"/>
-                </a:tc>
-                <a:tc>
-                  <a:txBody>
-                    <a:bodyPr/>
-                    <a:lstStyle/>
-                    <a:p>
-                      <a:pPr algn="l" fontAlgn="t"/>
-                      <a:r>
-                        <a:rPr lang="en-US" sz="400" u="none" strike="noStrike">
-                          <a:effectLst/>
-                        </a:rPr>
-                        <a:t>%ix0.0.16</a:t>
-                      </a:r>
-                      <a:endParaRPr lang="en-US" sz="400" b="0" i="0" u="none" strike="noStrike">
-                        <a:solidFill>
-                          <a:srgbClr val="000000"/>
-                        </a:solidFill>
-                        <a:effectLst/>
-                        <a:latin typeface="Arial" panose="020B0604020202020204" pitchFamily="34" charset="0"/>
-                        <a:ea typeface="맑은 고딕" panose="020B0503020000020004" pitchFamily="50" charset="-127"/>
-                      </a:endParaRPr>
-                    </a:p>
-                  </a:txBody>
-                  <a:tcPr marL="2239" marR="2239" marT="2239" marB="0"/>
-                </a:tc>
-                <a:tc>
-                  <a:txBody>
-                    <a:bodyPr/>
-                    <a:lstStyle/>
-                    <a:p>
-                      <a:pPr algn="l" fontAlgn="t"/>
-                      <a:r>
-                        <a:rPr lang="en-US" sz="400" u="none" strike="noStrike">
-                          <a:effectLst/>
-                        </a:rPr>
-                        <a:t>%qx0.1.16</a:t>
-                      </a:r>
-                      <a:endParaRPr lang="en-US" sz="400" b="0" i="0" u="none" strike="noStrike">
-                        <a:solidFill>
-                          <a:srgbClr val="000000"/>
-                        </a:solidFill>
-                        <a:effectLst/>
-                        <a:latin typeface="Arial" panose="020B0604020202020204" pitchFamily="34" charset="0"/>
-                        <a:ea typeface="맑은 고딕" panose="020B0503020000020004" pitchFamily="50" charset="-127"/>
-                      </a:endParaRPr>
-                    </a:p>
-                  </a:txBody>
-                  <a:tcPr marL="2239" marR="2239" marT="2239" marB="0"/>
-                </a:tc>
-                <a:tc>
-                  <a:txBody>
-                    <a:bodyPr/>
-                    <a:lstStyle/>
-                    <a:p>
-                      <a:pPr algn="l" rtl="0" fontAlgn="ctr"/>
-                      <a:r>
-                        <a:rPr lang="en-US" sz="200" u="none" strike="noStrike">
-                          <a:effectLst/>
-                        </a:rPr>
-                        <a:t>KIT_In_ADV</a:t>
-                      </a:r>
-                      <a:endParaRPr lang="en-US" sz="200" b="0" i="0" u="none" strike="noStrike">
-                        <a:solidFill>
-                          <a:srgbClr val="000000"/>
-                        </a:solidFill>
-                        <a:effectLst/>
-                        <a:latin typeface="맑은 고딕" panose="020B0503020000020004" pitchFamily="50" charset="-127"/>
-                        <a:ea typeface="맑은 고딕" panose="020B0503020000020004" pitchFamily="50" charset="-127"/>
-                      </a:endParaRPr>
-                    </a:p>
-                  </a:txBody>
-                  <a:tcPr marL="2239" marR="2239" marT="2239" marB="0" anchor="ctr"/>
-                </a:tc>
-                <a:tc>
-                  <a:txBody>
-                    <a:bodyPr/>
-                    <a:lstStyle/>
-                    <a:p>
-                      <a:pPr algn="l" fontAlgn="t"/>
-                      <a:r>
-                        <a:rPr lang="ko-KR" altLang="en-US" sz="400" u="none" strike="noStrike">
-                          <a:effectLst/>
-                        </a:rPr>
-                        <a:t>　</a:t>
-                      </a:r>
-                      <a:endParaRPr lang="ko-KR" altLang="en-US" sz="400" b="0" i="0" u="none" strike="noStrike">
-                        <a:solidFill>
-                          <a:srgbClr val="000000"/>
-                        </a:solidFill>
-                        <a:effectLst/>
-                        <a:latin typeface="Arial" panose="020B0604020202020204" pitchFamily="34" charset="0"/>
-                        <a:ea typeface="맑은 고딕" panose="020B0503020000020004" pitchFamily="50" charset="-127"/>
-                      </a:endParaRPr>
-                    </a:p>
-                  </a:txBody>
-                  <a:tcPr marL="2239" marR="2239" marT="2239" marB="0"/>
-                </a:tc>
-                <a:extLst>
-                  <a:ext uri="{0D108BD9-81ED-4DB2-BD59-A6C34878D82A}">
-                    <a16:rowId xmlns:a16="http://schemas.microsoft.com/office/drawing/2014/main" val="1232459194"/>
-                  </a:ext>
-                </a:extLst>
-              </a:tr>
-              <a:tr h="170101">
-                <a:tc>
-                  <a:txBody>
-                    <a:bodyPr/>
-                    <a:lstStyle/>
-                    <a:p>
-                      <a:pPr algn="l" rtl="0" fontAlgn="ctr"/>
-                      <a:r>
-                        <a:rPr lang="ko-KR" altLang="en-US" sz="200" u="none" strike="noStrike">
-                          <a:effectLst/>
-                        </a:rPr>
-                        <a:t>외부주소</a:t>
-                      </a:r>
-                      <a:endParaRPr lang="ko-KR" altLang="en-US" sz="200" b="0" i="0" u="none" strike="noStrike">
-                        <a:solidFill>
-                          <a:srgbClr val="000000"/>
-                        </a:solidFill>
-                        <a:effectLst/>
-                        <a:latin typeface="Arial" panose="020B0604020202020204" pitchFamily="34" charset="0"/>
-                        <a:ea typeface="맑은 고딕" panose="020B0503020000020004" pitchFamily="50" charset="-127"/>
-                      </a:endParaRPr>
-                    </a:p>
-                  </a:txBody>
-                  <a:tcPr marL="2239" marR="2239" marT="2239" marB="0" anchor="ctr"/>
-                </a:tc>
-                <a:tc>
-                  <a:txBody>
-                    <a:bodyPr/>
-                    <a:lstStyle/>
-                    <a:p>
-                      <a:pPr algn="l" rtl="0" fontAlgn="ctr"/>
-                      <a:r>
-                        <a:rPr lang="en-US" sz="200" u="none" strike="noStrike">
-                          <a:effectLst/>
-                        </a:rPr>
-                        <a:t>KIT_In.RET</a:t>
-                      </a:r>
-                      <a:endParaRPr lang="en-US" sz="200" b="0" i="0" u="none" strike="noStrike">
-                        <a:solidFill>
-                          <a:srgbClr val="000000"/>
-                        </a:solidFill>
-                        <a:effectLst/>
-                        <a:latin typeface="맑은 고딕" panose="020B0503020000020004" pitchFamily="50" charset="-127"/>
-                        <a:ea typeface="맑은 고딕" panose="020B0503020000020004" pitchFamily="50" charset="-127"/>
-                      </a:endParaRPr>
-                    </a:p>
-                  </a:txBody>
-                  <a:tcPr marL="2239" marR="2239" marT="2239" marB="0" anchor="ctr"/>
-                </a:tc>
-                <a:tc>
-                  <a:txBody>
-                    <a:bodyPr/>
-                    <a:lstStyle/>
-                    <a:p>
-                      <a:pPr algn="l" rtl="0" fontAlgn="ctr"/>
-                      <a:r>
-                        <a:rPr lang="en-US" sz="200" u="none" strike="noStrike">
-                          <a:effectLst/>
-                        </a:rPr>
-                        <a:t>bool</a:t>
-                      </a:r>
-                      <a:endParaRPr lang="en-US" sz="200" b="0" i="0" u="none" strike="noStrike">
-                        <a:solidFill>
-                          <a:srgbClr val="000000"/>
-                        </a:solidFill>
-                        <a:effectLst/>
-                        <a:latin typeface="맑은 고딕" panose="020B0503020000020004" pitchFamily="50" charset="-127"/>
-                        <a:ea typeface="맑은 고딕" panose="020B0503020000020004" pitchFamily="50" charset="-127"/>
-                      </a:endParaRPr>
-                    </a:p>
-                  </a:txBody>
-                  <a:tcPr marL="2239" marR="2239" marT="2239" marB="0" anchor="ctr"/>
-                </a:tc>
-                <a:tc>
-                  <a:txBody>
-                    <a:bodyPr/>
-                    <a:lstStyle/>
-                    <a:p>
-                      <a:pPr algn="l" fontAlgn="t"/>
-                      <a:r>
-                        <a:rPr lang="en-US" sz="400" u="none" strike="noStrike">
-                          <a:effectLst/>
-                        </a:rPr>
-                        <a:t>%ix0.0.17</a:t>
-                      </a:r>
-                      <a:endParaRPr lang="en-US" sz="400" b="0" i="0" u="none" strike="noStrike">
-                        <a:solidFill>
-                          <a:srgbClr val="000000"/>
-                        </a:solidFill>
-                        <a:effectLst/>
-                        <a:latin typeface="Arial" panose="020B0604020202020204" pitchFamily="34" charset="0"/>
-                        <a:ea typeface="맑은 고딕" panose="020B0503020000020004" pitchFamily="50" charset="-127"/>
-                      </a:endParaRPr>
-                    </a:p>
-                  </a:txBody>
-                  <a:tcPr marL="2239" marR="2239" marT="2239" marB="0"/>
-                </a:tc>
-                <a:tc>
-                  <a:txBody>
-                    <a:bodyPr/>
-                    <a:lstStyle/>
-                    <a:p>
-                      <a:pPr algn="l" fontAlgn="t"/>
-                      <a:r>
-                        <a:rPr lang="en-US" sz="400" u="none" strike="noStrike">
-                          <a:effectLst/>
-                        </a:rPr>
-                        <a:t>%qx0.1.17</a:t>
-                      </a:r>
-                      <a:endParaRPr lang="en-US" sz="400" b="0" i="0" u="none" strike="noStrike">
-                        <a:solidFill>
-                          <a:srgbClr val="000000"/>
-                        </a:solidFill>
-                        <a:effectLst/>
-                        <a:latin typeface="Arial" panose="020B0604020202020204" pitchFamily="34" charset="0"/>
-                        <a:ea typeface="맑은 고딕" panose="020B0503020000020004" pitchFamily="50" charset="-127"/>
-                      </a:endParaRPr>
-                    </a:p>
-                  </a:txBody>
-                  <a:tcPr marL="2239" marR="2239" marT="2239" marB="0"/>
-                </a:tc>
-                <a:tc>
-                  <a:txBody>
-                    <a:bodyPr/>
-                    <a:lstStyle/>
-                    <a:p>
-                      <a:pPr algn="l" rtl="0" fontAlgn="ctr"/>
-                      <a:r>
-                        <a:rPr lang="en-US" sz="200" u="none" strike="noStrike">
-                          <a:effectLst/>
-                        </a:rPr>
-                        <a:t>KIT_In_RET</a:t>
-                      </a:r>
-                      <a:endParaRPr lang="en-US" sz="200" b="0" i="0" u="none" strike="noStrike">
-                        <a:solidFill>
-                          <a:srgbClr val="000000"/>
-                        </a:solidFill>
-                        <a:effectLst/>
-                        <a:latin typeface="맑은 고딕" panose="020B0503020000020004" pitchFamily="50" charset="-127"/>
-                        <a:ea typeface="맑은 고딕" panose="020B0503020000020004" pitchFamily="50" charset="-127"/>
-                      </a:endParaRPr>
-                    </a:p>
-                  </a:txBody>
-                  <a:tcPr marL="2239" marR="2239" marT="2239" marB="0" anchor="ctr"/>
-                </a:tc>
-                <a:tc>
-                  <a:txBody>
-                    <a:bodyPr/>
-                    <a:lstStyle/>
-                    <a:p>
-                      <a:pPr algn="l" fontAlgn="t"/>
-                      <a:r>
-                        <a:rPr lang="ko-KR" altLang="en-US" sz="400" u="none" strike="noStrike">
-                          <a:effectLst/>
-                        </a:rPr>
-                        <a:t>　</a:t>
-                      </a:r>
-                      <a:endParaRPr lang="ko-KR" altLang="en-US" sz="400" b="0" i="0" u="none" strike="noStrike">
-                        <a:solidFill>
-                          <a:srgbClr val="000000"/>
-                        </a:solidFill>
-                        <a:effectLst/>
-                        <a:latin typeface="Arial" panose="020B0604020202020204" pitchFamily="34" charset="0"/>
-                        <a:ea typeface="맑은 고딕" panose="020B0503020000020004" pitchFamily="50" charset="-127"/>
-                      </a:endParaRPr>
-                    </a:p>
-                  </a:txBody>
-                  <a:tcPr marL="2239" marR="2239" marT="2239" marB="0"/>
-                </a:tc>
-                <a:extLst>
-                  <a:ext uri="{0D108BD9-81ED-4DB2-BD59-A6C34878D82A}">
-                    <a16:rowId xmlns:a16="http://schemas.microsoft.com/office/drawing/2014/main" val="182068491"/>
-                  </a:ext>
-                </a:extLst>
-              </a:tr>
-              <a:tr h="170101">
-                <a:tc>
-                  <a:txBody>
-                    <a:bodyPr/>
-                    <a:lstStyle/>
-                    <a:p>
-                      <a:pPr algn="l" rtl="0" fontAlgn="ctr"/>
-                      <a:r>
-                        <a:rPr lang="ko-KR" altLang="en-US" sz="200" u="none" strike="noStrike">
-                          <a:effectLst/>
-                        </a:rPr>
-                        <a:t>외부주소</a:t>
-                      </a:r>
-                      <a:endParaRPr lang="ko-KR" altLang="en-US" sz="200" b="0" i="0" u="none" strike="noStrike">
-                        <a:solidFill>
-                          <a:srgbClr val="000000"/>
-                        </a:solidFill>
-                        <a:effectLst/>
-                        <a:latin typeface="Arial" panose="020B0604020202020204" pitchFamily="34" charset="0"/>
-                        <a:ea typeface="맑은 고딕" panose="020B0503020000020004" pitchFamily="50" charset="-127"/>
-                      </a:endParaRPr>
-                    </a:p>
-                  </a:txBody>
-                  <a:tcPr marL="2239" marR="2239" marT="2239" marB="0" anchor="ctr"/>
-                </a:tc>
-                <a:tc>
-                  <a:txBody>
-                    <a:bodyPr/>
-                    <a:lstStyle/>
-                    <a:p>
-                      <a:pPr algn="l" rtl="0" fontAlgn="ctr"/>
-                      <a:r>
-                        <a:rPr lang="en-US" sz="200" u="none" strike="noStrike">
-                          <a:effectLst/>
-                        </a:rPr>
-                        <a:t>KIT_Out.ADV</a:t>
-                      </a:r>
-                      <a:endParaRPr lang="en-US" sz="200" b="0" i="0" u="none" strike="noStrike">
-                        <a:solidFill>
-                          <a:srgbClr val="000000"/>
-                        </a:solidFill>
-                        <a:effectLst/>
-                        <a:latin typeface="맑은 고딕" panose="020B0503020000020004" pitchFamily="50" charset="-127"/>
-                        <a:ea typeface="맑은 고딕" panose="020B0503020000020004" pitchFamily="50" charset="-127"/>
-                      </a:endParaRPr>
-                    </a:p>
-                  </a:txBody>
-                  <a:tcPr marL="2239" marR="2239" marT="2239" marB="0" anchor="ctr"/>
-                </a:tc>
-                <a:tc>
-                  <a:txBody>
-                    <a:bodyPr/>
-                    <a:lstStyle/>
-                    <a:p>
-                      <a:pPr algn="l" rtl="0" fontAlgn="ctr"/>
-                      <a:r>
-                        <a:rPr lang="en-US" sz="200" u="none" strike="noStrike">
-                          <a:effectLst/>
-                        </a:rPr>
-                        <a:t>bool</a:t>
-                      </a:r>
-                      <a:endParaRPr lang="en-US" sz="200" b="0" i="0" u="none" strike="noStrike">
-                        <a:solidFill>
-                          <a:srgbClr val="000000"/>
-                        </a:solidFill>
-                        <a:effectLst/>
-                        <a:latin typeface="맑은 고딕" panose="020B0503020000020004" pitchFamily="50" charset="-127"/>
-                        <a:ea typeface="맑은 고딕" panose="020B0503020000020004" pitchFamily="50" charset="-127"/>
-                      </a:endParaRPr>
-                    </a:p>
-                  </a:txBody>
-                  <a:tcPr marL="2239" marR="2239" marT="2239" marB="0" anchor="ctr"/>
-                </a:tc>
-                <a:tc>
-                  <a:txBody>
-                    <a:bodyPr/>
-                    <a:lstStyle/>
-                    <a:p>
-                      <a:pPr algn="l" fontAlgn="t"/>
-                      <a:r>
-                        <a:rPr lang="en-US" sz="400" u="none" strike="noStrike">
-                          <a:effectLst/>
-                        </a:rPr>
-                        <a:t>%ix0.0.18</a:t>
-                      </a:r>
-                      <a:endParaRPr lang="en-US" sz="400" b="0" i="0" u="none" strike="noStrike">
-                        <a:solidFill>
-                          <a:srgbClr val="000000"/>
-                        </a:solidFill>
-                        <a:effectLst/>
-                        <a:latin typeface="Arial" panose="020B0604020202020204" pitchFamily="34" charset="0"/>
-                        <a:ea typeface="맑은 고딕" panose="020B0503020000020004" pitchFamily="50" charset="-127"/>
-                      </a:endParaRPr>
-                    </a:p>
-                  </a:txBody>
-                  <a:tcPr marL="2239" marR="2239" marT="2239" marB="0"/>
-                </a:tc>
-                <a:tc>
-                  <a:txBody>
-                    <a:bodyPr/>
-                    <a:lstStyle/>
-                    <a:p>
-                      <a:pPr algn="l" fontAlgn="t"/>
-                      <a:r>
-                        <a:rPr lang="en-US" sz="400" u="none" strike="noStrike">
-                          <a:effectLst/>
-                        </a:rPr>
-                        <a:t>%qx0.1.18</a:t>
-                      </a:r>
-                      <a:endParaRPr lang="en-US" sz="400" b="0" i="0" u="none" strike="noStrike">
-                        <a:solidFill>
-                          <a:srgbClr val="000000"/>
-                        </a:solidFill>
-                        <a:effectLst/>
-                        <a:latin typeface="Arial" panose="020B0604020202020204" pitchFamily="34" charset="0"/>
-                        <a:ea typeface="맑은 고딕" panose="020B0503020000020004" pitchFamily="50" charset="-127"/>
-                      </a:endParaRPr>
-                    </a:p>
-                  </a:txBody>
-                  <a:tcPr marL="2239" marR="2239" marT="2239" marB="0"/>
-                </a:tc>
-                <a:tc>
-                  <a:txBody>
-                    <a:bodyPr/>
-                    <a:lstStyle/>
-                    <a:p>
-                      <a:pPr algn="l" rtl="0" fontAlgn="ctr"/>
-                      <a:r>
-                        <a:rPr lang="en-US" sz="200" u="none" strike="noStrike">
-                          <a:effectLst/>
-                        </a:rPr>
-                        <a:t>KIT_Out_ADV</a:t>
-                      </a:r>
-                      <a:endParaRPr lang="en-US" sz="200" b="0" i="0" u="none" strike="noStrike">
-                        <a:solidFill>
-                          <a:srgbClr val="000000"/>
-                        </a:solidFill>
-                        <a:effectLst/>
-                        <a:latin typeface="맑은 고딕" panose="020B0503020000020004" pitchFamily="50" charset="-127"/>
-                        <a:ea typeface="맑은 고딕" panose="020B0503020000020004" pitchFamily="50" charset="-127"/>
-                      </a:endParaRPr>
-                    </a:p>
-                  </a:txBody>
-                  <a:tcPr marL="2239" marR="2239" marT="2239" marB="0" anchor="ctr"/>
-                </a:tc>
-                <a:tc>
-                  <a:txBody>
-                    <a:bodyPr/>
-                    <a:lstStyle/>
-                    <a:p>
-                      <a:pPr algn="l" fontAlgn="t"/>
-                      <a:r>
-                        <a:rPr lang="ko-KR" altLang="en-US" sz="400" u="none" strike="noStrike">
-                          <a:effectLst/>
-                        </a:rPr>
-                        <a:t>　</a:t>
-                      </a:r>
-                      <a:endParaRPr lang="ko-KR" altLang="en-US" sz="400" b="0" i="0" u="none" strike="noStrike">
-                        <a:solidFill>
-                          <a:srgbClr val="000000"/>
-                        </a:solidFill>
-                        <a:effectLst/>
-                        <a:latin typeface="Arial" panose="020B0604020202020204" pitchFamily="34" charset="0"/>
-                        <a:ea typeface="맑은 고딕" panose="020B0503020000020004" pitchFamily="50" charset="-127"/>
-                      </a:endParaRPr>
-                    </a:p>
-                  </a:txBody>
-                  <a:tcPr marL="2239" marR="2239" marT="2239" marB="0"/>
-                </a:tc>
-                <a:extLst>
-                  <a:ext uri="{0D108BD9-81ED-4DB2-BD59-A6C34878D82A}">
-                    <a16:rowId xmlns:a16="http://schemas.microsoft.com/office/drawing/2014/main" val="1271682801"/>
-                  </a:ext>
-                </a:extLst>
-              </a:tr>
-              <a:tr h="170101">
-                <a:tc>
-                  <a:txBody>
-                    <a:bodyPr/>
-                    <a:lstStyle/>
-                    <a:p>
-                      <a:pPr algn="l" rtl="0" fontAlgn="ctr"/>
-                      <a:r>
-                        <a:rPr lang="ko-KR" altLang="en-US" sz="200" u="none" strike="noStrike">
-                          <a:effectLst/>
-                        </a:rPr>
-                        <a:t>외부주소</a:t>
-                      </a:r>
-                      <a:endParaRPr lang="ko-KR" altLang="en-US" sz="200" b="0" i="0" u="none" strike="noStrike">
-                        <a:solidFill>
-                          <a:srgbClr val="000000"/>
-                        </a:solidFill>
-                        <a:effectLst/>
-                        <a:latin typeface="Arial" panose="020B0604020202020204" pitchFamily="34" charset="0"/>
-                        <a:ea typeface="맑은 고딕" panose="020B0503020000020004" pitchFamily="50" charset="-127"/>
-                      </a:endParaRPr>
-                    </a:p>
-                  </a:txBody>
-                  <a:tcPr marL="2239" marR="2239" marT="2239" marB="0" anchor="ctr"/>
-                </a:tc>
-                <a:tc>
-                  <a:txBody>
-                    <a:bodyPr/>
-                    <a:lstStyle/>
-                    <a:p>
-                      <a:pPr algn="l" rtl="0" fontAlgn="ctr"/>
-                      <a:r>
-                        <a:rPr lang="en-US" sz="200" u="none" strike="noStrike">
-                          <a:effectLst/>
-                        </a:rPr>
-                        <a:t>KIT_Out.RET</a:t>
-                      </a:r>
-                      <a:endParaRPr lang="en-US" sz="200" b="0" i="0" u="none" strike="noStrike">
-                        <a:solidFill>
-                          <a:srgbClr val="000000"/>
-                        </a:solidFill>
-                        <a:effectLst/>
-                        <a:latin typeface="맑은 고딕" panose="020B0503020000020004" pitchFamily="50" charset="-127"/>
-                        <a:ea typeface="맑은 고딕" panose="020B0503020000020004" pitchFamily="50" charset="-127"/>
-                      </a:endParaRPr>
-                    </a:p>
-                  </a:txBody>
-                  <a:tcPr marL="2239" marR="2239" marT="2239" marB="0" anchor="ctr"/>
-                </a:tc>
-                <a:tc>
-                  <a:txBody>
-                    <a:bodyPr/>
-                    <a:lstStyle/>
-                    <a:p>
-                      <a:pPr algn="l" rtl="0" fontAlgn="ctr"/>
-                      <a:r>
-                        <a:rPr lang="en-US" sz="200" u="none" strike="noStrike">
-                          <a:effectLst/>
-                        </a:rPr>
-                        <a:t>bool</a:t>
-                      </a:r>
-                      <a:endParaRPr lang="en-US" sz="200" b="0" i="0" u="none" strike="noStrike">
-                        <a:solidFill>
-                          <a:srgbClr val="000000"/>
-                        </a:solidFill>
-                        <a:effectLst/>
-                        <a:latin typeface="맑은 고딕" panose="020B0503020000020004" pitchFamily="50" charset="-127"/>
-                        <a:ea typeface="맑은 고딕" panose="020B0503020000020004" pitchFamily="50" charset="-127"/>
-                      </a:endParaRPr>
-                    </a:p>
-                  </a:txBody>
-                  <a:tcPr marL="2239" marR="2239" marT="2239" marB="0" anchor="ctr"/>
-                </a:tc>
-                <a:tc>
-                  <a:txBody>
-                    <a:bodyPr/>
-                    <a:lstStyle/>
-                    <a:p>
-                      <a:pPr algn="l" fontAlgn="t"/>
-                      <a:r>
-                        <a:rPr lang="en-US" sz="400" u="none" strike="noStrike">
-                          <a:effectLst/>
-                        </a:rPr>
-                        <a:t>%ix0.0.19</a:t>
-                      </a:r>
-                      <a:endParaRPr lang="en-US" sz="400" b="0" i="0" u="none" strike="noStrike">
-                        <a:solidFill>
-                          <a:srgbClr val="000000"/>
-                        </a:solidFill>
-                        <a:effectLst/>
-                        <a:latin typeface="Arial" panose="020B0604020202020204" pitchFamily="34" charset="0"/>
-                        <a:ea typeface="맑은 고딕" panose="020B0503020000020004" pitchFamily="50" charset="-127"/>
-                      </a:endParaRPr>
-                    </a:p>
-                  </a:txBody>
-                  <a:tcPr marL="2239" marR="2239" marT="2239" marB="0"/>
-                </a:tc>
-                <a:tc>
-                  <a:txBody>
-                    <a:bodyPr/>
-                    <a:lstStyle/>
-                    <a:p>
-                      <a:pPr algn="l" fontAlgn="t"/>
-                      <a:r>
-                        <a:rPr lang="en-US" sz="400" u="none" strike="noStrike">
-                          <a:effectLst/>
-                        </a:rPr>
-                        <a:t>%qx0.1.19</a:t>
-                      </a:r>
-                      <a:endParaRPr lang="en-US" sz="400" b="0" i="0" u="none" strike="noStrike">
-                        <a:solidFill>
-                          <a:srgbClr val="000000"/>
-                        </a:solidFill>
-                        <a:effectLst/>
-                        <a:latin typeface="Arial" panose="020B0604020202020204" pitchFamily="34" charset="0"/>
-                        <a:ea typeface="맑은 고딕" panose="020B0503020000020004" pitchFamily="50" charset="-127"/>
-                      </a:endParaRPr>
-                    </a:p>
-                  </a:txBody>
-                  <a:tcPr marL="2239" marR="2239" marT="2239" marB="0"/>
-                </a:tc>
-                <a:tc>
-                  <a:txBody>
-                    <a:bodyPr/>
-                    <a:lstStyle/>
-                    <a:p>
-                      <a:pPr algn="l" rtl="0" fontAlgn="ctr"/>
-                      <a:r>
-                        <a:rPr lang="en-US" sz="200" u="none" strike="noStrike">
-                          <a:effectLst/>
-                        </a:rPr>
-                        <a:t>KIT_Out_RET</a:t>
-                      </a:r>
-                      <a:endParaRPr lang="en-US" sz="200" b="0" i="0" u="none" strike="noStrike">
-                        <a:solidFill>
-                          <a:srgbClr val="000000"/>
-                        </a:solidFill>
-                        <a:effectLst/>
-                        <a:latin typeface="맑은 고딕" panose="020B0503020000020004" pitchFamily="50" charset="-127"/>
-                        <a:ea typeface="맑은 고딕" panose="020B0503020000020004" pitchFamily="50" charset="-127"/>
-                      </a:endParaRPr>
-                    </a:p>
-                  </a:txBody>
-                  <a:tcPr marL="2239" marR="2239" marT="2239" marB="0" anchor="ctr"/>
-                </a:tc>
-                <a:tc>
-                  <a:txBody>
-                    <a:bodyPr/>
-                    <a:lstStyle/>
-                    <a:p>
-                      <a:pPr algn="l" fontAlgn="t"/>
-                      <a:r>
-                        <a:rPr lang="ko-KR" altLang="en-US" sz="400" u="none" strike="noStrike">
-                          <a:effectLst/>
-                        </a:rPr>
-                        <a:t>　</a:t>
-                      </a:r>
-                      <a:endParaRPr lang="ko-KR" altLang="en-US" sz="400" b="0" i="0" u="none" strike="noStrike">
-                        <a:solidFill>
-                          <a:srgbClr val="000000"/>
-                        </a:solidFill>
-                        <a:effectLst/>
-                        <a:latin typeface="Arial" panose="020B0604020202020204" pitchFamily="34" charset="0"/>
-                        <a:ea typeface="맑은 고딕" panose="020B0503020000020004" pitchFamily="50" charset="-127"/>
-                      </a:endParaRPr>
-                    </a:p>
-                  </a:txBody>
-                  <a:tcPr marL="2239" marR="2239" marT="2239" marB="0"/>
-                </a:tc>
-                <a:extLst>
-                  <a:ext uri="{0D108BD9-81ED-4DB2-BD59-A6C34878D82A}">
-                    <a16:rowId xmlns:a16="http://schemas.microsoft.com/office/drawing/2014/main" val="4030955826"/>
-                  </a:ext>
-                </a:extLst>
-              </a:tr>
-              <a:tr h="170101">
-                <a:tc>
-                  <a:txBody>
-                    <a:bodyPr/>
-                    <a:lstStyle/>
-                    <a:p>
-                      <a:pPr algn="l" rtl="0" fontAlgn="ctr"/>
-                      <a:r>
-                        <a:rPr lang="ko-KR" altLang="en-US" sz="200" u="none" strike="noStrike">
-                          <a:effectLst/>
-                        </a:rPr>
-                        <a:t>외부주소</a:t>
-                      </a:r>
-                      <a:endParaRPr lang="ko-KR" altLang="en-US" sz="200" b="0" i="0" u="none" strike="noStrike">
-                        <a:solidFill>
-                          <a:srgbClr val="000000"/>
-                        </a:solidFill>
-                        <a:effectLst/>
-                        <a:latin typeface="Arial" panose="020B0604020202020204" pitchFamily="34" charset="0"/>
-                        <a:ea typeface="맑은 고딕" panose="020B0503020000020004" pitchFamily="50" charset="-127"/>
-                      </a:endParaRPr>
-                    </a:p>
-                  </a:txBody>
-                  <a:tcPr marL="2239" marR="2239" marT="2239" marB="0" anchor="ctr"/>
-                </a:tc>
-                <a:tc>
-                  <a:txBody>
-                    <a:bodyPr/>
-                    <a:lstStyle/>
-                    <a:p>
-                      <a:pPr algn="l" rtl="0" fontAlgn="ctr"/>
-                      <a:r>
-                        <a:rPr lang="en-US" sz="200" u="none" strike="noStrike">
-                          <a:effectLst/>
-                        </a:rPr>
-                        <a:t>KIT_Part.MOVE</a:t>
-                      </a:r>
-                      <a:endParaRPr lang="en-US" sz="200" b="0" i="0" u="none" strike="noStrike">
-                        <a:solidFill>
-                          <a:srgbClr val="000000"/>
-                        </a:solidFill>
-                        <a:effectLst/>
-                        <a:latin typeface="맑은 고딕" panose="020B0503020000020004" pitchFamily="50" charset="-127"/>
-                        <a:ea typeface="맑은 고딕" panose="020B0503020000020004" pitchFamily="50" charset="-127"/>
-                      </a:endParaRPr>
-                    </a:p>
-                  </a:txBody>
-                  <a:tcPr marL="2239" marR="2239" marT="2239" marB="0" anchor="ctr"/>
-                </a:tc>
-                <a:tc>
-                  <a:txBody>
-                    <a:bodyPr/>
-                    <a:lstStyle/>
-                    <a:p>
-                      <a:pPr algn="l" rtl="0" fontAlgn="ctr"/>
-                      <a:r>
-                        <a:rPr lang="en-US" sz="200" u="none" strike="noStrike">
-                          <a:effectLst/>
-                        </a:rPr>
-                        <a:t>bool</a:t>
-                      </a:r>
-                      <a:endParaRPr lang="en-US" sz="200" b="0" i="0" u="none" strike="noStrike">
-                        <a:solidFill>
-                          <a:srgbClr val="000000"/>
-                        </a:solidFill>
-                        <a:effectLst/>
-                        <a:latin typeface="맑은 고딕" panose="020B0503020000020004" pitchFamily="50" charset="-127"/>
-                        <a:ea typeface="맑은 고딕" panose="020B0503020000020004" pitchFamily="50" charset="-127"/>
-                      </a:endParaRPr>
-                    </a:p>
-                  </a:txBody>
-                  <a:tcPr marL="2239" marR="2239" marT="2239" marB="0" anchor="ctr"/>
-                </a:tc>
-                <a:tc>
-                  <a:txBody>
-                    <a:bodyPr/>
-                    <a:lstStyle/>
-                    <a:p>
-                      <a:pPr algn="l" fontAlgn="t"/>
-                      <a:r>
-                        <a:rPr lang="en-US" sz="400" u="none" strike="noStrike">
-                          <a:effectLst/>
-                        </a:rPr>
-                        <a:t>%ix0.0.20</a:t>
-                      </a:r>
-                      <a:endParaRPr lang="en-US" sz="400" b="0" i="0" u="none" strike="noStrike">
-                        <a:solidFill>
-                          <a:srgbClr val="000000"/>
-                        </a:solidFill>
-                        <a:effectLst/>
-                        <a:latin typeface="Arial" panose="020B0604020202020204" pitchFamily="34" charset="0"/>
-                        <a:ea typeface="맑은 고딕" panose="020B0503020000020004" pitchFamily="50" charset="-127"/>
-                      </a:endParaRPr>
-                    </a:p>
-                  </a:txBody>
-                  <a:tcPr marL="2239" marR="2239" marT="2239" marB="0"/>
-                </a:tc>
-                <a:tc>
-                  <a:txBody>
-                    <a:bodyPr/>
-                    <a:lstStyle/>
-                    <a:p>
-                      <a:pPr algn="l" fontAlgn="t"/>
-                      <a:r>
-                        <a:rPr lang="en-US" sz="400" u="none" strike="noStrike">
-                          <a:effectLst/>
-                        </a:rPr>
-                        <a:t>%qx0.1.20</a:t>
-                      </a:r>
-                      <a:endParaRPr lang="en-US" sz="400" b="0" i="0" u="none" strike="noStrike">
-                        <a:solidFill>
-                          <a:srgbClr val="000000"/>
-                        </a:solidFill>
-                        <a:effectLst/>
-                        <a:latin typeface="Arial" panose="020B0604020202020204" pitchFamily="34" charset="0"/>
-                        <a:ea typeface="맑은 고딕" panose="020B0503020000020004" pitchFamily="50" charset="-127"/>
-                      </a:endParaRPr>
-                    </a:p>
-                  </a:txBody>
-                  <a:tcPr marL="2239" marR="2239" marT="2239" marB="0"/>
-                </a:tc>
-                <a:tc>
-                  <a:txBody>
-                    <a:bodyPr/>
-                    <a:lstStyle/>
-                    <a:p>
-                      <a:pPr algn="l" rtl="0" fontAlgn="ctr"/>
-                      <a:r>
-                        <a:rPr lang="en-US" sz="200" u="none" strike="noStrike">
-                          <a:effectLst/>
-                        </a:rPr>
-                        <a:t>KIT_Part_MOVE</a:t>
-                      </a:r>
-                      <a:endParaRPr lang="en-US" sz="200" b="0" i="0" u="none" strike="noStrike">
-                        <a:solidFill>
-                          <a:srgbClr val="000000"/>
-                        </a:solidFill>
-                        <a:effectLst/>
-                        <a:latin typeface="맑은 고딕" panose="020B0503020000020004" pitchFamily="50" charset="-127"/>
-                        <a:ea typeface="맑은 고딕" panose="020B0503020000020004" pitchFamily="50" charset="-127"/>
-                      </a:endParaRPr>
-                    </a:p>
-                  </a:txBody>
-                  <a:tcPr marL="2239" marR="2239" marT="2239" marB="0" anchor="ctr"/>
-                </a:tc>
-                <a:tc>
-                  <a:txBody>
-                    <a:bodyPr/>
-                    <a:lstStyle/>
-                    <a:p>
-                      <a:pPr algn="l" fontAlgn="t"/>
-                      <a:r>
-                        <a:rPr lang="ko-KR" altLang="en-US" sz="400" u="none" strike="noStrike">
-                          <a:effectLst/>
-                        </a:rPr>
-                        <a:t>　</a:t>
-                      </a:r>
-                      <a:endParaRPr lang="ko-KR" altLang="en-US" sz="400" b="0" i="0" u="none" strike="noStrike">
-                        <a:solidFill>
-                          <a:srgbClr val="000000"/>
-                        </a:solidFill>
-                        <a:effectLst/>
-                        <a:latin typeface="Arial" panose="020B0604020202020204" pitchFamily="34" charset="0"/>
-                        <a:ea typeface="맑은 고딕" panose="020B0503020000020004" pitchFamily="50" charset="-127"/>
-                      </a:endParaRPr>
-                    </a:p>
-                  </a:txBody>
-                  <a:tcPr marL="2239" marR="2239" marT="2239" marB="0"/>
-                </a:tc>
-                <a:extLst>
-                  <a:ext uri="{0D108BD9-81ED-4DB2-BD59-A6C34878D82A}">
-                    <a16:rowId xmlns:a16="http://schemas.microsoft.com/office/drawing/2014/main" val="2708687107"/>
-                  </a:ext>
-                </a:extLst>
-              </a:tr>
-              <a:tr h="170101">
-                <a:tc>
-                  <a:txBody>
-                    <a:bodyPr/>
-                    <a:lstStyle/>
-                    <a:p>
-                      <a:pPr algn="l" rtl="0" fontAlgn="ctr"/>
-                      <a:r>
-                        <a:rPr lang="ko-KR" altLang="en-US" sz="200" u="none" strike="noStrike">
-                          <a:effectLst/>
-                        </a:rPr>
-                        <a:t>외부주소</a:t>
-                      </a:r>
-                      <a:endParaRPr lang="ko-KR" altLang="en-US" sz="200" b="0" i="0" u="none" strike="noStrike">
-                        <a:solidFill>
-                          <a:srgbClr val="000000"/>
-                        </a:solidFill>
-                        <a:effectLst/>
-                        <a:latin typeface="Arial" panose="020B0604020202020204" pitchFamily="34" charset="0"/>
-                        <a:ea typeface="맑은 고딕" panose="020B0503020000020004" pitchFamily="50" charset="-127"/>
-                      </a:endParaRPr>
-                    </a:p>
-                  </a:txBody>
-                  <a:tcPr marL="2239" marR="2239" marT="2239" marB="0" anchor="ctr"/>
-                </a:tc>
-                <a:tc>
-                  <a:txBody>
-                    <a:bodyPr/>
-                    <a:lstStyle/>
-                    <a:p>
-                      <a:pPr algn="l" rtl="0" fontAlgn="ctr"/>
-                      <a:r>
-                        <a:rPr lang="en-US" sz="200" u="none" strike="noStrike">
-                          <a:effectLst/>
-                        </a:rPr>
-                        <a:t>KIT_Part.REMOVE</a:t>
-                      </a:r>
-                      <a:endParaRPr lang="en-US" sz="200" b="0" i="0" u="none" strike="noStrike">
-                        <a:solidFill>
-                          <a:srgbClr val="000000"/>
-                        </a:solidFill>
-                        <a:effectLst/>
-                        <a:latin typeface="맑은 고딕" panose="020B0503020000020004" pitchFamily="50" charset="-127"/>
-                        <a:ea typeface="맑은 고딕" panose="020B0503020000020004" pitchFamily="50" charset="-127"/>
-                      </a:endParaRPr>
-                    </a:p>
-                  </a:txBody>
-                  <a:tcPr marL="2239" marR="2239" marT="2239" marB="0" anchor="ctr"/>
-                </a:tc>
-                <a:tc>
-                  <a:txBody>
-                    <a:bodyPr/>
-                    <a:lstStyle/>
-                    <a:p>
-                      <a:pPr algn="l" rtl="0" fontAlgn="ctr"/>
-                      <a:r>
-                        <a:rPr lang="en-US" sz="200" u="none" strike="noStrike">
-                          <a:effectLst/>
-                        </a:rPr>
-                        <a:t>bool</a:t>
-                      </a:r>
-                      <a:endParaRPr lang="en-US" sz="200" b="0" i="0" u="none" strike="noStrike">
-                        <a:solidFill>
-                          <a:srgbClr val="000000"/>
-                        </a:solidFill>
-                        <a:effectLst/>
-                        <a:latin typeface="맑은 고딕" panose="020B0503020000020004" pitchFamily="50" charset="-127"/>
-                        <a:ea typeface="맑은 고딕" panose="020B0503020000020004" pitchFamily="50" charset="-127"/>
-                      </a:endParaRPr>
-                    </a:p>
-                  </a:txBody>
-                  <a:tcPr marL="2239" marR="2239" marT="2239" marB="0" anchor="ctr"/>
-                </a:tc>
-                <a:tc>
-                  <a:txBody>
-                    <a:bodyPr/>
-                    <a:lstStyle/>
-                    <a:p>
-                      <a:pPr algn="l" fontAlgn="t"/>
-                      <a:r>
-                        <a:rPr lang="en-US" sz="400" u="none" strike="noStrike">
-                          <a:effectLst/>
-                        </a:rPr>
-                        <a:t>%ix0.0.21</a:t>
-                      </a:r>
-                      <a:endParaRPr lang="en-US" sz="400" b="0" i="0" u="none" strike="noStrike">
-                        <a:solidFill>
-                          <a:srgbClr val="000000"/>
-                        </a:solidFill>
-                        <a:effectLst/>
-                        <a:latin typeface="Arial" panose="020B0604020202020204" pitchFamily="34" charset="0"/>
-                        <a:ea typeface="맑은 고딕" panose="020B0503020000020004" pitchFamily="50" charset="-127"/>
-                      </a:endParaRPr>
-                    </a:p>
-                  </a:txBody>
-                  <a:tcPr marL="2239" marR="2239" marT="2239" marB="0"/>
-                </a:tc>
-                <a:tc>
-                  <a:txBody>
-                    <a:bodyPr/>
-                    <a:lstStyle/>
-                    <a:p>
-                      <a:pPr algn="l" fontAlgn="t"/>
-                      <a:r>
-                        <a:rPr lang="en-US" sz="400" u="none" strike="noStrike">
-                          <a:effectLst/>
-                        </a:rPr>
-                        <a:t>%qx0.1.21</a:t>
-                      </a:r>
-                      <a:endParaRPr lang="en-US" sz="400" b="0" i="0" u="none" strike="noStrike">
-                        <a:solidFill>
-                          <a:srgbClr val="000000"/>
-                        </a:solidFill>
-                        <a:effectLst/>
-                        <a:latin typeface="Arial" panose="020B0604020202020204" pitchFamily="34" charset="0"/>
-                        <a:ea typeface="맑은 고딕" panose="020B0503020000020004" pitchFamily="50" charset="-127"/>
-                      </a:endParaRPr>
-                    </a:p>
-                  </a:txBody>
-                  <a:tcPr marL="2239" marR="2239" marT="2239" marB="0"/>
-                </a:tc>
-                <a:tc>
-                  <a:txBody>
-                    <a:bodyPr/>
-                    <a:lstStyle/>
-                    <a:p>
-                      <a:pPr algn="l" rtl="0" fontAlgn="ctr"/>
-                      <a:r>
-                        <a:rPr lang="en-US" sz="200" u="none" strike="noStrike">
-                          <a:effectLst/>
-                        </a:rPr>
-                        <a:t>KIT_Part_REMOVE</a:t>
-                      </a:r>
-                      <a:endParaRPr lang="en-US" sz="200" b="0" i="0" u="none" strike="noStrike">
-                        <a:solidFill>
-                          <a:srgbClr val="000000"/>
-                        </a:solidFill>
-                        <a:effectLst/>
-                        <a:latin typeface="맑은 고딕" panose="020B0503020000020004" pitchFamily="50" charset="-127"/>
-                        <a:ea typeface="맑은 고딕" panose="020B0503020000020004" pitchFamily="50" charset="-127"/>
-                      </a:endParaRPr>
-                    </a:p>
-                  </a:txBody>
-                  <a:tcPr marL="2239" marR="2239" marT="2239" marB="0" anchor="ctr"/>
-                </a:tc>
-                <a:tc>
-                  <a:txBody>
-                    <a:bodyPr/>
-                    <a:lstStyle/>
-                    <a:p>
-                      <a:pPr algn="l" fontAlgn="t"/>
-                      <a:r>
-                        <a:rPr lang="ko-KR" altLang="en-US" sz="400" u="none" strike="noStrike">
-                          <a:effectLst/>
-                        </a:rPr>
-                        <a:t>　</a:t>
-                      </a:r>
-                      <a:endParaRPr lang="ko-KR" altLang="en-US" sz="400" b="0" i="0" u="none" strike="noStrike">
-                        <a:solidFill>
-                          <a:srgbClr val="000000"/>
-                        </a:solidFill>
-                        <a:effectLst/>
-                        <a:latin typeface="Arial" panose="020B0604020202020204" pitchFamily="34" charset="0"/>
-                        <a:ea typeface="맑은 고딕" panose="020B0503020000020004" pitchFamily="50" charset="-127"/>
-                      </a:endParaRPr>
-                    </a:p>
-                  </a:txBody>
-                  <a:tcPr marL="2239" marR="2239" marT="2239" marB="0"/>
-                </a:tc>
-                <a:extLst>
-                  <a:ext uri="{0D108BD9-81ED-4DB2-BD59-A6C34878D82A}">
-                    <a16:rowId xmlns:a16="http://schemas.microsoft.com/office/drawing/2014/main" val="4139553742"/>
-                  </a:ext>
-                </a:extLst>
-              </a:tr>
-              <a:tr h="170101">
-                <a:tc>
-                  <a:txBody>
-                    <a:bodyPr/>
-                    <a:lstStyle/>
-                    <a:p>
-                      <a:pPr algn="l" rtl="0" fontAlgn="ctr"/>
-                      <a:r>
-                        <a:rPr lang="ko-KR" altLang="en-US" sz="200" u="none" strike="noStrike">
-                          <a:effectLst/>
-                        </a:rPr>
-                        <a:t>외부주소</a:t>
-                      </a:r>
-                      <a:endParaRPr lang="ko-KR" altLang="en-US" sz="200" b="0" i="0" u="none" strike="noStrike">
-                        <a:solidFill>
-                          <a:srgbClr val="000000"/>
-                        </a:solidFill>
-                        <a:effectLst/>
-                        <a:latin typeface="Arial" panose="020B0604020202020204" pitchFamily="34" charset="0"/>
-                        <a:ea typeface="맑은 고딕" panose="020B0503020000020004" pitchFamily="50" charset="-127"/>
-                      </a:endParaRPr>
-                    </a:p>
-                  </a:txBody>
-                  <a:tcPr marL="2239" marR="2239" marT="2239" marB="0" anchor="ctr"/>
-                </a:tc>
-                <a:tc>
-                  <a:txBody>
-                    <a:bodyPr/>
-                    <a:lstStyle/>
-                    <a:p>
-                      <a:pPr algn="l" rtl="0" fontAlgn="ctr"/>
-                      <a:r>
-                        <a:rPr lang="en-US" sz="200" u="none" strike="noStrike">
-                          <a:effectLst/>
-                        </a:rPr>
-                        <a:t>KIT_stp1.ADV</a:t>
-                      </a:r>
-                      <a:endParaRPr lang="en-US" sz="200" b="0" i="0" u="none" strike="noStrike">
-                        <a:solidFill>
-                          <a:srgbClr val="000000"/>
-                        </a:solidFill>
-                        <a:effectLst/>
-                        <a:latin typeface="맑은 고딕" panose="020B0503020000020004" pitchFamily="50" charset="-127"/>
-                        <a:ea typeface="맑은 고딕" panose="020B0503020000020004" pitchFamily="50" charset="-127"/>
-                      </a:endParaRPr>
-                    </a:p>
-                  </a:txBody>
-                  <a:tcPr marL="2239" marR="2239" marT="2239" marB="0" anchor="ctr"/>
-                </a:tc>
-                <a:tc>
-                  <a:txBody>
-                    <a:bodyPr/>
-                    <a:lstStyle/>
-                    <a:p>
-                      <a:pPr algn="l" rtl="0" fontAlgn="ctr"/>
-                      <a:r>
-                        <a:rPr lang="en-US" sz="200" u="none" strike="noStrike">
-                          <a:effectLst/>
-                        </a:rPr>
-                        <a:t>bool</a:t>
-                      </a:r>
-                      <a:endParaRPr lang="en-US" sz="200" b="0" i="0" u="none" strike="noStrike">
-                        <a:solidFill>
-                          <a:srgbClr val="000000"/>
-                        </a:solidFill>
-                        <a:effectLst/>
-                        <a:latin typeface="맑은 고딕" panose="020B0503020000020004" pitchFamily="50" charset="-127"/>
-                        <a:ea typeface="맑은 고딕" panose="020B0503020000020004" pitchFamily="50" charset="-127"/>
-                      </a:endParaRPr>
-                    </a:p>
-                  </a:txBody>
-                  <a:tcPr marL="2239" marR="2239" marT="2239" marB="0" anchor="ctr"/>
-                </a:tc>
-                <a:tc>
-                  <a:txBody>
-                    <a:bodyPr/>
-                    <a:lstStyle/>
-                    <a:p>
-                      <a:pPr algn="l" fontAlgn="t"/>
-                      <a:r>
-                        <a:rPr lang="en-US" sz="400" u="none" strike="noStrike">
-                          <a:effectLst/>
-                        </a:rPr>
-                        <a:t>%ix0.0.22</a:t>
-                      </a:r>
-                      <a:endParaRPr lang="en-US" sz="400" b="0" i="0" u="none" strike="noStrike">
-                        <a:solidFill>
-                          <a:srgbClr val="000000"/>
-                        </a:solidFill>
-                        <a:effectLst/>
-                        <a:latin typeface="Arial" panose="020B0604020202020204" pitchFamily="34" charset="0"/>
-                        <a:ea typeface="맑은 고딕" panose="020B0503020000020004" pitchFamily="50" charset="-127"/>
-                      </a:endParaRPr>
-                    </a:p>
-                  </a:txBody>
-                  <a:tcPr marL="2239" marR="2239" marT="2239" marB="0"/>
-                </a:tc>
-                <a:tc>
-                  <a:txBody>
-                    <a:bodyPr/>
-                    <a:lstStyle/>
-                    <a:p>
-                      <a:pPr algn="l" fontAlgn="t"/>
-                      <a:r>
-                        <a:rPr lang="en-US" sz="400" u="none" strike="noStrike">
-                          <a:effectLst/>
-                        </a:rPr>
-                        <a:t>%qx0.1.22</a:t>
-                      </a:r>
-                      <a:endParaRPr lang="en-US" sz="400" b="0" i="0" u="none" strike="noStrike">
-                        <a:solidFill>
-                          <a:srgbClr val="000000"/>
-                        </a:solidFill>
-                        <a:effectLst/>
-                        <a:latin typeface="Arial" panose="020B0604020202020204" pitchFamily="34" charset="0"/>
-                        <a:ea typeface="맑은 고딕" panose="020B0503020000020004" pitchFamily="50" charset="-127"/>
-                      </a:endParaRPr>
-                    </a:p>
-                  </a:txBody>
-                  <a:tcPr marL="2239" marR="2239" marT="2239" marB="0"/>
-                </a:tc>
-                <a:tc>
-                  <a:txBody>
-                    <a:bodyPr/>
-                    <a:lstStyle/>
-                    <a:p>
-                      <a:pPr algn="l" rtl="0" fontAlgn="ctr"/>
-                      <a:r>
-                        <a:rPr lang="en-US" sz="200" u="none" strike="noStrike">
-                          <a:effectLst/>
-                        </a:rPr>
-                        <a:t>KIT_stp_ADV</a:t>
-                      </a:r>
-                      <a:endParaRPr lang="en-US" sz="200" b="0" i="0" u="none" strike="noStrike">
-                        <a:solidFill>
-                          <a:srgbClr val="000000"/>
-                        </a:solidFill>
-                        <a:effectLst/>
-                        <a:latin typeface="맑은 고딕" panose="020B0503020000020004" pitchFamily="50" charset="-127"/>
-                        <a:ea typeface="맑은 고딕" panose="020B0503020000020004" pitchFamily="50" charset="-127"/>
-                      </a:endParaRPr>
-                    </a:p>
-                  </a:txBody>
-                  <a:tcPr marL="2239" marR="2239" marT="2239" marB="0" anchor="ctr"/>
-                </a:tc>
-                <a:tc>
-                  <a:txBody>
-                    <a:bodyPr/>
-                    <a:lstStyle/>
-                    <a:p>
-                      <a:pPr algn="l" fontAlgn="t"/>
-                      <a:r>
-                        <a:rPr lang="ko-KR" altLang="en-US" sz="400" u="none" strike="noStrike">
-                          <a:effectLst/>
-                        </a:rPr>
-                        <a:t>　</a:t>
-                      </a:r>
-                      <a:endParaRPr lang="ko-KR" altLang="en-US" sz="400" b="0" i="0" u="none" strike="noStrike">
-                        <a:solidFill>
-                          <a:srgbClr val="000000"/>
-                        </a:solidFill>
-                        <a:effectLst/>
-                        <a:latin typeface="Arial" panose="020B0604020202020204" pitchFamily="34" charset="0"/>
-                        <a:ea typeface="맑은 고딕" panose="020B0503020000020004" pitchFamily="50" charset="-127"/>
-                      </a:endParaRPr>
-                    </a:p>
-                  </a:txBody>
-                  <a:tcPr marL="2239" marR="2239" marT="2239" marB="0"/>
-                </a:tc>
-                <a:extLst>
-                  <a:ext uri="{0D108BD9-81ED-4DB2-BD59-A6C34878D82A}">
-                    <a16:rowId xmlns:a16="http://schemas.microsoft.com/office/drawing/2014/main" val="780452375"/>
-                  </a:ext>
-                </a:extLst>
-              </a:tr>
-              <a:tr h="170101">
-                <a:tc>
-                  <a:txBody>
-                    <a:bodyPr/>
-                    <a:lstStyle/>
-                    <a:p>
-                      <a:pPr algn="l" rtl="0" fontAlgn="ctr"/>
-                      <a:r>
-                        <a:rPr lang="ko-KR" altLang="en-US" sz="200" u="none" strike="noStrike">
-                          <a:effectLst/>
-                        </a:rPr>
-                        <a:t>외부주소</a:t>
-                      </a:r>
-                      <a:endParaRPr lang="ko-KR" altLang="en-US" sz="200" b="0" i="0" u="none" strike="noStrike">
-                        <a:solidFill>
-                          <a:srgbClr val="000000"/>
-                        </a:solidFill>
-                        <a:effectLst/>
-                        <a:latin typeface="Arial" panose="020B0604020202020204" pitchFamily="34" charset="0"/>
-                        <a:ea typeface="맑은 고딕" panose="020B0503020000020004" pitchFamily="50" charset="-127"/>
-                      </a:endParaRPr>
-                    </a:p>
-                  </a:txBody>
-                  <a:tcPr marL="2239" marR="2239" marT="2239" marB="0" anchor="ctr"/>
-                </a:tc>
-                <a:tc>
-                  <a:txBody>
-                    <a:bodyPr/>
-                    <a:lstStyle/>
-                    <a:p>
-                      <a:pPr algn="l" rtl="0" fontAlgn="ctr"/>
-                      <a:r>
-                        <a:rPr lang="en-US" sz="200" u="none" strike="noStrike">
-                          <a:effectLst/>
-                        </a:rPr>
-                        <a:t>KIT_stp2.ADV</a:t>
-                      </a:r>
-                      <a:endParaRPr lang="en-US" sz="200" b="0" i="0" u="none" strike="noStrike">
-                        <a:solidFill>
-                          <a:srgbClr val="000000"/>
-                        </a:solidFill>
-                        <a:effectLst/>
-                        <a:latin typeface="맑은 고딕" panose="020B0503020000020004" pitchFamily="50" charset="-127"/>
-                        <a:ea typeface="맑은 고딕" panose="020B0503020000020004" pitchFamily="50" charset="-127"/>
-                      </a:endParaRPr>
-                    </a:p>
-                  </a:txBody>
-                  <a:tcPr marL="2239" marR="2239" marT="2239" marB="0" anchor="ctr"/>
-                </a:tc>
-                <a:tc>
-                  <a:txBody>
-                    <a:bodyPr/>
-                    <a:lstStyle/>
-                    <a:p>
-                      <a:pPr algn="l" rtl="0" fontAlgn="ctr"/>
-                      <a:r>
-                        <a:rPr lang="en-US" sz="200" u="none" strike="noStrike">
-                          <a:effectLst/>
-                        </a:rPr>
-                        <a:t>bool</a:t>
-                      </a:r>
-                      <a:endParaRPr lang="en-US" sz="200" b="0" i="0" u="none" strike="noStrike">
-                        <a:solidFill>
-                          <a:srgbClr val="000000"/>
-                        </a:solidFill>
-                        <a:effectLst/>
-                        <a:latin typeface="맑은 고딕" panose="020B0503020000020004" pitchFamily="50" charset="-127"/>
-                        <a:ea typeface="맑은 고딕" panose="020B0503020000020004" pitchFamily="50" charset="-127"/>
-                      </a:endParaRPr>
-                    </a:p>
-                  </a:txBody>
-                  <a:tcPr marL="2239" marR="2239" marT="2239" marB="0" anchor="ctr"/>
-                </a:tc>
-                <a:tc>
-                  <a:txBody>
-                    <a:bodyPr/>
-                    <a:lstStyle/>
-                    <a:p>
-                      <a:pPr algn="l" fontAlgn="t"/>
-                      <a:r>
-                        <a:rPr lang="en-US" sz="400" u="none" strike="noStrike">
-                          <a:effectLst/>
-                        </a:rPr>
-                        <a:t>%ix0.0.23</a:t>
-                      </a:r>
-                      <a:endParaRPr lang="en-US" sz="400" b="0" i="0" u="none" strike="noStrike">
-                        <a:solidFill>
-                          <a:srgbClr val="000000"/>
-                        </a:solidFill>
-                        <a:effectLst/>
-                        <a:latin typeface="Arial" panose="020B0604020202020204" pitchFamily="34" charset="0"/>
-                        <a:ea typeface="맑은 고딕" panose="020B0503020000020004" pitchFamily="50" charset="-127"/>
-                      </a:endParaRPr>
-                    </a:p>
-                  </a:txBody>
-                  <a:tcPr marL="2239" marR="2239" marT="2239" marB="0"/>
-                </a:tc>
-                <a:tc>
-                  <a:txBody>
-                    <a:bodyPr/>
-                    <a:lstStyle/>
-                    <a:p>
-                      <a:pPr algn="l" fontAlgn="t"/>
-                      <a:r>
-                        <a:rPr lang="en-US" sz="400" u="none" strike="noStrike">
-                          <a:effectLst/>
-                        </a:rPr>
-                        <a:t>%qx0.1.23</a:t>
-                      </a:r>
-                      <a:endParaRPr lang="en-US" sz="400" b="0" i="0" u="none" strike="noStrike">
-                        <a:solidFill>
-                          <a:srgbClr val="000000"/>
-                        </a:solidFill>
-                        <a:effectLst/>
-                        <a:latin typeface="Arial" panose="020B0604020202020204" pitchFamily="34" charset="0"/>
-                        <a:ea typeface="맑은 고딕" panose="020B0503020000020004" pitchFamily="50" charset="-127"/>
-                      </a:endParaRPr>
-                    </a:p>
-                  </a:txBody>
-                  <a:tcPr marL="2239" marR="2239" marT="2239" marB="0"/>
-                </a:tc>
-                <a:tc>
-                  <a:txBody>
-                    <a:bodyPr/>
-                    <a:lstStyle/>
-                    <a:p>
-                      <a:pPr algn="l" rtl="0" fontAlgn="ctr"/>
-                      <a:r>
-                        <a:rPr lang="ko-KR" altLang="en-US" sz="200" u="none" strike="noStrike">
-                          <a:effectLst/>
-                        </a:rPr>
-                        <a:t>↑</a:t>
-                      </a:r>
-                      <a:endParaRPr lang="ko-KR" altLang="en-US" sz="200" b="0" i="0" u="none" strike="noStrike">
-                        <a:solidFill>
-                          <a:srgbClr val="000000"/>
-                        </a:solidFill>
-                        <a:effectLst/>
-                        <a:latin typeface="맑은 고딕" panose="020B0503020000020004" pitchFamily="50" charset="-127"/>
-                        <a:ea typeface="맑은 고딕" panose="020B0503020000020004" pitchFamily="50" charset="-127"/>
-                      </a:endParaRPr>
-                    </a:p>
-                  </a:txBody>
-                  <a:tcPr marL="2239" marR="2239" marT="2239" marB="0" anchor="ctr"/>
-                </a:tc>
-                <a:tc>
-                  <a:txBody>
-                    <a:bodyPr/>
-                    <a:lstStyle/>
-                    <a:p>
-                      <a:pPr algn="l" rtl="0" fontAlgn="ctr"/>
-                      <a:r>
-                        <a:rPr lang="ko-KR" altLang="en-US" sz="200" u="none" strike="noStrike">
-                          <a:effectLst/>
-                        </a:rPr>
-                        <a:t>↑</a:t>
-                      </a:r>
-                      <a:endParaRPr lang="ko-KR" altLang="en-US" sz="200" b="0" i="0" u="none" strike="noStrike">
-                        <a:solidFill>
-                          <a:srgbClr val="000000"/>
-                        </a:solidFill>
-                        <a:effectLst/>
-                        <a:latin typeface="맑은 고딕" panose="020B0503020000020004" pitchFamily="50" charset="-127"/>
-                        <a:ea typeface="맑은 고딕" panose="020B0503020000020004" pitchFamily="50" charset="-127"/>
-                      </a:endParaRPr>
-                    </a:p>
-                  </a:txBody>
-                  <a:tcPr marL="2239" marR="2239" marT="2239" marB="0" anchor="ctr"/>
-                </a:tc>
-                <a:extLst>
-                  <a:ext uri="{0D108BD9-81ED-4DB2-BD59-A6C34878D82A}">
-                    <a16:rowId xmlns:a16="http://schemas.microsoft.com/office/drawing/2014/main" val="1556749210"/>
-                  </a:ext>
-                </a:extLst>
-              </a:tr>
-              <a:tr h="170101">
-                <a:tc>
-                  <a:txBody>
-                    <a:bodyPr/>
-                    <a:lstStyle/>
-                    <a:p>
-                      <a:pPr algn="l" rtl="0" fontAlgn="ctr"/>
-                      <a:r>
-                        <a:rPr lang="ko-KR" altLang="en-US" sz="200" u="none" strike="noStrike">
-                          <a:effectLst/>
-                        </a:rPr>
-                        <a:t>외부주소</a:t>
-                      </a:r>
-                      <a:endParaRPr lang="ko-KR" altLang="en-US" sz="200" b="0" i="0" u="none" strike="noStrike">
-                        <a:solidFill>
-                          <a:srgbClr val="000000"/>
-                        </a:solidFill>
-                        <a:effectLst/>
-                        <a:latin typeface="Arial" panose="020B0604020202020204" pitchFamily="34" charset="0"/>
-                        <a:ea typeface="맑은 고딕" panose="020B0503020000020004" pitchFamily="50" charset="-127"/>
-                      </a:endParaRPr>
-                    </a:p>
-                  </a:txBody>
-                  <a:tcPr marL="2239" marR="2239" marT="2239" marB="0" anchor="ctr"/>
-                </a:tc>
-                <a:tc>
-                  <a:txBody>
-                    <a:bodyPr/>
-                    <a:lstStyle/>
-                    <a:p>
-                      <a:pPr algn="l" rtl="0" fontAlgn="ctr"/>
-                      <a:r>
-                        <a:rPr lang="en-US" sz="200" u="none" strike="noStrike">
-                          <a:effectLst/>
-                        </a:rPr>
-                        <a:t>KIT_stp3.ADV</a:t>
-                      </a:r>
-                      <a:endParaRPr lang="en-US" sz="200" b="0" i="0" u="none" strike="noStrike">
-                        <a:solidFill>
-                          <a:srgbClr val="000000"/>
-                        </a:solidFill>
-                        <a:effectLst/>
-                        <a:latin typeface="맑은 고딕" panose="020B0503020000020004" pitchFamily="50" charset="-127"/>
-                        <a:ea typeface="맑은 고딕" panose="020B0503020000020004" pitchFamily="50" charset="-127"/>
-                      </a:endParaRPr>
-                    </a:p>
-                  </a:txBody>
-                  <a:tcPr marL="2239" marR="2239" marT="2239" marB="0" anchor="ctr"/>
-                </a:tc>
-                <a:tc>
-                  <a:txBody>
-                    <a:bodyPr/>
-                    <a:lstStyle/>
-                    <a:p>
-                      <a:pPr algn="l" rtl="0" fontAlgn="ctr"/>
-                      <a:r>
-                        <a:rPr lang="en-US" sz="200" u="none" strike="noStrike">
-                          <a:effectLst/>
-                        </a:rPr>
-                        <a:t>bool</a:t>
-                      </a:r>
-                      <a:endParaRPr lang="en-US" sz="200" b="0" i="0" u="none" strike="noStrike">
-                        <a:solidFill>
-                          <a:srgbClr val="000000"/>
-                        </a:solidFill>
-                        <a:effectLst/>
-                        <a:latin typeface="맑은 고딕" panose="020B0503020000020004" pitchFamily="50" charset="-127"/>
-                        <a:ea typeface="맑은 고딕" panose="020B0503020000020004" pitchFamily="50" charset="-127"/>
-                      </a:endParaRPr>
-                    </a:p>
-                  </a:txBody>
-                  <a:tcPr marL="2239" marR="2239" marT="2239" marB="0" anchor="ctr"/>
-                </a:tc>
-                <a:tc>
-                  <a:txBody>
-                    <a:bodyPr/>
-                    <a:lstStyle/>
-                    <a:p>
-                      <a:pPr algn="l" fontAlgn="t"/>
-                      <a:r>
-                        <a:rPr lang="en-US" sz="400" u="none" strike="noStrike">
-                          <a:effectLst/>
-                        </a:rPr>
-                        <a:t>%ix0.0.24</a:t>
-                      </a:r>
-                      <a:endParaRPr lang="en-US" sz="400" b="0" i="0" u="none" strike="noStrike">
-                        <a:solidFill>
-                          <a:srgbClr val="000000"/>
-                        </a:solidFill>
-                        <a:effectLst/>
-                        <a:latin typeface="Arial" panose="020B0604020202020204" pitchFamily="34" charset="0"/>
-                        <a:ea typeface="맑은 고딕" panose="020B0503020000020004" pitchFamily="50" charset="-127"/>
-                      </a:endParaRPr>
-                    </a:p>
-                  </a:txBody>
-                  <a:tcPr marL="2239" marR="2239" marT="2239" marB="0"/>
-                </a:tc>
-                <a:tc>
-                  <a:txBody>
-                    <a:bodyPr/>
-                    <a:lstStyle/>
-                    <a:p>
-                      <a:pPr algn="l" fontAlgn="t"/>
-                      <a:r>
-                        <a:rPr lang="en-US" sz="400" u="none" strike="noStrike">
-                          <a:effectLst/>
-                        </a:rPr>
-                        <a:t>%qx0.1.24</a:t>
-                      </a:r>
-                      <a:endParaRPr lang="en-US" sz="400" b="0" i="0" u="none" strike="noStrike">
-                        <a:solidFill>
-                          <a:srgbClr val="000000"/>
-                        </a:solidFill>
-                        <a:effectLst/>
-                        <a:latin typeface="Arial" panose="020B0604020202020204" pitchFamily="34" charset="0"/>
-                        <a:ea typeface="맑은 고딕" panose="020B0503020000020004" pitchFamily="50" charset="-127"/>
-                      </a:endParaRPr>
-                    </a:p>
-                  </a:txBody>
-                  <a:tcPr marL="2239" marR="2239" marT="2239" marB="0"/>
-                </a:tc>
-                <a:tc>
-                  <a:txBody>
-                    <a:bodyPr/>
-                    <a:lstStyle/>
-                    <a:p>
-                      <a:pPr algn="l" rtl="0" fontAlgn="ctr"/>
-                      <a:r>
-                        <a:rPr lang="ko-KR" altLang="en-US" sz="200" u="none" strike="noStrike">
-                          <a:effectLst/>
-                        </a:rPr>
-                        <a:t>↑</a:t>
-                      </a:r>
-                      <a:endParaRPr lang="ko-KR" altLang="en-US" sz="200" b="0" i="0" u="none" strike="noStrike">
-                        <a:solidFill>
-                          <a:srgbClr val="000000"/>
-                        </a:solidFill>
-                        <a:effectLst/>
-                        <a:latin typeface="맑은 고딕" panose="020B0503020000020004" pitchFamily="50" charset="-127"/>
-                        <a:ea typeface="맑은 고딕" panose="020B0503020000020004" pitchFamily="50" charset="-127"/>
-                      </a:endParaRPr>
-                    </a:p>
-                  </a:txBody>
-                  <a:tcPr marL="2239" marR="2239" marT="2239" marB="0" anchor="ctr"/>
-                </a:tc>
-                <a:tc>
-                  <a:txBody>
-                    <a:bodyPr/>
-                    <a:lstStyle/>
-                    <a:p>
-                      <a:pPr algn="l" rtl="0" fontAlgn="ctr"/>
-                      <a:r>
-                        <a:rPr lang="ko-KR" altLang="en-US" sz="200" u="none" strike="noStrike">
-                          <a:effectLst/>
-                        </a:rPr>
-                        <a:t>↑</a:t>
-                      </a:r>
-                      <a:endParaRPr lang="ko-KR" altLang="en-US" sz="200" b="0" i="0" u="none" strike="noStrike">
-                        <a:solidFill>
-                          <a:srgbClr val="000000"/>
-                        </a:solidFill>
-                        <a:effectLst/>
-                        <a:latin typeface="맑은 고딕" panose="020B0503020000020004" pitchFamily="50" charset="-127"/>
-                        <a:ea typeface="맑은 고딕" panose="020B0503020000020004" pitchFamily="50" charset="-127"/>
-                      </a:endParaRPr>
-                    </a:p>
-                  </a:txBody>
-                  <a:tcPr marL="2239" marR="2239" marT="2239" marB="0" anchor="ctr"/>
-                </a:tc>
-                <a:extLst>
-                  <a:ext uri="{0D108BD9-81ED-4DB2-BD59-A6C34878D82A}">
-                    <a16:rowId xmlns:a16="http://schemas.microsoft.com/office/drawing/2014/main" val="886389423"/>
-                  </a:ext>
-                </a:extLst>
-              </a:tr>
-              <a:tr h="170101">
-                <a:tc>
-                  <a:txBody>
-                    <a:bodyPr/>
-                    <a:lstStyle/>
-                    <a:p>
-                      <a:pPr algn="l" rtl="0" fontAlgn="ctr"/>
-                      <a:r>
-                        <a:rPr lang="ko-KR" altLang="en-US" sz="200" u="none" strike="noStrike">
-                          <a:effectLst/>
-                        </a:rPr>
-                        <a:t>외부주소</a:t>
-                      </a:r>
-                      <a:endParaRPr lang="ko-KR" altLang="en-US" sz="200" b="0" i="0" u="none" strike="noStrike">
-                        <a:solidFill>
-                          <a:srgbClr val="000000"/>
-                        </a:solidFill>
-                        <a:effectLst/>
-                        <a:latin typeface="Arial" panose="020B0604020202020204" pitchFamily="34" charset="0"/>
-                        <a:ea typeface="맑은 고딕" panose="020B0503020000020004" pitchFamily="50" charset="-127"/>
-                      </a:endParaRPr>
-                    </a:p>
-                  </a:txBody>
-                  <a:tcPr marL="2239" marR="2239" marT="2239" marB="0" anchor="ctr"/>
-                </a:tc>
-                <a:tc>
-                  <a:txBody>
-                    <a:bodyPr/>
-                    <a:lstStyle/>
-                    <a:p>
-                      <a:pPr algn="l" rtl="0" fontAlgn="ctr"/>
-                      <a:r>
-                        <a:rPr lang="en-US" sz="200" u="none" strike="noStrike">
-                          <a:effectLst/>
-                        </a:rPr>
-                        <a:t>KIT_stp4.ADV</a:t>
-                      </a:r>
-                      <a:endParaRPr lang="en-US" sz="200" b="0" i="0" u="none" strike="noStrike">
-                        <a:solidFill>
-                          <a:srgbClr val="000000"/>
-                        </a:solidFill>
-                        <a:effectLst/>
-                        <a:latin typeface="맑은 고딕" panose="020B0503020000020004" pitchFamily="50" charset="-127"/>
-                        <a:ea typeface="맑은 고딕" panose="020B0503020000020004" pitchFamily="50" charset="-127"/>
-                      </a:endParaRPr>
-                    </a:p>
-                  </a:txBody>
-                  <a:tcPr marL="2239" marR="2239" marT="2239" marB="0" anchor="ctr"/>
-                </a:tc>
-                <a:tc>
-                  <a:txBody>
-                    <a:bodyPr/>
-                    <a:lstStyle/>
-                    <a:p>
-                      <a:pPr algn="l" rtl="0" fontAlgn="ctr"/>
-                      <a:r>
-                        <a:rPr lang="en-US" sz="200" u="none" strike="noStrike">
-                          <a:effectLst/>
-                        </a:rPr>
-                        <a:t>bool</a:t>
-                      </a:r>
-                      <a:endParaRPr lang="en-US" sz="200" b="0" i="0" u="none" strike="noStrike">
-                        <a:solidFill>
-                          <a:srgbClr val="000000"/>
-                        </a:solidFill>
-                        <a:effectLst/>
-                        <a:latin typeface="맑은 고딕" panose="020B0503020000020004" pitchFamily="50" charset="-127"/>
-                        <a:ea typeface="맑은 고딕" panose="020B0503020000020004" pitchFamily="50" charset="-127"/>
-                      </a:endParaRPr>
-                    </a:p>
-                  </a:txBody>
-                  <a:tcPr marL="2239" marR="2239" marT="2239" marB="0" anchor="ctr"/>
-                </a:tc>
-                <a:tc>
-                  <a:txBody>
-                    <a:bodyPr/>
-                    <a:lstStyle/>
-                    <a:p>
-                      <a:pPr algn="l" fontAlgn="t"/>
-                      <a:r>
-                        <a:rPr lang="en-US" sz="400" u="none" strike="noStrike">
-                          <a:effectLst/>
-                        </a:rPr>
-                        <a:t>%ix0.0.25</a:t>
-                      </a:r>
-                      <a:endParaRPr lang="en-US" sz="400" b="0" i="0" u="none" strike="noStrike">
-                        <a:solidFill>
-                          <a:srgbClr val="000000"/>
-                        </a:solidFill>
-                        <a:effectLst/>
-                        <a:latin typeface="Arial" panose="020B0604020202020204" pitchFamily="34" charset="0"/>
-                        <a:ea typeface="맑은 고딕" panose="020B0503020000020004" pitchFamily="50" charset="-127"/>
-                      </a:endParaRPr>
-                    </a:p>
-                  </a:txBody>
-                  <a:tcPr marL="2239" marR="2239" marT="2239" marB="0"/>
-                </a:tc>
-                <a:tc>
-                  <a:txBody>
-                    <a:bodyPr/>
-                    <a:lstStyle/>
-                    <a:p>
-                      <a:pPr algn="l" fontAlgn="t"/>
-                      <a:r>
-                        <a:rPr lang="en-US" sz="400" u="none" strike="noStrike">
-                          <a:effectLst/>
-                        </a:rPr>
-                        <a:t>%qx0.1.25</a:t>
-                      </a:r>
-                      <a:endParaRPr lang="en-US" sz="400" b="0" i="0" u="none" strike="noStrike">
-                        <a:solidFill>
-                          <a:srgbClr val="000000"/>
-                        </a:solidFill>
-                        <a:effectLst/>
-                        <a:latin typeface="Arial" panose="020B0604020202020204" pitchFamily="34" charset="0"/>
-                        <a:ea typeface="맑은 고딕" panose="020B0503020000020004" pitchFamily="50" charset="-127"/>
-                      </a:endParaRPr>
-                    </a:p>
-                  </a:txBody>
-                  <a:tcPr marL="2239" marR="2239" marT="2239" marB="0"/>
-                </a:tc>
-                <a:tc>
-                  <a:txBody>
-                    <a:bodyPr/>
-                    <a:lstStyle/>
-                    <a:p>
-                      <a:pPr algn="l" rtl="0" fontAlgn="ctr"/>
-                      <a:r>
-                        <a:rPr lang="ko-KR" altLang="en-US" sz="200" u="none" strike="noStrike">
-                          <a:effectLst/>
-                        </a:rPr>
-                        <a:t>↑</a:t>
-                      </a:r>
-                      <a:endParaRPr lang="ko-KR" altLang="en-US" sz="200" b="0" i="0" u="none" strike="noStrike">
-                        <a:solidFill>
-                          <a:srgbClr val="000000"/>
-                        </a:solidFill>
-                        <a:effectLst/>
-                        <a:latin typeface="맑은 고딕" panose="020B0503020000020004" pitchFamily="50" charset="-127"/>
-                        <a:ea typeface="맑은 고딕" panose="020B0503020000020004" pitchFamily="50" charset="-127"/>
-                      </a:endParaRPr>
-                    </a:p>
-                  </a:txBody>
-                  <a:tcPr marL="2239" marR="2239" marT="2239" marB="0" anchor="ctr"/>
-                </a:tc>
-                <a:tc>
-                  <a:txBody>
-                    <a:bodyPr/>
-                    <a:lstStyle/>
-                    <a:p>
-                      <a:pPr algn="l" rtl="0" fontAlgn="ctr"/>
-                      <a:r>
-                        <a:rPr lang="ko-KR" altLang="en-US" sz="200" u="none" strike="noStrike">
-                          <a:effectLst/>
-                        </a:rPr>
-                        <a:t>↑</a:t>
-                      </a:r>
-                      <a:endParaRPr lang="ko-KR" altLang="en-US" sz="200" b="0" i="0" u="none" strike="noStrike">
-                        <a:solidFill>
-                          <a:srgbClr val="000000"/>
-                        </a:solidFill>
-                        <a:effectLst/>
-                        <a:latin typeface="맑은 고딕" panose="020B0503020000020004" pitchFamily="50" charset="-127"/>
-                        <a:ea typeface="맑은 고딕" panose="020B0503020000020004" pitchFamily="50" charset="-127"/>
-                      </a:endParaRPr>
-                    </a:p>
-                  </a:txBody>
-                  <a:tcPr marL="2239" marR="2239" marT="2239" marB="0" anchor="ctr"/>
-                </a:tc>
-                <a:extLst>
-                  <a:ext uri="{0D108BD9-81ED-4DB2-BD59-A6C34878D82A}">
-                    <a16:rowId xmlns:a16="http://schemas.microsoft.com/office/drawing/2014/main" val="366166650"/>
-                  </a:ext>
-                </a:extLst>
-              </a:tr>
-              <a:tr h="170101">
-                <a:tc>
-                  <a:txBody>
-                    <a:bodyPr/>
-                    <a:lstStyle/>
-                    <a:p>
-                      <a:pPr algn="l" rtl="0" fontAlgn="ctr"/>
-                      <a:r>
-                        <a:rPr lang="ko-KR" altLang="en-US" sz="200" u="none" strike="noStrike">
-                          <a:effectLst/>
-                        </a:rPr>
-                        <a:t>외부주소</a:t>
-                      </a:r>
-                      <a:endParaRPr lang="ko-KR" altLang="en-US" sz="200" b="0" i="0" u="none" strike="noStrike">
-                        <a:solidFill>
-                          <a:srgbClr val="000000"/>
-                        </a:solidFill>
-                        <a:effectLst/>
-                        <a:latin typeface="Arial" panose="020B0604020202020204" pitchFamily="34" charset="0"/>
-                        <a:ea typeface="맑은 고딕" panose="020B0503020000020004" pitchFamily="50" charset="-127"/>
-                      </a:endParaRPr>
-                    </a:p>
-                  </a:txBody>
-                  <a:tcPr marL="2239" marR="2239" marT="2239" marB="0" anchor="ctr"/>
-                </a:tc>
-                <a:tc>
-                  <a:txBody>
-                    <a:bodyPr/>
-                    <a:lstStyle/>
-                    <a:p>
-                      <a:pPr algn="l" rtl="0" fontAlgn="ctr"/>
-                      <a:r>
-                        <a:rPr lang="en-US" sz="200" u="none" strike="noStrike">
-                          <a:effectLst/>
-                        </a:rPr>
-                        <a:t>KIT_stp1.RET</a:t>
-                      </a:r>
-                      <a:endParaRPr lang="en-US" sz="200" b="0" i="0" u="none" strike="noStrike">
-                        <a:solidFill>
-                          <a:srgbClr val="000000"/>
-                        </a:solidFill>
-                        <a:effectLst/>
-                        <a:latin typeface="맑은 고딕" panose="020B0503020000020004" pitchFamily="50" charset="-127"/>
-                        <a:ea typeface="맑은 고딕" panose="020B0503020000020004" pitchFamily="50" charset="-127"/>
-                      </a:endParaRPr>
-                    </a:p>
-                  </a:txBody>
-                  <a:tcPr marL="2239" marR="2239" marT="2239" marB="0" anchor="ctr"/>
-                </a:tc>
-                <a:tc>
-                  <a:txBody>
-                    <a:bodyPr/>
-                    <a:lstStyle/>
-                    <a:p>
-                      <a:pPr algn="l" rtl="0" fontAlgn="ctr"/>
-                      <a:r>
-                        <a:rPr lang="en-US" sz="200" u="none" strike="noStrike">
-                          <a:effectLst/>
-                        </a:rPr>
-                        <a:t>bool</a:t>
-                      </a:r>
-                      <a:endParaRPr lang="en-US" sz="200" b="0" i="0" u="none" strike="noStrike">
-                        <a:solidFill>
-                          <a:srgbClr val="000000"/>
-                        </a:solidFill>
-                        <a:effectLst/>
-                        <a:latin typeface="맑은 고딕" panose="020B0503020000020004" pitchFamily="50" charset="-127"/>
-                        <a:ea typeface="맑은 고딕" panose="020B0503020000020004" pitchFamily="50" charset="-127"/>
-                      </a:endParaRPr>
-                    </a:p>
-                  </a:txBody>
-                  <a:tcPr marL="2239" marR="2239" marT="2239" marB="0" anchor="ctr"/>
-                </a:tc>
-                <a:tc>
-                  <a:txBody>
-                    <a:bodyPr/>
-                    <a:lstStyle/>
-                    <a:p>
-                      <a:pPr algn="l" fontAlgn="t"/>
-                      <a:r>
-                        <a:rPr lang="en-US" sz="400" u="none" strike="noStrike">
-                          <a:effectLst/>
-                        </a:rPr>
-                        <a:t>%ix0.0.26</a:t>
-                      </a:r>
-                      <a:endParaRPr lang="en-US" sz="400" b="0" i="0" u="none" strike="noStrike">
-                        <a:solidFill>
-                          <a:srgbClr val="000000"/>
-                        </a:solidFill>
-                        <a:effectLst/>
-                        <a:latin typeface="Arial" panose="020B0604020202020204" pitchFamily="34" charset="0"/>
-                        <a:ea typeface="맑은 고딕" panose="020B0503020000020004" pitchFamily="50" charset="-127"/>
-                      </a:endParaRPr>
-                    </a:p>
-                  </a:txBody>
-                  <a:tcPr marL="2239" marR="2239" marT="2239" marB="0"/>
-                </a:tc>
-                <a:tc>
-                  <a:txBody>
-                    <a:bodyPr/>
-                    <a:lstStyle/>
-                    <a:p>
-                      <a:pPr algn="l" fontAlgn="t"/>
-                      <a:r>
-                        <a:rPr lang="en-US" sz="400" u="none" strike="noStrike">
-                          <a:effectLst/>
-                        </a:rPr>
-                        <a:t>%qx0.1.26</a:t>
-                      </a:r>
-                      <a:endParaRPr lang="en-US" sz="400" b="0" i="0" u="none" strike="noStrike">
-                        <a:solidFill>
-                          <a:srgbClr val="000000"/>
-                        </a:solidFill>
-                        <a:effectLst/>
-                        <a:latin typeface="Arial" panose="020B0604020202020204" pitchFamily="34" charset="0"/>
-                        <a:ea typeface="맑은 고딕" panose="020B0503020000020004" pitchFamily="50" charset="-127"/>
-                      </a:endParaRPr>
-                    </a:p>
-                  </a:txBody>
-                  <a:tcPr marL="2239" marR="2239" marT="2239" marB="0"/>
-                </a:tc>
-                <a:tc>
-                  <a:txBody>
-                    <a:bodyPr/>
-                    <a:lstStyle/>
-                    <a:p>
-                      <a:pPr algn="l" rtl="0" fontAlgn="ctr"/>
-                      <a:r>
-                        <a:rPr lang="en-US" sz="200" u="none" strike="noStrike">
-                          <a:effectLst/>
-                        </a:rPr>
-                        <a:t>KIT_stp_RET</a:t>
-                      </a:r>
-                      <a:endParaRPr lang="en-US" sz="200" b="0" i="0" u="none" strike="noStrike">
-                        <a:solidFill>
-                          <a:srgbClr val="000000"/>
-                        </a:solidFill>
-                        <a:effectLst/>
-                        <a:latin typeface="맑은 고딕" panose="020B0503020000020004" pitchFamily="50" charset="-127"/>
-                        <a:ea typeface="맑은 고딕" panose="020B0503020000020004" pitchFamily="50" charset="-127"/>
-                      </a:endParaRPr>
-                    </a:p>
-                  </a:txBody>
-                  <a:tcPr marL="2239" marR="2239" marT="2239" marB="0" anchor="ctr"/>
-                </a:tc>
-                <a:tc>
-                  <a:txBody>
-                    <a:bodyPr/>
-                    <a:lstStyle/>
-                    <a:p>
-                      <a:pPr algn="l" fontAlgn="t"/>
-                      <a:r>
-                        <a:rPr lang="ko-KR" altLang="en-US" sz="400" u="none" strike="noStrike">
-                          <a:effectLst/>
-                        </a:rPr>
-                        <a:t>　</a:t>
-                      </a:r>
-                      <a:endParaRPr lang="ko-KR" altLang="en-US" sz="400" b="0" i="0" u="none" strike="noStrike">
-                        <a:solidFill>
-                          <a:srgbClr val="000000"/>
-                        </a:solidFill>
-                        <a:effectLst/>
-                        <a:latin typeface="Arial" panose="020B0604020202020204" pitchFamily="34" charset="0"/>
-                        <a:ea typeface="맑은 고딕" panose="020B0503020000020004" pitchFamily="50" charset="-127"/>
-                      </a:endParaRPr>
-                    </a:p>
-                  </a:txBody>
-                  <a:tcPr marL="2239" marR="2239" marT="2239" marB="0"/>
-                </a:tc>
-                <a:extLst>
-                  <a:ext uri="{0D108BD9-81ED-4DB2-BD59-A6C34878D82A}">
-                    <a16:rowId xmlns:a16="http://schemas.microsoft.com/office/drawing/2014/main" val="3432405763"/>
-                  </a:ext>
-                </a:extLst>
-              </a:tr>
-              <a:tr h="170101">
-                <a:tc>
-                  <a:txBody>
-                    <a:bodyPr/>
-                    <a:lstStyle/>
-                    <a:p>
-                      <a:pPr algn="l" rtl="0" fontAlgn="ctr"/>
-                      <a:r>
-                        <a:rPr lang="ko-KR" altLang="en-US" sz="200" u="none" strike="noStrike">
-                          <a:effectLst/>
-                        </a:rPr>
-                        <a:t>외부주소</a:t>
-                      </a:r>
-                      <a:endParaRPr lang="ko-KR" altLang="en-US" sz="200" b="0" i="0" u="none" strike="noStrike">
-                        <a:solidFill>
-                          <a:srgbClr val="000000"/>
-                        </a:solidFill>
-                        <a:effectLst/>
-                        <a:latin typeface="Arial" panose="020B0604020202020204" pitchFamily="34" charset="0"/>
-                        <a:ea typeface="맑은 고딕" panose="020B0503020000020004" pitchFamily="50" charset="-127"/>
-                      </a:endParaRPr>
-                    </a:p>
-                  </a:txBody>
-                  <a:tcPr marL="2239" marR="2239" marT="2239" marB="0" anchor="ctr"/>
-                </a:tc>
-                <a:tc>
-                  <a:txBody>
-                    <a:bodyPr/>
-                    <a:lstStyle/>
-                    <a:p>
-                      <a:pPr algn="l" rtl="0" fontAlgn="ctr"/>
-                      <a:r>
-                        <a:rPr lang="en-US" sz="200" u="none" strike="noStrike">
-                          <a:effectLst/>
-                        </a:rPr>
-                        <a:t>KIT_stp2.RET</a:t>
-                      </a:r>
-                      <a:endParaRPr lang="en-US" sz="200" b="0" i="0" u="none" strike="noStrike">
-                        <a:solidFill>
-                          <a:srgbClr val="000000"/>
-                        </a:solidFill>
-                        <a:effectLst/>
-                        <a:latin typeface="맑은 고딕" panose="020B0503020000020004" pitchFamily="50" charset="-127"/>
-                        <a:ea typeface="맑은 고딕" panose="020B0503020000020004" pitchFamily="50" charset="-127"/>
-                      </a:endParaRPr>
-                    </a:p>
-                  </a:txBody>
-                  <a:tcPr marL="2239" marR="2239" marT="2239" marB="0" anchor="ctr"/>
-                </a:tc>
-                <a:tc>
-                  <a:txBody>
-                    <a:bodyPr/>
-                    <a:lstStyle/>
-                    <a:p>
-                      <a:pPr algn="l" rtl="0" fontAlgn="ctr"/>
-                      <a:r>
-                        <a:rPr lang="en-US" sz="200" u="none" strike="noStrike">
-                          <a:effectLst/>
-                        </a:rPr>
-                        <a:t>bool</a:t>
-                      </a:r>
-                      <a:endParaRPr lang="en-US" sz="200" b="0" i="0" u="none" strike="noStrike">
-                        <a:solidFill>
-                          <a:srgbClr val="000000"/>
-                        </a:solidFill>
-                        <a:effectLst/>
-                        <a:latin typeface="맑은 고딕" panose="020B0503020000020004" pitchFamily="50" charset="-127"/>
-                        <a:ea typeface="맑은 고딕" panose="020B0503020000020004" pitchFamily="50" charset="-127"/>
-                      </a:endParaRPr>
-                    </a:p>
-                  </a:txBody>
-                  <a:tcPr marL="2239" marR="2239" marT="2239" marB="0" anchor="ctr"/>
-                </a:tc>
-                <a:tc>
-                  <a:txBody>
-                    <a:bodyPr/>
-                    <a:lstStyle/>
-                    <a:p>
-                      <a:pPr algn="l" fontAlgn="t"/>
-                      <a:r>
-                        <a:rPr lang="en-US" sz="400" u="none" strike="noStrike">
-                          <a:effectLst/>
-                        </a:rPr>
-                        <a:t>%ix0.0.27</a:t>
-                      </a:r>
-                      <a:endParaRPr lang="en-US" sz="400" b="0" i="0" u="none" strike="noStrike">
-                        <a:solidFill>
-                          <a:srgbClr val="000000"/>
-                        </a:solidFill>
-                        <a:effectLst/>
-                        <a:latin typeface="Arial" panose="020B0604020202020204" pitchFamily="34" charset="0"/>
-                        <a:ea typeface="맑은 고딕" panose="020B0503020000020004" pitchFamily="50" charset="-127"/>
-                      </a:endParaRPr>
-                    </a:p>
-                  </a:txBody>
-                  <a:tcPr marL="2239" marR="2239" marT="2239" marB="0"/>
-                </a:tc>
-                <a:tc>
-                  <a:txBody>
-                    <a:bodyPr/>
-                    <a:lstStyle/>
-                    <a:p>
-                      <a:pPr algn="l" fontAlgn="t"/>
-                      <a:r>
-                        <a:rPr lang="en-US" sz="400" u="none" strike="noStrike">
-                          <a:effectLst/>
-                        </a:rPr>
-                        <a:t>%qx0.1.27</a:t>
-                      </a:r>
-                      <a:endParaRPr lang="en-US" sz="400" b="0" i="0" u="none" strike="noStrike">
-                        <a:solidFill>
-                          <a:srgbClr val="000000"/>
-                        </a:solidFill>
-                        <a:effectLst/>
-                        <a:latin typeface="Arial" panose="020B0604020202020204" pitchFamily="34" charset="0"/>
-                        <a:ea typeface="맑은 고딕" panose="020B0503020000020004" pitchFamily="50" charset="-127"/>
-                      </a:endParaRPr>
-                    </a:p>
-                  </a:txBody>
-                  <a:tcPr marL="2239" marR="2239" marT="2239" marB="0"/>
-                </a:tc>
-                <a:tc>
-                  <a:txBody>
-                    <a:bodyPr/>
-                    <a:lstStyle/>
-                    <a:p>
-                      <a:pPr algn="l" rtl="0" fontAlgn="ctr"/>
-                      <a:r>
-                        <a:rPr lang="ko-KR" altLang="en-US" sz="200" u="none" strike="noStrike">
-                          <a:effectLst/>
-                        </a:rPr>
-                        <a:t>↑</a:t>
-                      </a:r>
-                      <a:endParaRPr lang="ko-KR" altLang="en-US" sz="200" b="0" i="0" u="none" strike="noStrike">
-                        <a:solidFill>
-                          <a:srgbClr val="000000"/>
-                        </a:solidFill>
-                        <a:effectLst/>
-                        <a:latin typeface="맑은 고딕" panose="020B0503020000020004" pitchFamily="50" charset="-127"/>
-                        <a:ea typeface="맑은 고딕" panose="020B0503020000020004" pitchFamily="50" charset="-127"/>
-                      </a:endParaRPr>
-                    </a:p>
-                  </a:txBody>
-                  <a:tcPr marL="2239" marR="2239" marT="2239" marB="0" anchor="ctr"/>
-                </a:tc>
-                <a:tc>
-                  <a:txBody>
-                    <a:bodyPr/>
-                    <a:lstStyle/>
-                    <a:p>
-                      <a:pPr algn="l" rtl="0" fontAlgn="ctr"/>
-                      <a:r>
-                        <a:rPr lang="ko-KR" altLang="en-US" sz="200" u="none" strike="noStrike">
-                          <a:effectLst/>
-                        </a:rPr>
-                        <a:t>↑</a:t>
-                      </a:r>
-                      <a:endParaRPr lang="ko-KR" altLang="en-US" sz="200" b="0" i="0" u="none" strike="noStrike">
-                        <a:solidFill>
-                          <a:srgbClr val="000000"/>
-                        </a:solidFill>
-                        <a:effectLst/>
-                        <a:latin typeface="맑은 고딕" panose="020B0503020000020004" pitchFamily="50" charset="-127"/>
-                        <a:ea typeface="맑은 고딕" panose="020B0503020000020004" pitchFamily="50" charset="-127"/>
-                      </a:endParaRPr>
-                    </a:p>
-                  </a:txBody>
-                  <a:tcPr marL="2239" marR="2239" marT="2239" marB="0" anchor="ctr"/>
-                </a:tc>
-                <a:extLst>
-                  <a:ext uri="{0D108BD9-81ED-4DB2-BD59-A6C34878D82A}">
-                    <a16:rowId xmlns:a16="http://schemas.microsoft.com/office/drawing/2014/main" val="637763756"/>
-                  </a:ext>
-                </a:extLst>
-              </a:tr>
-              <a:tr h="170101">
-                <a:tc>
-                  <a:txBody>
-                    <a:bodyPr/>
-                    <a:lstStyle/>
-                    <a:p>
-                      <a:pPr algn="l" rtl="0" fontAlgn="ctr"/>
-                      <a:r>
-                        <a:rPr lang="ko-KR" altLang="en-US" sz="200" u="none" strike="noStrike">
-                          <a:effectLst/>
-                        </a:rPr>
-                        <a:t>외부주소</a:t>
-                      </a:r>
-                      <a:endParaRPr lang="ko-KR" altLang="en-US" sz="200" b="0" i="0" u="none" strike="noStrike">
-                        <a:solidFill>
-                          <a:srgbClr val="000000"/>
-                        </a:solidFill>
-                        <a:effectLst/>
-                        <a:latin typeface="Arial" panose="020B0604020202020204" pitchFamily="34" charset="0"/>
-                        <a:ea typeface="맑은 고딕" panose="020B0503020000020004" pitchFamily="50" charset="-127"/>
-                      </a:endParaRPr>
-                    </a:p>
-                  </a:txBody>
-                  <a:tcPr marL="2239" marR="2239" marT="2239" marB="0" anchor="ctr"/>
-                </a:tc>
-                <a:tc>
-                  <a:txBody>
-                    <a:bodyPr/>
-                    <a:lstStyle/>
-                    <a:p>
-                      <a:pPr algn="l" rtl="0" fontAlgn="ctr"/>
-                      <a:r>
-                        <a:rPr lang="en-US" sz="200" u="none" strike="noStrike">
-                          <a:effectLst/>
-                        </a:rPr>
-                        <a:t>KIT_stp3.RET</a:t>
-                      </a:r>
-                      <a:endParaRPr lang="en-US" sz="200" b="0" i="0" u="none" strike="noStrike">
-                        <a:solidFill>
-                          <a:srgbClr val="000000"/>
-                        </a:solidFill>
-                        <a:effectLst/>
-                        <a:latin typeface="맑은 고딕" panose="020B0503020000020004" pitchFamily="50" charset="-127"/>
-                        <a:ea typeface="맑은 고딕" panose="020B0503020000020004" pitchFamily="50" charset="-127"/>
-                      </a:endParaRPr>
-                    </a:p>
-                  </a:txBody>
-                  <a:tcPr marL="2239" marR="2239" marT="2239" marB="0" anchor="ctr"/>
-                </a:tc>
-                <a:tc>
-                  <a:txBody>
-                    <a:bodyPr/>
-                    <a:lstStyle/>
-                    <a:p>
-                      <a:pPr algn="l" rtl="0" fontAlgn="ctr"/>
-                      <a:r>
-                        <a:rPr lang="en-US" sz="200" u="none" strike="noStrike">
-                          <a:effectLst/>
-                        </a:rPr>
-                        <a:t>bool</a:t>
-                      </a:r>
-                      <a:endParaRPr lang="en-US" sz="200" b="0" i="0" u="none" strike="noStrike">
-                        <a:solidFill>
-                          <a:srgbClr val="000000"/>
-                        </a:solidFill>
-                        <a:effectLst/>
-                        <a:latin typeface="맑은 고딕" panose="020B0503020000020004" pitchFamily="50" charset="-127"/>
-                        <a:ea typeface="맑은 고딕" panose="020B0503020000020004" pitchFamily="50" charset="-127"/>
-                      </a:endParaRPr>
-                    </a:p>
-                  </a:txBody>
-                  <a:tcPr marL="2239" marR="2239" marT="2239" marB="0" anchor="ctr"/>
-                </a:tc>
-                <a:tc>
-                  <a:txBody>
-                    <a:bodyPr/>
-                    <a:lstStyle/>
-                    <a:p>
-                      <a:pPr algn="l" fontAlgn="t"/>
-                      <a:r>
-                        <a:rPr lang="en-US" sz="400" u="none" strike="noStrike">
-                          <a:effectLst/>
-                        </a:rPr>
-                        <a:t>%ix0.0.28</a:t>
-                      </a:r>
-                      <a:endParaRPr lang="en-US" sz="400" b="0" i="0" u="none" strike="noStrike">
-                        <a:solidFill>
-                          <a:srgbClr val="000000"/>
-                        </a:solidFill>
-                        <a:effectLst/>
-                        <a:latin typeface="Arial" panose="020B0604020202020204" pitchFamily="34" charset="0"/>
-                        <a:ea typeface="맑은 고딕" panose="020B0503020000020004" pitchFamily="50" charset="-127"/>
-                      </a:endParaRPr>
-                    </a:p>
-                  </a:txBody>
-                  <a:tcPr marL="2239" marR="2239" marT="2239" marB="0"/>
-                </a:tc>
-                <a:tc>
-                  <a:txBody>
-                    <a:bodyPr/>
-                    <a:lstStyle/>
-                    <a:p>
-                      <a:pPr algn="l" fontAlgn="t"/>
-                      <a:r>
-                        <a:rPr lang="en-US" sz="400" u="none" strike="noStrike">
-                          <a:effectLst/>
-                        </a:rPr>
-                        <a:t>%qx0.1.28</a:t>
-                      </a:r>
-                      <a:endParaRPr lang="en-US" sz="400" b="0" i="0" u="none" strike="noStrike">
-                        <a:solidFill>
-                          <a:srgbClr val="000000"/>
-                        </a:solidFill>
-                        <a:effectLst/>
-                        <a:latin typeface="Arial" panose="020B0604020202020204" pitchFamily="34" charset="0"/>
-                        <a:ea typeface="맑은 고딕" panose="020B0503020000020004" pitchFamily="50" charset="-127"/>
-                      </a:endParaRPr>
-                    </a:p>
-                  </a:txBody>
-                  <a:tcPr marL="2239" marR="2239" marT="2239" marB="0"/>
-                </a:tc>
-                <a:tc>
-                  <a:txBody>
-                    <a:bodyPr/>
-                    <a:lstStyle/>
-                    <a:p>
-                      <a:pPr algn="l" rtl="0" fontAlgn="ctr"/>
-                      <a:r>
-                        <a:rPr lang="ko-KR" altLang="en-US" sz="200" u="none" strike="noStrike">
-                          <a:effectLst/>
-                        </a:rPr>
-                        <a:t>↑</a:t>
-                      </a:r>
-                      <a:endParaRPr lang="ko-KR" altLang="en-US" sz="200" b="0" i="0" u="none" strike="noStrike">
-                        <a:solidFill>
-                          <a:srgbClr val="000000"/>
-                        </a:solidFill>
-                        <a:effectLst/>
-                        <a:latin typeface="맑은 고딕" panose="020B0503020000020004" pitchFamily="50" charset="-127"/>
-                        <a:ea typeface="맑은 고딕" panose="020B0503020000020004" pitchFamily="50" charset="-127"/>
-                      </a:endParaRPr>
-                    </a:p>
-                  </a:txBody>
-                  <a:tcPr marL="2239" marR="2239" marT="2239" marB="0" anchor="ctr"/>
-                </a:tc>
-                <a:tc>
-                  <a:txBody>
-                    <a:bodyPr/>
-                    <a:lstStyle/>
-                    <a:p>
-                      <a:pPr algn="l" rtl="0" fontAlgn="ctr"/>
-                      <a:r>
-                        <a:rPr lang="ko-KR" altLang="en-US" sz="200" u="none" strike="noStrike">
-                          <a:effectLst/>
-                        </a:rPr>
-                        <a:t>↑</a:t>
-                      </a:r>
-                      <a:endParaRPr lang="ko-KR" altLang="en-US" sz="200" b="0" i="0" u="none" strike="noStrike">
-                        <a:solidFill>
-                          <a:srgbClr val="000000"/>
-                        </a:solidFill>
-                        <a:effectLst/>
-                        <a:latin typeface="맑은 고딕" panose="020B0503020000020004" pitchFamily="50" charset="-127"/>
-                        <a:ea typeface="맑은 고딕" panose="020B0503020000020004" pitchFamily="50" charset="-127"/>
-                      </a:endParaRPr>
-                    </a:p>
-                  </a:txBody>
-                  <a:tcPr marL="2239" marR="2239" marT="2239" marB="0" anchor="ctr"/>
-                </a:tc>
-                <a:extLst>
-                  <a:ext uri="{0D108BD9-81ED-4DB2-BD59-A6C34878D82A}">
-                    <a16:rowId xmlns:a16="http://schemas.microsoft.com/office/drawing/2014/main" val="3001440417"/>
-                  </a:ext>
-                </a:extLst>
-              </a:tr>
-              <a:tr h="170101">
-                <a:tc>
-                  <a:txBody>
-                    <a:bodyPr/>
-                    <a:lstStyle/>
-                    <a:p>
-                      <a:pPr algn="l" rtl="0" fontAlgn="ctr"/>
-                      <a:r>
-                        <a:rPr lang="ko-KR" altLang="en-US" sz="200" u="none" strike="noStrike">
-                          <a:effectLst/>
-                        </a:rPr>
-                        <a:t>외부주소</a:t>
-                      </a:r>
-                      <a:endParaRPr lang="ko-KR" altLang="en-US" sz="200" b="0" i="0" u="none" strike="noStrike">
-                        <a:solidFill>
-                          <a:srgbClr val="000000"/>
-                        </a:solidFill>
-                        <a:effectLst/>
-                        <a:latin typeface="Arial" panose="020B0604020202020204" pitchFamily="34" charset="0"/>
-                        <a:ea typeface="맑은 고딕" panose="020B0503020000020004" pitchFamily="50" charset="-127"/>
-                      </a:endParaRPr>
-                    </a:p>
-                  </a:txBody>
-                  <a:tcPr marL="2239" marR="2239" marT="2239" marB="0" anchor="ctr"/>
-                </a:tc>
-                <a:tc>
-                  <a:txBody>
-                    <a:bodyPr/>
-                    <a:lstStyle/>
-                    <a:p>
-                      <a:pPr algn="l" rtl="0" fontAlgn="ctr"/>
-                      <a:r>
-                        <a:rPr lang="en-US" sz="200" u="none" strike="noStrike">
-                          <a:effectLst/>
-                        </a:rPr>
-                        <a:t>KIT_stp4.RET</a:t>
-                      </a:r>
-                      <a:endParaRPr lang="en-US" sz="200" b="0" i="0" u="none" strike="noStrike">
-                        <a:solidFill>
-                          <a:srgbClr val="000000"/>
-                        </a:solidFill>
-                        <a:effectLst/>
-                        <a:latin typeface="맑은 고딕" panose="020B0503020000020004" pitchFamily="50" charset="-127"/>
-                        <a:ea typeface="맑은 고딕" panose="020B0503020000020004" pitchFamily="50" charset="-127"/>
-                      </a:endParaRPr>
-                    </a:p>
-                  </a:txBody>
-                  <a:tcPr marL="2239" marR="2239" marT="2239" marB="0" anchor="ctr"/>
-                </a:tc>
-                <a:tc>
-                  <a:txBody>
-                    <a:bodyPr/>
-                    <a:lstStyle/>
-                    <a:p>
-                      <a:pPr algn="l" rtl="0" fontAlgn="ctr"/>
-                      <a:r>
-                        <a:rPr lang="en-US" sz="200" u="none" strike="noStrike">
-                          <a:effectLst/>
-                        </a:rPr>
-                        <a:t>bool</a:t>
-                      </a:r>
-                      <a:endParaRPr lang="en-US" sz="200" b="0" i="0" u="none" strike="noStrike">
-                        <a:solidFill>
-                          <a:srgbClr val="000000"/>
-                        </a:solidFill>
-                        <a:effectLst/>
-                        <a:latin typeface="맑은 고딕" panose="020B0503020000020004" pitchFamily="50" charset="-127"/>
-                        <a:ea typeface="맑은 고딕" panose="020B0503020000020004" pitchFamily="50" charset="-127"/>
-                      </a:endParaRPr>
-                    </a:p>
-                  </a:txBody>
-                  <a:tcPr marL="2239" marR="2239" marT="2239" marB="0" anchor="ctr"/>
-                </a:tc>
-                <a:tc>
-                  <a:txBody>
-                    <a:bodyPr/>
-                    <a:lstStyle/>
-                    <a:p>
-                      <a:pPr algn="l" fontAlgn="t"/>
-                      <a:r>
-                        <a:rPr lang="en-US" sz="400" u="none" strike="noStrike">
-                          <a:effectLst/>
-                        </a:rPr>
-                        <a:t>%ix0.0.29</a:t>
-                      </a:r>
-                      <a:endParaRPr lang="en-US" sz="400" b="0" i="0" u="none" strike="noStrike">
-                        <a:solidFill>
-                          <a:srgbClr val="000000"/>
-                        </a:solidFill>
-                        <a:effectLst/>
-                        <a:latin typeface="Arial" panose="020B0604020202020204" pitchFamily="34" charset="0"/>
-                        <a:ea typeface="맑은 고딕" panose="020B0503020000020004" pitchFamily="50" charset="-127"/>
-                      </a:endParaRPr>
-                    </a:p>
-                  </a:txBody>
-                  <a:tcPr marL="2239" marR="2239" marT="2239" marB="0"/>
-                </a:tc>
-                <a:tc>
-                  <a:txBody>
-                    <a:bodyPr/>
-                    <a:lstStyle/>
-                    <a:p>
-                      <a:pPr algn="l" fontAlgn="t"/>
-                      <a:r>
-                        <a:rPr lang="en-US" sz="400" u="none" strike="noStrike">
-                          <a:effectLst/>
-                        </a:rPr>
-                        <a:t>%qx0.1.29</a:t>
-                      </a:r>
-                      <a:endParaRPr lang="en-US" sz="400" b="0" i="0" u="none" strike="noStrike">
-                        <a:solidFill>
-                          <a:srgbClr val="000000"/>
-                        </a:solidFill>
-                        <a:effectLst/>
-                        <a:latin typeface="Arial" panose="020B0604020202020204" pitchFamily="34" charset="0"/>
-                        <a:ea typeface="맑은 고딕" panose="020B0503020000020004" pitchFamily="50" charset="-127"/>
-                      </a:endParaRPr>
-                    </a:p>
-                  </a:txBody>
-                  <a:tcPr marL="2239" marR="2239" marT="2239" marB="0"/>
-                </a:tc>
-                <a:tc>
-                  <a:txBody>
-                    <a:bodyPr/>
-                    <a:lstStyle/>
-                    <a:p>
-                      <a:pPr algn="l" rtl="0" fontAlgn="ctr"/>
-                      <a:r>
-                        <a:rPr lang="ko-KR" altLang="en-US" sz="200" u="none" strike="noStrike">
-                          <a:effectLst/>
-                        </a:rPr>
-                        <a:t>↑</a:t>
-                      </a:r>
-                      <a:endParaRPr lang="ko-KR" altLang="en-US" sz="200" b="0" i="0" u="none" strike="noStrike">
-                        <a:solidFill>
-                          <a:srgbClr val="000000"/>
-                        </a:solidFill>
-                        <a:effectLst/>
-                        <a:latin typeface="맑은 고딕" panose="020B0503020000020004" pitchFamily="50" charset="-127"/>
-                        <a:ea typeface="맑은 고딕" panose="020B0503020000020004" pitchFamily="50" charset="-127"/>
-                      </a:endParaRPr>
-                    </a:p>
-                  </a:txBody>
-                  <a:tcPr marL="2239" marR="2239" marT="2239" marB="0" anchor="ctr"/>
-                </a:tc>
-                <a:tc>
-                  <a:txBody>
-                    <a:bodyPr/>
-                    <a:lstStyle/>
-                    <a:p>
-                      <a:pPr algn="l" rtl="0" fontAlgn="ctr"/>
-                      <a:r>
-                        <a:rPr lang="ko-KR" altLang="en-US" sz="200" u="none" strike="noStrike" dirty="0">
-                          <a:effectLst/>
-                        </a:rPr>
-                        <a:t>↑</a:t>
-                      </a:r>
-                      <a:endParaRPr lang="ko-KR" altLang="en-US" sz="200" b="0" i="0" u="none" strike="noStrike" dirty="0">
-                        <a:solidFill>
-                          <a:srgbClr val="000000"/>
-                        </a:solidFill>
-                        <a:effectLst/>
-                        <a:latin typeface="맑은 고딕" panose="020B0503020000020004" pitchFamily="50" charset="-127"/>
-                        <a:ea typeface="맑은 고딕" panose="020B0503020000020004" pitchFamily="50" charset="-127"/>
-                      </a:endParaRPr>
-                    </a:p>
-                  </a:txBody>
-                  <a:tcPr marL="2239" marR="2239" marT="2239" marB="0" anchor="ctr"/>
-                </a:tc>
-                <a:extLst>
-                  <a:ext uri="{0D108BD9-81ED-4DB2-BD59-A6C34878D82A}">
-                    <a16:rowId xmlns:a16="http://schemas.microsoft.com/office/drawing/2014/main" val="2005487879"/>
-                  </a:ext>
-                </a:extLst>
-              </a:tr>
-            </a:tbl>
-          </a:graphicData>
-        </a:graphic>
-      </p:graphicFrame>
-    </p:spTree>
-    <p:extLst>
-      <p:ext uri="{BB962C8B-B14F-4D97-AF65-F5344CB8AC3E}">
-        <p14:creationId xmlns:p14="http://schemas.microsoft.com/office/powerpoint/2010/main" val="761306484"/>
       </p:ext>
     </p:extLst>
   </p:cSld>

--- a/DsDotNet/src/UnitTest/UnitTest.Model/ImportOfficeExample/Sample/kit.pptx
+++ b/DsDotNet/src/UnitTest/UnitTest.Model/ImportOfficeExample/Sample/kit.pptx
@@ -217,7 +217,7 @@
           <a:p>
             <a:fld id="{DD503887-5801-43A0-AEF9-041E8DDC2558}" type="datetimeFigureOut">
               <a:rPr lang="ko-KR" altLang="en-US" smtClean="0"/>
-              <a:t>2023-11-16</a:t>
+              <a:t>2023-11-22</a:t>
             </a:fld>
             <a:endParaRPr lang="ko-KR" altLang="en-US" dirty="0"/>
           </a:p>
@@ -394,7 +394,7 @@
           <a:p>
             <a:fld id="{95336A0E-57B1-4D4C-BD9B-2F72B5943464}" type="datetimeFigureOut">
               <a:rPr lang="ko-KR" altLang="en-US" smtClean="0"/>
-              <a:t>2023-11-16</a:t>
+              <a:t>2023-11-22</a:t>
             </a:fld>
             <a:endParaRPr lang="ko-KR" altLang="en-US" dirty="0"/>
           </a:p>
@@ -892,7 +892,7 @@
           <a:p>
             <a:fld id="{229D12C7-0FF5-4972-A033-474EFFC79F40}" type="datetime1">
               <a:rPr lang="ko-KR" altLang="en-US" smtClean="0"/>
-              <a:t>2023-11-16</a:t>
+              <a:t>2023-11-22</a:t>
             </a:fld>
             <a:endParaRPr lang="ko-KR" altLang="en-US" dirty="0"/>
           </a:p>
@@ -1090,7 +1090,7 @@
           <a:p>
             <a:fld id="{5BA19FD4-B052-4F56-8FD8-EAFD078DEFB0}" type="datetime1">
               <a:rPr lang="ko-KR" altLang="en-US" smtClean="0"/>
-              <a:t>2023-11-16</a:t>
+              <a:t>2023-11-22</a:t>
             </a:fld>
             <a:endParaRPr lang="ko-KR" altLang="en-US" dirty="0"/>
           </a:p>
@@ -1298,7 +1298,7 @@
           <a:p>
             <a:fld id="{024994B9-23A6-4B0A-A038-AC140E83DAA3}" type="datetime1">
               <a:rPr lang="ko-KR" altLang="en-US" smtClean="0"/>
-              <a:t>2023-11-16</a:t>
+              <a:t>2023-11-22</a:t>
             </a:fld>
             <a:endParaRPr lang="ko-KR" altLang="en-US" dirty="0"/>
           </a:p>
@@ -1440,7 +1440,7 @@
           <a:p>
             <a:fld id="{B5B1BBC2-B738-4C35-AEE5-660EB2DEB482}" type="datetime1">
               <a:rPr lang="ko-KR" altLang="en-US" smtClean="0"/>
-              <a:t>2023-11-16</a:t>
+              <a:t>2023-11-22</a:t>
             </a:fld>
             <a:endParaRPr lang="ko-KR" altLang="en-US" dirty="0"/>
           </a:p>
@@ -6107,7 +6107,7 @@
           <a:p>
             <a:fld id="{C984B0C4-64BA-4E4C-B5E6-A51EE3F6ED95}" type="datetime1">
               <a:rPr lang="ko-KR" altLang="en-US" smtClean="0"/>
-              <a:t>2023-11-16</a:t>
+              <a:t>2023-11-22</a:t>
             </a:fld>
             <a:endParaRPr lang="ko-KR" altLang="en-US" dirty="0"/>
           </a:p>
@@ -6305,7 +6305,7 @@
           <a:p>
             <a:fld id="{70D0DAB2-87CB-4028-B965-3AA710ADF2CB}" type="datetime1">
               <a:rPr lang="ko-KR" altLang="en-US" smtClean="0"/>
-              <a:t>2023-11-16</a:t>
+              <a:t>2023-11-22</a:t>
             </a:fld>
             <a:endParaRPr lang="ko-KR" altLang="en-US" dirty="0"/>
           </a:p>
@@ -6580,7 +6580,7 @@
           <a:p>
             <a:fld id="{63FA3D71-FEA8-477F-9D1E-EA860F411BC7}" type="datetime1">
               <a:rPr lang="ko-KR" altLang="en-US" smtClean="0"/>
-              <a:t>2023-11-16</a:t>
+              <a:t>2023-11-22</a:t>
             </a:fld>
             <a:endParaRPr lang="ko-KR" altLang="en-US" dirty="0"/>
           </a:p>
@@ -6845,7 +6845,7 @@
           <a:p>
             <a:fld id="{F58E3EF4-7980-4C97-BA64-EC66995BB574}" type="datetime1">
               <a:rPr lang="ko-KR" altLang="en-US" smtClean="0"/>
-              <a:t>2023-11-16</a:t>
+              <a:t>2023-11-22</a:t>
             </a:fld>
             <a:endParaRPr lang="ko-KR" altLang="en-US" dirty="0"/>
           </a:p>
@@ -7257,7 +7257,7 @@
           <a:p>
             <a:fld id="{FC9BC1D0-7D6B-4634-9D19-644040D74EAE}" type="datetime1">
               <a:rPr lang="ko-KR" altLang="en-US" smtClean="0"/>
-              <a:t>2023-11-16</a:t>
+              <a:t>2023-11-22</a:t>
             </a:fld>
             <a:endParaRPr lang="ko-KR" altLang="en-US" dirty="0"/>
           </a:p>
@@ -7398,7 +7398,7 @@
           <a:p>
             <a:fld id="{B5B1BBC2-B738-4C35-AEE5-660EB2DEB482}" type="datetime1">
               <a:rPr lang="ko-KR" altLang="en-US" smtClean="0"/>
-              <a:t>2023-11-16</a:t>
+              <a:t>2023-11-22</a:t>
             </a:fld>
             <a:endParaRPr lang="ko-KR" altLang="en-US" dirty="0"/>
           </a:p>
@@ -11980,7 +11980,7 @@
           <a:p>
             <a:fld id="{C60E9F93-7E77-4F36-B88C-A425F00C8D91}" type="datetime1">
               <a:rPr lang="ko-KR" altLang="en-US" smtClean="0"/>
-              <a:t>2023-11-16</a:t>
+              <a:t>2023-11-22</a:t>
             </a:fld>
             <a:endParaRPr lang="ko-KR" altLang="en-US" dirty="0"/>
           </a:p>
@@ -12291,7 +12291,7 @@
           <a:p>
             <a:fld id="{36BCCD0E-2A54-4016-BFFC-FEAABCDA6915}" type="datetime1">
               <a:rPr lang="ko-KR" altLang="en-US" smtClean="0"/>
-              <a:t>2023-11-16</a:t>
+              <a:t>2023-11-22</a:t>
             </a:fld>
             <a:endParaRPr lang="ko-KR" altLang="en-US" dirty="0"/>
           </a:p>
@@ -12579,7 +12579,7 @@
           <a:p>
             <a:fld id="{C984B0C4-64BA-4E4C-B5E6-A51EE3F6ED95}" type="datetime1">
               <a:rPr lang="ko-KR" altLang="en-US" smtClean="0"/>
-              <a:t>2023-11-16</a:t>
+              <a:t>2023-11-22</a:t>
             </a:fld>
             <a:endParaRPr lang="ko-KR" altLang="en-US" dirty="0"/>
           </a:p>
@@ -12821,7 +12821,7 @@
           <a:p>
             <a:fld id="{C984B0C4-64BA-4E4C-B5E6-A51EE3F6ED95}" type="datetime1">
               <a:rPr lang="ko-KR" altLang="en-US" smtClean="0"/>
-              <a:t>2023-11-16</a:t>
+              <a:t>2023-11-22</a:t>
             </a:fld>
             <a:endParaRPr lang="ko-KR" altLang="en-US" dirty="0"/>
           </a:p>
@@ -19201,10 +19201,10 @@
       </p:sp>
       <p:grpSp>
         <p:nvGrpSpPr>
-          <p:cNvPr id="111" name="그룹 110">
+          <p:cNvPr id="8" name="그룹 7">
             <a:extLst>
               <a:ext uri="{FF2B5EF4-FFF2-40B4-BE49-F238E27FC236}">
-                <a16:creationId xmlns:a16="http://schemas.microsoft.com/office/drawing/2014/main" id="{E6471D27-3898-C115-C3F9-1C759BCE1815}"/>
+                <a16:creationId xmlns:a16="http://schemas.microsoft.com/office/drawing/2014/main" id="{6BE4EFF2-2025-218B-797F-76007C938972}"/>
               </a:ext>
             </a:extLst>
           </p:cNvPr>
@@ -19215,14 +19215,9 @@
           <a:xfrm>
             <a:off x="9979618" y="-12637"/>
             <a:ext cx="2223020" cy="2185935"/>
-            <a:chOff x="705031" y="1436696"/>
-            <a:chExt cx="2142012" cy="3139460"/>
+            <a:chOff x="9979618" y="-12637"/>
+            <a:chExt cx="2223020" cy="2185935"/>
           </a:xfrm>
-          <a:solidFill>
-            <a:schemeClr val="accent2">
-              <a:lumMod val="50000"/>
-            </a:schemeClr>
-          </a:solidFill>
         </p:grpSpPr>
         <p:sp>
           <p:nvSpPr>
@@ -19238,13 +19233,17 @@
           </p:nvSpPr>
           <p:spPr>
             <a:xfrm>
-              <a:off x="705031" y="1436696"/>
-              <a:ext cx="2142012" cy="3139460"/>
+              <a:off x="9979618" y="-12637"/>
+              <a:ext cx="2223020" cy="2185935"/>
             </a:xfrm>
             <a:prstGeom prst="rect">
               <a:avLst/>
             </a:prstGeom>
-            <a:grpFill/>
+            <a:solidFill>
+              <a:schemeClr val="accent2">
+                <a:lumMod val="50000"/>
+              </a:schemeClr>
+            </a:solidFill>
             <a:ln>
               <a:noFill/>
             </a:ln>
@@ -19298,13 +19297,17 @@
           </p:nvSpPr>
           <p:spPr>
             <a:xfrm>
-              <a:off x="808323" y="1604050"/>
-              <a:ext cx="809227" cy="393963"/>
+              <a:off x="10086816" y="103888"/>
+              <a:ext cx="839831" cy="274308"/>
             </a:xfrm>
             <a:prstGeom prst="ellipse">
               <a:avLst/>
             </a:prstGeom>
-            <a:grpFill/>
+            <a:solidFill>
+              <a:schemeClr val="accent2">
+                <a:lumMod val="50000"/>
+              </a:schemeClr>
+            </a:solidFill>
           </p:spPr>
           <p:style>
             <a:lnRef idx="2">
@@ -19368,13 +19371,17 @@
           </p:nvSpPr>
           <p:spPr>
             <a:xfrm>
-              <a:off x="866307" y="3712346"/>
-              <a:ext cx="663020" cy="393964"/>
+              <a:off x="10146993" y="1571847"/>
+              <a:ext cx="688095" cy="274308"/>
             </a:xfrm>
             <a:prstGeom prst="ellipse">
               <a:avLst/>
             </a:prstGeom>
-            <a:grpFill/>
+            <a:solidFill>
+              <a:schemeClr val="accent2">
+                <a:lumMod val="50000"/>
+              </a:schemeClr>
+            </a:solidFill>
           </p:spPr>
           <p:style>
             <a:lnRef idx="2">
@@ -19438,13 +19445,17 @@
           </p:nvSpPr>
           <p:spPr>
             <a:xfrm>
-              <a:off x="1811355" y="3676207"/>
-              <a:ext cx="663020" cy="393964"/>
+              <a:off x="11127782" y="1546684"/>
+              <a:ext cx="688095" cy="274308"/>
             </a:xfrm>
             <a:prstGeom prst="ellipse">
               <a:avLst/>
             </a:prstGeom>
-            <a:grpFill/>
+            <a:solidFill>
+              <a:schemeClr val="accent2">
+                <a:lumMod val="50000"/>
+              </a:schemeClr>
+            </a:solidFill>
           </p:spPr>
           <p:style>
             <a:lnRef idx="2">
@@ -19512,13 +19523,17 @@
           </p:nvCxnSpPr>
           <p:spPr>
             <a:xfrm rot="16200000" flipH="1">
-              <a:off x="1045248" y="2165701"/>
-              <a:ext cx="740606" cy="405228"/>
+              <a:off x="10459175" y="425752"/>
+              <a:ext cx="515667" cy="420553"/>
             </a:xfrm>
             <a:prstGeom prst="bentConnector2">
               <a:avLst/>
             </a:prstGeom>
-            <a:grpFill/>
+            <a:solidFill>
+              <a:schemeClr val="accent2">
+                <a:lumMod val="50000"/>
+              </a:schemeClr>
+            </a:solidFill>
             <a:ln>
               <a:tailEnd type="triangle"/>
             </a:ln>
@@ -19556,15 +19571,19 @@
           </p:nvCxnSpPr>
           <p:spPr>
             <a:xfrm rot="10800000" flipV="1">
-              <a:off x="1529327" y="3873188"/>
-              <a:ext cx="282028" cy="36139"/>
+              <a:off x="10835088" y="1683837"/>
+              <a:ext cx="292694" cy="25163"/>
             </a:xfrm>
             <a:prstGeom prst="bentConnector3">
               <a:avLst>
                 <a:gd name="adj1" fmla="val 50000"/>
               </a:avLst>
             </a:prstGeom>
-            <a:grpFill/>
+            <a:solidFill>
+              <a:schemeClr val="accent2">
+                <a:lumMod val="50000"/>
+              </a:schemeClr>
+            </a:solidFill>
             <a:ln>
               <a:tailEnd type="triangle"/>
             </a:ln>
@@ -19598,13 +19617,17 @@
           </p:nvSpPr>
           <p:spPr>
             <a:xfrm>
-              <a:off x="1618165" y="2541638"/>
-              <a:ext cx="898548" cy="393964"/>
+              <a:off x="10927285" y="756709"/>
+              <a:ext cx="932530" cy="274308"/>
             </a:xfrm>
             <a:prstGeom prst="ellipse">
               <a:avLst/>
             </a:prstGeom>
-            <a:grpFill/>
+            <a:solidFill>
+              <a:schemeClr val="accent2">
+                <a:lumMod val="50000"/>
+              </a:schemeClr>
+            </a:solidFill>
           </p:spPr>
           <p:style>
             <a:lnRef idx="2">
@@ -19661,15 +19684,19 @@
           </p:nvCxnSpPr>
           <p:spPr>
             <a:xfrm rot="16200000" flipH="1">
-              <a:off x="838805" y="2372146"/>
-              <a:ext cx="1678193" cy="929929"/>
+              <a:off x="10405037" y="479891"/>
+              <a:ext cx="1168488" cy="965098"/>
             </a:xfrm>
             <a:prstGeom prst="bentConnector3">
               <a:avLst>
                 <a:gd name="adj1" fmla="val 76085"/>
               </a:avLst>
             </a:prstGeom>
-            <a:grpFill/>
+            <a:solidFill>
+              <a:schemeClr val="accent2">
+                <a:lumMod val="50000"/>
+              </a:schemeClr>
+            </a:solidFill>
             <a:ln>
               <a:tailEnd type="triangle"/>
             </a:ln>
@@ -20463,10 +20490,10 @@
       </p:sp>
       <p:grpSp>
         <p:nvGrpSpPr>
-          <p:cNvPr id="190" name="그룹 189">
+          <p:cNvPr id="6" name="그룹 5">
             <a:extLst>
               <a:ext uri="{FF2B5EF4-FFF2-40B4-BE49-F238E27FC236}">
-                <a16:creationId xmlns:a16="http://schemas.microsoft.com/office/drawing/2014/main" id="{5846C07F-B44C-FEEF-5580-0C7853D16208}"/>
+                <a16:creationId xmlns:a16="http://schemas.microsoft.com/office/drawing/2014/main" id="{67FE89B5-D42D-1CEE-E5C4-FB69294251B3}"/>
               </a:ext>
             </a:extLst>
           </p:cNvPr>
@@ -20477,167 +20504,148 @@
           <a:xfrm>
             <a:off x="1596410" y="283040"/>
             <a:ext cx="7375474" cy="2858578"/>
-            <a:chOff x="3687380" y="1687053"/>
+            <a:chOff x="1596410" y="283040"/>
             <a:chExt cx="7375474" cy="2858578"/>
           </a:xfrm>
-          <a:solidFill>
-            <a:schemeClr val="accent5">
-              <a:lumMod val="50000"/>
-            </a:schemeClr>
-          </a:solidFill>
         </p:grpSpPr>
-        <p:grpSp>
-          <p:nvGrpSpPr>
-            <p:cNvPr id="59" name="그룹 58">
+        <p:sp>
+          <p:nvSpPr>
+            <p:cNvPr id="75" name="직사각형 74">
               <a:extLst>
                 <a:ext uri="{FF2B5EF4-FFF2-40B4-BE49-F238E27FC236}">
-                  <a16:creationId xmlns:a16="http://schemas.microsoft.com/office/drawing/2014/main" id="{8F156FEB-4A46-2443-2BEF-A741B86D5612}"/>
+                  <a16:creationId xmlns:a16="http://schemas.microsoft.com/office/drawing/2014/main" id="{F46B7EDE-426E-5FF6-C92F-DA75FEECEC4D}"/>
                 </a:ext>
               </a:extLst>
             </p:cNvPr>
-            <p:cNvGrpSpPr/>
+            <p:cNvSpPr/>
             <p:nvPr/>
-          </p:nvGrpSpPr>
-          <p:grpSpPr>
+          </p:nvSpPr>
+          <p:spPr>
             <a:xfrm>
-              <a:off x="3687380" y="1687053"/>
+              <a:off x="1596410" y="283040"/>
               <a:ext cx="7375474" cy="2858578"/>
-              <a:chOff x="3614073" y="2166782"/>
-              <a:chExt cx="9649013" cy="4873178"/>
             </a:xfrm>
-            <a:grpFill/>
-          </p:grpSpPr>
-          <p:sp>
-            <p:nvSpPr>
-              <p:cNvPr id="75" name="직사각형 74">
-                <a:extLst>
-                  <a:ext uri="{FF2B5EF4-FFF2-40B4-BE49-F238E27FC236}">
-                    <a16:creationId xmlns:a16="http://schemas.microsoft.com/office/drawing/2014/main" id="{F46B7EDE-426E-5FF6-C92F-DA75FEECEC4D}"/>
-                  </a:ext>
-                </a:extLst>
-              </p:cNvPr>
-              <p:cNvSpPr/>
-              <p:nvPr/>
-            </p:nvSpPr>
-            <p:spPr>
-              <a:xfrm>
-                <a:off x="3614073" y="2166782"/>
-                <a:ext cx="9649013" cy="4873178"/>
-              </a:xfrm>
-              <a:prstGeom prst="rect">
-                <a:avLst/>
-              </a:prstGeom>
-              <a:grpFill/>
-              <a:ln>
-                <a:noFill/>
-              </a:ln>
-            </p:spPr>
-            <p:style>
-              <a:lnRef idx="0">
-                <a:scrgbClr r="0" g="0" b="0"/>
-              </a:lnRef>
-              <a:fillRef idx="0">
-                <a:scrgbClr r="0" g="0" b="0"/>
-              </a:fillRef>
-              <a:effectRef idx="0">
-                <a:scrgbClr r="0" g="0" b="0"/>
-              </a:effectRef>
-              <a:fontRef idx="minor">
-                <a:schemeClr val="lt1"/>
-              </a:fontRef>
-            </p:style>
-            <p:txBody>
-              <a:bodyPr rtlCol="0" anchor="t"/>
-              <a:lstStyle/>
-              <a:p>
-                <a:pPr algn="ctr"/>
-                <a:r>
-                  <a:rPr lang="en-US" altLang="ko-KR" sz="1600" dirty="0">
-                    <a:solidFill>
-                      <a:schemeClr val="bg1"/>
-                    </a:solidFill>
-                  </a:rPr>
-                  <a:t>A1Work</a:t>
-                </a:r>
-                <a:endParaRPr lang="ko-KR" altLang="en-US" sz="1600" dirty="0">
+            <a:prstGeom prst="rect">
+              <a:avLst/>
+            </a:prstGeom>
+            <a:solidFill>
+              <a:schemeClr val="accent5">
+                <a:lumMod val="50000"/>
+              </a:schemeClr>
+            </a:solidFill>
+            <a:ln>
+              <a:noFill/>
+            </a:ln>
+          </p:spPr>
+          <p:style>
+            <a:lnRef idx="0">
+              <a:scrgbClr r="0" g="0" b="0"/>
+            </a:lnRef>
+            <a:fillRef idx="0">
+              <a:scrgbClr r="0" g="0" b="0"/>
+            </a:fillRef>
+            <a:effectRef idx="0">
+              <a:scrgbClr r="0" g="0" b="0"/>
+            </a:effectRef>
+            <a:fontRef idx="minor">
+              <a:schemeClr val="lt1"/>
+            </a:fontRef>
+          </p:style>
+          <p:txBody>
+            <a:bodyPr rtlCol="0" anchor="t"/>
+            <a:lstStyle/>
+            <a:p>
+              <a:pPr algn="ctr"/>
+              <a:r>
+                <a:rPr lang="en-US" altLang="ko-KR" sz="1600" dirty="0">
                   <a:solidFill>
                     <a:schemeClr val="bg1"/>
                   </a:solidFill>
-                </a:endParaRPr>
-              </a:p>
-            </p:txBody>
-          </p:sp>
-          <p:sp>
-            <p:nvSpPr>
-              <p:cNvPr id="77" name="타원 76">
-                <a:extLst>
-                  <a:ext uri="{FF2B5EF4-FFF2-40B4-BE49-F238E27FC236}">
-                    <a16:creationId xmlns:a16="http://schemas.microsoft.com/office/drawing/2014/main" id="{009A9852-A9DD-A2CD-D8BA-FE66FDFFDE3C}"/>
-                  </a:ext>
-                </a:extLst>
-              </p:cNvPr>
-              <p:cNvSpPr/>
-              <p:nvPr/>
-            </p:nvSpPr>
-            <p:spPr>
-              <a:xfrm>
-                <a:off x="3674313" y="4486559"/>
-                <a:ext cx="1177431" cy="889012"/>
-              </a:xfrm>
-              <a:prstGeom prst="ellipse">
-                <a:avLst/>
-              </a:prstGeom>
-              <a:grpFill/>
-            </p:spPr>
-            <p:style>
-              <a:lnRef idx="2">
-                <a:schemeClr val="accent5">
-                  <a:shade val="50000"/>
-                </a:schemeClr>
-              </a:lnRef>
-              <a:fillRef idx="1">
-                <a:schemeClr val="accent5"/>
-              </a:fillRef>
-              <a:effectRef idx="0">
-                <a:schemeClr val="accent5"/>
-              </a:effectRef>
-              <a:fontRef idx="minor">
-                <a:schemeClr val="lt1"/>
-              </a:fontRef>
-            </p:style>
-            <p:txBody>
-              <a:bodyPr rtlCol="0" anchor="ctr"/>
-              <a:lstStyle/>
-              <a:p>
-                <a:pPr algn="ctr"/>
-                <a:r>
-                  <a:rPr lang="en-US" altLang="ko-KR" sz="800" dirty="0">
-                    <a:solidFill>
-                      <a:schemeClr val="bg1"/>
-                    </a:solidFill>
-                  </a:rPr>
-                  <a:t>Cv_Frt </a:t>
-                </a:r>
-              </a:p>
-              <a:p>
-                <a:pPr algn="ctr"/>
-                <a:r>
-                  <a:rPr lang="en-US" altLang="ko-KR" sz="800" dirty="0">
-                    <a:solidFill>
-                      <a:schemeClr val="bg1"/>
-                    </a:solidFill>
-                  </a:rPr>
-                  <a:t>.MOVE</a:t>
-                </a:r>
-                <a:endParaRPr lang="ko-KR" altLang="en-US" sz="800" dirty="0">
+                </a:rPr>
+                <a:t>A1Work</a:t>
+              </a:r>
+              <a:endParaRPr lang="ko-KR" altLang="en-US" sz="1600" dirty="0">
+                <a:solidFill>
+                  <a:schemeClr val="bg1"/>
+                </a:solidFill>
+              </a:endParaRPr>
+            </a:p>
+          </p:txBody>
+        </p:sp>
+        <p:sp>
+          <p:nvSpPr>
+            <p:cNvPr id="77" name="타원 76">
+              <a:extLst>
+                <a:ext uri="{FF2B5EF4-FFF2-40B4-BE49-F238E27FC236}">
+                  <a16:creationId xmlns:a16="http://schemas.microsoft.com/office/drawing/2014/main" id="{009A9852-A9DD-A2CD-D8BA-FE66FDFFDE3C}"/>
+                </a:ext>
+              </a:extLst>
+            </p:cNvPr>
+            <p:cNvSpPr/>
+            <p:nvPr/>
+          </p:nvSpPr>
+          <p:spPr>
+            <a:xfrm>
+              <a:off x="1642456" y="1643808"/>
+              <a:ext cx="900000" cy="521489"/>
+            </a:xfrm>
+            <a:prstGeom prst="ellipse">
+              <a:avLst/>
+            </a:prstGeom>
+            <a:solidFill>
+              <a:schemeClr val="accent5">
+                <a:lumMod val="50000"/>
+              </a:schemeClr>
+            </a:solidFill>
+          </p:spPr>
+          <p:style>
+            <a:lnRef idx="2">
+              <a:schemeClr val="accent5">
+                <a:shade val="50000"/>
+              </a:schemeClr>
+            </a:lnRef>
+            <a:fillRef idx="1">
+              <a:schemeClr val="accent5"/>
+            </a:fillRef>
+            <a:effectRef idx="0">
+              <a:schemeClr val="accent5"/>
+            </a:effectRef>
+            <a:fontRef idx="minor">
+              <a:schemeClr val="lt1"/>
+            </a:fontRef>
+          </p:style>
+          <p:txBody>
+            <a:bodyPr rtlCol="0" anchor="ctr"/>
+            <a:lstStyle/>
+            <a:p>
+              <a:pPr algn="ctr"/>
+              <a:r>
+                <a:rPr lang="en-US" altLang="ko-KR" sz="800" dirty="0">
                   <a:solidFill>
                     <a:schemeClr val="bg1"/>
                   </a:solidFill>
-                </a:endParaRPr>
-              </a:p>
-            </p:txBody>
-          </p:sp>
-        </p:grpSp>
+                </a:rPr>
+                <a:t>Cv_Frt </a:t>
+              </a:r>
+            </a:p>
+            <a:p>
+              <a:pPr algn="ctr"/>
+              <a:r>
+                <a:rPr lang="en-US" altLang="ko-KR" sz="800" dirty="0">
+                  <a:solidFill>
+                    <a:schemeClr val="bg1"/>
+                  </a:solidFill>
+                </a:rPr>
+                <a:t>.MOVE</a:t>
+              </a:r>
+              <a:endParaRPr lang="ko-KR" altLang="en-US" sz="800" dirty="0">
+                <a:solidFill>
+                  <a:schemeClr val="bg1"/>
+                </a:solidFill>
+              </a:endParaRPr>
+            </a:p>
+          </p:txBody>
+        </p:sp>
         <p:sp>
           <p:nvSpPr>
             <p:cNvPr id="118" name="타원 117">
@@ -20652,13 +20660,17 @@
           </p:nvSpPr>
           <p:spPr>
             <a:xfrm>
-              <a:off x="4896763" y="2017372"/>
+              <a:off x="2805793" y="613359"/>
               <a:ext cx="900000" cy="360000"/>
             </a:xfrm>
             <a:prstGeom prst="ellipse">
               <a:avLst/>
             </a:prstGeom>
-            <a:grpFill/>
+            <a:solidFill>
+              <a:schemeClr val="accent5">
+                <a:lumMod val="50000"/>
+              </a:schemeClr>
+            </a:solidFill>
           </p:spPr>
           <p:style>
             <a:lnRef idx="2">
@@ -20722,13 +20734,17 @@
           </p:nvSpPr>
           <p:spPr>
             <a:xfrm>
-              <a:off x="4867908" y="2592159"/>
+              <a:off x="2776938" y="1188146"/>
               <a:ext cx="900000" cy="360000"/>
             </a:xfrm>
             <a:prstGeom prst="ellipse">
               <a:avLst/>
             </a:prstGeom>
-            <a:grpFill/>
+            <a:solidFill>
+              <a:schemeClr val="accent5">
+                <a:lumMod val="50000"/>
+              </a:schemeClr>
+            </a:solidFill>
           </p:spPr>
           <p:style>
             <a:lnRef idx="2">
@@ -20792,13 +20808,17 @@
           </p:nvSpPr>
           <p:spPr>
             <a:xfrm>
-              <a:off x="4867908" y="3211613"/>
+              <a:off x="2776938" y="1807600"/>
               <a:ext cx="900000" cy="360000"/>
             </a:xfrm>
             <a:prstGeom prst="ellipse">
               <a:avLst/>
             </a:prstGeom>
-            <a:grpFill/>
+            <a:solidFill>
+              <a:schemeClr val="accent5">
+                <a:lumMod val="50000"/>
+              </a:schemeClr>
+            </a:solidFill>
           </p:spPr>
           <p:style>
             <a:lnRef idx="2">
@@ -20862,13 +20882,17 @@
           </p:nvSpPr>
           <p:spPr>
             <a:xfrm>
-              <a:off x="4859091" y="3868807"/>
+              <a:off x="2768121" y="2464794"/>
               <a:ext cx="900000" cy="360000"/>
             </a:xfrm>
             <a:prstGeom prst="ellipse">
               <a:avLst/>
             </a:prstGeom>
-            <a:grpFill/>
+            <a:solidFill>
+              <a:schemeClr val="accent5">
+                <a:lumMod val="50000"/>
+              </a:schemeClr>
+            </a:solidFill>
           </p:spPr>
           <p:style>
             <a:lnRef idx="2">
@@ -20932,13 +20956,17 @@
           </p:nvSpPr>
           <p:spPr>
             <a:xfrm>
-              <a:off x="6226585" y="3871033"/>
+              <a:off x="4135615" y="2467020"/>
               <a:ext cx="900000" cy="360000"/>
             </a:xfrm>
             <a:prstGeom prst="ellipse">
               <a:avLst/>
             </a:prstGeom>
-            <a:grpFill/>
+            <a:solidFill>
+              <a:schemeClr val="accent5">
+                <a:lumMod val="50000"/>
+              </a:schemeClr>
+            </a:solidFill>
           </p:spPr>
           <p:style>
             <a:lnRef idx="2">
@@ -21002,13 +21030,17 @@
           </p:nvSpPr>
           <p:spPr>
             <a:xfrm>
-              <a:off x="6275834" y="2014945"/>
+              <a:off x="4184864" y="610932"/>
               <a:ext cx="900000" cy="360000"/>
             </a:xfrm>
             <a:prstGeom prst="ellipse">
               <a:avLst/>
             </a:prstGeom>
-            <a:grpFill/>
+            <a:solidFill>
+              <a:schemeClr val="accent5">
+                <a:lumMod val="50000"/>
+              </a:schemeClr>
+            </a:solidFill>
           </p:spPr>
           <p:style>
             <a:lnRef idx="2">
@@ -21072,13 +21104,17 @@
           </p:nvSpPr>
           <p:spPr>
             <a:xfrm>
-              <a:off x="6262224" y="2570062"/>
+              <a:off x="4171254" y="1166049"/>
               <a:ext cx="900000" cy="360000"/>
             </a:xfrm>
             <a:prstGeom prst="ellipse">
               <a:avLst/>
             </a:prstGeom>
-            <a:grpFill/>
+            <a:solidFill>
+              <a:schemeClr val="accent5">
+                <a:lumMod val="50000"/>
+              </a:schemeClr>
+            </a:solidFill>
           </p:spPr>
           <p:style>
             <a:lnRef idx="2">
@@ -21142,13 +21178,17 @@
           </p:nvSpPr>
           <p:spPr>
             <a:xfrm>
-              <a:off x="6226585" y="3209311"/>
+              <a:off x="4135615" y="1805298"/>
               <a:ext cx="900000" cy="360000"/>
             </a:xfrm>
             <a:prstGeom prst="ellipse">
               <a:avLst/>
             </a:prstGeom>
-            <a:grpFill/>
+            <a:solidFill>
+              <a:schemeClr val="accent5">
+                <a:lumMod val="50000"/>
+              </a:schemeClr>
+            </a:solidFill>
           </p:spPr>
           <p:style>
             <a:lnRef idx="2">
@@ -21212,13 +21252,17 @@
           </p:nvSpPr>
           <p:spPr>
             <a:xfrm>
-              <a:off x="7614014" y="2636392"/>
+              <a:off x="5523044" y="1232379"/>
               <a:ext cx="900000" cy="360000"/>
             </a:xfrm>
             <a:prstGeom prst="ellipse">
               <a:avLst/>
             </a:prstGeom>
-            <a:grpFill/>
+            <a:solidFill>
+              <a:schemeClr val="accent5">
+                <a:lumMod val="50000"/>
+              </a:schemeClr>
+            </a:solidFill>
           </p:spPr>
           <p:style>
             <a:lnRef idx="2">
@@ -21271,13 +21315,17 @@
           </p:nvSpPr>
           <p:spPr>
             <a:xfrm>
-              <a:off x="9874465" y="2544419"/>
+              <a:off x="7783495" y="1140406"/>
               <a:ext cx="900000" cy="360000"/>
             </a:xfrm>
             <a:prstGeom prst="ellipse">
               <a:avLst/>
             </a:prstGeom>
-            <a:grpFill/>
+            <a:solidFill>
+              <a:schemeClr val="accent5">
+                <a:lumMod val="50000"/>
+              </a:schemeClr>
+            </a:solidFill>
           </p:spPr>
           <p:style>
             <a:lnRef idx="2">
@@ -21346,13 +21394,17 @@
           </p:nvSpPr>
           <p:spPr>
             <a:xfrm>
-              <a:off x="8778237" y="2930062"/>
+              <a:off x="6687267" y="1526049"/>
               <a:ext cx="957247" cy="521489"/>
             </a:xfrm>
             <a:prstGeom prst="ellipse">
               <a:avLst/>
             </a:prstGeom>
-            <a:grpFill/>
+            <a:solidFill>
+              <a:schemeClr val="accent5">
+                <a:lumMod val="50000"/>
+              </a:schemeClr>
+            </a:solidFill>
           </p:spPr>
           <p:style>
             <a:lnRef idx="2">
@@ -21419,13 +21471,17 @@
           </p:nvCxnSpPr>
           <p:spPr>
             <a:xfrm flipH="1">
-              <a:off x="5317908" y="2377372"/>
+              <a:off x="3226938" y="973359"/>
               <a:ext cx="28855" cy="214787"/>
             </a:xfrm>
             <a:prstGeom prst="line">
               <a:avLst/>
             </a:prstGeom>
-            <a:grpFill/>
+            <a:solidFill>
+              <a:schemeClr val="accent5">
+                <a:lumMod val="50000"/>
+              </a:schemeClr>
+            </a:solidFill>
           </p:spPr>
           <p:style>
             <a:lnRef idx="1">
@@ -21460,13 +21516,17 @@
           </p:nvCxnSpPr>
           <p:spPr>
             <a:xfrm>
-              <a:off x="5317908" y="2952159"/>
+              <a:off x="3226938" y="1548146"/>
               <a:ext cx="0" cy="259454"/>
             </a:xfrm>
             <a:prstGeom prst="line">
               <a:avLst/>
             </a:prstGeom>
-            <a:grpFill/>
+            <a:solidFill>
+              <a:schemeClr val="accent5">
+                <a:lumMod val="50000"/>
+              </a:schemeClr>
+            </a:solidFill>
           </p:spPr>
           <p:style>
             <a:lnRef idx="1">
@@ -21501,13 +21561,17 @@
           </p:nvCxnSpPr>
           <p:spPr>
             <a:xfrm flipH="1">
-              <a:off x="5309091" y="3571613"/>
+              <a:off x="3218121" y="2167600"/>
               <a:ext cx="8817" cy="297194"/>
             </a:xfrm>
             <a:prstGeom prst="line">
               <a:avLst/>
             </a:prstGeom>
-            <a:grpFill/>
+            <a:solidFill>
+              <a:schemeClr val="accent5">
+                <a:lumMod val="50000"/>
+              </a:schemeClr>
+            </a:solidFill>
           </p:spPr>
           <p:style>
             <a:lnRef idx="1">
@@ -21542,13 +21606,17 @@
           </p:nvCxnSpPr>
           <p:spPr>
             <a:xfrm flipH="1">
-              <a:off x="6712224" y="2374945"/>
+              <a:off x="4621254" y="970932"/>
               <a:ext cx="13610" cy="195117"/>
             </a:xfrm>
             <a:prstGeom prst="line">
               <a:avLst/>
             </a:prstGeom>
-            <a:grpFill/>
+            <a:solidFill>
+              <a:schemeClr val="accent5">
+                <a:lumMod val="50000"/>
+              </a:schemeClr>
+            </a:solidFill>
           </p:spPr>
           <p:style>
             <a:lnRef idx="1">
@@ -21583,13 +21651,17 @@
           </p:nvCxnSpPr>
           <p:spPr>
             <a:xfrm flipH="1">
-              <a:off x="6676585" y="2930062"/>
+              <a:off x="4585615" y="1526049"/>
               <a:ext cx="35639" cy="279249"/>
             </a:xfrm>
             <a:prstGeom prst="line">
               <a:avLst/>
             </a:prstGeom>
-            <a:grpFill/>
+            <a:solidFill>
+              <a:schemeClr val="accent5">
+                <a:lumMod val="50000"/>
+              </a:schemeClr>
+            </a:solidFill>
           </p:spPr>
           <p:style>
             <a:lnRef idx="1">
@@ -21624,13 +21696,17 @@
           </p:nvCxnSpPr>
           <p:spPr>
             <a:xfrm>
-              <a:off x="6676585" y="3569311"/>
+              <a:off x="4585615" y="2165298"/>
               <a:ext cx="0" cy="301722"/>
             </a:xfrm>
             <a:prstGeom prst="line">
               <a:avLst/>
             </a:prstGeom>
-            <a:grpFill/>
+            <a:solidFill>
+              <a:schemeClr val="accent5">
+                <a:lumMod val="50000"/>
+              </a:schemeClr>
+            </a:solidFill>
           </p:spPr>
           <p:style>
             <a:lnRef idx="1">
@@ -21665,7 +21741,7 @@
           </p:nvCxnSpPr>
           <p:spPr>
             <a:xfrm flipV="1">
-              <a:off x="4633426" y="2197372"/>
+              <a:off x="2542456" y="793359"/>
               <a:ext cx="263337" cy="1111194"/>
             </a:xfrm>
             <a:prstGeom prst="bentConnector3">
@@ -21673,7 +21749,11 @@
                 <a:gd name="adj1" fmla="val 50000"/>
               </a:avLst>
             </a:prstGeom>
-            <a:grpFill/>
+            <a:solidFill>
+              <a:schemeClr val="accent5">
+                <a:lumMod val="50000"/>
+              </a:schemeClr>
+            </a:solidFill>
             <a:ln>
               <a:tailEnd type="triangle"/>
             </a:ln>
@@ -21711,7 +21791,7 @@
           </p:nvCxnSpPr>
           <p:spPr>
             <a:xfrm flipV="1">
-              <a:off x="5759091" y="2194945"/>
+              <a:off x="3668121" y="790932"/>
               <a:ext cx="516743" cy="1853862"/>
             </a:xfrm>
             <a:prstGeom prst="bentConnector3">
@@ -21719,7 +21799,11 @@
                 <a:gd name="adj1" fmla="val 50000"/>
               </a:avLst>
             </a:prstGeom>
-            <a:grpFill/>
+            <a:solidFill>
+              <a:schemeClr val="accent5">
+                <a:lumMod val="50000"/>
+              </a:schemeClr>
+            </a:solidFill>
             <a:ln>
               <a:tailEnd type="triangle"/>
             </a:ln>
@@ -21757,7 +21841,7 @@
           </p:nvCxnSpPr>
           <p:spPr>
             <a:xfrm>
-              <a:off x="7175834" y="2194945"/>
+              <a:off x="5084864" y="790932"/>
               <a:ext cx="438180" cy="621447"/>
             </a:xfrm>
             <a:prstGeom prst="bentConnector3">
@@ -21765,7 +21849,11 @@
                 <a:gd name="adj1" fmla="val 50000"/>
               </a:avLst>
             </a:prstGeom>
-            <a:grpFill/>
+            <a:solidFill>
+              <a:schemeClr val="accent5">
+                <a:lumMod val="50000"/>
+              </a:schemeClr>
+            </a:solidFill>
             <a:ln>
               <a:tailEnd type="triangle"/>
             </a:ln>
@@ -21803,7 +21891,7 @@
           </p:nvCxnSpPr>
           <p:spPr>
             <a:xfrm>
-              <a:off x="8514014" y="2816392"/>
+              <a:off x="6423044" y="1412379"/>
               <a:ext cx="264223" cy="374415"/>
             </a:xfrm>
             <a:prstGeom prst="bentConnector3">
@@ -21811,7 +21899,11 @@
                 <a:gd name="adj1" fmla="val 50000"/>
               </a:avLst>
             </a:prstGeom>
-            <a:grpFill/>
+            <a:solidFill>
+              <a:schemeClr val="accent5">
+                <a:lumMod val="50000"/>
+              </a:schemeClr>
+            </a:solidFill>
             <a:ln>
               <a:tailEnd type="triangle"/>
             </a:ln>
@@ -21849,7 +21941,7 @@
           </p:nvCxnSpPr>
           <p:spPr>
             <a:xfrm flipV="1">
-              <a:off x="9735484" y="2724419"/>
+              <a:off x="7644514" y="1320406"/>
               <a:ext cx="138981" cy="466388"/>
             </a:xfrm>
             <a:prstGeom prst="bentConnector3">
@@ -21857,7 +21949,11 @@
                 <a:gd name="adj1" fmla="val 50000"/>
               </a:avLst>
             </a:prstGeom>
-            <a:grpFill/>
+            <a:solidFill>
+              <a:schemeClr val="accent5">
+                <a:lumMod val="50000"/>
+              </a:schemeClr>
+            </a:solidFill>
             <a:ln>
               <a:tailEnd type="triangle"/>
             </a:ln>
@@ -22761,10 +22857,10 @@
       </p:cxnSp>
       <p:grpSp>
         <p:nvGrpSpPr>
-          <p:cNvPr id="30" name="그룹 29">
+          <p:cNvPr id="5" name="그룹 4">
             <a:extLst>
               <a:ext uri="{FF2B5EF4-FFF2-40B4-BE49-F238E27FC236}">
-                <a16:creationId xmlns:a16="http://schemas.microsoft.com/office/drawing/2014/main" id="{1E8E3CCB-0A09-E5F3-F1E1-75EA013E1DB5}"/>
+                <a16:creationId xmlns:a16="http://schemas.microsoft.com/office/drawing/2014/main" id="{A17BB4BB-1614-3C3B-D347-9A75A2B220B2}"/>
               </a:ext>
             </a:extLst>
           </p:cNvPr>
@@ -22775,387 +22871,385 @@
           <a:xfrm>
             <a:off x="521242" y="4397842"/>
             <a:ext cx="3790950" cy="1558914"/>
-            <a:chOff x="1004631" y="4303632"/>
+            <a:chOff x="521242" y="4397842"/>
             <a:chExt cx="3790950" cy="1558914"/>
           </a:xfrm>
         </p:grpSpPr>
-        <p:grpSp>
-          <p:nvGrpSpPr>
-            <p:cNvPr id="200" name="그룹 199">
+        <p:sp>
+          <p:nvSpPr>
+            <p:cNvPr id="201" name="직사각형 200">
               <a:extLst>
                 <a:ext uri="{FF2B5EF4-FFF2-40B4-BE49-F238E27FC236}">
-                  <a16:creationId xmlns:a16="http://schemas.microsoft.com/office/drawing/2014/main" id="{20D07FC9-CC09-5D55-B0AE-75BC4F46FAE0}"/>
+                  <a16:creationId xmlns:a16="http://schemas.microsoft.com/office/drawing/2014/main" id="{C3666025-B5AA-3F7B-8D45-8FB1B8062508}"/>
                 </a:ext>
               </a:extLst>
             </p:cNvPr>
-            <p:cNvGrpSpPr/>
+            <p:cNvSpPr/>
             <p:nvPr/>
-          </p:nvGrpSpPr>
-          <p:grpSpPr>
+          </p:nvSpPr>
+          <p:spPr>
             <a:xfrm>
-              <a:off x="1004631" y="4303632"/>
+              <a:off x="521242" y="4397842"/>
               <a:ext cx="3790950" cy="1558914"/>
-              <a:chOff x="1769900" y="2923354"/>
-              <a:chExt cx="6922669" cy="797699"/>
             </a:xfrm>
+            <a:prstGeom prst="rect">
+              <a:avLst/>
+            </a:prstGeom>
             <a:solidFill>
               <a:schemeClr val="accent6">
                 <a:lumMod val="50000"/>
               </a:schemeClr>
             </a:solidFill>
-          </p:grpSpPr>
-          <p:sp>
-            <p:nvSpPr>
-              <p:cNvPr id="201" name="직사각형 200">
-                <a:extLst>
-                  <a:ext uri="{FF2B5EF4-FFF2-40B4-BE49-F238E27FC236}">
-                    <a16:creationId xmlns:a16="http://schemas.microsoft.com/office/drawing/2014/main" id="{C3666025-B5AA-3F7B-8D45-8FB1B8062508}"/>
-                  </a:ext>
-                </a:extLst>
-              </p:cNvPr>
-              <p:cNvSpPr/>
-              <p:nvPr/>
-            </p:nvSpPr>
-            <p:spPr>
-              <a:xfrm>
-                <a:off x="1769900" y="2923354"/>
-                <a:ext cx="6922669" cy="797699"/>
-              </a:xfrm>
-              <a:prstGeom prst="rect">
-                <a:avLst/>
-              </a:prstGeom>
-              <a:grpFill/>
-              <a:ln>
-                <a:noFill/>
-              </a:ln>
-            </p:spPr>
-            <p:style>
-              <a:lnRef idx="0">
-                <a:scrgbClr r="0" g="0" b="0"/>
-              </a:lnRef>
-              <a:fillRef idx="0">
-                <a:scrgbClr r="0" g="0" b="0"/>
-              </a:fillRef>
-              <a:effectRef idx="0">
-                <a:scrgbClr r="0" g="0" b="0"/>
-              </a:effectRef>
-              <a:fontRef idx="minor">
-                <a:schemeClr val="lt1"/>
-              </a:fontRef>
-            </p:style>
-            <p:txBody>
-              <a:bodyPr rtlCol="0" anchor="t"/>
-              <a:lstStyle/>
-              <a:p>
-                <a:pPr algn="ctr"/>
-                <a:r>
-                  <a:rPr lang="en-US" altLang="ko-KR" dirty="0">
-                    <a:solidFill>
-                      <a:schemeClr val="bg1"/>
-                    </a:solidFill>
-                  </a:rPr>
-                  <a:t>5OUT</a:t>
-                </a:r>
-                <a:endParaRPr lang="ko-KR" altLang="en-US" dirty="0">
+            <a:ln>
+              <a:noFill/>
+            </a:ln>
+          </p:spPr>
+          <p:style>
+            <a:lnRef idx="0">
+              <a:scrgbClr r="0" g="0" b="0"/>
+            </a:lnRef>
+            <a:fillRef idx="0">
+              <a:scrgbClr r="0" g="0" b="0"/>
+            </a:fillRef>
+            <a:effectRef idx="0">
+              <a:scrgbClr r="0" g="0" b="0"/>
+            </a:effectRef>
+            <a:fontRef idx="minor">
+              <a:schemeClr val="lt1"/>
+            </a:fontRef>
+          </p:style>
+          <p:txBody>
+            <a:bodyPr rtlCol="0" anchor="t"/>
+            <a:lstStyle/>
+            <a:p>
+              <a:pPr algn="ctr"/>
+              <a:r>
+                <a:rPr lang="en-US" altLang="ko-KR" dirty="0">
                   <a:solidFill>
                     <a:schemeClr val="bg1"/>
                   </a:solidFill>
-                </a:endParaRPr>
-              </a:p>
-            </p:txBody>
-          </p:sp>
-          <p:sp>
-            <p:nvSpPr>
-              <p:cNvPr id="202" name="타원 201">
-                <a:extLst>
-                  <a:ext uri="{FF2B5EF4-FFF2-40B4-BE49-F238E27FC236}">
-                    <a16:creationId xmlns:a16="http://schemas.microsoft.com/office/drawing/2014/main" id="{EB8B9465-16D8-252A-9168-085E63624392}"/>
-                  </a:ext>
-                </a:extLst>
-              </p:cNvPr>
-              <p:cNvSpPr/>
-              <p:nvPr/>
-            </p:nvSpPr>
-            <p:spPr>
-              <a:xfrm>
-                <a:off x="2340079" y="3180248"/>
-                <a:ext cx="2332121" cy="178767"/>
-              </a:xfrm>
-              <a:prstGeom prst="ellipse">
-                <a:avLst/>
-              </a:prstGeom>
-              <a:grpFill/>
-            </p:spPr>
-            <p:style>
-              <a:lnRef idx="2">
-                <a:schemeClr val="accent5">
-                  <a:shade val="50000"/>
-                </a:schemeClr>
-              </a:lnRef>
-              <a:fillRef idx="1">
-                <a:schemeClr val="accent5"/>
-              </a:fillRef>
-              <a:effectRef idx="0">
-                <a:schemeClr val="accent5"/>
-              </a:effectRef>
-              <a:fontRef idx="minor">
-                <a:schemeClr val="lt1"/>
-              </a:fontRef>
-            </p:style>
-            <p:txBody>
-              <a:bodyPr rtlCol="0" anchor="ctr"/>
-              <a:lstStyle/>
-              <a:p>
-                <a:pPr algn="ctr"/>
-                <a:r>
-                  <a:rPr lang="en-US" altLang="ko-KR" sz="800" dirty="0" err="1">
-                    <a:solidFill>
-                      <a:schemeClr val="bg1"/>
-                    </a:solidFill>
-                  </a:rPr>
-                  <a:t>Cv_Frt</a:t>
-                </a:r>
-                <a:r>
-                  <a:rPr lang="en-US" altLang="ko-KR" sz="700" u="none" strike="noStrike" dirty="0" err="1">
-                    <a:effectLst/>
-                  </a:rPr>
-                  <a:t>OUT</a:t>
-                </a:r>
-                <a:endParaRPr lang="en-US" altLang="ko-KR" sz="800" dirty="0">
+                </a:rPr>
+                <a:t>5OUT</a:t>
+              </a:r>
+              <a:endParaRPr lang="ko-KR" altLang="en-US" dirty="0">
+                <a:solidFill>
+                  <a:schemeClr val="bg1"/>
+                </a:solidFill>
+              </a:endParaRPr>
+            </a:p>
+          </p:txBody>
+        </p:sp>
+        <p:sp>
+          <p:nvSpPr>
+            <p:cNvPr id="202" name="타원 201">
+              <a:extLst>
+                <a:ext uri="{FF2B5EF4-FFF2-40B4-BE49-F238E27FC236}">
+                  <a16:creationId xmlns:a16="http://schemas.microsoft.com/office/drawing/2014/main" id="{EB8B9465-16D8-252A-9168-085E63624392}"/>
+                </a:ext>
+              </a:extLst>
+            </p:cNvPr>
+            <p:cNvSpPr/>
+            <p:nvPr/>
+          </p:nvSpPr>
+          <p:spPr>
+            <a:xfrm>
+              <a:off x="833480" y="4899881"/>
+              <a:ext cx="1277102" cy="349358"/>
+            </a:xfrm>
+            <a:prstGeom prst="ellipse">
+              <a:avLst/>
+            </a:prstGeom>
+            <a:solidFill>
+              <a:schemeClr val="accent6">
+                <a:lumMod val="50000"/>
+              </a:schemeClr>
+            </a:solidFill>
+          </p:spPr>
+          <p:style>
+            <a:lnRef idx="2">
+              <a:schemeClr val="accent5">
+                <a:shade val="50000"/>
+              </a:schemeClr>
+            </a:lnRef>
+            <a:fillRef idx="1">
+              <a:schemeClr val="accent5"/>
+            </a:fillRef>
+            <a:effectRef idx="0">
+              <a:schemeClr val="accent5"/>
+            </a:effectRef>
+            <a:fontRef idx="minor">
+              <a:schemeClr val="lt1"/>
+            </a:fontRef>
+          </p:style>
+          <p:txBody>
+            <a:bodyPr rtlCol="0" anchor="ctr"/>
+            <a:lstStyle/>
+            <a:p>
+              <a:pPr algn="ctr"/>
+              <a:r>
+                <a:rPr lang="en-US" altLang="ko-KR" sz="800" dirty="0" err="1">
                   <a:solidFill>
                     <a:schemeClr val="bg1"/>
                   </a:solidFill>
-                </a:endParaRPr>
-              </a:p>
-              <a:p>
-                <a:pPr algn="ctr"/>
-                <a:r>
-                  <a:rPr lang="en-US" altLang="ko-KR" sz="800" dirty="0">
-                    <a:solidFill>
-                      <a:schemeClr val="bg1"/>
-                    </a:solidFill>
-                  </a:rPr>
-                  <a:t>.MOVE</a:t>
-                </a:r>
-                <a:endParaRPr lang="ko-KR" altLang="en-US" sz="800" dirty="0">
+                </a:rPr>
+                <a:t>Cv_Frt</a:t>
+              </a:r>
+              <a:r>
+                <a:rPr lang="en-US" altLang="ko-KR" sz="700" u="none" strike="noStrike" dirty="0" err="1">
+                  <a:effectLst/>
+                </a:rPr>
+                <a:t>OUT</a:t>
+              </a:r>
+              <a:endParaRPr lang="en-US" altLang="ko-KR" sz="800" dirty="0">
+                <a:solidFill>
+                  <a:schemeClr val="bg1"/>
+                </a:solidFill>
+              </a:endParaRPr>
+            </a:p>
+            <a:p>
+              <a:pPr algn="ctr"/>
+              <a:r>
+                <a:rPr lang="en-US" altLang="ko-KR" sz="800" dirty="0">
                   <a:solidFill>
                     <a:schemeClr val="bg1"/>
                   </a:solidFill>
-                </a:endParaRPr>
-              </a:p>
-            </p:txBody>
-          </p:sp>
-          <p:sp>
-            <p:nvSpPr>
-              <p:cNvPr id="203" name="타원 202">
-                <a:extLst>
-                  <a:ext uri="{FF2B5EF4-FFF2-40B4-BE49-F238E27FC236}">
-                    <a16:creationId xmlns:a16="http://schemas.microsoft.com/office/drawing/2014/main" id="{CFB89A7E-CB07-B33F-DE6D-14C8EB8B17B6}"/>
-                  </a:ext>
-                </a:extLst>
-              </p:cNvPr>
-              <p:cNvSpPr/>
-              <p:nvPr/>
-            </p:nvSpPr>
-            <p:spPr>
-              <a:xfrm>
-                <a:off x="5537815" y="3464607"/>
-                <a:ext cx="1210743" cy="178767"/>
-              </a:xfrm>
-              <a:prstGeom prst="ellipse">
-                <a:avLst/>
-              </a:prstGeom>
-              <a:grpFill/>
-            </p:spPr>
-            <p:style>
-              <a:lnRef idx="2">
-                <a:schemeClr val="accent5">
-                  <a:shade val="50000"/>
-                </a:schemeClr>
-              </a:lnRef>
-              <a:fillRef idx="1">
-                <a:schemeClr val="accent5"/>
-              </a:fillRef>
-              <a:effectRef idx="0">
-                <a:schemeClr val="accent5"/>
-              </a:effectRef>
-              <a:fontRef idx="minor">
-                <a:schemeClr val="lt1"/>
-              </a:fontRef>
-            </p:style>
-            <p:txBody>
-              <a:bodyPr rtlCol="0" anchor="ctr"/>
-              <a:lstStyle/>
-              <a:p>
-                <a:pPr algn="ctr"/>
-                <a:r>
-                  <a:rPr lang="en-US" altLang="ko-KR" sz="800" dirty="0" err="1">
-                    <a:solidFill>
-                      <a:schemeClr val="bg1"/>
-                    </a:solidFill>
-                  </a:rPr>
-                  <a:t>Out.RET</a:t>
-                </a:r>
-                <a:endParaRPr lang="ko-KR" altLang="en-US" sz="800" dirty="0">
+                </a:rPr>
+                <a:t>.MOVE</a:t>
+              </a:r>
+              <a:endParaRPr lang="ko-KR" altLang="en-US" sz="800" dirty="0">
+                <a:solidFill>
+                  <a:schemeClr val="bg1"/>
+                </a:solidFill>
+              </a:endParaRPr>
+            </a:p>
+          </p:txBody>
+        </p:sp>
+        <p:sp>
+          <p:nvSpPr>
+            <p:cNvPr id="203" name="타원 202">
+              <a:extLst>
+                <a:ext uri="{FF2B5EF4-FFF2-40B4-BE49-F238E27FC236}">
+                  <a16:creationId xmlns:a16="http://schemas.microsoft.com/office/drawing/2014/main" id="{CFB89A7E-CB07-B33F-DE6D-14C8EB8B17B6}"/>
+                </a:ext>
+              </a:extLst>
+            </p:cNvPr>
+            <p:cNvSpPr/>
+            <p:nvPr/>
+          </p:nvSpPr>
+          <p:spPr>
+            <a:xfrm>
+              <a:off x="2584605" y="5455593"/>
+              <a:ext cx="663020" cy="349358"/>
+            </a:xfrm>
+            <a:prstGeom prst="ellipse">
+              <a:avLst/>
+            </a:prstGeom>
+            <a:solidFill>
+              <a:schemeClr val="accent6">
+                <a:lumMod val="50000"/>
+              </a:schemeClr>
+            </a:solidFill>
+          </p:spPr>
+          <p:style>
+            <a:lnRef idx="2">
+              <a:schemeClr val="accent5">
+                <a:shade val="50000"/>
+              </a:schemeClr>
+            </a:lnRef>
+            <a:fillRef idx="1">
+              <a:schemeClr val="accent5"/>
+            </a:fillRef>
+            <a:effectRef idx="0">
+              <a:schemeClr val="accent5"/>
+            </a:effectRef>
+            <a:fontRef idx="minor">
+              <a:schemeClr val="lt1"/>
+            </a:fontRef>
+          </p:style>
+          <p:txBody>
+            <a:bodyPr rtlCol="0" anchor="ctr"/>
+            <a:lstStyle/>
+            <a:p>
+              <a:pPr algn="ctr"/>
+              <a:r>
+                <a:rPr lang="en-US" altLang="ko-KR" sz="800" dirty="0" err="1">
                   <a:solidFill>
                     <a:schemeClr val="bg1"/>
                   </a:solidFill>
-                </a:endParaRPr>
-              </a:p>
-            </p:txBody>
-          </p:sp>
-          <p:sp>
-            <p:nvSpPr>
-              <p:cNvPr id="204" name="타원 203">
-                <a:extLst>
-                  <a:ext uri="{FF2B5EF4-FFF2-40B4-BE49-F238E27FC236}">
-                    <a16:creationId xmlns:a16="http://schemas.microsoft.com/office/drawing/2014/main" id="{6AB5221C-BBE9-7DE3-071A-134E9B1394C0}"/>
-                  </a:ext>
-                </a:extLst>
-              </p:cNvPr>
-              <p:cNvSpPr/>
-              <p:nvPr/>
-            </p:nvSpPr>
-            <p:spPr>
-              <a:xfrm>
-                <a:off x="6171271" y="3098745"/>
-                <a:ext cx="1210743" cy="178767"/>
-              </a:xfrm>
-              <a:prstGeom prst="ellipse">
-                <a:avLst/>
-              </a:prstGeom>
-              <a:grpFill/>
-            </p:spPr>
-            <p:style>
-              <a:lnRef idx="2">
-                <a:schemeClr val="accent5">
-                  <a:shade val="50000"/>
-                </a:schemeClr>
-              </a:lnRef>
-              <a:fillRef idx="1">
-                <a:schemeClr val="accent5"/>
-              </a:fillRef>
-              <a:effectRef idx="0">
-                <a:schemeClr val="accent5"/>
-              </a:effectRef>
-              <a:fontRef idx="minor">
-                <a:schemeClr val="lt1"/>
-              </a:fontRef>
-            </p:style>
-            <p:txBody>
-              <a:bodyPr rtlCol="0" anchor="ctr"/>
-              <a:lstStyle/>
-              <a:p>
-                <a:pPr algn="ctr"/>
-                <a:r>
-                  <a:rPr lang="en-US" altLang="ko-KR" sz="800" dirty="0" err="1">
-                    <a:solidFill>
-                      <a:schemeClr val="bg1"/>
-                    </a:solidFill>
-                  </a:rPr>
-                  <a:t>Out.ADV</a:t>
-                </a:r>
-                <a:endParaRPr lang="ko-KR" altLang="en-US" sz="800" dirty="0">
+                </a:rPr>
+                <a:t>Out.RET</a:t>
+              </a:r>
+              <a:endParaRPr lang="ko-KR" altLang="en-US" sz="800" dirty="0">
+                <a:solidFill>
+                  <a:schemeClr val="bg1"/>
+                </a:solidFill>
+              </a:endParaRPr>
+            </a:p>
+          </p:txBody>
+        </p:sp>
+        <p:sp>
+          <p:nvSpPr>
+            <p:cNvPr id="204" name="타원 203">
+              <a:extLst>
+                <a:ext uri="{FF2B5EF4-FFF2-40B4-BE49-F238E27FC236}">
+                  <a16:creationId xmlns:a16="http://schemas.microsoft.com/office/drawing/2014/main" id="{6AB5221C-BBE9-7DE3-071A-134E9B1394C0}"/>
+                </a:ext>
+              </a:extLst>
+            </p:cNvPr>
+            <p:cNvSpPr/>
+            <p:nvPr/>
+          </p:nvSpPr>
+          <p:spPr>
+            <a:xfrm>
+              <a:off x="2931494" y="4740602"/>
+              <a:ext cx="663020" cy="349358"/>
+            </a:xfrm>
+            <a:prstGeom prst="ellipse">
+              <a:avLst/>
+            </a:prstGeom>
+            <a:solidFill>
+              <a:schemeClr val="accent6">
+                <a:lumMod val="50000"/>
+              </a:schemeClr>
+            </a:solidFill>
+          </p:spPr>
+          <p:style>
+            <a:lnRef idx="2">
+              <a:schemeClr val="accent5">
+                <a:shade val="50000"/>
+              </a:schemeClr>
+            </a:lnRef>
+            <a:fillRef idx="1">
+              <a:schemeClr val="accent5"/>
+            </a:fillRef>
+            <a:effectRef idx="0">
+              <a:schemeClr val="accent5"/>
+            </a:effectRef>
+            <a:fontRef idx="minor">
+              <a:schemeClr val="lt1"/>
+            </a:fontRef>
+          </p:style>
+          <p:txBody>
+            <a:bodyPr rtlCol="0" anchor="ctr"/>
+            <a:lstStyle/>
+            <a:p>
+              <a:pPr algn="ctr"/>
+              <a:r>
+                <a:rPr lang="en-US" altLang="ko-KR" sz="800" dirty="0" err="1">
                   <a:solidFill>
                     <a:schemeClr val="bg1"/>
                   </a:solidFill>
-                </a:endParaRPr>
-              </a:p>
-            </p:txBody>
-          </p:sp>
-          <p:cxnSp>
-            <p:nvCxnSpPr>
-              <p:cNvPr id="205" name="연결선: 꺾임 204">
-                <a:extLst>
-                  <a:ext uri="{FF2B5EF4-FFF2-40B4-BE49-F238E27FC236}">
-                    <a16:creationId xmlns:a16="http://schemas.microsoft.com/office/drawing/2014/main" id="{853042DB-501F-5690-D52A-056D686C9BA9}"/>
-                  </a:ext>
-                </a:extLst>
-              </p:cNvPr>
-              <p:cNvCxnSpPr>
-                <a:cxnSpLocks/>
-                <a:stCxn id="202" idx="6"/>
-                <a:endCxn id="204" idx="2"/>
-              </p:cNvCxnSpPr>
-              <p:nvPr/>
-            </p:nvCxnSpPr>
-            <p:spPr>
-              <a:xfrm flipV="1">
-                <a:off x="4672200" y="3188128"/>
-                <a:ext cx="1499071" cy="81503"/>
-              </a:xfrm>
-              <a:prstGeom prst="bentConnector3">
-                <a:avLst>
-                  <a:gd name="adj1" fmla="val 50000"/>
-                </a:avLst>
-              </a:prstGeom>
-              <a:grpFill/>
-              <a:ln>
-                <a:tailEnd type="triangle"/>
-              </a:ln>
-            </p:spPr>
-            <p:style>
-              <a:lnRef idx="1">
-                <a:schemeClr val="accent1"/>
-              </a:lnRef>
-              <a:fillRef idx="0">
-                <a:schemeClr val="accent1"/>
-              </a:fillRef>
-              <a:effectRef idx="0">
-                <a:schemeClr val="accent1"/>
-              </a:effectRef>
-              <a:fontRef idx="minor">
-                <a:schemeClr val="tx1"/>
-              </a:fontRef>
-            </p:style>
-          </p:cxnSp>
-          <p:cxnSp>
-            <p:nvCxnSpPr>
-              <p:cNvPr id="206" name="연결선: 꺾임 205">
-                <a:extLst>
-                  <a:ext uri="{FF2B5EF4-FFF2-40B4-BE49-F238E27FC236}">
-                    <a16:creationId xmlns:a16="http://schemas.microsoft.com/office/drawing/2014/main" id="{AC1EBBFC-FEE8-A0BC-2FA0-92D7F74F5C18}"/>
-                  </a:ext>
-                </a:extLst>
-              </p:cNvPr>
-              <p:cNvCxnSpPr>
-                <a:cxnSpLocks/>
-                <a:stCxn id="204" idx="4"/>
-                <a:endCxn id="203" idx="0"/>
-              </p:cNvCxnSpPr>
-              <p:nvPr/>
-            </p:nvCxnSpPr>
-            <p:spPr>
-              <a:xfrm rot="5400000">
-                <a:off x="6366369" y="3054332"/>
-                <a:ext cx="187095" cy="633455"/>
-              </a:xfrm>
-              <a:prstGeom prst="bentConnector3">
-                <a:avLst>
-                  <a:gd name="adj1" fmla="val 50000"/>
-                </a:avLst>
-              </a:prstGeom>
-              <a:grpFill/>
-              <a:ln>
-                <a:tailEnd type="triangle"/>
-              </a:ln>
-            </p:spPr>
-            <p:style>
-              <a:lnRef idx="1">
-                <a:schemeClr val="accent1"/>
-              </a:lnRef>
-              <a:fillRef idx="0">
-                <a:schemeClr val="accent1"/>
-              </a:fillRef>
-              <a:effectRef idx="0">
-                <a:schemeClr val="accent1"/>
-              </a:effectRef>
-              <a:fontRef idx="minor">
-                <a:schemeClr val="tx1"/>
-              </a:fontRef>
-            </p:style>
-          </p:cxnSp>
-        </p:grpSp>
+                </a:rPr>
+                <a:t>Out.ADV</a:t>
+              </a:r>
+              <a:endParaRPr lang="ko-KR" altLang="en-US" sz="800" dirty="0">
+                <a:solidFill>
+                  <a:schemeClr val="bg1"/>
+                </a:solidFill>
+              </a:endParaRPr>
+            </a:p>
+          </p:txBody>
+        </p:sp>
+        <p:cxnSp>
+          <p:nvCxnSpPr>
+            <p:cNvPr id="205" name="연결선: 꺾임 204">
+              <a:extLst>
+                <a:ext uri="{FF2B5EF4-FFF2-40B4-BE49-F238E27FC236}">
+                  <a16:creationId xmlns:a16="http://schemas.microsoft.com/office/drawing/2014/main" id="{853042DB-501F-5690-D52A-056D686C9BA9}"/>
+                </a:ext>
+              </a:extLst>
+            </p:cNvPr>
+            <p:cNvCxnSpPr>
+              <a:cxnSpLocks/>
+              <a:stCxn id="202" idx="6"/>
+              <a:endCxn id="204" idx="2"/>
+            </p:cNvCxnSpPr>
+            <p:nvPr/>
+          </p:nvCxnSpPr>
+          <p:spPr>
+            <a:xfrm flipV="1">
+              <a:off x="2110582" y="4915280"/>
+              <a:ext cx="820912" cy="159278"/>
+            </a:xfrm>
+            <a:prstGeom prst="bentConnector3">
+              <a:avLst>
+                <a:gd name="adj1" fmla="val 50000"/>
+              </a:avLst>
+            </a:prstGeom>
+            <a:solidFill>
+              <a:schemeClr val="accent6">
+                <a:lumMod val="50000"/>
+              </a:schemeClr>
+            </a:solidFill>
+            <a:ln>
+              <a:tailEnd type="triangle"/>
+            </a:ln>
+          </p:spPr>
+          <p:style>
+            <a:lnRef idx="1">
+              <a:schemeClr val="accent1"/>
+            </a:lnRef>
+            <a:fillRef idx="0">
+              <a:schemeClr val="accent1"/>
+            </a:fillRef>
+            <a:effectRef idx="0">
+              <a:schemeClr val="accent1"/>
+            </a:effectRef>
+            <a:fontRef idx="minor">
+              <a:schemeClr val="tx1"/>
+            </a:fontRef>
+          </p:style>
+        </p:cxnSp>
+        <p:cxnSp>
+          <p:nvCxnSpPr>
+            <p:cNvPr id="206" name="연결선: 꺾임 205">
+              <a:extLst>
+                <a:ext uri="{FF2B5EF4-FFF2-40B4-BE49-F238E27FC236}">
+                  <a16:creationId xmlns:a16="http://schemas.microsoft.com/office/drawing/2014/main" id="{AC1EBBFC-FEE8-A0BC-2FA0-92D7F74F5C18}"/>
+                </a:ext>
+              </a:extLst>
+            </p:cNvPr>
+            <p:cNvCxnSpPr>
+              <a:cxnSpLocks/>
+              <a:stCxn id="204" idx="4"/>
+              <a:endCxn id="203" idx="0"/>
+            </p:cNvCxnSpPr>
+            <p:nvPr/>
+          </p:nvCxnSpPr>
+          <p:spPr>
+            <a:xfrm rot="5400000">
+              <a:off x="2906744" y="5099332"/>
+              <a:ext cx="365633" cy="346889"/>
+            </a:xfrm>
+            <a:prstGeom prst="bentConnector3">
+              <a:avLst>
+                <a:gd name="adj1" fmla="val 50000"/>
+              </a:avLst>
+            </a:prstGeom>
+            <a:solidFill>
+              <a:schemeClr val="accent6">
+                <a:lumMod val="50000"/>
+              </a:schemeClr>
+            </a:solidFill>
+            <a:ln>
+              <a:tailEnd type="triangle"/>
+            </a:ln>
+          </p:spPr>
+          <p:style>
+            <a:lnRef idx="1">
+              <a:schemeClr val="accent1"/>
+            </a:lnRef>
+            <a:fillRef idx="0">
+              <a:schemeClr val="accent1"/>
+            </a:fillRef>
+            <a:effectRef idx="0">
+              <a:schemeClr val="accent1"/>
+            </a:effectRef>
+            <a:fontRef idx="minor">
+              <a:schemeClr val="tx1"/>
+            </a:fontRef>
+          </p:style>
+        </p:cxnSp>
         <p:sp>
           <p:nvSpPr>
             <p:cNvPr id="21" name="타원 20">
@@ -23170,7 +23264,7 @@
           </p:nvSpPr>
           <p:spPr>
             <a:xfrm>
-              <a:off x="1729023" y="5385714"/>
+              <a:off x="1245634" y="5479924"/>
               <a:ext cx="1066876" cy="349358"/>
             </a:xfrm>
             <a:prstGeom prst="ellipse">

--- a/DsDotNet/src/UnitTest/UnitTest.Model/ImportOfficeExample/Sample/kit.pptx
+++ b/DsDotNet/src/UnitTest/UnitTest.Model/ImportOfficeExample/Sample/kit.pptx
@@ -217,7 +217,7 @@
           <a:p>
             <a:fld id="{DD503887-5801-43A0-AEF9-041E8DDC2558}" type="datetimeFigureOut">
               <a:rPr lang="ko-KR" altLang="en-US" smtClean="0"/>
-              <a:t>2023-11-22</a:t>
+              <a:t>2023-11-24</a:t>
             </a:fld>
             <a:endParaRPr lang="ko-KR" altLang="en-US" dirty="0"/>
           </a:p>
@@ -394,7 +394,7 @@
           <a:p>
             <a:fld id="{95336A0E-57B1-4D4C-BD9B-2F72B5943464}" type="datetimeFigureOut">
               <a:rPr lang="ko-KR" altLang="en-US" smtClean="0"/>
-              <a:t>2023-11-22</a:t>
+              <a:t>2023-11-24</a:t>
             </a:fld>
             <a:endParaRPr lang="ko-KR" altLang="en-US" dirty="0"/>
           </a:p>
@@ -892,7 +892,7 @@
           <a:p>
             <a:fld id="{229D12C7-0FF5-4972-A033-474EFFC79F40}" type="datetime1">
               <a:rPr lang="ko-KR" altLang="en-US" smtClean="0"/>
-              <a:t>2023-11-22</a:t>
+              <a:t>2023-11-24</a:t>
             </a:fld>
             <a:endParaRPr lang="ko-KR" altLang="en-US" dirty="0"/>
           </a:p>
@@ -1090,7 +1090,7 @@
           <a:p>
             <a:fld id="{5BA19FD4-B052-4F56-8FD8-EAFD078DEFB0}" type="datetime1">
               <a:rPr lang="ko-KR" altLang="en-US" smtClean="0"/>
-              <a:t>2023-11-22</a:t>
+              <a:t>2023-11-24</a:t>
             </a:fld>
             <a:endParaRPr lang="ko-KR" altLang="en-US" dirty="0"/>
           </a:p>
@@ -1298,7 +1298,7 @@
           <a:p>
             <a:fld id="{024994B9-23A6-4B0A-A038-AC140E83DAA3}" type="datetime1">
               <a:rPr lang="ko-KR" altLang="en-US" smtClean="0"/>
-              <a:t>2023-11-22</a:t>
+              <a:t>2023-11-24</a:t>
             </a:fld>
             <a:endParaRPr lang="ko-KR" altLang="en-US" dirty="0"/>
           </a:p>
@@ -1440,7 +1440,7 @@
           <a:p>
             <a:fld id="{B5B1BBC2-B738-4C35-AEE5-660EB2DEB482}" type="datetime1">
               <a:rPr lang="ko-KR" altLang="en-US" smtClean="0"/>
-              <a:t>2023-11-22</a:t>
+              <a:t>2023-11-24</a:t>
             </a:fld>
             <a:endParaRPr lang="ko-KR" altLang="en-US" dirty="0"/>
           </a:p>
@@ -6107,7 +6107,7 @@
           <a:p>
             <a:fld id="{C984B0C4-64BA-4E4C-B5E6-A51EE3F6ED95}" type="datetime1">
               <a:rPr lang="ko-KR" altLang="en-US" smtClean="0"/>
-              <a:t>2023-11-22</a:t>
+              <a:t>2023-11-24</a:t>
             </a:fld>
             <a:endParaRPr lang="ko-KR" altLang="en-US" dirty="0"/>
           </a:p>
@@ -6305,7 +6305,7 @@
           <a:p>
             <a:fld id="{70D0DAB2-87CB-4028-B965-3AA710ADF2CB}" type="datetime1">
               <a:rPr lang="ko-KR" altLang="en-US" smtClean="0"/>
-              <a:t>2023-11-22</a:t>
+              <a:t>2023-11-24</a:t>
             </a:fld>
             <a:endParaRPr lang="ko-KR" altLang="en-US" dirty="0"/>
           </a:p>
@@ -6580,7 +6580,7 @@
           <a:p>
             <a:fld id="{63FA3D71-FEA8-477F-9D1E-EA860F411BC7}" type="datetime1">
               <a:rPr lang="ko-KR" altLang="en-US" smtClean="0"/>
-              <a:t>2023-11-22</a:t>
+              <a:t>2023-11-24</a:t>
             </a:fld>
             <a:endParaRPr lang="ko-KR" altLang="en-US" dirty="0"/>
           </a:p>
@@ -6845,7 +6845,7 @@
           <a:p>
             <a:fld id="{F58E3EF4-7980-4C97-BA64-EC66995BB574}" type="datetime1">
               <a:rPr lang="ko-KR" altLang="en-US" smtClean="0"/>
-              <a:t>2023-11-22</a:t>
+              <a:t>2023-11-24</a:t>
             </a:fld>
             <a:endParaRPr lang="ko-KR" altLang="en-US" dirty="0"/>
           </a:p>
@@ -7257,7 +7257,7 @@
           <a:p>
             <a:fld id="{FC9BC1D0-7D6B-4634-9D19-644040D74EAE}" type="datetime1">
               <a:rPr lang="ko-KR" altLang="en-US" smtClean="0"/>
-              <a:t>2023-11-22</a:t>
+              <a:t>2023-11-24</a:t>
             </a:fld>
             <a:endParaRPr lang="ko-KR" altLang="en-US" dirty="0"/>
           </a:p>
@@ -7398,7 +7398,7 @@
           <a:p>
             <a:fld id="{B5B1BBC2-B738-4C35-AEE5-660EB2DEB482}" type="datetime1">
               <a:rPr lang="ko-KR" altLang="en-US" smtClean="0"/>
-              <a:t>2023-11-22</a:t>
+              <a:t>2023-11-24</a:t>
             </a:fld>
             <a:endParaRPr lang="ko-KR" altLang="en-US" dirty="0"/>
           </a:p>
@@ -11980,7 +11980,7 @@
           <a:p>
             <a:fld id="{C60E9F93-7E77-4F36-B88C-A425F00C8D91}" type="datetime1">
               <a:rPr lang="ko-KR" altLang="en-US" smtClean="0"/>
-              <a:t>2023-11-22</a:t>
+              <a:t>2023-11-24</a:t>
             </a:fld>
             <a:endParaRPr lang="ko-KR" altLang="en-US" dirty="0"/>
           </a:p>
@@ -12291,7 +12291,7 @@
           <a:p>
             <a:fld id="{36BCCD0E-2A54-4016-BFFC-FEAABCDA6915}" type="datetime1">
               <a:rPr lang="ko-KR" altLang="en-US" smtClean="0"/>
-              <a:t>2023-11-22</a:t>
+              <a:t>2023-11-24</a:t>
             </a:fld>
             <a:endParaRPr lang="ko-KR" altLang="en-US" dirty="0"/>
           </a:p>
@@ -12579,7 +12579,7 @@
           <a:p>
             <a:fld id="{C984B0C4-64BA-4E4C-B5E6-A51EE3F6ED95}" type="datetime1">
               <a:rPr lang="ko-KR" altLang="en-US" smtClean="0"/>
-              <a:t>2023-11-22</a:t>
+              <a:t>2023-11-24</a:t>
             </a:fld>
             <a:endParaRPr lang="ko-KR" altLang="en-US" dirty="0"/>
           </a:p>
@@ -12821,7 +12821,7 @@
           <a:p>
             <a:fld id="{C984B0C4-64BA-4E4C-B5E6-A51EE3F6ED95}" type="datetime1">
               <a:rPr lang="ko-KR" altLang="en-US" smtClean="0"/>
-              <a:t>2023-11-22</a:t>
+              <a:t>2023-11-24</a:t>
             </a:fld>
             <a:endParaRPr lang="ko-KR" altLang="en-US" dirty="0"/>
           </a:p>
@@ -19201,10 +19201,10 @@
       </p:sp>
       <p:grpSp>
         <p:nvGrpSpPr>
-          <p:cNvPr id="8" name="그룹 7">
+          <p:cNvPr id="16" name="그룹 15">
             <a:extLst>
               <a:ext uri="{FF2B5EF4-FFF2-40B4-BE49-F238E27FC236}">
-                <a16:creationId xmlns:a16="http://schemas.microsoft.com/office/drawing/2014/main" id="{6BE4EFF2-2025-218B-797F-76007C938972}"/>
+                <a16:creationId xmlns:a16="http://schemas.microsoft.com/office/drawing/2014/main" id="{440A7374-DF9C-AF8A-E311-31F677D1EF19}"/>
               </a:ext>
             </a:extLst>
           </p:cNvPr>
@@ -19829,23 +19829,7 @@
                   <a:schemeClr val="tx1"/>
                 </a:solidFill>
               </a:rPr>
-              <a:t>[</a:t>
-            </a:r>
-            <a:r>
-              <a:rPr lang="en-US" altLang="ko-KR" sz="1000" dirty="0" err="1">
-                <a:solidFill>
-                  <a:schemeClr val="tx1"/>
-                </a:solidFill>
-              </a:rPr>
-              <a:t>stp</a:t>
-            </a:r>
-            <a:r>
-              <a:rPr lang="en-US" altLang="ko-KR" sz="1000" dirty="0">
-                <a:solidFill>
-                  <a:schemeClr val="tx1"/>
-                </a:solidFill>
-              </a:rPr>
-              <a:t>]4</a:t>
+              <a:t>[stp1]</a:t>
             </a:r>
             <a:endParaRPr lang="ko-KR" altLang="en-US" sz="1000" dirty="0">
               <a:solidFill>
@@ -20490,10 +20474,10 @@
       </p:sp>
       <p:grpSp>
         <p:nvGrpSpPr>
-          <p:cNvPr id="6" name="그룹 5">
+          <p:cNvPr id="15" name="그룹 14">
             <a:extLst>
               <a:ext uri="{FF2B5EF4-FFF2-40B4-BE49-F238E27FC236}">
-                <a16:creationId xmlns:a16="http://schemas.microsoft.com/office/drawing/2014/main" id="{67FE89B5-D42D-1CEE-E5C4-FB69294251B3}"/>
+                <a16:creationId xmlns:a16="http://schemas.microsoft.com/office/drawing/2014/main" id="{EA009F8C-1622-2325-7949-D5105B389850}"/>
               </a:ext>
             </a:extLst>
           </p:cNvPr>
@@ -22857,10 +22841,10 @@
       </p:cxnSp>
       <p:grpSp>
         <p:nvGrpSpPr>
-          <p:cNvPr id="5" name="그룹 4">
+          <p:cNvPr id="13" name="그룹 12">
             <a:extLst>
               <a:ext uri="{FF2B5EF4-FFF2-40B4-BE49-F238E27FC236}">
-                <a16:creationId xmlns:a16="http://schemas.microsoft.com/office/drawing/2014/main" id="{A17BB4BB-1614-3C3B-D347-9A75A2B220B2}"/>
+                <a16:creationId xmlns:a16="http://schemas.microsoft.com/office/drawing/2014/main" id="{9ACBBC00-DA38-A1B4-0099-B07EE9AB1E1F}"/>
               </a:ext>
             </a:extLst>
           </p:cNvPr>
@@ -23544,6 +23528,231 @@
           </a:fontRef>
         </p:style>
       </p:cxnSp>
+      <p:sp>
+        <p:nvSpPr>
+          <p:cNvPr id="10" name="사각형: 모서리가 접힌 도형 9">
+            <a:extLst>
+              <a:ext uri="{FF2B5EF4-FFF2-40B4-BE49-F238E27FC236}">
+                <a16:creationId xmlns:a16="http://schemas.microsoft.com/office/drawing/2014/main" id="{188A8782-6D69-4986-4657-6FA19926557D}"/>
+              </a:ext>
+            </a:extLst>
+          </p:cNvPr>
+          <p:cNvSpPr/>
+          <p:nvPr/>
+        </p:nvSpPr>
+        <p:spPr>
+          <a:xfrm>
+            <a:off x="12706506" y="1843603"/>
+            <a:ext cx="1812926" cy="317428"/>
+          </a:xfrm>
+          <a:prstGeom prst="foldedCorner">
+            <a:avLst/>
+          </a:prstGeom>
+          <a:solidFill>
+            <a:schemeClr val="accent3">
+              <a:alpha val="50000"/>
+            </a:schemeClr>
+          </a:solidFill>
+          <a:ln>
+            <a:noFill/>
+          </a:ln>
+        </p:spPr>
+        <p:style>
+          <a:lnRef idx="0">
+            <a:scrgbClr r="0" g="0" b="0"/>
+          </a:lnRef>
+          <a:fillRef idx="0">
+            <a:scrgbClr r="0" g="0" b="0"/>
+          </a:fillRef>
+          <a:effectRef idx="0">
+            <a:scrgbClr r="0" g="0" b="0"/>
+          </a:effectRef>
+          <a:fontRef idx="minor">
+            <a:schemeClr val="lt1"/>
+          </a:fontRef>
+        </p:style>
+        <p:txBody>
+          <a:bodyPr rtlCol="0" anchor="ctr"/>
+          <a:lstStyle/>
+          <a:p>
+            <a:pPr algn="ctr"/>
+            <a:r>
+              <a:rPr lang="en-US" altLang="ko-KR" sz="1000" dirty="0">
+                <a:solidFill>
+                  <a:schemeClr val="tx1"/>
+                </a:solidFill>
+              </a:rPr>
+              <a:t>lib/Cylinder/Double </a:t>
+            </a:r>
+          </a:p>
+          <a:p>
+            <a:pPr algn="ctr"/>
+            <a:r>
+              <a:rPr lang="en-US" altLang="ko-KR" sz="1000" dirty="0">
+                <a:solidFill>
+                  <a:schemeClr val="tx1"/>
+                </a:solidFill>
+              </a:rPr>
+              <a:t>[stp2]</a:t>
+            </a:r>
+            <a:endParaRPr lang="ko-KR" altLang="en-US" sz="1000" dirty="0">
+              <a:solidFill>
+                <a:schemeClr val="tx1"/>
+              </a:solidFill>
+            </a:endParaRPr>
+          </a:p>
+        </p:txBody>
+      </p:sp>
+      <p:sp>
+        <p:nvSpPr>
+          <p:cNvPr id="11" name="사각형: 모서리가 접힌 도형 10">
+            <a:extLst>
+              <a:ext uri="{FF2B5EF4-FFF2-40B4-BE49-F238E27FC236}">
+                <a16:creationId xmlns:a16="http://schemas.microsoft.com/office/drawing/2014/main" id="{FA32356E-DBE1-13EB-BCF7-2EF54F872EAC}"/>
+              </a:ext>
+            </a:extLst>
+          </p:cNvPr>
+          <p:cNvSpPr/>
+          <p:nvPr/>
+        </p:nvSpPr>
+        <p:spPr>
+          <a:xfrm>
+            <a:off x="12706506" y="2663117"/>
+            <a:ext cx="1812926" cy="317428"/>
+          </a:xfrm>
+          <a:prstGeom prst="foldedCorner">
+            <a:avLst/>
+          </a:prstGeom>
+          <a:solidFill>
+            <a:schemeClr val="accent3">
+              <a:alpha val="50000"/>
+            </a:schemeClr>
+          </a:solidFill>
+          <a:ln>
+            <a:noFill/>
+          </a:ln>
+        </p:spPr>
+        <p:style>
+          <a:lnRef idx="0">
+            <a:scrgbClr r="0" g="0" b="0"/>
+          </a:lnRef>
+          <a:fillRef idx="0">
+            <a:scrgbClr r="0" g="0" b="0"/>
+          </a:fillRef>
+          <a:effectRef idx="0">
+            <a:scrgbClr r="0" g="0" b="0"/>
+          </a:effectRef>
+          <a:fontRef idx="minor">
+            <a:schemeClr val="lt1"/>
+          </a:fontRef>
+        </p:style>
+        <p:txBody>
+          <a:bodyPr rtlCol="0" anchor="ctr"/>
+          <a:lstStyle/>
+          <a:p>
+            <a:pPr algn="ctr"/>
+            <a:r>
+              <a:rPr lang="en-US" altLang="ko-KR" sz="1000" dirty="0">
+                <a:solidFill>
+                  <a:schemeClr val="tx1"/>
+                </a:solidFill>
+              </a:rPr>
+              <a:t>lib/Cylinder/Double </a:t>
+            </a:r>
+          </a:p>
+          <a:p>
+            <a:pPr algn="ctr"/>
+            <a:r>
+              <a:rPr lang="en-US" altLang="ko-KR" sz="1000" dirty="0">
+                <a:solidFill>
+                  <a:schemeClr val="tx1"/>
+                </a:solidFill>
+              </a:rPr>
+              <a:t>[stp3]</a:t>
+            </a:r>
+            <a:endParaRPr lang="ko-KR" altLang="en-US" sz="1000" dirty="0">
+              <a:solidFill>
+                <a:schemeClr val="tx1"/>
+              </a:solidFill>
+            </a:endParaRPr>
+          </a:p>
+        </p:txBody>
+      </p:sp>
+      <p:sp>
+        <p:nvSpPr>
+          <p:cNvPr id="12" name="사각형: 모서리가 접힌 도형 11">
+            <a:extLst>
+              <a:ext uri="{FF2B5EF4-FFF2-40B4-BE49-F238E27FC236}">
+                <a16:creationId xmlns:a16="http://schemas.microsoft.com/office/drawing/2014/main" id="{9E47DA37-DFB2-E811-3A49-042628D9844F}"/>
+              </a:ext>
+            </a:extLst>
+          </p:cNvPr>
+          <p:cNvSpPr/>
+          <p:nvPr/>
+        </p:nvSpPr>
+        <p:spPr>
+          <a:xfrm>
+            <a:off x="12663727" y="3416891"/>
+            <a:ext cx="1812926" cy="317428"/>
+          </a:xfrm>
+          <a:prstGeom prst="foldedCorner">
+            <a:avLst/>
+          </a:prstGeom>
+          <a:solidFill>
+            <a:schemeClr val="accent3">
+              <a:alpha val="50000"/>
+            </a:schemeClr>
+          </a:solidFill>
+          <a:ln>
+            <a:noFill/>
+          </a:ln>
+        </p:spPr>
+        <p:style>
+          <a:lnRef idx="0">
+            <a:scrgbClr r="0" g="0" b="0"/>
+          </a:lnRef>
+          <a:fillRef idx="0">
+            <a:scrgbClr r="0" g="0" b="0"/>
+          </a:fillRef>
+          <a:effectRef idx="0">
+            <a:scrgbClr r="0" g="0" b="0"/>
+          </a:effectRef>
+          <a:fontRef idx="minor">
+            <a:schemeClr val="lt1"/>
+          </a:fontRef>
+        </p:style>
+        <p:txBody>
+          <a:bodyPr rtlCol="0" anchor="ctr"/>
+          <a:lstStyle/>
+          <a:p>
+            <a:pPr algn="ctr"/>
+            <a:r>
+              <a:rPr lang="en-US" altLang="ko-KR" sz="1000" dirty="0">
+                <a:solidFill>
+                  <a:schemeClr val="tx1"/>
+                </a:solidFill>
+              </a:rPr>
+              <a:t>lib/Cylinder/Double </a:t>
+            </a:r>
+          </a:p>
+          <a:p>
+            <a:pPr algn="ctr"/>
+            <a:r>
+              <a:rPr lang="en-US" altLang="ko-KR" sz="1000" dirty="0">
+                <a:solidFill>
+                  <a:schemeClr val="tx1"/>
+                </a:solidFill>
+              </a:rPr>
+              <a:t>[stp4]</a:t>
+            </a:r>
+            <a:endParaRPr lang="ko-KR" altLang="en-US" sz="1000" dirty="0">
+              <a:solidFill>
+                <a:schemeClr val="tx1"/>
+              </a:solidFill>
+            </a:endParaRPr>
+          </a:p>
+        </p:txBody>
+      </p:sp>
     </p:spTree>
     <p:extLst>
       <p:ext uri="{BB962C8B-B14F-4D97-AF65-F5344CB8AC3E}">

--- a/DsDotNet/src/UnitTest/UnitTest.Model/ImportOfficeExample/Sample/kit.pptx
+++ b/DsDotNet/src/UnitTest/UnitTest.Model/ImportOfficeExample/Sample/kit.pptx
@@ -217,7 +217,7 @@
           <a:p>
             <a:fld id="{DD503887-5801-43A0-AEF9-041E8DDC2558}" type="datetimeFigureOut">
               <a:rPr lang="ko-KR" altLang="en-US" smtClean="0"/>
-              <a:t>2023-11-24</a:t>
+              <a:t>2023-12-01</a:t>
             </a:fld>
             <a:endParaRPr lang="ko-KR" altLang="en-US" dirty="0"/>
           </a:p>
@@ -394,7 +394,7 @@
           <a:p>
             <a:fld id="{95336A0E-57B1-4D4C-BD9B-2F72B5943464}" type="datetimeFigureOut">
               <a:rPr lang="ko-KR" altLang="en-US" smtClean="0"/>
-              <a:t>2023-11-24</a:t>
+              <a:t>2023-12-01</a:t>
             </a:fld>
             <a:endParaRPr lang="ko-KR" altLang="en-US" dirty="0"/>
           </a:p>
@@ -892,7 +892,7 @@
           <a:p>
             <a:fld id="{229D12C7-0FF5-4972-A033-474EFFC79F40}" type="datetime1">
               <a:rPr lang="ko-KR" altLang="en-US" smtClean="0"/>
-              <a:t>2023-11-24</a:t>
+              <a:t>2023-12-01</a:t>
             </a:fld>
             <a:endParaRPr lang="ko-KR" altLang="en-US" dirty="0"/>
           </a:p>
@@ -1090,7 +1090,7 @@
           <a:p>
             <a:fld id="{5BA19FD4-B052-4F56-8FD8-EAFD078DEFB0}" type="datetime1">
               <a:rPr lang="ko-KR" altLang="en-US" smtClean="0"/>
-              <a:t>2023-11-24</a:t>
+              <a:t>2023-12-01</a:t>
             </a:fld>
             <a:endParaRPr lang="ko-KR" altLang="en-US" dirty="0"/>
           </a:p>
@@ -1298,7 +1298,7 @@
           <a:p>
             <a:fld id="{024994B9-23A6-4B0A-A038-AC140E83DAA3}" type="datetime1">
               <a:rPr lang="ko-KR" altLang="en-US" smtClean="0"/>
-              <a:t>2023-11-24</a:t>
+              <a:t>2023-12-01</a:t>
             </a:fld>
             <a:endParaRPr lang="ko-KR" altLang="en-US" dirty="0"/>
           </a:p>
@@ -1440,7 +1440,7 @@
           <a:p>
             <a:fld id="{B5B1BBC2-B738-4C35-AEE5-660EB2DEB482}" type="datetime1">
               <a:rPr lang="ko-KR" altLang="en-US" smtClean="0"/>
-              <a:t>2023-11-24</a:t>
+              <a:t>2023-12-01</a:t>
             </a:fld>
             <a:endParaRPr lang="ko-KR" altLang="en-US" dirty="0"/>
           </a:p>
@@ -6107,7 +6107,7 @@
           <a:p>
             <a:fld id="{C984B0C4-64BA-4E4C-B5E6-A51EE3F6ED95}" type="datetime1">
               <a:rPr lang="ko-KR" altLang="en-US" smtClean="0"/>
-              <a:t>2023-11-24</a:t>
+              <a:t>2023-12-01</a:t>
             </a:fld>
             <a:endParaRPr lang="ko-KR" altLang="en-US" dirty="0"/>
           </a:p>
@@ -6305,7 +6305,7 @@
           <a:p>
             <a:fld id="{70D0DAB2-87CB-4028-B965-3AA710ADF2CB}" type="datetime1">
               <a:rPr lang="ko-KR" altLang="en-US" smtClean="0"/>
-              <a:t>2023-11-24</a:t>
+              <a:t>2023-12-01</a:t>
             </a:fld>
             <a:endParaRPr lang="ko-KR" altLang="en-US" dirty="0"/>
           </a:p>
@@ -6580,7 +6580,7 @@
           <a:p>
             <a:fld id="{63FA3D71-FEA8-477F-9D1E-EA860F411BC7}" type="datetime1">
               <a:rPr lang="ko-KR" altLang="en-US" smtClean="0"/>
-              <a:t>2023-11-24</a:t>
+              <a:t>2023-12-01</a:t>
             </a:fld>
             <a:endParaRPr lang="ko-KR" altLang="en-US" dirty="0"/>
           </a:p>
@@ -6845,7 +6845,7 @@
           <a:p>
             <a:fld id="{F58E3EF4-7980-4C97-BA64-EC66995BB574}" type="datetime1">
               <a:rPr lang="ko-KR" altLang="en-US" smtClean="0"/>
-              <a:t>2023-11-24</a:t>
+              <a:t>2023-12-01</a:t>
             </a:fld>
             <a:endParaRPr lang="ko-KR" altLang="en-US" dirty="0"/>
           </a:p>
@@ -7257,7 +7257,7 @@
           <a:p>
             <a:fld id="{FC9BC1D0-7D6B-4634-9D19-644040D74EAE}" type="datetime1">
               <a:rPr lang="ko-KR" altLang="en-US" smtClean="0"/>
-              <a:t>2023-11-24</a:t>
+              <a:t>2023-12-01</a:t>
             </a:fld>
             <a:endParaRPr lang="ko-KR" altLang="en-US" dirty="0"/>
           </a:p>
@@ -7398,7 +7398,7 @@
           <a:p>
             <a:fld id="{B5B1BBC2-B738-4C35-AEE5-660EB2DEB482}" type="datetime1">
               <a:rPr lang="ko-KR" altLang="en-US" smtClean="0"/>
-              <a:t>2023-11-24</a:t>
+              <a:t>2023-12-01</a:t>
             </a:fld>
             <a:endParaRPr lang="ko-KR" altLang="en-US" dirty="0"/>
           </a:p>
@@ -11980,7 +11980,7 @@
           <a:p>
             <a:fld id="{C60E9F93-7E77-4F36-B88C-A425F00C8D91}" type="datetime1">
               <a:rPr lang="ko-KR" altLang="en-US" smtClean="0"/>
-              <a:t>2023-11-24</a:t>
+              <a:t>2023-12-01</a:t>
             </a:fld>
             <a:endParaRPr lang="ko-KR" altLang="en-US" dirty="0"/>
           </a:p>
@@ -12291,7 +12291,7 @@
           <a:p>
             <a:fld id="{36BCCD0E-2A54-4016-BFFC-FEAABCDA6915}" type="datetime1">
               <a:rPr lang="ko-KR" altLang="en-US" smtClean="0"/>
-              <a:t>2023-11-24</a:t>
+              <a:t>2023-12-01</a:t>
             </a:fld>
             <a:endParaRPr lang="ko-KR" altLang="en-US" dirty="0"/>
           </a:p>
@@ -12579,7 +12579,7 @@
           <a:p>
             <a:fld id="{C984B0C4-64BA-4E4C-B5E6-A51EE3F6ED95}" type="datetime1">
               <a:rPr lang="ko-KR" altLang="en-US" smtClean="0"/>
-              <a:t>2023-11-24</a:t>
+              <a:t>2023-12-01</a:t>
             </a:fld>
             <a:endParaRPr lang="ko-KR" altLang="en-US" dirty="0"/>
           </a:p>
@@ -12821,7 +12821,7 @@
           <a:p>
             <a:fld id="{C984B0C4-64BA-4E4C-B5E6-A51EE3F6ED95}" type="datetime1">
               <a:rPr lang="ko-KR" altLang="en-US" smtClean="0"/>
-              <a:t>2023-11-24</a:t>
+              <a:t>2023-12-01</a:t>
             </a:fld>
             <a:endParaRPr lang="ko-KR" altLang="en-US" dirty="0"/>
           </a:p>
@@ -19201,10 +19201,10 @@
       </p:sp>
       <p:grpSp>
         <p:nvGrpSpPr>
-          <p:cNvPr id="16" name="그룹 15">
+          <p:cNvPr id="8" name="그룹 7">
             <a:extLst>
               <a:ext uri="{FF2B5EF4-FFF2-40B4-BE49-F238E27FC236}">
-                <a16:creationId xmlns:a16="http://schemas.microsoft.com/office/drawing/2014/main" id="{440A7374-DF9C-AF8A-E311-31F677D1EF19}"/>
+                <a16:creationId xmlns:a16="http://schemas.microsoft.com/office/drawing/2014/main" id="{D347738D-5CA5-EF67-25C2-B77A98D77C7B}"/>
               </a:ext>
             </a:extLst>
           </p:cNvPr>
@@ -20474,10 +20474,10 @@
       </p:sp>
       <p:grpSp>
         <p:nvGrpSpPr>
-          <p:cNvPr id="15" name="그룹 14">
+          <p:cNvPr id="6" name="그룹 5">
             <a:extLst>
               <a:ext uri="{FF2B5EF4-FFF2-40B4-BE49-F238E27FC236}">
-                <a16:creationId xmlns:a16="http://schemas.microsoft.com/office/drawing/2014/main" id="{EA009F8C-1622-2325-7949-D5105B389850}"/>
+                <a16:creationId xmlns:a16="http://schemas.microsoft.com/office/drawing/2014/main" id="{DB2D978F-768B-F7BF-0641-E2F645639009}"/>
               </a:ext>
             </a:extLst>
           </p:cNvPr>
@@ -22841,10 +22841,10 @@
       </p:cxnSp>
       <p:grpSp>
         <p:nvGrpSpPr>
-          <p:cNvPr id="13" name="그룹 12">
+          <p:cNvPr id="5" name="그룹 4">
             <a:extLst>
               <a:ext uri="{FF2B5EF4-FFF2-40B4-BE49-F238E27FC236}">
-                <a16:creationId xmlns:a16="http://schemas.microsoft.com/office/drawing/2014/main" id="{9ACBBC00-DA38-A1B4-0099-B07EE9AB1E1F}"/>
+                <a16:creationId xmlns:a16="http://schemas.microsoft.com/office/drawing/2014/main" id="{AC11E9A8-FC85-9899-AE84-0D279C13816B}"/>
               </a:ext>
             </a:extLst>
           </p:cNvPr>

--- a/DsDotNet/src/UnitTest/UnitTest.Model/ImportOfficeExample/Sample/kit.pptx
+++ b/DsDotNet/src/UnitTest/UnitTest.Model/ImportOfficeExample/Sample/kit.pptx
@@ -5,16 +5,18 @@
     <p:sldMasterId id="2147483700" r:id="rId1"/>
   </p:sldMasterIdLst>
   <p:notesMasterIdLst>
-    <p:notesMasterId r:id="rId6"/>
+    <p:notesMasterId r:id="rId8"/>
   </p:notesMasterIdLst>
   <p:handoutMasterIdLst>
-    <p:handoutMasterId r:id="rId7"/>
+    <p:handoutMasterId r:id="rId9"/>
   </p:handoutMasterIdLst>
   <p:sldIdLst>
     <p:sldId id="741" r:id="rId2"/>
     <p:sldId id="733" r:id="rId3"/>
-    <p:sldId id="758" r:id="rId4"/>
-    <p:sldId id="757" r:id="rId5"/>
+    <p:sldId id="760" r:id="rId4"/>
+    <p:sldId id="758" r:id="rId5"/>
+    <p:sldId id="757" r:id="rId6"/>
+    <p:sldId id="759" r:id="rId7"/>
   </p:sldIdLst>
   <p:sldSz cx="12192000" cy="6858000"/>
   <p:notesSz cx="6797675" cy="9926638"/>
@@ -218,7 +220,7 @@
           <a:p>
             <a:fld id="{DD503887-5801-43A0-AEF9-041E8DDC2558}" type="datetimeFigureOut">
               <a:rPr lang="ko-KR" altLang="en-US" smtClean="0"/>
-              <a:t>2023-12-28</a:t>
+              <a:t>2023-12-29</a:t>
             </a:fld>
             <a:endParaRPr lang="ko-KR" altLang="en-US" dirty="0"/>
           </a:p>
@@ -395,7 +397,7 @@
           <a:p>
             <a:fld id="{95336A0E-57B1-4D4C-BD9B-2F72B5943464}" type="datetimeFigureOut">
               <a:rPr lang="ko-KR" altLang="en-US" smtClean="0"/>
-              <a:t>2023-12-28</a:t>
+              <a:t>2023-12-29</a:t>
             </a:fld>
             <a:endParaRPr lang="ko-KR" altLang="en-US" dirty="0"/>
           </a:p>
@@ -877,7 +879,7 @@
           <a:p>
             <a:fld id="{229D12C7-0FF5-4972-A033-474EFFC79F40}" type="datetime1">
               <a:rPr lang="ko-KR" altLang="en-US" smtClean="0"/>
-              <a:t>2023-12-28</a:t>
+              <a:t>2023-12-29</a:t>
             </a:fld>
             <a:endParaRPr lang="ko-KR" altLang="en-US" dirty="0"/>
           </a:p>
@@ -1047,7 +1049,7 @@
           <a:p>
             <a:fld id="{5BA19FD4-B052-4F56-8FD8-EAFD078DEFB0}" type="datetime1">
               <a:rPr lang="ko-KR" altLang="en-US" smtClean="0"/>
-              <a:t>2023-12-28</a:t>
+              <a:t>2023-12-29</a:t>
             </a:fld>
             <a:endParaRPr lang="ko-KR" altLang="en-US" dirty="0"/>
           </a:p>
@@ -1227,7 +1229,7 @@
           <a:p>
             <a:fld id="{024994B9-23A6-4B0A-A038-AC140E83DAA3}" type="datetime1">
               <a:rPr lang="ko-KR" altLang="en-US" smtClean="0"/>
-              <a:t>2023-12-28</a:t>
+              <a:t>2023-12-29</a:t>
             </a:fld>
             <a:endParaRPr lang="ko-KR" altLang="en-US" dirty="0"/>
           </a:p>
@@ -1357,7 +1359,7 @@
           <a:p>
             <a:fld id="{B5B1BBC2-B738-4C35-AEE5-660EB2DEB482}" type="datetime1">
               <a:rPr lang="ko-KR" altLang="en-US" smtClean="0"/>
-              <a:t>2023-12-28</a:t>
+              <a:t>2023-12-29</a:t>
             </a:fld>
             <a:endParaRPr lang="ko-KR" altLang="en-US" dirty="0"/>
           </a:p>
@@ -6008,7 +6010,7 @@
           <a:p>
             <a:fld id="{70D0DAB2-87CB-4028-B965-3AA710ADF2CB}" type="datetime1">
               <a:rPr lang="ko-KR" altLang="en-US" smtClean="0"/>
-              <a:t>2023-12-28</a:t>
+              <a:t>2023-12-29</a:t>
             </a:fld>
             <a:endParaRPr lang="ko-KR" altLang="en-US" dirty="0"/>
           </a:p>
@@ -6254,7 +6256,7 @@
           <a:p>
             <a:fld id="{63FA3D71-FEA8-477F-9D1E-EA860F411BC7}" type="datetime1">
               <a:rPr lang="ko-KR" altLang="en-US" smtClean="0"/>
-              <a:t>2023-12-28</a:t>
+              <a:t>2023-12-29</a:t>
             </a:fld>
             <a:endParaRPr lang="ko-KR" altLang="en-US" dirty="0"/>
           </a:p>
@@ -6486,7 +6488,7 @@
           <a:p>
             <a:fld id="{F58E3EF4-7980-4C97-BA64-EC66995BB574}" type="datetime1">
               <a:rPr lang="ko-KR" altLang="en-US" smtClean="0"/>
-              <a:t>2023-12-28</a:t>
+              <a:t>2023-12-29</a:t>
             </a:fld>
             <a:endParaRPr lang="ko-KR" altLang="en-US" dirty="0"/>
           </a:p>
@@ -6853,7 +6855,7 @@
           <a:p>
             <a:fld id="{FC9BC1D0-7D6B-4634-9D19-644040D74EAE}" type="datetime1">
               <a:rPr lang="ko-KR" altLang="en-US" smtClean="0"/>
-              <a:t>2023-12-28</a:t>
+              <a:t>2023-12-29</a:t>
             </a:fld>
             <a:endParaRPr lang="ko-KR" altLang="en-US" dirty="0"/>
           </a:p>
@@ -6971,7 +6973,7 @@
           <a:p>
             <a:fld id="{B5B1BBC2-B738-4C35-AEE5-660EB2DEB482}" type="datetime1">
               <a:rPr lang="ko-KR" altLang="en-US" smtClean="0"/>
-              <a:t>2023-12-28</a:t>
+              <a:t>2023-12-29</a:t>
             </a:fld>
             <a:endParaRPr lang="ko-KR" altLang="en-US" dirty="0"/>
           </a:p>
@@ -11535,7 +11537,7 @@
           <a:p>
             <a:fld id="{C60E9F93-7E77-4F36-B88C-A425F00C8D91}" type="datetime1">
               <a:rPr lang="ko-KR" altLang="en-US" smtClean="0"/>
-              <a:t>2023-12-28</a:t>
+              <a:t>2023-12-29</a:t>
             </a:fld>
             <a:endParaRPr lang="ko-KR" altLang="en-US" dirty="0"/>
           </a:p>
@@ -11812,7 +11814,7 @@
           <a:p>
             <a:fld id="{36BCCD0E-2A54-4016-BFFC-FEAABCDA6915}" type="datetime1">
               <a:rPr lang="ko-KR" altLang="en-US" smtClean="0"/>
-              <a:t>2023-12-28</a:t>
+              <a:t>2023-12-29</a:t>
             </a:fld>
             <a:endParaRPr lang="ko-KR" altLang="en-US" dirty="0"/>
           </a:p>
@@ -12069,7 +12071,7 @@
           <a:p>
             <a:fld id="{C984B0C4-64BA-4E4C-B5E6-A51EE3F6ED95}" type="datetime1">
               <a:rPr lang="ko-KR" altLang="en-US" smtClean="0"/>
-              <a:t>2023-12-28</a:t>
+              <a:t>2023-12-29</a:t>
             </a:fld>
             <a:endParaRPr lang="ko-KR" altLang="en-US" dirty="0"/>
           </a:p>
@@ -12283,7 +12285,7 @@
           <a:p>
             <a:fld id="{C984B0C4-64BA-4E4C-B5E6-A51EE3F6ED95}" type="datetime1">
               <a:rPr lang="ko-KR" altLang="en-US" smtClean="0"/>
-              <a:t>2023-12-28</a:t>
+              <a:t>2023-12-29</a:t>
             </a:fld>
             <a:endParaRPr lang="ko-KR" altLang="en-US" dirty="0"/>
           </a:p>
@@ -12903,10 +12905,10 @@
       </p:sp>
       <p:grpSp>
         <p:nvGrpSpPr>
-          <p:cNvPr id="28" name="그룹 27">
+          <p:cNvPr id="18" name="그룹 17">
             <a:extLst>
               <a:ext uri="{FF2B5EF4-FFF2-40B4-BE49-F238E27FC236}">
-                <a16:creationId xmlns:a16="http://schemas.microsoft.com/office/drawing/2014/main" id="{19EA4925-4185-59EE-5CB6-EACD6E7F8848}"/>
+                <a16:creationId xmlns:a16="http://schemas.microsoft.com/office/drawing/2014/main" id="{E5CB20A0-63E7-BE9C-DA0B-239029AF0515}"/>
               </a:ext>
             </a:extLst>
           </p:cNvPr>
@@ -14303,10 +14305,10 @@
       </p:sp>
       <p:grpSp>
         <p:nvGrpSpPr>
-          <p:cNvPr id="27" name="그룹 26">
+          <p:cNvPr id="17" name="그룹 16">
             <a:extLst>
               <a:ext uri="{FF2B5EF4-FFF2-40B4-BE49-F238E27FC236}">
-                <a16:creationId xmlns:a16="http://schemas.microsoft.com/office/drawing/2014/main" id="{68C20E07-9C9C-F53E-87EC-9EB92623577F}"/>
+                <a16:creationId xmlns:a16="http://schemas.microsoft.com/office/drawing/2014/main" id="{097A9B40-AACF-05B4-A2C2-47164D9B2F36}"/>
               </a:ext>
             </a:extLst>
           </p:cNvPr>
@@ -16630,10 +16632,10 @@
       </p:sp>
       <p:grpSp>
         <p:nvGrpSpPr>
-          <p:cNvPr id="26" name="그룹 25">
+          <p:cNvPr id="16" name="그룹 15">
             <a:extLst>
               <a:ext uri="{FF2B5EF4-FFF2-40B4-BE49-F238E27FC236}">
-                <a16:creationId xmlns:a16="http://schemas.microsoft.com/office/drawing/2014/main" id="{313752BD-830D-14B6-94C2-C91A817E35BB}"/>
+                <a16:creationId xmlns:a16="http://schemas.microsoft.com/office/drawing/2014/main" id="{E9E91E7C-3701-166B-A3AF-5B0BFCD4A029}"/>
               </a:ext>
             </a:extLst>
           </p:cNvPr>
@@ -17702,6 +17704,923 @@
 </file>
 
 <file path=ppt/slides/slide3.xml><?xml version="1.0" encoding="utf-8"?>
+<p:sld xmlns:a="http://schemas.openxmlformats.org/drawingml/2006/main" xmlns:r="http://schemas.openxmlformats.org/officeDocument/2006/relationships" xmlns:p="http://schemas.openxmlformats.org/presentationml/2006/main">
+  <p:cSld>
+    <p:bg>
+      <p:bgPr>
+        <a:solidFill>
+          <a:srgbClr val="696969"/>
+        </a:solidFill>
+        <a:effectLst/>
+      </p:bgPr>
+    </p:bg>
+    <p:spTree>
+      <p:nvGrpSpPr>
+        <p:cNvPr id="1" name=""/>
+        <p:cNvGrpSpPr/>
+        <p:nvPr/>
+      </p:nvGrpSpPr>
+      <p:grpSpPr>
+        <a:xfrm>
+          <a:off x="0" y="0"/>
+          <a:ext cx="0" cy="0"/>
+          <a:chOff x="0" y="0"/>
+          <a:chExt cx="0" cy="0"/>
+        </a:xfrm>
+      </p:grpSpPr>
+      <p:sp>
+        <p:nvSpPr>
+          <p:cNvPr id="2" name="TextBox 1">
+            <a:extLst>
+              <a:ext uri="{FF2B5EF4-FFF2-40B4-BE49-F238E27FC236}">
+                <a16:creationId xmlns:a16="http://schemas.microsoft.com/office/drawing/2014/main" id="{E1085D9E-86BA-9BC3-EDC0-FCBAC48D4187}"/>
+              </a:ext>
+            </a:extLst>
+          </p:cNvPr>
+          <p:cNvSpPr txBox="1"/>
+          <p:nvPr/>
+        </p:nvSpPr>
+        <p:spPr>
+          <a:xfrm>
+            <a:off x="254000" y="127000"/>
+            <a:ext cx="15240000" cy="381000"/>
+          </a:xfrm>
+          <a:prstGeom prst="rect">
+            <a:avLst/>
+          </a:prstGeom>
+          <a:noFill/>
+        </p:spPr>
+        <p:txBody>
+          <a:bodyPr vert="horz" rtlCol="0">
+            <a:spAutoFit/>
+          </a:bodyPr>
+          <a:lstStyle/>
+          <a:p>
+            <a:r>
+              <a:rPr lang="en-US" altLang="ko-KR"/>
+              <a:t>Layout : KIT</a:t>
+            </a:r>
+            <a:endParaRPr lang="ko-KR" altLang="en-US"/>
+          </a:p>
+        </p:txBody>
+      </p:sp>
+      <p:sp>
+        <p:nvSpPr>
+          <p:cNvPr id="3" name="TextBox 2">
+            <a:extLst>
+              <a:ext uri="{FF2B5EF4-FFF2-40B4-BE49-F238E27FC236}">
+                <a16:creationId xmlns:a16="http://schemas.microsoft.com/office/drawing/2014/main" id="{080ED95E-C737-1861-A025-0EF218764BC6}"/>
+              </a:ext>
+            </a:extLst>
+          </p:cNvPr>
+          <p:cNvSpPr txBox="1"/>
+          <p:nvPr/>
+        </p:nvSpPr>
+        <p:spPr>
+          <a:xfrm>
+            <a:off x="254000" y="508000"/>
+            <a:ext cx="15240000" cy="381000"/>
+          </a:xfrm>
+          <a:prstGeom prst="rect">
+            <a:avLst/>
+          </a:prstGeom>
+          <a:noFill/>
+        </p:spPr>
+        <p:txBody>
+          <a:bodyPr vert="horz" rtlCol="0">
+            <a:spAutoFit/>
+          </a:bodyPr>
+          <a:lstStyle/>
+          <a:p>
+            <a:r>
+              <a:rPr lang="en-US" altLang="ko-KR" dirty="0"/>
+              <a:t>[Path]</a:t>
+            </a:r>
+            <a:r>
+              <a:rPr lang="en-US" altLang="ko-KR" dirty="0">
+                <a:highlight>
+                  <a:srgbClr val="FFFF00"/>
+                </a:highlight>
+              </a:rPr>
+              <a:t> </a:t>
+            </a:r>
+            <a:r>
+              <a:rPr lang="en-US" altLang="ko-KR" dirty="0" err="1">
+                <a:highlight>
+                  <a:srgbClr val="FFFF00"/>
+                </a:highlight>
+              </a:rPr>
+              <a:t>rtsp</a:t>
+            </a:r>
+            <a:r>
+              <a:rPr lang="en-US" altLang="ko-KR" dirty="0">
+                <a:highlight>
+                  <a:srgbClr val="FFFF00"/>
+                </a:highlight>
+              </a:rPr>
+              <a:t>://210.99.70.120:1935/live/</a:t>
+            </a:r>
+            <a:r>
+              <a:rPr lang="en-US" altLang="ko-KR" dirty="0" err="1">
+                <a:highlight>
+                  <a:srgbClr val="FFFF00"/>
+                </a:highlight>
+              </a:rPr>
+              <a:t>cctv012.stream</a:t>
+            </a:r>
+            <a:endParaRPr lang="ko-KR" altLang="en-US" dirty="0"/>
+          </a:p>
+        </p:txBody>
+      </p:sp>
+      <p:grpSp>
+        <p:nvGrpSpPr>
+          <p:cNvPr id="20" name="그룹 19">
+            <a:extLst>
+              <a:ext uri="{FF2B5EF4-FFF2-40B4-BE49-F238E27FC236}">
+                <a16:creationId xmlns:a16="http://schemas.microsoft.com/office/drawing/2014/main" id="{72B05EAE-994F-C800-12E2-4E7FD986A2F3}"/>
+              </a:ext>
+            </a:extLst>
+          </p:cNvPr>
+          <p:cNvGrpSpPr/>
+          <p:nvPr/>
+        </p:nvGrpSpPr>
+        <p:grpSpPr>
+          <a:xfrm>
+            <a:off x="1117600" y="127000"/>
+            <a:ext cx="10972800" cy="6261100"/>
+            <a:chOff x="1117600" y="127000"/>
+            <a:chExt cx="10972800" cy="6261100"/>
+          </a:xfrm>
+        </p:grpSpPr>
+        <p:sp>
+          <p:nvSpPr>
+            <p:cNvPr id="4" name="액자 3">
+              <a:extLst>
+                <a:ext uri="{FF2B5EF4-FFF2-40B4-BE49-F238E27FC236}">
+                  <a16:creationId xmlns:a16="http://schemas.microsoft.com/office/drawing/2014/main" id="{44DA33DB-44FF-3B4D-9329-A785E84E1975}"/>
+                </a:ext>
+              </a:extLst>
+            </p:cNvPr>
+            <p:cNvSpPr/>
+            <p:nvPr/>
+          </p:nvSpPr>
+          <p:spPr>
+            <a:xfrm>
+              <a:off x="10083800" y="127000"/>
+              <a:ext cx="838200" cy="279400"/>
+            </a:xfrm>
+            <a:prstGeom prst="frame">
+              <a:avLst/>
+            </a:prstGeom>
+          </p:spPr>
+          <p:style>
+            <a:lnRef idx="2">
+              <a:schemeClr val="accent1">
+                <a:shade val="15000"/>
+              </a:schemeClr>
+            </a:lnRef>
+            <a:fillRef idx="1">
+              <a:schemeClr val="accent1"/>
+            </a:fillRef>
+            <a:effectRef idx="0">
+              <a:schemeClr val="accent1"/>
+            </a:effectRef>
+            <a:fontRef idx="minor">
+              <a:schemeClr val="lt1"/>
+            </a:fontRef>
+          </p:style>
+          <p:txBody>
+            <a:bodyPr rtlCol="0" anchor="ctr"/>
+            <a:lstStyle/>
+            <a:p>
+              <a:pPr algn="ctr"/>
+              <a:r>
+                <a:rPr lang="en-US" altLang="ko-KR" sz="900">
+                  <a:solidFill>
+                    <a:schemeClr val="tx1"/>
+                  </a:solidFill>
+                </a:rPr>
+                <a:t>KIT_Cv_RR</a:t>
+              </a:r>
+              <a:endParaRPr lang="ko-KR" altLang="en-US" sz="900">
+                <a:solidFill>
+                  <a:schemeClr val="tx1"/>
+                </a:solidFill>
+              </a:endParaRPr>
+            </a:p>
+          </p:txBody>
+        </p:sp>
+        <p:sp>
+          <p:nvSpPr>
+            <p:cNvPr id="5" name="액자 4">
+              <a:extLst>
+                <a:ext uri="{FF2B5EF4-FFF2-40B4-BE49-F238E27FC236}">
+                  <a16:creationId xmlns:a16="http://schemas.microsoft.com/office/drawing/2014/main" id="{76DDB099-66C2-454D-6C43-389D0E1BAC67}"/>
+                </a:ext>
+              </a:extLst>
+            </p:cNvPr>
+            <p:cNvSpPr/>
+            <p:nvPr/>
+          </p:nvSpPr>
+          <p:spPr>
+            <a:xfrm>
+              <a:off x="11404600" y="876300"/>
+              <a:ext cx="685800" cy="279400"/>
+            </a:xfrm>
+            <a:prstGeom prst="frame">
+              <a:avLst/>
+            </a:prstGeom>
+          </p:spPr>
+          <p:style>
+            <a:lnRef idx="2">
+              <a:schemeClr val="accent1">
+                <a:shade val="15000"/>
+              </a:schemeClr>
+            </a:lnRef>
+            <a:fillRef idx="1">
+              <a:schemeClr val="accent1"/>
+            </a:fillRef>
+            <a:effectRef idx="0">
+              <a:schemeClr val="accent1"/>
+            </a:effectRef>
+            <a:fontRef idx="minor">
+              <a:schemeClr val="lt1"/>
+            </a:fontRef>
+          </p:style>
+          <p:txBody>
+            <a:bodyPr rtlCol="0" anchor="ctr"/>
+            <a:lstStyle/>
+            <a:p>
+              <a:pPr algn="ctr"/>
+              <a:r>
+                <a:rPr lang="en-US" altLang="ko-KR" sz="900">
+                  <a:solidFill>
+                    <a:schemeClr val="tx1"/>
+                  </a:solidFill>
+                </a:rPr>
+                <a:t>KIT_In</a:t>
+              </a:r>
+              <a:endParaRPr lang="ko-KR" altLang="en-US" sz="900">
+                <a:solidFill>
+                  <a:schemeClr val="tx1"/>
+                </a:solidFill>
+              </a:endParaRPr>
+            </a:p>
+          </p:txBody>
+        </p:sp>
+        <p:sp>
+          <p:nvSpPr>
+            <p:cNvPr id="6" name="액자 5">
+              <a:extLst>
+                <a:ext uri="{FF2B5EF4-FFF2-40B4-BE49-F238E27FC236}">
+                  <a16:creationId xmlns:a16="http://schemas.microsoft.com/office/drawing/2014/main" id="{02E0F5E7-EA5C-348C-3F77-1E1339DD4B3E}"/>
+                </a:ext>
+              </a:extLst>
+            </p:cNvPr>
+            <p:cNvSpPr/>
+            <p:nvPr/>
+          </p:nvSpPr>
+          <p:spPr>
+            <a:xfrm>
+              <a:off x="1117600" y="5029200"/>
+              <a:ext cx="1270000" cy="355600"/>
+            </a:xfrm>
+            <a:prstGeom prst="frame">
+              <a:avLst/>
+            </a:prstGeom>
+          </p:spPr>
+          <p:style>
+            <a:lnRef idx="2">
+              <a:schemeClr val="accent1">
+                <a:shade val="15000"/>
+              </a:schemeClr>
+            </a:lnRef>
+            <a:fillRef idx="1">
+              <a:schemeClr val="accent1"/>
+            </a:fillRef>
+            <a:effectRef idx="0">
+              <a:schemeClr val="accent1"/>
+            </a:effectRef>
+            <a:fontRef idx="minor">
+              <a:schemeClr val="lt1"/>
+            </a:fontRef>
+          </p:style>
+          <p:txBody>
+            <a:bodyPr rtlCol="0" anchor="ctr"/>
+            <a:lstStyle/>
+            <a:p>
+              <a:pPr algn="ctr"/>
+              <a:r>
+                <a:rPr lang="en-US" altLang="ko-KR" sz="900">
+                  <a:solidFill>
+                    <a:schemeClr val="tx1"/>
+                  </a:solidFill>
+                </a:rPr>
+                <a:t>KIT_Cv_Frt</a:t>
+              </a:r>
+              <a:endParaRPr lang="ko-KR" altLang="en-US" sz="900">
+                <a:solidFill>
+                  <a:schemeClr val="tx1"/>
+                </a:solidFill>
+              </a:endParaRPr>
+            </a:p>
+          </p:txBody>
+        </p:sp>
+        <p:sp>
+          <p:nvSpPr>
+            <p:cNvPr id="7" name="액자 6">
+              <a:extLst>
+                <a:ext uri="{FF2B5EF4-FFF2-40B4-BE49-F238E27FC236}">
+                  <a16:creationId xmlns:a16="http://schemas.microsoft.com/office/drawing/2014/main" id="{FECDE43B-CB4F-1BF5-44DE-13D931AF6C85}"/>
+                </a:ext>
+              </a:extLst>
+            </p:cNvPr>
+            <p:cNvSpPr/>
+            <p:nvPr/>
+          </p:nvSpPr>
+          <p:spPr>
+            <a:xfrm>
+              <a:off x="3581400" y="1600200"/>
+              <a:ext cx="901700" cy="355600"/>
+            </a:xfrm>
+            <a:prstGeom prst="frame">
+              <a:avLst/>
+            </a:prstGeom>
+          </p:spPr>
+          <p:style>
+            <a:lnRef idx="2">
+              <a:schemeClr val="accent1">
+                <a:shade val="15000"/>
+              </a:schemeClr>
+            </a:lnRef>
+            <a:fillRef idx="1">
+              <a:schemeClr val="accent1"/>
+            </a:fillRef>
+            <a:effectRef idx="0">
+              <a:schemeClr val="accent1"/>
+            </a:effectRef>
+            <a:fontRef idx="minor">
+              <a:schemeClr val="lt1"/>
+            </a:fontRef>
+          </p:style>
+          <p:txBody>
+            <a:bodyPr rtlCol="0" anchor="ctr"/>
+            <a:lstStyle/>
+            <a:p>
+              <a:pPr algn="ctr"/>
+              <a:r>
+                <a:rPr lang="en-US" altLang="ko-KR" sz="900">
+                  <a:solidFill>
+                    <a:schemeClr val="tx1"/>
+                  </a:solidFill>
+                </a:rPr>
+                <a:t>KIT_1st_usb</a:t>
+              </a:r>
+              <a:endParaRPr lang="ko-KR" altLang="en-US" sz="900">
+                <a:solidFill>
+                  <a:schemeClr val="tx1"/>
+                </a:solidFill>
+              </a:endParaRPr>
+            </a:p>
+          </p:txBody>
+        </p:sp>
+        <p:sp>
+          <p:nvSpPr>
+            <p:cNvPr id="8" name="액자 7">
+              <a:extLst>
+                <a:ext uri="{FF2B5EF4-FFF2-40B4-BE49-F238E27FC236}">
+                  <a16:creationId xmlns:a16="http://schemas.microsoft.com/office/drawing/2014/main" id="{2411A19C-8DF4-CE36-73E7-E8DF617A8D22}"/>
+                </a:ext>
+              </a:extLst>
+            </p:cNvPr>
+            <p:cNvSpPr/>
+            <p:nvPr/>
+          </p:nvSpPr>
+          <p:spPr>
+            <a:xfrm>
+              <a:off x="3556000" y="2171700"/>
+              <a:ext cx="901700" cy="355600"/>
+            </a:xfrm>
+            <a:prstGeom prst="frame">
+              <a:avLst/>
+            </a:prstGeom>
+          </p:spPr>
+          <p:style>
+            <a:lnRef idx="2">
+              <a:schemeClr val="accent1">
+                <a:shade val="15000"/>
+              </a:schemeClr>
+            </a:lnRef>
+            <a:fillRef idx="1">
+              <a:schemeClr val="accent1"/>
+            </a:fillRef>
+            <a:effectRef idx="0">
+              <a:schemeClr val="accent1"/>
+            </a:effectRef>
+            <a:fontRef idx="minor">
+              <a:schemeClr val="lt1"/>
+            </a:fontRef>
+          </p:style>
+          <p:txBody>
+            <a:bodyPr rtlCol="0" anchor="ctr"/>
+            <a:lstStyle/>
+            <a:p>
+              <a:pPr algn="ctr"/>
+              <a:r>
+                <a:rPr lang="en-US" altLang="ko-KR" sz="900">
+                  <a:solidFill>
+                    <a:schemeClr val="tx1"/>
+                  </a:solidFill>
+                </a:rPr>
+                <a:t>KIT_2nd_usb</a:t>
+              </a:r>
+              <a:endParaRPr lang="ko-KR" altLang="en-US" sz="900">
+                <a:solidFill>
+                  <a:schemeClr val="tx1"/>
+                </a:solidFill>
+              </a:endParaRPr>
+            </a:p>
+          </p:txBody>
+        </p:sp>
+        <p:sp>
+          <p:nvSpPr>
+            <p:cNvPr id="9" name="액자 8">
+              <a:extLst>
+                <a:ext uri="{FF2B5EF4-FFF2-40B4-BE49-F238E27FC236}">
+                  <a16:creationId xmlns:a16="http://schemas.microsoft.com/office/drawing/2014/main" id="{BAAE6FBB-C3CD-881D-3B86-43E0DD30940F}"/>
+                </a:ext>
+              </a:extLst>
+            </p:cNvPr>
+            <p:cNvSpPr/>
+            <p:nvPr/>
+          </p:nvSpPr>
+          <p:spPr>
+            <a:xfrm>
+              <a:off x="3556000" y="2794000"/>
+              <a:ext cx="901700" cy="355600"/>
+            </a:xfrm>
+            <a:prstGeom prst="frame">
+              <a:avLst/>
+            </a:prstGeom>
+          </p:spPr>
+          <p:style>
+            <a:lnRef idx="2">
+              <a:schemeClr val="accent1">
+                <a:shade val="15000"/>
+              </a:schemeClr>
+            </a:lnRef>
+            <a:fillRef idx="1">
+              <a:schemeClr val="accent1"/>
+            </a:fillRef>
+            <a:effectRef idx="0">
+              <a:schemeClr val="accent1"/>
+            </a:effectRef>
+            <a:fontRef idx="minor">
+              <a:schemeClr val="lt1"/>
+            </a:fontRef>
+          </p:style>
+          <p:txBody>
+            <a:bodyPr rtlCol="0" anchor="ctr"/>
+            <a:lstStyle/>
+            <a:p>
+              <a:pPr algn="ctr"/>
+              <a:r>
+                <a:rPr lang="en-US" altLang="ko-KR" sz="900">
+                  <a:solidFill>
+                    <a:schemeClr val="tx1"/>
+                  </a:solidFill>
+                </a:rPr>
+                <a:t>KIT_3rd_usb</a:t>
+              </a:r>
+              <a:endParaRPr lang="ko-KR" altLang="en-US" sz="900">
+                <a:solidFill>
+                  <a:schemeClr val="tx1"/>
+                </a:solidFill>
+              </a:endParaRPr>
+            </a:p>
+          </p:txBody>
+        </p:sp>
+        <p:sp>
+          <p:nvSpPr>
+            <p:cNvPr id="10" name="액자 9">
+              <a:extLst>
+                <a:ext uri="{FF2B5EF4-FFF2-40B4-BE49-F238E27FC236}">
+                  <a16:creationId xmlns:a16="http://schemas.microsoft.com/office/drawing/2014/main" id="{9F5EE004-3CB5-8E18-360C-7D00D3808DCB}"/>
+                </a:ext>
+              </a:extLst>
+            </p:cNvPr>
+            <p:cNvSpPr/>
+            <p:nvPr/>
+          </p:nvSpPr>
+          <p:spPr>
+            <a:xfrm>
+              <a:off x="3543300" y="3454400"/>
+              <a:ext cx="901700" cy="355600"/>
+            </a:xfrm>
+            <a:prstGeom prst="frame">
+              <a:avLst/>
+            </a:prstGeom>
+          </p:spPr>
+          <p:style>
+            <a:lnRef idx="2">
+              <a:schemeClr val="accent1">
+                <a:shade val="15000"/>
+              </a:schemeClr>
+            </a:lnRef>
+            <a:fillRef idx="1">
+              <a:schemeClr val="accent1"/>
+            </a:fillRef>
+            <a:effectRef idx="0">
+              <a:schemeClr val="accent1"/>
+            </a:effectRef>
+            <a:fontRef idx="minor">
+              <a:schemeClr val="lt1"/>
+            </a:fontRef>
+          </p:style>
+          <p:txBody>
+            <a:bodyPr rtlCol="0" anchor="ctr"/>
+            <a:lstStyle/>
+            <a:p>
+              <a:pPr algn="ctr"/>
+              <a:r>
+                <a:rPr lang="en-US" altLang="ko-KR" sz="900">
+                  <a:solidFill>
+                    <a:schemeClr val="tx1"/>
+                  </a:solidFill>
+                </a:rPr>
+                <a:t>KIT_4th_usb</a:t>
+              </a:r>
+              <a:endParaRPr lang="ko-KR" altLang="en-US" sz="900">
+                <a:solidFill>
+                  <a:schemeClr val="tx1"/>
+                </a:solidFill>
+              </a:endParaRPr>
+            </a:p>
+          </p:txBody>
+        </p:sp>
+        <p:sp>
+          <p:nvSpPr>
+            <p:cNvPr id="11" name="액자 10">
+              <a:extLst>
+                <a:ext uri="{FF2B5EF4-FFF2-40B4-BE49-F238E27FC236}">
+                  <a16:creationId xmlns:a16="http://schemas.microsoft.com/office/drawing/2014/main" id="{638AE892-5FAA-CAE3-1273-82139504BB60}"/>
+                </a:ext>
+              </a:extLst>
+            </p:cNvPr>
+            <p:cNvSpPr/>
+            <p:nvPr/>
+          </p:nvSpPr>
+          <p:spPr>
+            <a:xfrm>
+              <a:off x="6273800" y="2794000"/>
+              <a:ext cx="901700" cy="355600"/>
+            </a:xfrm>
+            <a:prstGeom prst="frame">
+              <a:avLst/>
+            </a:prstGeom>
+          </p:spPr>
+          <p:style>
+            <a:lnRef idx="2">
+              <a:schemeClr val="accent1">
+                <a:shade val="15000"/>
+              </a:schemeClr>
+            </a:lnRef>
+            <a:fillRef idx="1">
+              <a:schemeClr val="accent1"/>
+            </a:fillRef>
+            <a:effectRef idx="0">
+              <a:schemeClr val="accent1"/>
+            </a:effectRef>
+            <a:fontRef idx="minor">
+              <a:schemeClr val="lt1"/>
+            </a:fontRef>
+          </p:style>
+          <p:txBody>
+            <a:bodyPr rtlCol="0" anchor="ctr"/>
+            <a:lstStyle/>
+            <a:p>
+              <a:pPr algn="ctr"/>
+              <a:r>
+                <a:rPr lang="en-US" altLang="ko-KR" sz="900">
+                  <a:solidFill>
+                    <a:schemeClr val="tx1"/>
+                  </a:solidFill>
+                </a:rPr>
+                <a:t>KIT_3rd_stp</a:t>
+              </a:r>
+              <a:endParaRPr lang="ko-KR" altLang="en-US" sz="900">
+                <a:solidFill>
+                  <a:schemeClr val="tx1"/>
+                </a:solidFill>
+              </a:endParaRPr>
+            </a:p>
+          </p:txBody>
+        </p:sp>
+        <p:sp>
+          <p:nvSpPr>
+            <p:cNvPr id="12" name="액자 11">
+              <a:extLst>
+                <a:ext uri="{FF2B5EF4-FFF2-40B4-BE49-F238E27FC236}">
+                  <a16:creationId xmlns:a16="http://schemas.microsoft.com/office/drawing/2014/main" id="{4371E23C-7CAF-0BBD-0F26-D279757B91EA}"/>
+                </a:ext>
+              </a:extLst>
+            </p:cNvPr>
+            <p:cNvSpPr/>
+            <p:nvPr/>
+          </p:nvSpPr>
+          <p:spPr>
+            <a:xfrm>
+              <a:off x="6311900" y="3429000"/>
+              <a:ext cx="901700" cy="355600"/>
+            </a:xfrm>
+            <a:prstGeom prst="frame">
+              <a:avLst/>
+            </a:prstGeom>
+          </p:spPr>
+          <p:style>
+            <a:lnRef idx="2">
+              <a:schemeClr val="accent1">
+                <a:shade val="15000"/>
+              </a:schemeClr>
+            </a:lnRef>
+            <a:fillRef idx="1">
+              <a:schemeClr val="accent1"/>
+            </a:fillRef>
+            <a:effectRef idx="0">
+              <a:schemeClr val="accent1"/>
+            </a:effectRef>
+            <a:fontRef idx="minor">
+              <a:schemeClr val="lt1"/>
+            </a:fontRef>
+          </p:style>
+          <p:txBody>
+            <a:bodyPr rtlCol="0" anchor="ctr"/>
+            <a:lstStyle/>
+            <a:p>
+              <a:pPr algn="ctr"/>
+              <a:r>
+                <a:rPr lang="en-US" altLang="ko-KR" sz="900">
+                  <a:solidFill>
+                    <a:schemeClr val="tx1"/>
+                  </a:solidFill>
+                </a:rPr>
+                <a:t>KIT_4th_stp</a:t>
+              </a:r>
+              <a:endParaRPr lang="ko-KR" altLang="en-US" sz="900">
+                <a:solidFill>
+                  <a:schemeClr val="tx1"/>
+                </a:solidFill>
+              </a:endParaRPr>
+            </a:p>
+          </p:txBody>
+        </p:sp>
+        <p:sp>
+          <p:nvSpPr>
+            <p:cNvPr id="13" name="액자 12">
+              <a:extLst>
+                <a:ext uri="{FF2B5EF4-FFF2-40B4-BE49-F238E27FC236}">
+                  <a16:creationId xmlns:a16="http://schemas.microsoft.com/office/drawing/2014/main" id="{457F3F22-DA01-A467-D311-C4FC7EEA0AA4}"/>
+                </a:ext>
+              </a:extLst>
+            </p:cNvPr>
+            <p:cNvSpPr/>
+            <p:nvPr/>
+          </p:nvSpPr>
+          <p:spPr>
+            <a:xfrm>
+              <a:off x="6337300" y="2222500"/>
+              <a:ext cx="901700" cy="355600"/>
+            </a:xfrm>
+            <a:prstGeom prst="frame">
+              <a:avLst/>
+            </a:prstGeom>
+          </p:spPr>
+          <p:style>
+            <a:lnRef idx="2">
+              <a:schemeClr val="accent1">
+                <a:shade val="15000"/>
+              </a:schemeClr>
+            </a:lnRef>
+            <a:fillRef idx="1">
+              <a:schemeClr val="accent1"/>
+            </a:fillRef>
+            <a:effectRef idx="0">
+              <a:schemeClr val="accent1"/>
+            </a:effectRef>
+            <a:fontRef idx="minor">
+              <a:schemeClr val="lt1"/>
+            </a:fontRef>
+          </p:style>
+          <p:txBody>
+            <a:bodyPr rtlCol="0" anchor="ctr"/>
+            <a:lstStyle/>
+            <a:p>
+              <a:pPr algn="ctr"/>
+              <a:r>
+                <a:rPr lang="en-US" altLang="ko-KR" sz="900">
+                  <a:solidFill>
+                    <a:schemeClr val="tx1"/>
+                  </a:solidFill>
+                </a:rPr>
+                <a:t>KIT_2nd_stp</a:t>
+              </a:r>
+              <a:endParaRPr lang="ko-KR" altLang="en-US" sz="900">
+                <a:solidFill>
+                  <a:schemeClr val="tx1"/>
+                </a:solidFill>
+              </a:endParaRPr>
+            </a:p>
+          </p:txBody>
+        </p:sp>
+        <p:sp>
+          <p:nvSpPr>
+            <p:cNvPr id="14" name="액자 13">
+              <a:extLst>
+                <a:ext uri="{FF2B5EF4-FFF2-40B4-BE49-F238E27FC236}">
+                  <a16:creationId xmlns:a16="http://schemas.microsoft.com/office/drawing/2014/main" id="{AF662F56-642B-FFA0-76E7-3AF317054B34}"/>
+                </a:ext>
+              </a:extLst>
+            </p:cNvPr>
+            <p:cNvSpPr/>
+            <p:nvPr/>
+          </p:nvSpPr>
+          <p:spPr>
+            <a:xfrm>
+              <a:off x="6337300" y="1574800"/>
+              <a:ext cx="901700" cy="355600"/>
+            </a:xfrm>
+            <a:prstGeom prst="frame">
+              <a:avLst/>
+            </a:prstGeom>
+          </p:spPr>
+          <p:style>
+            <a:lnRef idx="2">
+              <a:schemeClr val="accent1">
+                <a:shade val="15000"/>
+              </a:schemeClr>
+            </a:lnRef>
+            <a:fillRef idx="1">
+              <a:schemeClr val="accent1"/>
+            </a:fillRef>
+            <a:effectRef idx="0">
+              <a:schemeClr val="accent1"/>
+            </a:effectRef>
+            <a:fontRef idx="minor">
+              <a:schemeClr val="lt1"/>
+            </a:fontRef>
+          </p:style>
+          <p:txBody>
+            <a:bodyPr rtlCol="0" anchor="ctr"/>
+            <a:lstStyle/>
+            <a:p>
+              <a:pPr algn="ctr"/>
+              <a:r>
+                <a:rPr lang="en-US" altLang="ko-KR" sz="900">
+                  <a:solidFill>
+                    <a:schemeClr val="tx1"/>
+                  </a:solidFill>
+                </a:rPr>
+                <a:t>KIT_1st_stp</a:t>
+              </a:r>
+              <a:endParaRPr lang="ko-KR" altLang="en-US" sz="900">
+                <a:solidFill>
+                  <a:schemeClr val="tx1"/>
+                </a:solidFill>
+              </a:endParaRPr>
+            </a:p>
+          </p:txBody>
+        </p:sp>
+        <p:sp>
+          <p:nvSpPr>
+            <p:cNvPr id="15" name="액자 14">
+              <a:extLst>
+                <a:ext uri="{FF2B5EF4-FFF2-40B4-BE49-F238E27FC236}">
+                  <a16:creationId xmlns:a16="http://schemas.microsoft.com/office/drawing/2014/main" id="{345A8402-35B9-4CBB-E598-3775C3B8B921}"/>
+                </a:ext>
+              </a:extLst>
+            </p:cNvPr>
+            <p:cNvSpPr/>
+            <p:nvPr/>
+          </p:nvSpPr>
+          <p:spPr>
+            <a:xfrm>
+              <a:off x="2667000" y="4749800"/>
+              <a:ext cx="660400" cy="355600"/>
+            </a:xfrm>
+            <a:prstGeom prst="frame">
+              <a:avLst/>
+            </a:prstGeom>
+          </p:spPr>
+          <p:style>
+            <a:lnRef idx="2">
+              <a:schemeClr val="accent1">
+                <a:shade val="15000"/>
+              </a:schemeClr>
+            </a:lnRef>
+            <a:fillRef idx="1">
+              <a:schemeClr val="accent1"/>
+            </a:fillRef>
+            <a:effectRef idx="0">
+              <a:schemeClr val="accent1"/>
+            </a:effectRef>
+            <a:fontRef idx="minor">
+              <a:schemeClr val="lt1"/>
+            </a:fontRef>
+          </p:style>
+          <p:txBody>
+            <a:bodyPr rtlCol="0" anchor="ctr"/>
+            <a:lstStyle/>
+            <a:p>
+              <a:pPr algn="ctr"/>
+              <a:r>
+                <a:rPr lang="en-US" altLang="ko-KR" sz="900">
+                  <a:solidFill>
+                    <a:schemeClr val="tx1"/>
+                  </a:solidFill>
+                </a:rPr>
+                <a:t>KIT_Out</a:t>
+              </a:r>
+              <a:endParaRPr lang="ko-KR" altLang="en-US" sz="900">
+                <a:solidFill>
+                  <a:schemeClr val="tx1"/>
+                </a:solidFill>
+              </a:endParaRPr>
+            </a:p>
+          </p:txBody>
+        </p:sp>
+        <p:sp>
+          <p:nvSpPr>
+            <p:cNvPr id="16" name="액자 15">
+              <a:extLst>
+                <a:ext uri="{FF2B5EF4-FFF2-40B4-BE49-F238E27FC236}">
+                  <a16:creationId xmlns:a16="http://schemas.microsoft.com/office/drawing/2014/main" id="{FEB58061-51EA-05B7-C443-71AD6EC5D8B3}"/>
+                </a:ext>
+              </a:extLst>
+            </p:cNvPr>
+            <p:cNvSpPr/>
+            <p:nvPr/>
+          </p:nvSpPr>
+          <p:spPr>
+            <a:xfrm>
+              <a:off x="9017000" y="6032500"/>
+              <a:ext cx="1016000" cy="355600"/>
+            </a:xfrm>
+            <a:prstGeom prst="frame">
+              <a:avLst/>
+            </a:prstGeom>
+          </p:spPr>
+          <p:style>
+            <a:lnRef idx="2">
+              <a:schemeClr val="accent1">
+                <a:shade val="15000"/>
+              </a:schemeClr>
+            </a:lnRef>
+            <a:fillRef idx="1">
+              <a:schemeClr val="accent1"/>
+            </a:fillRef>
+            <a:effectRef idx="0">
+              <a:schemeClr val="accent1"/>
+            </a:effectRef>
+            <a:fontRef idx="minor">
+              <a:schemeClr val="lt1"/>
+            </a:fontRef>
+          </p:style>
+          <p:txBody>
+            <a:bodyPr rtlCol="0" anchor="ctr"/>
+            <a:lstStyle/>
+            <a:p>
+              <a:pPr algn="ctr"/>
+              <a:r>
+                <a:rPr lang="en-US" altLang="ko-KR" sz="900">
+                  <a:solidFill>
+                    <a:schemeClr val="tx1"/>
+                  </a:solidFill>
+                </a:rPr>
+                <a:t>KIT_Part</a:t>
+              </a:r>
+              <a:endParaRPr lang="ko-KR" altLang="en-US" sz="900">
+                <a:solidFill>
+                  <a:schemeClr val="tx1"/>
+                </a:solidFill>
+              </a:endParaRPr>
+            </a:p>
+          </p:txBody>
+        </p:sp>
+      </p:grpSp>
+    </p:spTree>
+    <p:extLst>
+      <p:ext uri="{BB962C8B-B14F-4D97-AF65-F5344CB8AC3E}">
+        <p14:creationId xmlns:p14="http://schemas.microsoft.com/office/powerpoint/2010/main" val="3941176347"/>
+      </p:ext>
+    </p:extLst>
+  </p:cSld>
+  <p:clrMapOvr>
+    <a:masterClrMapping/>
+  </p:clrMapOvr>
+</p:sld>
+</file>
+
+<file path=ppt/slides/slide4.xml><?xml version="1.0" encoding="utf-8"?>
 <p:sld xmlns:a="http://schemas.openxmlformats.org/drawingml/2006/main" xmlns:r="http://schemas.openxmlformats.org/officeDocument/2006/relationships" xmlns:p="http://schemas.openxmlformats.org/presentationml/2006/main">
   <p:cSld>
     <p:bg>
@@ -21985,7 +22904,7 @@
 </p:sld>
 </file>
 
-<file path=ppt/slides/slide4.xml><?xml version="1.0" encoding="utf-8"?>
+<file path=ppt/slides/slide5.xml><?xml version="1.0" encoding="utf-8"?>
 <p:sld xmlns:a="http://schemas.openxmlformats.org/drawingml/2006/main" xmlns:r="http://schemas.openxmlformats.org/officeDocument/2006/relationships" xmlns:p="http://schemas.openxmlformats.org/presentationml/2006/main">
   <p:cSld>
     <p:bg>
@@ -22932,6 +23851,946 @@
     <p:extLst>
       <p:ext uri="{BB962C8B-B14F-4D97-AF65-F5344CB8AC3E}">
         <p14:creationId xmlns:p14="http://schemas.microsoft.com/office/powerpoint/2010/main" val="3910182984"/>
+      </p:ext>
+    </p:extLst>
+  </p:cSld>
+  <p:clrMapOvr>
+    <a:masterClrMapping/>
+  </p:clrMapOvr>
+</p:sld>
+</file>
+
+<file path=ppt/slides/slide6.xml><?xml version="1.0" encoding="utf-8"?>
+<p:sld xmlns:a="http://schemas.openxmlformats.org/drawingml/2006/main" xmlns:r="http://schemas.openxmlformats.org/officeDocument/2006/relationships" xmlns:p="http://schemas.openxmlformats.org/presentationml/2006/main">
+  <p:cSld>
+    <p:spTree>
+      <p:nvGrpSpPr>
+        <p:cNvPr id="1" name=""/>
+        <p:cNvGrpSpPr/>
+        <p:nvPr/>
+      </p:nvGrpSpPr>
+      <p:grpSpPr>
+        <a:xfrm>
+          <a:off x="0" y="0"/>
+          <a:ext cx="0" cy="0"/>
+          <a:chOff x="0" y="0"/>
+          <a:chExt cx="0" cy="0"/>
+        </a:xfrm>
+      </p:grpSpPr>
+      <p:pic>
+        <p:nvPicPr>
+          <p:cNvPr id="19" name="그림 18">
+            <a:extLst>
+              <a:ext uri="{FF2B5EF4-FFF2-40B4-BE49-F238E27FC236}">
+                <a16:creationId xmlns:a16="http://schemas.microsoft.com/office/drawing/2014/main" id="{0A570A5A-F82D-5A9A-A039-D76A73F22CA3}"/>
+              </a:ext>
+            </a:extLst>
+          </p:cNvPr>
+          <p:cNvPicPr>
+            <a:picLocks noChangeAspect="1"/>
+          </p:cNvPicPr>
+          <p:nvPr/>
+        </p:nvPicPr>
+        <p:blipFill>
+          <a:blip r:embed="rId2"/>
+          <a:stretch>
+            <a:fillRect/>
+          </a:stretch>
+        </p:blipFill>
+        <p:spPr>
+          <a:xfrm>
+            <a:off x="62975" y="0"/>
+            <a:ext cx="12129025" cy="6858000"/>
+          </a:xfrm>
+          <a:prstGeom prst="rect">
+            <a:avLst/>
+          </a:prstGeom>
+        </p:spPr>
+      </p:pic>
+      <p:sp>
+        <p:nvSpPr>
+          <p:cNvPr id="2" name="TextBox 1">
+            <a:extLst>
+              <a:ext uri="{FF2B5EF4-FFF2-40B4-BE49-F238E27FC236}">
+                <a16:creationId xmlns:a16="http://schemas.microsoft.com/office/drawing/2014/main" id="{3C51C77D-9F46-ACE1-05F9-2E025647D825}"/>
+              </a:ext>
+            </a:extLst>
+          </p:cNvPr>
+          <p:cNvSpPr txBox="1"/>
+          <p:nvPr/>
+        </p:nvSpPr>
+        <p:spPr>
+          <a:xfrm>
+            <a:off x="254000" y="127000"/>
+            <a:ext cx="15240000" cy="381000"/>
+          </a:xfrm>
+          <a:prstGeom prst="rect">
+            <a:avLst/>
+          </a:prstGeom>
+          <a:noFill/>
+        </p:spPr>
+        <p:txBody>
+          <a:bodyPr vert="horz" rtlCol="0">
+            <a:spAutoFit/>
+          </a:bodyPr>
+          <a:lstStyle/>
+          <a:p>
+            <a:r>
+              <a:rPr lang="en-US" altLang="ko-KR">
+                <a:highlight>
+                  <a:srgbClr val="FFFF00"/>
+                </a:highlight>
+              </a:rPr>
+              <a:t>Layout : KIT</a:t>
+            </a:r>
+            <a:endParaRPr lang="ko-KR" altLang="en-US">
+              <a:highlight>
+                <a:srgbClr val="FFFF00"/>
+              </a:highlight>
+            </a:endParaRPr>
+          </a:p>
+        </p:txBody>
+      </p:sp>
+      <p:sp>
+        <p:nvSpPr>
+          <p:cNvPr id="3" name="TextBox 2">
+            <a:extLst>
+              <a:ext uri="{FF2B5EF4-FFF2-40B4-BE49-F238E27FC236}">
+                <a16:creationId xmlns:a16="http://schemas.microsoft.com/office/drawing/2014/main" id="{8A888088-99C4-3DE3-D024-AAE21941A3CD}"/>
+              </a:ext>
+            </a:extLst>
+          </p:cNvPr>
+          <p:cNvSpPr txBox="1"/>
+          <p:nvPr/>
+        </p:nvSpPr>
+        <p:spPr>
+          <a:xfrm>
+            <a:off x="254000" y="508000"/>
+            <a:ext cx="15240000" cy="381000"/>
+          </a:xfrm>
+          <a:prstGeom prst="rect">
+            <a:avLst/>
+          </a:prstGeom>
+          <a:noFill/>
+        </p:spPr>
+        <p:txBody>
+          <a:bodyPr vert="horz" rtlCol="0">
+            <a:spAutoFit/>
+          </a:bodyPr>
+          <a:lstStyle/>
+          <a:p>
+            <a:r>
+              <a:rPr lang="en-US" altLang="ko-KR" dirty="0">
+                <a:highlight>
+                  <a:srgbClr val="FFFF00"/>
+                </a:highlight>
+              </a:rPr>
+              <a:t>[Path]</a:t>
+            </a:r>
+            <a:r>
+              <a:rPr lang="en-US" altLang="ko-KR" dirty="0" err="1">
+                <a:highlight>
+                  <a:srgbClr val="FFFF00"/>
+                </a:highlight>
+              </a:rPr>
+              <a:t>rtsp</a:t>
+            </a:r>
+            <a:r>
+              <a:rPr lang="en-US" altLang="ko-KR" dirty="0">
+                <a:highlight>
+                  <a:srgbClr val="FFFF00"/>
+                </a:highlight>
+              </a:rPr>
+              <a:t>://210.99.70.120:1935/live/</a:t>
+            </a:r>
+            <a:r>
+              <a:rPr lang="en-US" altLang="ko-KR" dirty="0" err="1">
+                <a:highlight>
+                  <a:srgbClr val="FFFF00"/>
+                </a:highlight>
+              </a:rPr>
+              <a:t>cctv002.stream</a:t>
+            </a:r>
+            <a:endParaRPr lang="ko-KR" altLang="en-US" dirty="0">
+              <a:highlight>
+                <a:srgbClr val="FFFF00"/>
+              </a:highlight>
+            </a:endParaRPr>
+          </a:p>
+        </p:txBody>
+      </p:sp>
+      <p:sp>
+        <p:nvSpPr>
+          <p:cNvPr id="5" name="액자 4">
+            <a:extLst>
+              <a:ext uri="{FF2B5EF4-FFF2-40B4-BE49-F238E27FC236}">
+                <a16:creationId xmlns:a16="http://schemas.microsoft.com/office/drawing/2014/main" id="{8BE06825-0F3F-820B-0A61-EDB41B0175B9}"/>
+              </a:ext>
+            </a:extLst>
+          </p:cNvPr>
+          <p:cNvSpPr/>
+          <p:nvPr/>
+        </p:nvSpPr>
+        <p:spPr>
+          <a:xfrm>
+            <a:off x="9251021" y="576989"/>
+            <a:ext cx="685800" cy="279400"/>
+          </a:xfrm>
+          <a:prstGeom prst="frame">
+            <a:avLst/>
+          </a:prstGeom>
+        </p:spPr>
+        <p:style>
+          <a:lnRef idx="2">
+            <a:schemeClr val="accent1">
+              <a:shade val="15000"/>
+            </a:schemeClr>
+          </a:lnRef>
+          <a:fillRef idx="1">
+            <a:schemeClr val="accent1"/>
+          </a:fillRef>
+          <a:effectRef idx="0">
+            <a:schemeClr val="accent1"/>
+          </a:effectRef>
+          <a:fontRef idx="minor">
+            <a:schemeClr val="lt1"/>
+          </a:fontRef>
+        </p:style>
+        <p:txBody>
+          <a:bodyPr rtlCol="0" anchor="ctr"/>
+          <a:lstStyle/>
+          <a:p>
+            <a:pPr algn="ctr"/>
+            <a:r>
+              <a:rPr lang="en-US" altLang="ko-KR" sz="900">
+                <a:solidFill>
+                  <a:schemeClr val="tx1"/>
+                </a:solidFill>
+                <a:highlight>
+                  <a:srgbClr val="FFFF00"/>
+                </a:highlight>
+              </a:rPr>
+              <a:t>KIT_In</a:t>
+            </a:r>
+            <a:endParaRPr lang="ko-KR" altLang="en-US" sz="900">
+              <a:solidFill>
+                <a:schemeClr val="tx1"/>
+              </a:solidFill>
+              <a:highlight>
+                <a:srgbClr val="FFFF00"/>
+              </a:highlight>
+            </a:endParaRPr>
+          </a:p>
+        </p:txBody>
+      </p:sp>
+      <p:sp>
+        <p:nvSpPr>
+          <p:cNvPr id="7" name="액자 6">
+            <a:extLst>
+              <a:ext uri="{FF2B5EF4-FFF2-40B4-BE49-F238E27FC236}">
+                <a16:creationId xmlns:a16="http://schemas.microsoft.com/office/drawing/2014/main" id="{5FC6D3C6-036B-7A25-9671-2B4C256E40C4}"/>
+              </a:ext>
+            </a:extLst>
+          </p:cNvPr>
+          <p:cNvSpPr/>
+          <p:nvPr/>
+        </p:nvSpPr>
+        <p:spPr>
+          <a:xfrm>
+            <a:off x="7708094" y="4572000"/>
+            <a:ext cx="901700" cy="355600"/>
+          </a:xfrm>
+          <a:prstGeom prst="frame">
+            <a:avLst/>
+          </a:prstGeom>
+        </p:spPr>
+        <p:style>
+          <a:lnRef idx="2">
+            <a:schemeClr val="accent1">
+              <a:shade val="15000"/>
+            </a:schemeClr>
+          </a:lnRef>
+          <a:fillRef idx="1">
+            <a:schemeClr val="accent1"/>
+          </a:fillRef>
+          <a:effectRef idx="0">
+            <a:schemeClr val="accent1"/>
+          </a:effectRef>
+          <a:fontRef idx="minor">
+            <a:schemeClr val="lt1"/>
+          </a:fontRef>
+        </p:style>
+        <p:txBody>
+          <a:bodyPr rtlCol="0" anchor="ctr"/>
+          <a:lstStyle/>
+          <a:p>
+            <a:pPr algn="ctr"/>
+            <a:r>
+              <a:rPr lang="en-US" altLang="ko-KR" sz="900">
+                <a:solidFill>
+                  <a:schemeClr val="tx1"/>
+                </a:solidFill>
+                <a:highlight>
+                  <a:srgbClr val="FFFF00"/>
+                </a:highlight>
+              </a:rPr>
+              <a:t>KIT_1st_usb</a:t>
+            </a:r>
+            <a:endParaRPr lang="ko-KR" altLang="en-US" sz="900">
+              <a:solidFill>
+                <a:schemeClr val="tx1"/>
+              </a:solidFill>
+              <a:highlight>
+                <a:srgbClr val="FFFF00"/>
+              </a:highlight>
+            </a:endParaRPr>
+          </a:p>
+        </p:txBody>
+      </p:sp>
+      <p:sp>
+        <p:nvSpPr>
+          <p:cNvPr id="8" name="액자 7">
+            <a:extLst>
+              <a:ext uri="{FF2B5EF4-FFF2-40B4-BE49-F238E27FC236}">
+                <a16:creationId xmlns:a16="http://schemas.microsoft.com/office/drawing/2014/main" id="{12432AD5-692D-73FC-CCF3-55DF30D5686B}"/>
+              </a:ext>
+            </a:extLst>
+          </p:cNvPr>
+          <p:cNvSpPr/>
+          <p:nvPr/>
+        </p:nvSpPr>
+        <p:spPr>
+          <a:xfrm>
+            <a:off x="6296364" y="4572000"/>
+            <a:ext cx="901700" cy="355600"/>
+          </a:xfrm>
+          <a:prstGeom prst="frame">
+            <a:avLst/>
+          </a:prstGeom>
+        </p:spPr>
+        <p:style>
+          <a:lnRef idx="2">
+            <a:schemeClr val="accent1">
+              <a:shade val="15000"/>
+            </a:schemeClr>
+          </a:lnRef>
+          <a:fillRef idx="1">
+            <a:schemeClr val="accent1"/>
+          </a:fillRef>
+          <a:effectRef idx="0">
+            <a:schemeClr val="accent1"/>
+          </a:effectRef>
+          <a:fontRef idx="minor">
+            <a:schemeClr val="lt1"/>
+          </a:fontRef>
+        </p:style>
+        <p:txBody>
+          <a:bodyPr rtlCol="0" anchor="ctr"/>
+          <a:lstStyle/>
+          <a:p>
+            <a:pPr algn="ctr"/>
+            <a:r>
+              <a:rPr lang="en-US" altLang="ko-KR" sz="900">
+                <a:solidFill>
+                  <a:schemeClr val="tx1"/>
+                </a:solidFill>
+                <a:highlight>
+                  <a:srgbClr val="FFFF00"/>
+                </a:highlight>
+              </a:rPr>
+              <a:t>KIT_2nd_usb</a:t>
+            </a:r>
+            <a:endParaRPr lang="ko-KR" altLang="en-US" sz="900">
+              <a:solidFill>
+                <a:schemeClr val="tx1"/>
+              </a:solidFill>
+              <a:highlight>
+                <a:srgbClr val="FFFF00"/>
+              </a:highlight>
+            </a:endParaRPr>
+          </a:p>
+        </p:txBody>
+      </p:sp>
+      <p:sp>
+        <p:nvSpPr>
+          <p:cNvPr id="9" name="액자 8">
+            <a:extLst>
+              <a:ext uri="{FF2B5EF4-FFF2-40B4-BE49-F238E27FC236}">
+                <a16:creationId xmlns:a16="http://schemas.microsoft.com/office/drawing/2014/main" id="{C702FF4B-0C5C-A3EE-59B1-66BDE2F5ECD5}"/>
+              </a:ext>
+            </a:extLst>
+          </p:cNvPr>
+          <p:cNvSpPr/>
+          <p:nvPr/>
+        </p:nvSpPr>
+        <p:spPr>
+          <a:xfrm>
+            <a:off x="4884635" y="4572000"/>
+            <a:ext cx="901700" cy="355600"/>
+          </a:xfrm>
+          <a:prstGeom prst="frame">
+            <a:avLst/>
+          </a:prstGeom>
+        </p:spPr>
+        <p:style>
+          <a:lnRef idx="2">
+            <a:schemeClr val="accent1">
+              <a:shade val="15000"/>
+            </a:schemeClr>
+          </a:lnRef>
+          <a:fillRef idx="1">
+            <a:schemeClr val="accent1"/>
+          </a:fillRef>
+          <a:effectRef idx="0">
+            <a:schemeClr val="accent1"/>
+          </a:effectRef>
+          <a:fontRef idx="minor">
+            <a:schemeClr val="lt1"/>
+          </a:fontRef>
+        </p:style>
+        <p:txBody>
+          <a:bodyPr rtlCol="0" anchor="ctr"/>
+          <a:lstStyle/>
+          <a:p>
+            <a:pPr algn="ctr"/>
+            <a:r>
+              <a:rPr lang="en-US" altLang="ko-KR" sz="900">
+                <a:solidFill>
+                  <a:schemeClr val="tx1"/>
+                </a:solidFill>
+                <a:highlight>
+                  <a:srgbClr val="FFFF00"/>
+                </a:highlight>
+              </a:rPr>
+              <a:t>KIT_3rd_usb</a:t>
+            </a:r>
+            <a:endParaRPr lang="ko-KR" altLang="en-US" sz="900">
+              <a:solidFill>
+                <a:schemeClr val="tx1"/>
+              </a:solidFill>
+              <a:highlight>
+                <a:srgbClr val="FFFF00"/>
+              </a:highlight>
+            </a:endParaRPr>
+          </a:p>
+        </p:txBody>
+      </p:sp>
+      <p:sp>
+        <p:nvSpPr>
+          <p:cNvPr id="10" name="액자 9">
+            <a:extLst>
+              <a:ext uri="{FF2B5EF4-FFF2-40B4-BE49-F238E27FC236}">
+                <a16:creationId xmlns:a16="http://schemas.microsoft.com/office/drawing/2014/main" id="{29C81646-A6E4-D8B3-C3BB-6EF12BF6A8FA}"/>
+              </a:ext>
+            </a:extLst>
+          </p:cNvPr>
+          <p:cNvSpPr/>
+          <p:nvPr/>
+        </p:nvSpPr>
+        <p:spPr>
+          <a:xfrm>
+            <a:off x="3472906" y="4572000"/>
+            <a:ext cx="901700" cy="355600"/>
+          </a:xfrm>
+          <a:prstGeom prst="frame">
+            <a:avLst/>
+          </a:prstGeom>
+        </p:spPr>
+        <p:style>
+          <a:lnRef idx="2">
+            <a:schemeClr val="accent1">
+              <a:shade val="15000"/>
+            </a:schemeClr>
+          </a:lnRef>
+          <a:fillRef idx="1">
+            <a:schemeClr val="accent1"/>
+          </a:fillRef>
+          <a:effectRef idx="0">
+            <a:schemeClr val="accent1"/>
+          </a:effectRef>
+          <a:fontRef idx="minor">
+            <a:schemeClr val="lt1"/>
+          </a:fontRef>
+        </p:style>
+        <p:txBody>
+          <a:bodyPr rtlCol="0" anchor="ctr"/>
+          <a:lstStyle/>
+          <a:p>
+            <a:pPr algn="ctr"/>
+            <a:r>
+              <a:rPr lang="en-US" altLang="ko-KR" sz="900">
+                <a:solidFill>
+                  <a:schemeClr val="tx1"/>
+                </a:solidFill>
+                <a:highlight>
+                  <a:srgbClr val="FFFF00"/>
+                </a:highlight>
+              </a:rPr>
+              <a:t>KIT_4th_usb</a:t>
+            </a:r>
+            <a:endParaRPr lang="ko-KR" altLang="en-US" sz="900">
+              <a:solidFill>
+                <a:schemeClr val="tx1"/>
+              </a:solidFill>
+              <a:highlight>
+                <a:srgbClr val="FFFF00"/>
+              </a:highlight>
+            </a:endParaRPr>
+          </a:p>
+        </p:txBody>
+      </p:sp>
+      <p:sp>
+        <p:nvSpPr>
+          <p:cNvPr id="11" name="액자 10">
+            <a:extLst>
+              <a:ext uri="{FF2B5EF4-FFF2-40B4-BE49-F238E27FC236}">
+                <a16:creationId xmlns:a16="http://schemas.microsoft.com/office/drawing/2014/main" id="{7CAE6932-2E08-4637-A718-F1E2C4ADC9C3}"/>
+              </a:ext>
+            </a:extLst>
+          </p:cNvPr>
+          <p:cNvSpPr/>
+          <p:nvPr/>
+        </p:nvSpPr>
+        <p:spPr>
+          <a:xfrm>
+            <a:off x="4758150" y="1969893"/>
+            <a:ext cx="901700" cy="355600"/>
+          </a:xfrm>
+          <a:prstGeom prst="frame">
+            <a:avLst/>
+          </a:prstGeom>
+        </p:spPr>
+        <p:style>
+          <a:lnRef idx="2">
+            <a:schemeClr val="accent1">
+              <a:shade val="15000"/>
+            </a:schemeClr>
+          </a:lnRef>
+          <a:fillRef idx="1">
+            <a:schemeClr val="accent1"/>
+          </a:fillRef>
+          <a:effectRef idx="0">
+            <a:schemeClr val="accent1"/>
+          </a:effectRef>
+          <a:fontRef idx="minor">
+            <a:schemeClr val="lt1"/>
+          </a:fontRef>
+        </p:style>
+        <p:txBody>
+          <a:bodyPr rtlCol="0" anchor="ctr"/>
+          <a:lstStyle/>
+          <a:p>
+            <a:pPr algn="ctr"/>
+            <a:r>
+              <a:rPr lang="en-US" altLang="ko-KR" sz="900">
+                <a:solidFill>
+                  <a:schemeClr val="tx1"/>
+                </a:solidFill>
+                <a:highlight>
+                  <a:srgbClr val="FFFF00"/>
+                </a:highlight>
+              </a:rPr>
+              <a:t>KIT_3rd_stp</a:t>
+            </a:r>
+            <a:endParaRPr lang="ko-KR" altLang="en-US" sz="900">
+              <a:solidFill>
+                <a:schemeClr val="tx1"/>
+              </a:solidFill>
+              <a:highlight>
+                <a:srgbClr val="FFFF00"/>
+              </a:highlight>
+            </a:endParaRPr>
+          </a:p>
+        </p:txBody>
+      </p:sp>
+      <p:sp>
+        <p:nvSpPr>
+          <p:cNvPr id="12" name="액자 11">
+            <a:extLst>
+              <a:ext uri="{FF2B5EF4-FFF2-40B4-BE49-F238E27FC236}">
+                <a16:creationId xmlns:a16="http://schemas.microsoft.com/office/drawing/2014/main" id="{5085D7EC-0C98-4E11-6BD5-87F781F52CE7}"/>
+              </a:ext>
+            </a:extLst>
+          </p:cNvPr>
+          <p:cNvSpPr/>
+          <p:nvPr/>
+        </p:nvSpPr>
+        <p:spPr>
+          <a:xfrm>
+            <a:off x="3271380" y="1969893"/>
+            <a:ext cx="901700" cy="355600"/>
+          </a:xfrm>
+          <a:prstGeom prst="frame">
+            <a:avLst/>
+          </a:prstGeom>
+        </p:spPr>
+        <p:style>
+          <a:lnRef idx="2">
+            <a:schemeClr val="accent1">
+              <a:shade val="15000"/>
+            </a:schemeClr>
+          </a:lnRef>
+          <a:fillRef idx="1">
+            <a:schemeClr val="accent1"/>
+          </a:fillRef>
+          <a:effectRef idx="0">
+            <a:schemeClr val="accent1"/>
+          </a:effectRef>
+          <a:fontRef idx="minor">
+            <a:schemeClr val="lt1"/>
+          </a:fontRef>
+        </p:style>
+        <p:txBody>
+          <a:bodyPr rtlCol="0" anchor="ctr"/>
+          <a:lstStyle/>
+          <a:p>
+            <a:pPr algn="ctr"/>
+            <a:r>
+              <a:rPr lang="en-US" altLang="ko-KR" sz="900">
+                <a:solidFill>
+                  <a:schemeClr val="tx1"/>
+                </a:solidFill>
+                <a:highlight>
+                  <a:srgbClr val="FFFF00"/>
+                </a:highlight>
+              </a:rPr>
+              <a:t>KIT_4th_stp</a:t>
+            </a:r>
+            <a:endParaRPr lang="ko-KR" altLang="en-US" sz="900">
+              <a:solidFill>
+                <a:schemeClr val="tx1"/>
+              </a:solidFill>
+              <a:highlight>
+                <a:srgbClr val="FFFF00"/>
+              </a:highlight>
+            </a:endParaRPr>
+          </a:p>
+        </p:txBody>
+      </p:sp>
+      <p:sp>
+        <p:nvSpPr>
+          <p:cNvPr id="13" name="액자 12">
+            <a:extLst>
+              <a:ext uri="{FF2B5EF4-FFF2-40B4-BE49-F238E27FC236}">
+                <a16:creationId xmlns:a16="http://schemas.microsoft.com/office/drawing/2014/main" id="{0FE30A84-6AF5-F3D9-29C0-B12AFA4D45DE}"/>
+              </a:ext>
+            </a:extLst>
+          </p:cNvPr>
+          <p:cNvSpPr/>
+          <p:nvPr/>
+        </p:nvSpPr>
+        <p:spPr>
+          <a:xfrm>
+            <a:off x="6244920" y="1969893"/>
+            <a:ext cx="901700" cy="355600"/>
+          </a:xfrm>
+          <a:prstGeom prst="frame">
+            <a:avLst/>
+          </a:prstGeom>
+        </p:spPr>
+        <p:style>
+          <a:lnRef idx="2">
+            <a:schemeClr val="accent1">
+              <a:shade val="15000"/>
+            </a:schemeClr>
+          </a:lnRef>
+          <a:fillRef idx="1">
+            <a:schemeClr val="accent1"/>
+          </a:fillRef>
+          <a:effectRef idx="0">
+            <a:schemeClr val="accent1"/>
+          </a:effectRef>
+          <a:fontRef idx="minor">
+            <a:schemeClr val="lt1"/>
+          </a:fontRef>
+        </p:style>
+        <p:txBody>
+          <a:bodyPr rtlCol="0" anchor="ctr"/>
+          <a:lstStyle/>
+          <a:p>
+            <a:pPr algn="ctr"/>
+            <a:r>
+              <a:rPr lang="en-US" altLang="ko-KR" sz="900">
+                <a:solidFill>
+                  <a:schemeClr val="tx1"/>
+                </a:solidFill>
+                <a:highlight>
+                  <a:srgbClr val="FFFF00"/>
+                </a:highlight>
+              </a:rPr>
+              <a:t>KIT_2nd_stp</a:t>
+            </a:r>
+            <a:endParaRPr lang="ko-KR" altLang="en-US" sz="900">
+              <a:solidFill>
+                <a:schemeClr val="tx1"/>
+              </a:solidFill>
+              <a:highlight>
+                <a:srgbClr val="FFFF00"/>
+              </a:highlight>
+            </a:endParaRPr>
+          </a:p>
+        </p:txBody>
+      </p:sp>
+      <p:sp>
+        <p:nvSpPr>
+          <p:cNvPr id="14" name="액자 13">
+            <a:extLst>
+              <a:ext uri="{FF2B5EF4-FFF2-40B4-BE49-F238E27FC236}">
+                <a16:creationId xmlns:a16="http://schemas.microsoft.com/office/drawing/2014/main" id="{6E81505A-A0D7-1C8D-7681-8ECEF06DCCB7}"/>
+              </a:ext>
+            </a:extLst>
+          </p:cNvPr>
+          <p:cNvSpPr/>
+          <p:nvPr/>
+        </p:nvSpPr>
+        <p:spPr>
+          <a:xfrm>
+            <a:off x="7731690" y="1969893"/>
+            <a:ext cx="901700" cy="355600"/>
+          </a:xfrm>
+          <a:prstGeom prst="frame">
+            <a:avLst/>
+          </a:prstGeom>
+        </p:spPr>
+        <p:style>
+          <a:lnRef idx="2">
+            <a:schemeClr val="accent1">
+              <a:shade val="15000"/>
+            </a:schemeClr>
+          </a:lnRef>
+          <a:fillRef idx="1">
+            <a:schemeClr val="accent1"/>
+          </a:fillRef>
+          <a:effectRef idx="0">
+            <a:schemeClr val="accent1"/>
+          </a:effectRef>
+          <a:fontRef idx="minor">
+            <a:schemeClr val="lt1"/>
+          </a:fontRef>
+        </p:style>
+        <p:txBody>
+          <a:bodyPr rtlCol="0" anchor="ctr"/>
+          <a:lstStyle/>
+          <a:p>
+            <a:pPr algn="ctr"/>
+            <a:r>
+              <a:rPr lang="en-US" altLang="ko-KR" sz="900">
+                <a:solidFill>
+                  <a:schemeClr val="tx1"/>
+                </a:solidFill>
+                <a:highlight>
+                  <a:srgbClr val="FFFF00"/>
+                </a:highlight>
+              </a:rPr>
+              <a:t>KIT_1st_stp</a:t>
+            </a:r>
+            <a:endParaRPr lang="ko-KR" altLang="en-US" sz="900">
+              <a:solidFill>
+                <a:schemeClr val="tx1"/>
+              </a:solidFill>
+              <a:highlight>
+                <a:srgbClr val="FFFF00"/>
+              </a:highlight>
+            </a:endParaRPr>
+          </a:p>
+        </p:txBody>
+      </p:sp>
+      <p:sp>
+        <p:nvSpPr>
+          <p:cNvPr id="16" name="액자 15">
+            <a:extLst>
+              <a:ext uri="{FF2B5EF4-FFF2-40B4-BE49-F238E27FC236}">
+                <a16:creationId xmlns:a16="http://schemas.microsoft.com/office/drawing/2014/main" id="{C382CEC6-513F-6D72-50EE-99A5AC535DF4}"/>
+              </a:ext>
+            </a:extLst>
+          </p:cNvPr>
+          <p:cNvSpPr/>
+          <p:nvPr/>
+        </p:nvSpPr>
+        <p:spPr>
+          <a:xfrm>
+            <a:off x="2131665" y="4168713"/>
+            <a:ext cx="660400" cy="355600"/>
+          </a:xfrm>
+          <a:prstGeom prst="frame">
+            <a:avLst/>
+          </a:prstGeom>
+        </p:spPr>
+        <p:style>
+          <a:lnRef idx="2">
+            <a:schemeClr val="accent1">
+              <a:shade val="15000"/>
+            </a:schemeClr>
+          </a:lnRef>
+          <a:fillRef idx="1">
+            <a:schemeClr val="accent1"/>
+          </a:fillRef>
+          <a:effectRef idx="0">
+            <a:schemeClr val="accent1"/>
+          </a:effectRef>
+          <a:fontRef idx="minor">
+            <a:schemeClr val="lt1"/>
+          </a:fontRef>
+        </p:style>
+        <p:txBody>
+          <a:bodyPr rtlCol="0" anchor="ctr"/>
+          <a:lstStyle/>
+          <a:p>
+            <a:pPr algn="ctr"/>
+            <a:r>
+              <a:rPr lang="en-US" altLang="ko-KR" sz="900">
+                <a:solidFill>
+                  <a:schemeClr val="tx1"/>
+                </a:solidFill>
+                <a:highlight>
+                  <a:srgbClr val="FFFF00"/>
+                </a:highlight>
+              </a:rPr>
+              <a:t>KIT_Out</a:t>
+            </a:r>
+            <a:endParaRPr lang="ko-KR" altLang="en-US" sz="900">
+              <a:solidFill>
+                <a:schemeClr val="tx1"/>
+              </a:solidFill>
+              <a:highlight>
+                <a:srgbClr val="FFFF00"/>
+              </a:highlight>
+            </a:endParaRPr>
+          </a:p>
+        </p:txBody>
+      </p:sp>
+      <p:sp>
+        <p:nvSpPr>
+          <p:cNvPr id="20" name="액자 19">
+            <a:extLst>
+              <a:ext uri="{FF2B5EF4-FFF2-40B4-BE49-F238E27FC236}">
+                <a16:creationId xmlns:a16="http://schemas.microsoft.com/office/drawing/2014/main" id="{8B81C6BC-6FEE-9243-7411-AC731335AB95}"/>
+              </a:ext>
+            </a:extLst>
+          </p:cNvPr>
+          <p:cNvSpPr/>
+          <p:nvPr/>
+        </p:nvSpPr>
+        <p:spPr>
+          <a:xfrm>
+            <a:off x="1934989" y="2766797"/>
+            <a:ext cx="8076216" cy="743319"/>
+          </a:xfrm>
+          <a:prstGeom prst="frame">
+            <a:avLst/>
+          </a:prstGeom>
+        </p:spPr>
+        <p:style>
+          <a:lnRef idx="2">
+            <a:schemeClr val="accent1">
+              <a:shade val="15000"/>
+            </a:schemeClr>
+          </a:lnRef>
+          <a:fillRef idx="1">
+            <a:schemeClr val="accent1"/>
+          </a:fillRef>
+          <a:effectRef idx="0">
+            <a:schemeClr val="accent1"/>
+          </a:effectRef>
+          <a:fontRef idx="minor">
+            <a:schemeClr val="lt1"/>
+          </a:fontRef>
+        </p:style>
+        <p:txBody>
+          <a:bodyPr rtlCol="0" anchor="ctr"/>
+          <a:lstStyle/>
+          <a:p>
+            <a:pPr algn="ctr"/>
+            <a:r>
+              <a:rPr lang="en-US" altLang="ko-KR" sz="900" dirty="0" err="1">
+                <a:solidFill>
+                  <a:schemeClr val="tx1"/>
+                </a:solidFill>
+                <a:highlight>
+                  <a:srgbClr val="FFFF00"/>
+                </a:highlight>
+              </a:rPr>
+              <a:t>KIT_Cv_Frt</a:t>
+            </a:r>
+            <a:endParaRPr lang="ko-KR" altLang="en-US" sz="900" dirty="0">
+              <a:solidFill>
+                <a:schemeClr val="tx1"/>
+              </a:solidFill>
+              <a:highlight>
+                <a:srgbClr val="FFFF00"/>
+              </a:highlight>
+            </a:endParaRPr>
+          </a:p>
+        </p:txBody>
+      </p:sp>
+      <p:sp>
+        <p:nvSpPr>
+          <p:cNvPr id="21" name="액자 20">
+            <a:extLst>
+              <a:ext uri="{FF2B5EF4-FFF2-40B4-BE49-F238E27FC236}">
+                <a16:creationId xmlns:a16="http://schemas.microsoft.com/office/drawing/2014/main" id="{676AFFC8-9743-9F29-3905-47D1711C2B84}"/>
+              </a:ext>
+            </a:extLst>
+          </p:cNvPr>
+          <p:cNvSpPr/>
+          <p:nvPr/>
+        </p:nvSpPr>
+        <p:spPr>
+          <a:xfrm>
+            <a:off x="1860605" y="1126776"/>
+            <a:ext cx="8076216" cy="743319"/>
+          </a:xfrm>
+          <a:prstGeom prst="frame">
+            <a:avLst/>
+          </a:prstGeom>
+        </p:spPr>
+        <p:style>
+          <a:lnRef idx="2">
+            <a:schemeClr val="accent1">
+              <a:shade val="15000"/>
+            </a:schemeClr>
+          </a:lnRef>
+          <a:fillRef idx="1">
+            <a:schemeClr val="accent1"/>
+          </a:fillRef>
+          <a:effectRef idx="0">
+            <a:schemeClr val="accent1"/>
+          </a:effectRef>
+          <a:fontRef idx="minor">
+            <a:schemeClr val="lt1"/>
+          </a:fontRef>
+        </p:style>
+        <p:txBody>
+          <a:bodyPr rtlCol="0" anchor="ctr"/>
+          <a:lstStyle/>
+          <a:p>
+            <a:pPr algn="ctr"/>
+            <a:r>
+              <a:rPr lang="en-US" altLang="ko-KR" sz="900" dirty="0" err="1">
+                <a:solidFill>
+                  <a:schemeClr val="tx1"/>
+                </a:solidFill>
+                <a:highlight>
+                  <a:srgbClr val="FFFF00"/>
+                </a:highlight>
+              </a:rPr>
+              <a:t>KIT_Cv_RR</a:t>
+            </a:r>
+            <a:endParaRPr lang="ko-KR" altLang="en-US" sz="900" dirty="0">
+              <a:solidFill>
+                <a:schemeClr val="tx1"/>
+              </a:solidFill>
+              <a:highlight>
+                <a:srgbClr val="FFFF00"/>
+              </a:highlight>
+            </a:endParaRPr>
+          </a:p>
+        </p:txBody>
+      </p:sp>
+    </p:spTree>
+    <p:extLst>
+      <p:ext uri="{BB962C8B-B14F-4D97-AF65-F5344CB8AC3E}">
+        <p14:creationId xmlns:p14="http://schemas.microsoft.com/office/powerpoint/2010/main" val="2423535627"/>
       </p:ext>
     </p:extLst>
   </p:cSld>

--- a/DsDotNet/src/UnitTest/UnitTest.Model/ImportOfficeExample/Sample/kit.pptx
+++ b/DsDotNet/src/UnitTest/UnitTest.Model/ImportOfficeExample/Sample/kit.pptx
@@ -5,18 +5,17 @@
     <p:sldMasterId id="2147483700" r:id="rId1"/>
   </p:sldMasterIdLst>
   <p:notesMasterIdLst>
-    <p:notesMasterId r:id="rId8"/>
+    <p:notesMasterId r:id="rId7"/>
   </p:notesMasterIdLst>
   <p:handoutMasterIdLst>
-    <p:handoutMasterId r:id="rId9"/>
+    <p:handoutMasterId r:id="rId8"/>
   </p:handoutMasterIdLst>
   <p:sldIdLst>
     <p:sldId id="741" r:id="rId2"/>
     <p:sldId id="733" r:id="rId3"/>
     <p:sldId id="760" r:id="rId4"/>
     <p:sldId id="758" r:id="rId5"/>
-    <p:sldId id="757" r:id="rId6"/>
-    <p:sldId id="759" r:id="rId7"/>
+    <p:sldId id="759" r:id="rId6"/>
   </p:sldIdLst>
   <p:sldSz cx="12192000" cy="6858000"/>
   <p:notesSz cx="6797675" cy="9926638"/>
@@ -220,7 +219,7 @@
           <a:p>
             <a:fld id="{DD503887-5801-43A0-AEF9-041E8DDC2558}" type="datetimeFigureOut">
               <a:rPr lang="ko-KR" altLang="en-US" smtClean="0"/>
-              <a:t>2023-12-29</a:t>
+              <a:t>2024-01-01</a:t>
             </a:fld>
             <a:endParaRPr lang="ko-KR" altLang="en-US" dirty="0"/>
           </a:p>
@@ -397,7 +396,7 @@
           <a:p>
             <a:fld id="{95336A0E-57B1-4D4C-BD9B-2F72B5943464}" type="datetimeFigureOut">
               <a:rPr lang="ko-KR" altLang="en-US" smtClean="0"/>
-              <a:t>2023-12-29</a:t>
+              <a:t>2024-01-01</a:t>
             </a:fld>
             <a:endParaRPr lang="ko-KR" altLang="en-US" dirty="0"/>
           </a:p>
@@ -879,7 +878,7 @@
           <a:p>
             <a:fld id="{229D12C7-0FF5-4972-A033-474EFFC79F40}" type="datetime1">
               <a:rPr lang="ko-KR" altLang="en-US" smtClean="0"/>
-              <a:t>2023-12-29</a:t>
+              <a:t>2024-01-01</a:t>
             </a:fld>
             <a:endParaRPr lang="ko-KR" altLang="en-US" dirty="0"/>
           </a:p>
@@ -1049,7 +1048,7 @@
           <a:p>
             <a:fld id="{5BA19FD4-B052-4F56-8FD8-EAFD078DEFB0}" type="datetime1">
               <a:rPr lang="ko-KR" altLang="en-US" smtClean="0"/>
-              <a:t>2023-12-29</a:t>
+              <a:t>2024-01-01</a:t>
             </a:fld>
             <a:endParaRPr lang="ko-KR" altLang="en-US" dirty="0"/>
           </a:p>
@@ -1229,7 +1228,7 @@
           <a:p>
             <a:fld id="{024994B9-23A6-4B0A-A038-AC140E83DAA3}" type="datetime1">
               <a:rPr lang="ko-KR" altLang="en-US" smtClean="0"/>
-              <a:t>2023-12-29</a:t>
+              <a:t>2024-01-01</a:t>
             </a:fld>
             <a:endParaRPr lang="ko-KR" altLang="en-US" dirty="0"/>
           </a:p>
@@ -1359,7 +1358,7 @@
           <a:p>
             <a:fld id="{B5B1BBC2-B738-4C35-AEE5-660EB2DEB482}" type="datetime1">
               <a:rPr lang="ko-KR" altLang="en-US" smtClean="0"/>
-              <a:t>2023-12-29</a:t>
+              <a:t>2024-01-01</a:t>
             </a:fld>
             <a:endParaRPr lang="ko-KR" altLang="en-US" dirty="0"/>
           </a:p>
@@ -6010,7 +6009,7 @@
           <a:p>
             <a:fld id="{70D0DAB2-87CB-4028-B965-3AA710ADF2CB}" type="datetime1">
               <a:rPr lang="ko-KR" altLang="en-US" smtClean="0"/>
-              <a:t>2023-12-29</a:t>
+              <a:t>2024-01-01</a:t>
             </a:fld>
             <a:endParaRPr lang="ko-KR" altLang="en-US" dirty="0"/>
           </a:p>
@@ -6256,7 +6255,7 @@
           <a:p>
             <a:fld id="{63FA3D71-FEA8-477F-9D1E-EA860F411BC7}" type="datetime1">
               <a:rPr lang="ko-KR" altLang="en-US" smtClean="0"/>
-              <a:t>2023-12-29</a:t>
+              <a:t>2024-01-01</a:t>
             </a:fld>
             <a:endParaRPr lang="ko-KR" altLang="en-US" dirty="0"/>
           </a:p>
@@ -6488,7 +6487,7 @@
           <a:p>
             <a:fld id="{F58E3EF4-7980-4C97-BA64-EC66995BB574}" type="datetime1">
               <a:rPr lang="ko-KR" altLang="en-US" smtClean="0"/>
-              <a:t>2023-12-29</a:t>
+              <a:t>2024-01-01</a:t>
             </a:fld>
             <a:endParaRPr lang="ko-KR" altLang="en-US" dirty="0"/>
           </a:p>
@@ -6855,7 +6854,7 @@
           <a:p>
             <a:fld id="{FC9BC1D0-7D6B-4634-9D19-644040D74EAE}" type="datetime1">
               <a:rPr lang="ko-KR" altLang="en-US" smtClean="0"/>
-              <a:t>2023-12-29</a:t>
+              <a:t>2024-01-01</a:t>
             </a:fld>
             <a:endParaRPr lang="ko-KR" altLang="en-US" dirty="0"/>
           </a:p>
@@ -6973,7 +6972,7 @@
           <a:p>
             <a:fld id="{B5B1BBC2-B738-4C35-AEE5-660EB2DEB482}" type="datetime1">
               <a:rPr lang="ko-KR" altLang="en-US" smtClean="0"/>
-              <a:t>2023-12-29</a:t>
+              <a:t>2024-01-01</a:t>
             </a:fld>
             <a:endParaRPr lang="ko-KR" altLang="en-US" dirty="0"/>
           </a:p>
@@ -11537,7 +11536,7 @@
           <a:p>
             <a:fld id="{C60E9F93-7E77-4F36-B88C-A425F00C8D91}" type="datetime1">
               <a:rPr lang="ko-KR" altLang="en-US" smtClean="0"/>
-              <a:t>2023-12-29</a:t>
+              <a:t>2024-01-01</a:t>
             </a:fld>
             <a:endParaRPr lang="ko-KR" altLang="en-US" dirty="0"/>
           </a:p>
@@ -11814,7 +11813,7 @@
           <a:p>
             <a:fld id="{36BCCD0E-2A54-4016-BFFC-FEAABCDA6915}" type="datetime1">
               <a:rPr lang="ko-KR" altLang="en-US" smtClean="0"/>
-              <a:t>2023-12-29</a:t>
+              <a:t>2024-01-01</a:t>
             </a:fld>
             <a:endParaRPr lang="ko-KR" altLang="en-US" dirty="0"/>
           </a:p>
@@ -12071,7 +12070,7 @@
           <a:p>
             <a:fld id="{C984B0C4-64BA-4E4C-B5E6-A51EE3F6ED95}" type="datetime1">
               <a:rPr lang="ko-KR" altLang="en-US" smtClean="0"/>
-              <a:t>2023-12-29</a:t>
+              <a:t>2024-01-01</a:t>
             </a:fld>
             <a:endParaRPr lang="ko-KR" altLang="en-US" dirty="0"/>
           </a:p>
@@ -12285,7 +12284,7 @@
           <a:p>
             <a:fld id="{C984B0C4-64BA-4E4C-B5E6-A51EE3F6ED95}" type="datetime1">
               <a:rPr lang="ko-KR" altLang="en-US" smtClean="0"/>
-              <a:t>2023-12-29</a:t>
+              <a:t>2024-01-01</a:t>
             </a:fld>
             <a:endParaRPr lang="ko-KR" altLang="en-US" dirty="0"/>
           </a:p>
@@ -22907,962 +22906,6 @@
 <file path=ppt/slides/slide5.xml><?xml version="1.0" encoding="utf-8"?>
 <p:sld xmlns:a="http://schemas.openxmlformats.org/drawingml/2006/main" xmlns:r="http://schemas.openxmlformats.org/officeDocument/2006/relationships" xmlns:p="http://schemas.openxmlformats.org/presentationml/2006/main">
   <p:cSld>
-    <p:bg>
-      <p:bgPr>
-        <a:solidFill>
-          <a:srgbClr val="696969"/>
-        </a:solidFill>
-        <a:effectLst/>
-      </p:bgPr>
-    </p:bg>
-    <p:spTree>
-      <p:nvGrpSpPr>
-        <p:cNvPr id="1" name=""/>
-        <p:cNvGrpSpPr/>
-        <p:nvPr/>
-      </p:nvGrpSpPr>
-      <p:grpSpPr>
-        <a:xfrm>
-          <a:off x="0" y="0"/>
-          <a:ext cx="0" cy="0"/>
-          <a:chOff x="0" y="0"/>
-          <a:chExt cx="0" cy="0"/>
-        </a:xfrm>
-      </p:grpSpPr>
-      <p:pic>
-        <p:nvPicPr>
-          <p:cNvPr id="19" name="그림 18">
-            <a:extLst>
-              <a:ext uri="{FF2B5EF4-FFF2-40B4-BE49-F238E27FC236}">
-                <a16:creationId xmlns:a16="http://schemas.microsoft.com/office/drawing/2014/main" id="{0A570A5A-F82D-5A9A-A039-D76A73F22CA3}"/>
-              </a:ext>
-            </a:extLst>
-          </p:cNvPr>
-          <p:cNvPicPr>
-            <a:picLocks noChangeAspect="1"/>
-          </p:cNvPicPr>
-          <p:nvPr/>
-        </p:nvPicPr>
-        <p:blipFill>
-          <a:blip r:embed="rId2"/>
-          <a:stretch>
-            <a:fillRect/>
-          </a:stretch>
-        </p:blipFill>
-        <p:spPr>
-          <a:xfrm>
-            <a:off x="62975" y="0"/>
-            <a:ext cx="12129025" cy="6858000"/>
-          </a:xfrm>
-          <a:prstGeom prst="rect">
-            <a:avLst/>
-          </a:prstGeom>
-        </p:spPr>
-      </p:pic>
-      <p:sp>
-        <p:nvSpPr>
-          <p:cNvPr id="2" name="TextBox 1">
-            <a:extLst>
-              <a:ext uri="{FF2B5EF4-FFF2-40B4-BE49-F238E27FC236}">
-                <a16:creationId xmlns:a16="http://schemas.microsoft.com/office/drawing/2014/main" id="{3C51C77D-9F46-ACE1-05F9-2E025647D825}"/>
-              </a:ext>
-            </a:extLst>
-          </p:cNvPr>
-          <p:cNvSpPr txBox="1"/>
-          <p:nvPr/>
-        </p:nvSpPr>
-        <p:spPr>
-          <a:xfrm>
-            <a:off x="254000" y="127000"/>
-            <a:ext cx="15240000" cy="381000"/>
-          </a:xfrm>
-          <a:prstGeom prst="rect">
-            <a:avLst/>
-          </a:prstGeom>
-          <a:noFill/>
-        </p:spPr>
-        <p:txBody>
-          <a:bodyPr vert="horz" rtlCol="0">
-            <a:spAutoFit/>
-          </a:bodyPr>
-          <a:lstStyle/>
-          <a:p>
-            <a:r>
-              <a:rPr lang="en-US" altLang="ko-KR">
-                <a:highlight>
-                  <a:srgbClr val="FFFF00"/>
-                </a:highlight>
-              </a:rPr>
-              <a:t>Layout : KIT</a:t>
-            </a:r>
-            <a:endParaRPr lang="ko-KR" altLang="en-US">
-              <a:highlight>
-                <a:srgbClr val="FFFF00"/>
-              </a:highlight>
-            </a:endParaRPr>
-          </a:p>
-        </p:txBody>
-      </p:sp>
-      <p:sp>
-        <p:nvSpPr>
-          <p:cNvPr id="3" name="TextBox 2">
-            <a:extLst>
-              <a:ext uri="{FF2B5EF4-FFF2-40B4-BE49-F238E27FC236}">
-                <a16:creationId xmlns:a16="http://schemas.microsoft.com/office/drawing/2014/main" id="{8A888088-99C4-3DE3-D024-AAE21941A3CD}"/>
-              </a:ext>
-            </a:extLst>
-          </p:cNvPr>
-          <p:cNvSpPr txBox="1"/>
-          <p:nvPr/>
-        </p:nvSpPr>
-        <p:spPr>
-          <a:xfrm>
-            <a:off x="254000" y="508000"/>
-            <a:ext cx="15240000" cy="381000"/>
-          </a:xfrm>
-          <a:prstGeom prst="rect">
-            <a:avLst/>
-          </a:prstGeom>
-          <a:noFill/>
-        </p:spPr>
-        <p:txBody>
-          <a:bodyPr vert="horz" rtlCol="0">
-            <a:spAutoFit/>
-          </a:bodyPr>
-          <a:lstStyle/>
-          <a:p>
-            <a:r>
-              <a:rPr lang="en-US" altLang="ko-KR" dirty="0">
-                <a:highlight>
-                  <a:srgbClr val="FFFF00"/>
-                </a:highlight>
-              </a:rPr>
-              <a:t>[Path]http://192.168.9.44:42039/</a:t>
-            </a:r>
-            <a:r>
-              <a:rPr lang="en-US" altLang="ko-KR" dirty="0" err="1">
-                <a:highlight>
-                  <a:srgbClr val="FFFF00"/>
-                </a:highlight>
-              </a:rPr>
-              <a:t>videostream.cgi?user</a:t>
-            </a:r>
-            <a:r>
-              <a:rPr lang="en-US" altLang="ko-KR" dirty="0">
-                <a:highlight>
-                  <a:srgbClr val="FFFF00"/>
-                </a:highlight>
-              </a:rPr>
-              <a:t>=</a:t>
-            </a:r>
-            <a:r>
-              <a:rPr lang="en-US" altLang="ko-KR" dirty="0" err="1">
-                <a:highlight>
-                  <a:srgbClr val="FFFF00"/>
-                </a:highlight>
-              </a:rPr>
-              <a:t>admin&amp;pwd</a:t>
-            </a:r>
-            <a:r>
-              <a:rPr lang="en-US" altLang="ko-KR" dirty="0">
-                <a:highlight>
-                  <a:srgbClr val="FFFF00"/>
-                </a:highlight>
-              </a:rPr>
-              <a:t>=888888</a:t>
-            </a:r>
-            <a:endParaRPr lang="ko-KR" altLang="en-US" dirty="0">
-              <a:highlight>
-                <a:srgbClr val="FFFF00"/>
-              </a:highlight>
-            </a:endParaRPr>
-          </a:p>
-        </p:txBody>
-      </p:sp>
-      <p:sp>
-        <p:nvSpPr>
-          <p:cNvPr id="5" name="액자 4">
-            <a:extLst>
-              <a:ext uri="{FF2B5EF4-FFF2-40B4-BE49-F238E27FC236}">
-                <a16:creationId xmlns:a16="http://schemas.microsoft.com/office/drawing/2014/main" id="{8BE06825-0F3F-820B-0A61-EDB41B0175B9}"/>
-              </a:ext>
-            </a:extLst>
-          </p:cNvPr>
-          <p:cNvSpPr/>
-          <p:nvPr/>
-        </p:nvSpPr>
-        <p:spPr>
-          <a:xfrm>
-            <a:off x="9251021" y="576989"/>
-            <a:ext cx="685800" cy="279400"/>
-          </a:xfrm>
-          <a:prstGeom prst="frame">
-            <a:avLst/>
-          </a:prstGeom>
-        </p:spPr>
-        <p:style>
-          <a:lnRef idx="2">
-            <a:schemeClr val="accent1">
-              <a:shade val="15000"/>
-            </a:schemeClr>
-          </a:lnRef>
-          <a:fillRef idx="1">
-            <a:schemeClr val="accent1"/>
-          </a:fillRef>
-          <a:effectRef idx="0">
-            <a:schemeClr val="accent1"/>
-          </a:effectRef>
-          <a:fontRef idx="minor">
-            <a:schemeClr val="lt1"/>
-          </a:fontRef>
-        </p:style>
-        <p:txBody>
-          <a:bodyPr rtlCol="0" anchor="ctr"/>
-          <a:lstStyle/>
-          <a:p>
-            <a:pPr algn="ctr"/>
-            <a:r>
-              <a:rPr lang="en-US" altLang="ko-KR" sz="900">
-                <a:solidFill>
-                  <a:schemeClr val="tx1"/>
-                </a:solidFill>
-                <a:highlight>
-                  <a:srgbClr val="FFFF00"/>
-                </a:highlight>
-              </a:rPr>
-              <a:t>KIT_In</a:t>
-            </a:r>
-            <a:endParaRPr lang="ko-KR" altLang="en-US" sz="900">
-              <a:solidFill>
-                <a:schemeClr val="tx1"/>
-              </a:solidFill>
-              <a:highlight>
-                <a:srgbClr val="FFFF00"/>
-              </a:highlight>
-            </a:endParaRPr>
-          </a:p>
-        </p:txBody>
-      </p:sp>
-      <p:sp>
-        <p:nvSpPr>
-          <p:cNvPr id="7" name="액자 6">
-            <a:extLst>
-              <a:ext uri="{FF2B5EF4-FFF2-40B4-BE49-F238E27FC236}">
-                <a16:creationId xmlns:a16="http://schemas.microsoft.com/office/drawing/2014/main" id="{5FC6D3C6-036B-7A25-9671-2B4C256E40C4}"/>
-              </a:ext>
-            </a:extLst>
-          </p:cNvPr>
-          <p:cNvSpPr/>
-          <p:nvPr/>
-        </p:nvSpPr>
-        <p:spPr>
-          <a:xfrm>
-            <a:off x="7708094" y="4572000"/>
-            <a:ext cx="901700" cy="355600"/>
-          </a:xfrm>
-          <a:prstGeom prst="frame">
-            <a:avLst/>
-          </a:prstGeom>
-        </p:spPr>
-        <p:style>
-          <a:lnRef idx="2">
-            <a:schemeClr val="accent1">
-              <a:shade val="15000"/>
-            </a:schemeClr>
-          </a:lnRef>
-          <a:fillRef idx="1">
-            <a:schemeClr val="accent1"/>
-          </a:fillRef>
-          <a:effectRef idx="0">
-            <a:schemeClr val="accent1"/>
-          </a:effectRef>
-          <a:fontRef idx="minor">
-            <a:schemeClr val="lt1"/>
-          </a:fontRef>
-        </p:style>
-        <p:txBody>
-          <a:bodyPr rtlCol="0" anchor="ctr"/>
-          <a:lstStyle/>
-          <a:p>
-            <a:pPr algn="ctr"/>
-            <a:r>
-              <a:rPr lang="en-US" altLang="ko-KR" sz="900">
-                <a:solidFill>
-                  <a:schemeClr val="tx1"/>
-                </a:solidFill>
-                <a:highlight>
-                  <a:srgbClr val="FFFF00"/>
-                </a:highlight>
-              </a:rPr>
-              <a:t>KIT_1st_usb</a:t>
-            </a:r>
-            <a:endParaRPr lang="ko-KR" altLang="en-US" sz="900">
-              <a:solidFill>
-                <a:schemeClr val="tx1"/>
-              </a:solidFill>
-              <a:highlight>
-                <a:srgbClr val="FFFF00"/>
-              </a:highlight>
-            </a:endParaRPr>
-          </a:p>
-        </p:txBody>
-      </p:sp>
-      <p:sp>
-        <p:nvSpPr>
-          <p:cNvPr id="8" name="액자 7">
-            <a:extLst>
-              <a:ext uri="{FF2B5EF4-FFF2-40B4-BE49-F238E27FC236}">
-                <a16:creationId xmlns:a16="http://schemas.microsoft.com/office/drawing/2014/main" id="{12432AD5-692D-73FC-CCF3-55DF30D5686B}"/>
-              </a:ext>
-            </a:extLst>
-          </p:cNvPr>
-          <p:cNvSpPr/>
-          <p:nvPr/>
-        </p:nvSpPr>
-        <p:spPr>
-          <a:xfrm>
-            <a:off x="6296364" y="4572000"/>
-            <a:ext cx="901700" cy="355600"/>
-          </a:xfrm>
-          <a:prstGeom prst="frame">
-            <a:avLst/>
-          </a:prstGeom>
-        </p:spPr>
-        <p:style>
-          <a:lnRef idx="2">
-            <a:schemeClr val="accent1">
-              <a:shade val="15000"/>
-            </a:schemeClr>
-          </a:lnRef>
-          <a:fillRef idx="1">
-            <a:schemeClr val="accent1"/>
-          </a:fillRef>
-          <a:effectRef idx="0">
-            <a:schemeClr val="accent1"/>
-          </a:effectRef>
-          <a:fontRef idx="minor">
-            <a:schemeClr val="lt1"/>
-          </a:fontRef>
-        </p:style>
-        <p:txBody>
-          <a:bodyPr rtlCol="0" anchor="ctr"/>
-          <a:lstStyle/>
-          <a:p>
-            <a:pPr algn="ctr"/>
-            <a:r>
-              <a:rPr lang="en-US" altLang="ko-KR" sz="900">
-                <a:solidFill>
-                  <a:schemeClr val="tx1"/>
-                </a:solidFill>
-                <a:highlight>
-                  <a:srgbClr val="FFFF00"/>
-                </a:highlight>
-              </a:rPr>
-              <a:t>KIT_2nd_usb</a:t>
-            </a:r>
-            <a:endParaRPr lang="ko-KR" altLang="en-US" sz="900">
-              <a:solidFill>
-                <a:schemeClr val="tx1"/>
-              </a:solidFill>
-              <a:highlight>
-                <a:srgbClr val="FFFF00"/>
-              </a:highlight>
-            </a:endParaRPr>
-          </a:p>
-        </p:txBody>
-      </p:sp>
-      <p:sp>
-        <p:nvSpPr>
-          <p:cNvPr id="9" name="액자 8">
-            <a:extLst>
-              <a:ext uri="{FF2B5EF4-FFF2-40B4-BE49-F238E27FC236}">
-                <a16:creationId xmlns:a16="http://schemas.microsoft.com/office/drawing/2014/main" id="{C702FF4B-0C5C-A3EE-59B1-66BDE2F5ECD5}"/>
-              </a:ext>
-            </a:extLst>
-          </p:cNvPr>
-          <p:cNvSpPr/>
-          <p:nvPr/>
-        </p:nvSpPr>
-        <p:spPr>
-          <a:xfrm>
-            <a:off x="4884635" y="4572000"/>
-            <a:ext cx="901700" cy="355600"/>
-          </a:xfrm>
-          <a:prstGeom prst="frame">
-            <a:avLst/>
-          </a:prstGeom>
-        </p:spPr>
-        <p:style>
-          <a:lnRef idx="2">
-            <a:schemeClr val="accent1">
-              <a:shade val="15000"/>
-            </a:schemeClr>
-          </a:lnRef>
-          <a:fillRef idx="1">
-            <a:schemeClr val="accent1"/>
-          </a:fillRef>
-          <a:effectRef idx="0">
-            <a:schemeClr val="accent1"/>
-          </a:effectRef>
-          <a:fontRef idx="minor">
-            <a:schemeClr val="lt1"/>
-          </a:fontRef>
-        </p:style>
-        <p:txBody>
-          <a:bodyPr rtlCol="0" anchor="ctr"/>
-          <a:lstStyle/>
-          <a:p>
-            <a:pPr algn="ctr"/>
-            <a:r>
-              <a:rPr lang="en-US" altLang="ko-KR" sz="900">
-                <a:solidFill>
-                  <a:schemeClr val="tx1"/>
-                </a:solidFill>
-                <a:highlight>
-                  <a:srgbClr val="FFFF00"/>
-                </a:highlight>
-              </a:rPr>
-              <a:t>KIT_3rd_usb</a:t>
-            </a:r>
-            <a:endParaRPr lang="ko-KR" altLang="en-US" sz="900">
-              <a:solidFill>
-                <a:schemeClr val="tx1"/>
-              </a:solidFill>
-              <a:highlight>
-                <a:srgbClr val="FFFF00"/>
-              </a:highlight>
-            </a:endParaRPr>
-          </a:p>
-        </p:txBody>
-      </p:sp>
-      <p:sp>
-        <p:nvSpPr>
-          <p:cNvPr id="10" name="액자 9">
-            <a:extLst>
-              <a:ext uri="{FF2B5EF4-FFF2-40B4-BE49-F238E27FC236}">
-                <a16:creationId xmlns:a16="http://schemas.microsoft.com/office/drawing/2014/main" id="{29C81646-A6E4-D8B3-C3BB-6EF12BF6A8FA}"/>
-              </a:ext>
-            </a:extLst>
-          </p:cNvPr>
-          <p:cNvSpPr/>
-          <p:nvPr/>
-        </p:nvSpPr>
-        <p:spPr>
-          <a:xfrm>
-            <a:off x="3472906" y="4572000"/>
-            <a:ext cx="901700" cy="355600"/>
-          </a:xfrm>
-          <a:prstGeom prst="frame">
-            <a:avLst/>
-          </a:prstGeom>
-        </p:spPr>
-        <p:style>
-          <a:lnRef idx="2">
-            <a:schemeClr val="accent1">
-              <a:shade val="15000"/>
-            </a:schemeClr>
-          </a:lnRef>
-          <a:fillRef idx="1">
-            <a:schemeClr val="accent1"/>
-          </a:fillRef>
-          <a:effectRef idx="0">
-            <a:schemeClr val="accent1"/>
-          </a:effectRef>
-          <a:fontRef idx="minor">
-            <a:schemeClr val="lt1"/>
-          </a:fontRef>
-        </p:style>
-        <p:txBody>
-          <a:bodyPr rtlCol="0" anchor="ctr"/>
-          <a:lstStyle/>
-          <a:p>
-            <a:pPr algn="ctr"/>
-            <a:r>
-              <a:rPr lang="en-US" altLang="ko-KR" sz="900">
-                <a:solidFill>
-                  <a:schemeClr val="tx1"/>
-                </a:solidFill>
-                <a:highlight>
-                  <a:srgbClr val="FFFF00"/>
-                </a:highlight>
-              </a:rPr>
-              <a:t>KIT_4th_usb</a:t>
-            </a:r>
-            <a:endParaRPr lang="ko-KR" altLang="en-US" sz="900">
-              <a:solidFill>
-                <a:schemeClr val="tx1"/>
-              </a:solidFill>
-              <a:highlight>
-                <a:srgbClr val="FFFF00"/>
-              </a:highlight>
-            </a:endParaRPr>
-          </a:p>
-        </p:txBody>
-      </p:sp>
-      <p:sp>
-        <p:nvSpPr>
-          <p:cNvPr id="11" name="액자 10">
-            <a:extLst>
-              <a:ext uri="{FF2B5EF4-FFF2-40B4-BE49-F238E27FC236}">
-                <a16:creationId xmlns:a16="http://schemas.microsoft.com/office/drawing/2014/main" id="{7CAE6932-2E08-4637-A718-F1E2C4ADC9C3}"/>
-              </a:ext>
-            </a:extLst>
-          </p:cNvPr>
-          <p:cNvSpPr/>
-          <p:nvPr/>
-        </p:nvSpPr>
-        <p:spPr>
-          <a:xfrm>
-            <a:off x="4758150" y="1969893"/>
-            <a:ext cx="901700" cy="355600"/>
-          </a:xfrm>
-          <a:prstGeom prst="frame">
-            <a:avLst/>
-          </a:prstGeom>
-        </p:spPr>
-        <p:style>
-          <a:lnRef idx="2">
-            <a:schemeClr val="accent1">
-              <a:shade val="15000"/>
-            </a:schemeClr>
-          </a:lnRef>
-          <a:fillRef idx="1">
-            <a:schemeClr val="accent1"/>
-          </a:fillRef>
-          <a:effectRef idx="0">
-            <a:schemeClr val="accent1"/>
-          </a:effectRef>
-          <a:fontRef idx="minor">
-            <a:schemeClr val="lt1"/>
-          </a:fontRef>
-        </p:style>
-        <p:txBody>
-          <a:bodyPr rtlCol="0" anchor="ctr"/>
-          <a:lstStyle/>
-          <a:p>
-            <a:pPr algn="ctr"/>
-            <a:r>
-              <a:rPr lang="en-US" altLang="ko-KR" sz="900">
-                <a:solidFill>
-                  <a:schemeClr val="tx1"/>
-                </a:solidFill>
-                <a:highlight>
-                  <a:srgbClr val="FFFF00"/>
-                </a:highlight>
-              </a:rPr>
-              <a:t>KIT_3rd_stp</a:t>
-            </a:r>
-            <a:endParaRPr lang="ko-KR" altLang="en-US" sz="900">
-              <a:solidFill>
-                <a:schemeClr val="tx1"/>
-              </a:solidFill>
-              <a:highlight>
-                <a:srgbClr val="FFFF00"/>
-              </a:highlight>
-            </a:endParaRPr>
-          </a:p>
-        </p:txBody>
-      </p:sp>
-      <p:sp>
-        <p:nvSpPr>
-          <p:cNvPr id="12" name="액자 11">
-            <a:extLst>
-              <a:ext uri="{FF2B5EF4-FFF2-40B4-BE49-F238E27FC236}">
-                <a16:creationId xmlns:a16="http://schemas.microsoft.com/office/drawing/2014/main" id="{5085D7EC-0C98-4E11-6BD5-87F781F52CE7}"/>
-              </a:ext>
-            </a:extLst>
-          </p:cNvPr>
-          <p:cNvSpPr/>
-          <p:nvPr/>
-        </p:nvSpPr>
-        <p:spPr>
-          <a:xfrm>
-            <a:off x="3271380" y="1969893"/>
-            <a:ext cx="901700" cy="355600"/>
-          </a:xfrm>
-          <a:prstGeom prst="frame">
-            <a:avLst/>
-          </a:prstGeom>
-        </p:spPr>
-        <p:style>
-          <a:lnRef idx="2">
-            <a:schemeClr val="accent1">
-              <a:shade val="15000"/>
-            </a:schemeClr>
-          </a:lnRef>
-          <a:fillRef idx="1">
-            <a:schemeClr val="accent1"/>
-          </a:fillRef>
-          <a:effectRef idx="0">
-            <a:schemeClr val="accent1"/>
-          </a:effectRef>
-          <a:fontRef idx="minor">
-            <a:schemeClr val="lt1"/>
-          </a:fontRef>
-        </p:style>
-        <p:txBody>
-          <a:bodyPr rtlCol="0" anchor="ctr"/>
-          <a:lstStyle/>
-          <a:p>
-            <a:pPr algn="ctr"/>
-            <a:r>
-              <a:rPr lang="en-US" altLang="ko-KR" sz="900">
-                <a:solidFill>
-                  <a:schemeClr val="tx1"/>
-                </a:solidFill>
-                <a:highlight>
-                  <a:srgbClr val="FFFF00"/>
-                </a:highlight>
-              </a:rPr>
-              <a:t>KIT_4th_stp</a:t>
-            </a:r>
-            <a:endParaRPr lang="ko-KR" altLang="en-US" sz="900">
-              <a:solidFill>
-                <a:schemeClr val="tx1"/>
-              </a:solidFill>
-              <a:highlight>
-                <a:srgbClr val="FFFF00"/>
-              </a:highlight>
-            </a:endParaRPr>
-          </a:p>
-        </p:txBody>
-      </p:sp>
-      <p:sp>
-        <p:nvSpPr>
-          <p:cNvPr id="13" name="액자 12">
-            <a:extLst>
-              <a:ext uri="{FF2B5EF4-FFF2-40B4-BE49-F238E27FC236}">
-                <a16:creationId xmlns:a16="http://schemas.microsoft.com/office/drawing/2014/main" id="{0FE30A84-6AF5-F3D9-29C0-B12AFA4D45DE}"/>
-              </a:ext>
-            </a:extLst>
-          </p:cNvPr>
-          <p:cNvSpPr/>
-          <p:nvPr/>
-        </p:nvSpPr>
-        <p:spPr>
-          <a:xfrm>
-            <a:off x="6244920" y="1969893"/>
-            <a:ext cx="901700" cy="355600"/>
-          </a:xfrm>
-          <a:prstGeom prst="frame">
-            <a:avLst/>
-          </a:prstGeom>
-        </p:spPr>
-        <p:style>
-          <a:lnRef idx="2">
-            <a:schemeClr val="accent1">
-              <a:shade val="15000"/>
-            </a:schemeClr>
-          </a:lnRef>
-          <a:fillRef idx="1">
-            <a:schemeClr val="accent1"/>
-          </a:fillRef>
-          <a:effectRef idx="0">
-            <a:schemeClr val="accent1"/>
-          </a:effectRef>
-          <a:fontRef idx="minor">
-            <a:schemeClr val="lt1"/>
-          </a:fontRef>
-        </p:style>
-        <p:txBody>
-          <a:bodyPr rtlCol="0" anchor="ctr"/>
-          <a:lstStyle/>
-          <a:p>
-            <a:pPr algn="ctr"/>
-            <a:r>
-              <a:rPr lang="en-US" altLang="ko-KR" sz="900">
-                <a:solidFill>
-                  <a:schemeClr val="tx1"/>
-                </a:solidFill>
-                <a:highlight>
-                  <a:srgbClr val="FFFF00"/>
-                </a:highlight>
-              </a:rPr>
-              <a:t>KIT_2nd_stp</a:t>
-            </a:r>
-            <a:endParaRPr lang="ko-KR" altLang="en-US" sz="900">
-              <a:solidFill>
-                <a:schemeClr val="tx1"/>
-              </a:solidFill>
-              <a:highlight>
-                <a:srgbClr val="FFFF00"/>
-              </a:highlight>
-            </a:endParaRPr>
-          </a:p>
-        </p:txBody>
-      </p:sp>
-      <p:sp>
-        <p:nvSpPr>
-          <p:cNvPr id="14" name="액자 13">
-            <a:extLst>
-              <a:ext uri="{FF2B5EF4-FFF2-40B4-BE49-F238E27FC236}">
-                <a16:creationId xmlns:a16="http://schemas.microsoft.com/office/drawing/2014/main" id="{6E81505A-A0D7-1C8D-7681-8ECEF06DCCB7}"/>
-              </a:ext>
-            </a:extLst>
-          </p:cNvPr>
-          <p:cNvSpPr/>
-          <p:nvPr/>
-        </p:nvSpPr>
-        <p:spPr>
-          <a:xfrm>
-            <a:off x="7731690" y="1969893"/>
-            <a:ext cx="901700" cy="355600"/>
-          </a:xfrm>
-          <a:prstGeom prst="frame">
-            <a:avLst/>
-          </a:prstGeom>
-        </p:spPr>
-        <p:style>
-          <a:lnRef idx="2">
-            <a:schemeClr val="accent1">
-              <a:shade val="15000"/>
-            </a:schemeClr>
-          </a:lnRef>
-          <a:fillRef idx="1">
-            <a:schemeClr val="accent1"/>
-          </a:fillRef>
-          <a:effectRef idx="0">
-            <a:schemeClr val="accent1"/>
-          </a:effectRef>
-          <a:fontRef idx="minor">
-            <a:schemeClr val="lt1"/>
-          </a:fontRef>
-        </p:style>
-        <p:txBody>
-          <a:bodyPr rtlCol="0" anchor="ctr"/>
-          <a:lstStyle/>
-          <a:p>
-            <a:pPr algn="ctr"/>
-            <a:r>
-              <a:rPr lang="en-US" altLang="ko-KR" sz="900">
-                <a:solidFill>
-                  <a:schemeClr val="tx1"/>
-                </a:solidFill>
-                <a:highlight>
-                  <a:srgbClr val="FFFF00"/>
-                </a:highlight>
-              </a:rPr>
-              <a:t>KIT_1st_stp</a:t>
-            </a:r>
-            <a:endParaRPr lang="ko-KR" altLang="en-US" sz="900">
-              <a:solidFill>
-                <a:schemeClr val="tx1"/>
-              </a:solidFill>
-              <a:highlight>
-                <a:srgbClr val="FFFF00"/>
-              </a:highlight>
-            </a:endParaRPr>
-          </a:p>
-        </p:txBody>
-      </p:sp>
-      <p:sp>
-        <p:nvSpPr>
-          <p:cNvPr id="16" name="액자 15">
-            <a:extLst>
-              <a:ext uri="{FF2B5EF4-FFF2-40B4-BE49-F238E27FC236}">
-                <a16:creationId xmlns:a16="http://schemas.microsoft.com/office/drawing/2014/main" id="{C382CEC6-513F-6D72-50EE-99A5AC535DF4}"/>
-              </a:ext>
-            </a:extLst>
-          </p:cNvPr>
-          <p:cNvSpPr/>
-          <p:nvPr/>
-        </p:nvSpPr>
-        <p:spPr>
-          <a:xfrm>
-            <a:off x="2131665" y="4168713"/>
-            <a:ext cx="660400" cy="355600"/>
-          </a:xfrm>
-          <a:prstGeom prst="frame">
-            <a:avLst/>
-          </a:prstGeom>
-        </p:spPr>
-        <p:style>
-          <a:lnRef idx="2">
-            <a:schemeClr val="accent1">
-              <a:shade val="15000"/>
-            </a:schemeClr>
-          </a:lnRef>
-          <a:fillRef idx="1">
-            <a:schemeClr val="accent1"/>
-          </a:fillRef>
-          <a:effectRef idx="0">
-            <a:schemeClr val="accent1"/>
-          </a:effectRef>
-          <a:fontRef idx="minor">
-            <a:schemeClr val="lt1"/>
-          </a:fontRef>
-        </p:style>
-        <p:txBody>
-          <a:bodyPr rtlCol="0" anchor="ctr"/>
-          <a:lstStyle/>
-          <a:p>
-            <a:pPr algn="ctr"/>
-            <a:r>
-              <a:rPr lang="en-US" altLang="ko-KR" sz="900">
-                <a:solidFill>
-                  <a:schemeClr val="tx1"/>
-                </a:solidFill>
-                <a:highlight>
-                  <a:srgbClr val="FFFF00"/>
-                </a:highlight>
-              </a:rPr>
-              <a:t>KIT_Out</a:t>
-            </a:r>
-            <a:endParaRPr lang="ko-KR" altLang="en-US" sz="900">
-              <a:solidFill>
-                <a:schemeClr val="tx1"/>
-              </a:solidFill>
-              <a:highlight>
-                <a:srgbClr val="FFFF00"/>
-              </a:highlight>
-            </a:endParaRPr>
-          </a:p>
-        </p:txBody>
-      </p:sp>
-      <p:sp>
-        <p:nvSpPr>
-          <p:cNvPr id="20" name="액자 19">
-            <a:extLst>
-              <a:ext uri="{FF2B5EF4-FFF2-40B4-BE49-F238E27FC236}">
-                <a16:creationId xmlns:a16="http://schemas.microsoft.com/office/drawing/2014/main" id="{8B81C6BC-6FEE-9243-7411-AC731335AB95}"/>
-              </a:ext>
-            </a:extLst>
-          </p:cNvPr>
-          <p:cNvSpPr/>
-          <p:nvPr/>
-        </p:nvSpPr>
-        <p:spPr>
-          <a:xfrm>
-            <a:off x="1934989" y="2766797"/>
-            <a:ext cx="8076216" cy="743319"/>
-          </a:xfrm>
-          <a:prstGeom prst="frame">
-            <a:avLst/>
-          </a:prstGeom>
-        </p:spPr>
-        <p:style>
-          <a:lnRef idx="2">
-            <a:schemeClr val="accent1">
-              <a:shade val="15000"/>
-            </a:schemeClr>
-          </a:lnRef>
-          <a:fillRef idx="1">
-            <a:schemeClr val="accent1"/>
-          </a:fillRef>
-          <a:effectRef idx="0">
-            <a:schemeClr val="accent1"/>
-          </a:effectRef>
-          <a:fontRef idx="minor">
-            <a:schemeClr val="lt1"/>
-          </a:fontRef>
-        </p:style>
-        <p:txBody>
-          <a:bodyPr rtlCol="0" anchor="ctr"/>
-          <a:lstStyle/>
-          <a:p>
-            <a:pPr algn="ctr"/>
-            <a:r>
-              <a:rPr lang="en-US" altLang="ko-KR" sz="900" dirty="0" err="1">
-                <a:solidFill>
-                  <a:schemeClr val="tx1"/>
-                </a:solidFill>
-                <a:highlight>
-                  <a:srgbClr val="FFFF00"/>
-                </a:highlight>
-              </a:rPr>
-              <a:t>KIT_Cv_Frt</a:t>
-            </a:r>
-            <a:endParaRPr lang="ko-KR" altLang="en-US" sz="900" dirty="0">
-              <a:solidFill>
-                <a:schemeClr val="tx1"/>
-              </a:solidFill>
-              <a:highlight>
-                <a:srgbClr val="FFFF00"/>
-              </a:highlight>
-            </a:endParaRPr>
-          </a:p>
-        </p:txBody>
-      </p:sp>
-      <p:sp>
-        <p:nvSpPr>
-          <p:cNvPr id="21" name="액자 20">
-            <a:extLst>
-              <a:ext uri="{FF2B5EF4-FFF2-40B4-BE49-F238E27FC236}">
-                <a16:creationId xmlns:a16="http://schemas.microsoft.com/office/drawing/2014/main" id="{676AFFC8-9743-9F29-3905-47D1711C2B84}"/>
-              </a:ext>
-            </a:extLst>
-          </p:cNvPr>
-          <p:cNvSpPr/>
-          <p:nvPr/>
-        </p:nvSpPr>
-        <p:spPr>
-          <a:xfrm>
-            <a:off x="1860605" y="1126776"/>
-            <a:ext cx="8076216" cy="743319"/>
-          </a:xfrm>
-          <a:prstGeom prst="frame">
-            <a:avLst/>
-          </a:prstGeom>
-        </p:spPr>
-        <p:style>
-          <a:lnRef idx="2">
-            <a:schemeClr val="accent1">
-              <a:shade val="15000"/>
-            </a:schemeClr>
-          </a:lnRef>
-          <a:fillRef idx="1">
-            <a:schemeClr val="accent1"/>
-          </a:fillRef>
-          <a:effectRef idx="0">
-            <a:schemeClr val="accent1"/>
-          </a:effectRef>
-          <a:fontRef idx="minor">
-            <a:schemeClr val="lt1"/>
-          </a:fontRef>
-        </p:style>
-        <p:txBody>
-          <a:bodyPr rtlCol="0" anchor="ctr"/>
-          <a:lstStyle/>
-          <a:p>
-            <a:pPr algn="ctr"/>
-            <a:r>
-              <a:rPr lang="en-US" altLang="ko-KR" sz="900" dirty="0" err="1">
-                <a:solidFill>
-                  <a:schemeClr val="tx1"/>
-                </a:solidFill>
-                <a:highlight>
-                  <a:srgbClr val="FFFF00"/>
-                </a:highlight>
-              </a:rPr>
-              <a:t>KIT_Cv_RR</a:t>
-            </a:r>
-            <a:endParaRPr lang="ko-KR" altLang="en-US" sz="900" dirty="0">
-              <a:solidFill>
-                <a:schemeClr val="tx1"/>
-              </a:solidFill>
-              <a:highlight>
-                <a:srgbClr val="FFFF00"/>
-              </a:highlight>
-            </a:endParaRPr>
-          </a:p>
-        </p:txBody>
-      </p:sp>
-    </p:spTree>
-    <p:extLst>
-      <p:ext uri="{BB962C8B-B14F-4D97-AF65-F5344CB8AC3E}">
-        <p14:creationId xmlns:p14="http://schemas.microsoft.com/office/powerpoint/2010/main" val="3910182984"/>
-      </p:ext>
-    </p:extLst>
-  </p:cSld>
-  <p:clrMapOvr>
-    <a:masterClrMapping/>
-  </p:clrMapOvr>
-</p:sld>
-</file>
-
-<file path=ppt/slides/slide6.xml><?xml version="1.0" encoding="utf-8"?>
-<p:sld xmlns:a="http://schemas.openxmlformats.org/drawingml/2006/main" xmlns:r="http://schemas.openxmlformats.org/officeDocument/2006/relationships" xmlns:p="http://schemas.openxmlformats.org/presentationml/2006/main">
-  <p:cSld>
     <p:spTree>
       <p:nvGrpSpPr>
         <p:cNvPr id="1" name=""/>

--- a/DsDotNet/src/UnitTest/UnitTest.Model/ImportOfficeExample/Sample/kit.pptx
+++ b/DsDotNet/src/UnitTest/UnitTest.Model/ImportOfficeExample/Sample/kit.pptx
@@ -219,7 +219,7 @@
           <a:p>
             <a:fld id="{DD503887-5801-43A0-AEF9-041E8DDC2558}" type="datetimeFigureOut">
               <a:rPr lang="ko-KR" altLang="en-US" smtClean="0"/>
-              <a:t>2024-01-01</a:t>
+              <a:t>2024-02-07</a:t>
             </a:fld>
             <a:endParaRPr lang="ko-KR" altLang="en-US" dirty="0"/>
           </a:p>
@@ -396,7 +396,7 @@
           <a:p>
             <a:fld id="{95336A0E-57B1-4D4C-BD9B-2F72B5943464}" type="datetimeFigureOut">
               <a:rPr lang="ko-KR" altLang="en-US" smtClean="0"/>
-              <a:t>2024-01-01</a:t>
+              <a:t>2024-02-07</a:t>
             </a:fld>
             <a:endParaRPr lang="ko-KR" altLang="en-US" dirty="0"/>
           </a:p>
@@ -878,7 +878,7 @@
           <a:p>
             <a:fld id="{229D12C7-0FF5-4972-A033-474EFFC79F40}" type="datetime1">
               <a:rPr lang="ko-KR" altLang="en-US" smtClean="0"/>
-              <a:t>2024-01-01</a:t>
+              <a:t>2024-02-07</a:t>
             </a:fld>
             <a:endParaRPr lang="ko-KR" altLang="en-US" dirty="0"/>
           </a:p>
@@ -1048,7 +1048,7 @@
           <a:p>
             <a:fld id="{5BA19FD4-B052-4F56-8FD8-EAFD078DEFB0}" type="datetime1">
               <a:rPr lang="ko-KR" altLang="en-US" smtClean="0"/>
-              <a:t>2024-01-01</a:t>
+              <a:t>2024-02-07</a:t>
             </a:fld>
             <a:endParaRPr lang="ko-KR" altLang="en-US" dirty="0"/>
           </a:p>
@@ -1228,7 +1228,7 @@
           <a:p>
             <a:fld id="{024994B9-23A6-4B0A-A038-AC140E83DAA3}" type="datetime1">
               <a:rPr lang="ko-KR" altLang="en-US" smtClean="0"/>
-              <a:t>2024-01-01</a:t>
+              <a:t>2024-02-07</a:t>
             </a:fld>
             <a:endParaRPr lang="ko-KR" altLang="en-US" dirty="0"/>
           </a:p>
@@ -1358,7 +1358,7 @@
           <a:p>
             <a:fld id="{B5B1BBC2-B738-4C35-AEE5-660EB2DEB482}" type="datetime1">
               <a:rPr lang="ko-KR" altLang="en-US" smtClean="0"/>
-              <a:t>2024-01-01</a:t>
+              <a:t>2024-02-07</a:t>
             </a:fld>
             <a:endParaRPr lang="ko-KR" altLang="en-US" dirty="0"/>
           </a:p>
@@ -6009,7 +6009,7 @@
           <a:p>
             <a:fld id="{70D0DAB2-87CB-4028-B965-3AA710ADF2CB}" type="datetime1">
               <a:rPr lang="ko-KR" altLang="en-US" smtClean="0"/>
-              <a:t>2024-01-01</a:t>
+              <a:t>2024-02-07</a:t>
             </a:fld>
             <a:endParaRPr lang="ko-KR" altLang="en-US" dirty="0"/>
           </a:p>
@@ -6255,7 +6255,7 @@
           <a:p>
             <a:fld id="{63FA3D71-FEA8-477F-9D1E-EA860F411BC7}" type="datetime1">
               <a:rPr lang="ko-KR" altLang="en-US" smtClean="0"/>
-              <a:t>2024-01-01</a:t>
+              <a:t>2024-02-07</a:t>
             </a:fld>
             <a:endParaRPr lang="ko-KR" altLang="en-US" dirty="0"/>
           </a:p>
@@ -6487,7 +6487,7 @@
           <a:p>
             <a:fld id="{F58E3EF4-7980-4C97-BA64-EC66995BB574}" type="datetime1">
               <a:rPr lang="ko-KR" altLang="en-US" smtClean="0"/>
-              <a:t>2024-01-01</a:t>
+              <a:t>2024-02-07</a:t>
             </a:fld>
             <a:endParaRPr lang="ko-KR" altLang="en-US" dirty="0"/>
           </a:p>
@@ -6854,7 +6854,7 @@
           <a:p>
             <a:fld id="{FC9BC1D0-7D6B-4634-9D19-644040D74EAE}" type="datetime1">
               <a:rPr lang="ko-KR" altLang="en-US" smtClean="0"/>
-              <a:t>2024-01-01</a:t>
+              <a:t>2024-02-07</a:t>
             </a:fld>
             <a:endParaRPr lang="ko-KR" altLang="en-US" dirty="0"/>
           </a:p>
@@ -6972,7 +6972,7 @@
           <a:p>
             <a:fld id="{B5B1BBC2-B738-4C35-AEE5-660EB2DEB482}" type="datetime1">
               <a:rPr lang="ko-KR" altLang="en-US" smtClean="0"/>
-              <a:t>2024-01-01</a:t>
+              <a:t>2024-02-07</a:t>
             </a:fld>
             <a:endParaRPr lang="ko-KR" altLang="en-US" dirty="0"/>
           </a:p>
@@ -11536,7 +11536,7 @@
           <a:p>
             <a:fld id="{C60E9F93-7E77-4F36-B88C-A425F00C8D91}" type="datetime1">
               <a:rPr lang="ko-KR" altLang="en-US" smtClean="0"/>
-              <a:t>2024-01-01</a:t>
+              <a:t>2024-02-07</a:t>
             </a:fld>
             <a:endParaRPr lang="ko-KR" altLang="en-US" dirty="0"/>
           </a:p>
@@ -11813,7 +11813,7 @@
           <a:p>
             <a:fld id="{36BCCD0E-2A54-4016-BFFC-FEAABCDA6915}" type="datetime1">
               <a:rPr lang="ko-KR" altLang="en-US" smtClean="0"/>
-              <a:t>2024-01-01</a:t>
+              <a:t>2024-02-07</a:t>
             </a:fld>
             <a:endParaRPr lang="ko-KR" altLang="en-US" dirty="0"/>
           </a:p>
@@ -12070,7 +12070,7 @@
           <a:p>
             <a:fld id="{C984B0C4-64BA-4E4C-B5E6-A51EE3F6ED95}" type="datetime1">
               <a:rPr lang="ko-KR" altLang="en-US" smtClean="0"/>
-              <a:t>2024-01-01</a:t>
+              <a:t>2024-02-07</a:t>
             </a:fld>
             <a:endParaRPr lang="ko-KR" altLang="en-US" dirty="0"/>
           </a:p>
@@ -12284,7 +12284,7 @@
           <a:p>
             <a:fld id="{C984B0C4-64BA-4E4C-B5E6-A51EE3F6ED95}" type="datetime1">
               <a:rPr lang="ko-KR" altLang="en-US" smtClean="0"/>
-              <a:t>2024-01-01</a:t>
+              <a:t>2024-02-07</a:t>
             </a:fld>
             <a:endParaRPr lang="ko-KR" altLang="en-US" dirty="0"/>
           </a:p>
@@ -12904,10 +12904,10 @@
       </p:sp>
       <p:grpSp>
         <p:nvGrpSpPr>
-          <p:cNvPr id="18" name="그룹 17">
+          <p:cNvPr id="5" name="그룹 4">
             <a:extLst>
               <a:ext uri="{FF2B5EF4-FFF2-40B4-BE49-F238E27FC236}">
-                <a16:creationId xmlns:a16="http://schemas.microsoft.com/office/drawing/2014/main" id="{E5CB20A0-63E7-BE9C-DA0B-239029AF0515}"/>
+                <a16:creationId xmlns:a16="http://schemas.microsoft.com/office/drawing/2014/main" id="{7021D8CA-7CF1-1AFC-EED6-EFD2B57B14D8}"/>
               </a:ext>
             </a:extLst>
           </p:cNvPr>
@@ -14304,10 +14304,10 @@
       </p:sp>
       <p:grpSp>
         <p:nvGrpSpPr>
-          <p:cNvPr id="17" name="그룹 16">
+          <p:cNvPr id="4" name="그룹 3">
             <a:extLst>
               <a:ext uri="{FF2B5EF4-FFF2-40B4-BE49-F238E27FC236}">
-                <a16:creationId xmlns:a16="http://schemas.microsoft.com/office/drawing/2014/main" id="{097A9B40-AACF-05B4-A2C2-47164D9B2F36}"/>
+                <a16:creationId xmlns:a16="http://schemas.microsoft.com/office/drawing/2014/main" id="{8DA7F558-114E-622D-C2EF-09746F54BE1A}"/>
               </a:ext>
             </a:extLst>
           </p:cNvPr>
@@ -16631,10 +16631,10 @@
       </p:sp>
       <p:grpSp>
         <p:nvGrpSpPr>
-          <p:cNvPr id="16" name="그룹 15">
+          <p:cNvPr id="3" name="그룹 2">
             <a:extLst>
               <a:ext uri="{FF2B5EF4-FFF2-40B4-BE49-F238E27FC236}">
-                <a16:creationId xmlns:a16="http://schemas.microsoft.com/office/drawing/2014/main" id="{E9E91E7C-3701-166B-A3AF-5B0BFCD4A029}"/>
+                <a16:creationId xmlns:a16="http://schemas.microsoft.com/office/drawing/2014/main" id="{748593C8-0FCB-E79A-4D1F-DBCC3963BDC4}"/>
               </a:ext>
             </a:extLst>
           </p:cNvPr>
@@ -17756,10 +17756,10 @@
           <a:lstStyle/>
           <a:p>
             <a:r>
-              <a:rPr lang="en-US" altLang="ko-KR"/>
-              <a:t>Layout : KIT</a:t>
+              <a:rPr lang="en-US" altLang="ko-KR" dirty="0"/>
+              <a:t>[Layout] KIT</a:t>
             </a:r>
-            <a:endParaRPr lang="ko-KR" altLang="en-US"/>
+            <a:endParaRPr lang="ko-KR" altLang="en-US" dirty="0"/>
           </a:p>
         </p:txBody>
       </p:sp>
@@ -17833,10 +17833,10 @@
       </p:sp>
       <p:grpSp>
         <p:nvGrpSpPr>
-          <p:cNvPr id="20" name="그룹 19">
+          <p:cNvPr id="17" name="그룹 16">
             <a:extLst>
               <a:ext uri="{FF2B5EF4-FFF2-40B4-BE49-F238E27FC236}">
-                <a16:creationId xmlns:a16="http://schemas.microsoft.com/office/drawing/2014/main" id="{72B05EAE-994F-C800-12E2-4E7FD986A2F3}"/>
+                <a16:creationId xmlns:a16="http://schemas.microsoft.com/office/drawing/2014/main" id="{6E0E4B74-3AB5-9684-8AAB-EF3AEC5098FA}"/>
               </a:ext>
             </a:extLst>
           </p:cNvPr>
@@ -22979,18 +22979,10 @@
           <a:lstStyle/>
           <a:p>
             <a:r>
-              <a:rPr lang="en-US" altLang="ko-KR">
-                <a:highlight>
-                  <a:srgbClr val="FFFF00"/>
-                </a:highlight>
-              </a:rPr>
-              <a:t>Layout : KIT</a:t>
+              <a:rPr lang="en-US" altLang="ko-KR"/>
+              <a:t>[Layout] KIT2</a:t>
             </a:r>
-            <a:endParaRPr lang="ko-KR" altLang="en-US">
-              <a:highlight>
-                <a:srgbClr val="FFFF00"/>
-              </a:highlight>
-            </a:endParaRPr>
+            <a:endParaRPr lang="ko-KR" altLang="en-US" dirty="0"/>
           </a:p>
         </p:txBody>
       </p:sp>
